--- a/21010.pptx
+++ b/21010.pptx
@@ -5,12 +5,12 @@
     <p:sldMasterId id="2147483648" r:id="rId1"/>
   </p:sldMasterIdLst>
   <p:notesMasterIdLst>
-    <p:notesMasterId r:id="rId30"/>
+    <p:notesMasterId r:id="rId34"/>
   </p:notesMasterIdLst>
   <p:sldIdLst>
-    <p:sldId id="256" r:id="rId2"/>
-    <p:sldId id="257" r:id="rId3"/>
-    <p:sldId id="258" r:id="rId4"/>
+    <p:sldId id="259" r:id="rId2"/>
+    <p:sldId id="260" r:id="rId3"/>
+    <p:sldId id="261" r:id="rId4"/>
     <p:sldId id="308" r:id="rId5"/>
     <p:sldId id="309" r:id="rId6"/>
     <p:sldId id="310" r:id="rId7"/>
@@ -31,11 +31,15 @@
     <p:sldId id="325" r:id="rId22"/>
     <p:sldId id="326" r:id="rId23"/>
     <p:sldId id="327" r:id="rId24"/>
-    <p:sldId id="302" r:id="rId25"/>
-    <p:sldId id="328" r:id="rId26"/>
-    <p:sldId id="329" r:id="rId27"/>
-    <p:sldId id="330" r:id="rId28"/>
-    <p:sldId id="331" r:id="rId29"/>
+    <p:sldId id="336" r:id="rId25"/>
+    <p:sldId id="335" r:id="rId26"/>
+    <p:sldId id="334" r:id="rId27"/>
+    <p:sldId id="333" r:id="rId28"/>
+    <p:sldId id="332" r:id="rId29"/>
+    <p:sldId id="328" r:id="rId30"/>
+    <p:sldId id="329" r:id="rId31"/>
+    <p:sldId id="330" r:id="rId32"/>
+    <p:sldId id="331" r:id="rId33"/>
   </p:sldIdLst>
   <p:sldSz cx="9144000" cy="6858000" type="screen4x3"/>
   <p:notesSz cx="6858000" cy="9144000"/>
@@ -4094,7 +4098,7 @@
         </p:nvSpPr>
         <p:spPr bwMode="auto">
           <a:xfrm>
-            <a:off x="8001000" y="6324600"/>
+            <a:off x="8191500" y="6324600"/>
             <a:ext cx="990600" cy="533400"/>
           </a:xfrm>
           <a:prstGeom prst="rect">
@@ -4330,7 +4334,7 @@
         <p:spPr bwMode="auto">
           <a:xfrm>
             <a:off x="238125" y="228600"/>
-            <a:ext cx="5088999" cy="371513"/>
+            <a:ext cx="6068049" cy="371513"/>
           </a:xfrm>
           <a:prstGeom prst="rect">
             <a:avLst/>
@@ -4378,7 +4382,7 @@
                 <a:ea typeface="DejaVu Sans" charset="0"/>
                 <a:cs typeface="DejaVu Sans" charset="0"/>
               </a:rPr>
-              <a:t>B.TECH  PRE-FINAL PRESENTATION 2020-21</a:t>
+              <a:t>B.TECH  MAJOR PROJECT  PRESENTATION 2020-21</a:t>
             </a:r>
           </a:p>
         </p:txBody>
@@ -4393,8 +4397,8 @@
         </p:nvSpPr>
         <p:spPr bwMode="auto">
           <a:xfrm>
-            <a:off x="533400" y="6400800"/>
-            <a:ext cx="7772400" cy="371513"/>
+            <a:off x="527050" y="6438494"/>
+            <a:ext cx="8921749" cy="371513"/>
           </a:xfrm>
           <a:prstGeom prst="rect">
             <a:avLst/>
@@ -4434,7 +4438,7 @@
               </a:tabLst>
             </a:pPr>
             <a:r>
-              <a:rPr lang="en-US" sz="1800" dirty="0" err="1">
+              <a:rPr lang="en-US" sz="1800" dirty="0">
                 <a:solidFill>
                   <a:srgbClr val="FF0000"/>
                 </a:solidFill>
@@ -4442,18 +4446,7 @@
                 <a:ea typeface="DejaVu Sans" charset="0"/>
                 <a:cs typeface="DejaVu Sans" charset="0"/>
               </a:rPr>
-              <a:t>Kabyashree</a:t>
-            </a:r>
-            <a:r>
-              <a:rPr lang="en-US" sz="1800" dirty="0">
-                <a:solidFill>
-                  <a:srgbClr val="FF0000"/>
-                </a:solidFill>
-                <a:latin typeface="Arial" charset="0"/>
-                <a:ea typeface="DejaVu Sans" charset="0"/>
-                <a:cs typeface="DejaVu Sans" charset="0"/>
-              </a:rPr>
-              <a:t> (Roll#ECE201711588) &amp; Navneet Nipu (Roll#ECE201710518)</a:t>
+              <a:t>KABYASHREE (ECE#201711588) &amp; NAVNEET NIPU(ECE#201710518)</a:t>
             </a:r>
           </a:p>
         </p:txBody>
@@ -5842,7 +5835,7 @@
                   <a:schemeClr val="tx1"/>
                 </a:solidFill>
               </a:rPr>
-              <a:t>complexity is somewhat more</a:t>
+              <a:t>complexity is somewhat less</a:t>
             </a:r>
             <a:r>
               <a:rPr lang="en-GB" sz="2000" dirty="0">
@@ -5904,7 +5897,7 @@
                   <a:schemeClr val="tx1"/>
                 </a:solidFill>
               </a:rPr>
-              <a:t>complexity is reduced </a:t>
+              <a:t>complexity is more </a:t>
             </a:r>
             <a:r>
               <a:rPr lang="en-GB" sz="2000" dirty="0">
@@ -6297,8 +6290,8 @@
           </a:p>
         </p:txBody>
       </p:sp>
-      <mc:AlternateContent xmlns:mc="http://schemas.openxmlformats.org/markup-compatibility/2006" xmlns:a14="http://schemas.microsoft.com/office/drawing/2010/main">
-        <mc:Choice Requires="a14">
+      <mc:AlternateContent xmlns:mc="http://schemas.openxmlformats.org/markup-compatibility/2006">
+        <mc:Choice xmlns:a14="http://schemas.microsoft.com/office/drawing/2010/main" Requires="a14">
           <p:sp>
             <p:nvSpPr>
               <p:cNvPr id="3" name="Content Placeholder 2"/>
@@ -6311,8 +6304,8 @@
             </p:nvSpPr>
             <p:spPr>
               <a:xfrm>
-                <a:off x="565688" y="1371600"/>
-                <a:ext cx="8578312" cy="4724400"/>
+                <a:off x="565688" y="1219200"/>
+                <a:ext cx="8578312" cy="5029200"/>
               </a:xfrm>
             </p:spPr>
             <p:txBody>
@@ -7231,13 +7224,94 @@
                       <a:schemeClr val="tx1"/>
                     </a:solidFill>
                   </a:rPr>
-                  <a:t>The complexity of the suboptimal algorithm 1 is more .</a:t>
+                  <a:t>The </a:t>
+                </a:r>
+                <a:r>
+                  <a:rPr lang="en-US" sz="2400" b="1" dirty="0">
+                    <a:solidFill>
+                      <a:schemeClr val="tx1"/>
+                    </a:solidFill>
+                  </a:rPr>
+                  <a:t>complexity</a:t>
+                </a:r>
+                <a:r>
+                  <a:rPr lang="en-US" sz="2400" dirty="0">
+                    <a:solidFill>
+                      <a:schemeClr val="tx1"/>
+                    </a:solidFill>
+                  </a:rPr>
+                  <a:t> of the </a:t>
+                </a:r>
+                <a:r>
+                  <a:rPr lang="en-US" sz="2400" b="1" dirty="0">
+                    <a:solidFill>
+                      <a:schemeClr val="tx1"/>
+                    </a:solidFill>
+                  </a:rPr>
+                  <a:t>suboptimal algorithm 1 is less </a:t>
+                </a:r>
+                <a:r>
+                  <a:rPr lang="en-US" sz="2400" dirty="0">
+                    <a:solidFill>
+                      <a:schemeClr val="tx1"/>
+                    </a:solidFill>
+                  </a:rPr>
+                  <a:t>.</a:t>
+                </a:r>
+              </a:p>
+              <a:p>
+                <a:pPr algn="just">
+                  <a:lnSpc>
+                    <a:spcPct val="150000"/>
+                  </a:lnSpc>
+                  <a:buFont typeface="Wingdings" panose="05000000000000000000" pitchFamily="2" charset="2"/>
+                  <a:buChar char="q"/>
+                </a:pPr>
+                <a:r>
+                  <a:rPr lang="en-US" sz="2400" dirty="0">
+                    <a:solidFill>
+                      <a:schemeClr val="tx1"/>
+                    </a:solidFill>
+                  </a:rPr>
+                  <a:t>The </a:t>
+                </a:r>
+                <a:r>
+                  <a:rPr lang="en-US" sz="2400" b="1" dirty="0">
+                    <a:solidFill>
+                      <a:schemeClr val="tx1"/>
+                    </a:solidFill>
+                  </a:rPr>
+                  <a:t>sum capacity </a:t>
+                </a:r>
+                <a:r>
+                  <a:rPr lang="en-US" sz="2400" dirty="0">
+                    <a:solidFill>
+                      <a:schemeClr val="tx1"/>
+                    </a:solidFill>
+                  </a:rPr>
+                  <a:t>is also </a:t>
+                </a:r>
+                <a:r>
+                  <a:rPr lang="en-US" sz="2400" b="1" dirty="0">
+                    <a:solidFill>
+                      <a:schemeClr val="tx1"/>
+                    </a:solidFill>
+                  </a:rPr>
+                  <a:t>less than suboptimal algorithm 2</a:t>
+                </a:r>
+                <a:r>
+                  <a:rPr lang="en-US" sz="2400" dirty="0">
+                    <a:solidFill>
+                      <a:schemeClr val="tx1"/>
+                    </a:solidFill>
+                  </a:rPr>
+                  <a:t>.</a:t>
                 </a:r>
               </a:p>
             </p:txBody>
           </p:sp>
         </mc:Choice>
-        <mc:Fallback xmlns="">
+        <mc:Fallback>
           <p:sp>
             <p:nvSpPr>
               <p:cNvPr id="3" name="Content Placeholder 2"/>
@@ -7250,13 +7324,13 @@
             </p:nvSpPr>
             <p:spPr>
               <a:xfrm>
-                <a:off x="565688" y="1371600"/>
-                <a:ext cx="8578312" cy="4724400"/>
+                <a:off x="565688" y="1219200"/>
+                <a:ext cx="8578312" cy="5029200"/>
               </a:xfrm>
               <a:blipFill>
                 <a:blip r:embed="rId2"/>
                 <a:stretch>
-                  <a:fillRect l="-995" r="-1137"/>
+                  <a:fillRect l="-995" r="-1137" b="-3879"/>
                 </a:stretch>
               </a:blipFill>
             </p:spPr>
@@ -8657,7 +8731,7 @@
             <p:spPr>
               <a:xfrm>
                 <a:off x="533400" y="1371600"/>
-                <a:ext cx="8568397" cy="4722813"/>
+                <a:ext cx="8568397" cy="4876800"/>
               </a:xfrm>
             </p:spPr>
             <p:txBody>
@@ -9414,7 +9488,85 @@
                       <a:schemeClr val="tx1"/>
                     </a:solidFill>
                   </a:rPr>
-                  <a:t>The complexity of the suboptimal algorithm 2 is less. </a:t>
+                  <a:t>The </a:t>
+                </a:r>
+                <a:r>
+                  <a:rPr lang="en-US" sz="2400" b="1" dirty="0">
+                    <a:solidFill>
+                      <a:schemeClr val="tx1"/>
+                    </a:solidFill>
+                  </a:rPr>
+                  <a:t>complexity</a:t>
+                </a:r>
+                <a:r>
+                  <a:rPr lang="en-US" sz="2400" dirty="0">
+                    <a:solidFill>
+                      <a:schemeClr val="tx1"/>
+                    </a:solidFill>
+                  </a:rPr>
+                  <a:t> of the </a:t>
+                </a:r>
+                <a:r>
+                  <a:rPr lang="en-US" sz="2400" b="1" dirty="0">
+                    <a:solidFill>
+                      <a:schemeClr val="tx1"/>
+                    </a:solidFill>
+                  </a:rPr>
+                  <a:t>suboptimal algorithm 2 is more</a:t>
+                </a:r>
+                <a:r>
+                  <a:rPr lang="en-US" sz="2400" dirty="0">
+                    <a:solidFill>
+                      <a:schemeClr val="tx1"/>
+                    </a:solidFill>
+                  </a:rPr>
+                  <a:t>. </a:t>
+                </a:r>
+              </a:p>
+              <a:p>
+                <a:pPr marL="514350" indent="-514350" algn="just">
+                  <a:buFont typeface="Wingdings" panose="05000000000000000000" pitchFamily="2" charset="2"/>
+                  <a:buChar char="q"/>
+                </a:pPr>
+                <a:r>
+                  <a:rPr lang="en-US" sz="2400" dirty="0">
+                    <a:solidFill>
+                      <a:schemeClr val="tx1"/>
+                    </a:solidFill>
+                  </a:rPr>
+                  <a:t>The </a:t>
+                </a:r>
+                <a:r>
+                  <a:rPr lang="en-US" sz="2400" b="1" dirty="0">
+                    <a:solidFill>
+                      <a:schemeClr val="tx1"/>
+                    </a:solidFill>
+                  </a:rPr>
+                  <a:t>sum capacity </a:t>
+                </a:r>
+                <a:r>
+                  <a:rPr lang="en-US" sz="2400" dirty="0">
+                    <a:solidFill>
+                      <a:schemeClr val="tx1"/>
+                    </a:solidFill>
+                  </a:rPr>
+                  <a:t>is also </a:t>
+                </a:r>
+                <a:r>
+                  <a:rPr lang="en-US" sz="2400" b="1" dirty="0">
+                    <a:solidFill>
+                      <a:schemeClr val="tx1"/>
+                    </a:solidFill>
+                  </a:rPr>
+                  <a:t>more than suboptimal algorithm 1</a:t>
+                </a:r>
+                <a:r>
+                  <a:rPr lang="en-US" sz="2400" dirty="0">
+                    <a:solidFill>
+                      <a:schemeClr val="tx1"/>
+                    </a:solidFill>
+                  </a:rPr>
+                  <a:t>.</a:t>
                 </a:r>
               </a:p>
             </p:txBody>
@@ -9434,12 +9586,12 @@
             <p:spPr>
               <a:xfrm>
                 <a:off x="533400" y="1371600"/>
-                <a:ext cx="8568397" cy="4722813"/>
+                <a:ext cx="8568397" cy="4876800"/>
               </a:xfrm>
               <a:blipFill>
                 <a:blip r:embed="rId2"/>
                 <a:stretch>
-                  <a:fillRect l="-996" t="-1032" r="-1139"/>
+                  <a:fillRect l="-996" t="-1000" r="-1139"/>
                 </a:stretch>
               </a:blipFill>
             </p:spPr>
@@ -10383,10 +10535,10 @@
       </p:sp>
       <p:pic>
         <p:nvPicPr>
-          <p:cNvPr id="7" name="Picture 6">
+          <p:cNvPr id="4" name="Picture 3">
             <a:extLst>
               <a:ext uri="{FF2B5EF4-FFF2-40B4-BE49-F238E27FC236}">
-                <a16:creationId xmlns:a16="http://schemas.microsoft.com/office/drawing/2014/main" id="{05B55A8D-9B1A-4EF6-A2AB-79D1EB377203}"/>
+                <a16:creationId xmlns:a16="http://schemas.microsoft.com/office/drawing/2014/main" id="{857901AC-86AB-48F7-BE7B-E0E4AF8FFA90}"/>
               </a:ext>
             </a:extLst>
           </p:cNvPr>
@@ -10395,7 +10547,7 @@
           </p:cNvPicPr>
           <p:nvPr/>
         </p:nvPicPr>
-        <p:blipFill>
+        <p:blipFill rotWithShape="1">
           <a:blip r:embed="rId2">
             <a:extLst>
               <a:ext uri="{28A0092B-C50C-407E-A947-70E740481C1C}">
@@ -10403,14 +10555,13 @@
               </a:ext>
             </a:extLst>
           </a:blip>
-          <a:stretch>
-            <a:fillRect/>
-          </a:stretch>
+          <a:srcRect l="8333" t="12945" r="7517" b="8499"/>
+          <a:stretch/>
         </p:blipFill>
         <p:spPr>
           <a:xfrm>
-            <a:off x="685800" y="1447800"/>
-            <a:ext cx="8296422" cy="4672012"/>
+            <a:off x="545415" y="1317625"/>
+            <a:ext cx="8522385" cy="4802187"/>
           </a:xfrm>
           <a:prstGeom prst="rect">
             <a:avLst/>
@@ -10419,10 +10570,10 @@
       </p:pic>
       <p:cxnSp>
         <p:nvCxnSpPr>
-          <p:cNvPr id="12" name="Straight Arrow Connector 11">
+          <p:cNvPr id="6" name="Straight Arrow Connector 5">
             <a:extLst>
               <a:ext uri="{FF2B5EF4-FFF2-40B4-BE49-F238E27FC236}">
-                <a16:creationId xmlns:a16="http://schemas.microsoft.com/office/drawing/2014/main" id="{7ACC8732-3F65-40A7-8DEC-19B642B476F8}"/>
+                <a16:creationId xmlns:a16="http://schemas.microsoft.com/office/drawing/2014/main" id="{0F38B4EF-EACD-4D9B-9D3C-848A96FA4B63}"/>
               </a:ext>
             </a:extLst>
           </p:cNvPr>
@@ -10433,8 +10584,8 @@
         </p:nvCxnSpPr>
         <p:spPr bwMode="auto">
           <a:xfrm flipH="1" flipV="1">
-            <a:off x="2895600" y="2057400"/>
-            <a:ext cx="228600" cy="304800"/>
+            <a:off x="4151312" y="1897062"/>
+            <a:ext cx="343694" cy="418144"/>
           </a:xfrm>
           <a:prstGeom prst="straightConnector1">
             <a:avLst/>
@@ -10461,10 +10612,10 @@
       </p:cxnSp>
       <p:cxnSp>
         <p:nvCxnSpPr>
-          <p:cNvPr id="14" name="Straight Arrow Connector 13">
+          <p:cNvPr id="23" name="Straight Arrow Connector 22">
             <a:extLst>
               <a:ext uri="{FF2B5EF4-FFF2-40B4-BE49-F238E27FC236}">
-                <a16:creationId xmlns:a16="http://schemas.microsoft.com/office/drawing/2014/main" id="{3596D61C-CC2F-49C0-8200-6502924DC5F7}"/>
+                <a16:creationId xmlns:a16="http://schemas.microsoft.com/office/drawing/2014/main" id="{99D78987-E59C-4F7D-90DE-343200676F6C}"/>
               </a:ext>
             </a:extLst>
           </p:cNvPr>
@@ -10475,8 +10626,8 @@
         </p:nvCxnSpPr>
         <p:spPr bwMode="auto">
           <a:xfrm flipH="1" flipV="1">
-            <a:off x="3039208" y="3092324"/>
-            <a:ext cx="228600" cy="304800"/>
+            <a:off x="4210447" y="3010856"/>
+            <a:ext cx="343694" cy="418144"/>
           </a:xfrm>
           <a:prstGeom prst="straightConnector1">
             <a:avLst/>
@@ -10503,10 +10654,10 @@
       </p:cxnSp>
       <p:cxnSp>
         <p:nvCxnSpPr>
-          <p:cNvPr id="15" name="Straight Arrow Connector 14">
+          <p:cNvPr id="24" name="Straight Arrow Connector 23">
             <a:extLst>
               <a:ext uri="{FF2B5EF4-FFF2-40B4-BE49-F238E27FC236}">
-                <a16:creationId xmlns:a16="http://schemas.microsoft.com/office/drawing/2014/main" id="{DE4EC85B-C170-4583-AEF6-50E78E9123FC}"/>
+                <a16:creationId xmlns:a16="http://schemas.microsoft.com/office/drawing/2014/main" id="{E289441A-068C-416C-8739-63D5C9486D23}"/>
               </a:ext>
             </a:extLst>
           </p:cNvPr>
@@ -10517,8 +10668,8 @@
         </p:nvCxnSpPr>
         <p:spPr bwMode="auto">
           <a:xfrm flipH="1" flipV="1">
-            <a:off x="3175194" y="4112855"/>
-            <a:ext cx="228600" cy="304800"/>
+            <a:off x="4210447" y="4075210"/>
+            <a:ext cx="343694" cy="418144"/>
           </a:xfrm>
           <a:prstGeom prst="straightConnector1">
             <a:avLst/>
@@ -10545,10 +10696,10 @@
       </p:cxnSp>
       <p:cxnSp>
         <p:nvCxnSpPr>
-          <p:cNvPr id="16" name="Straight Arrow Connector 15">
+          <p:cNvPr id="25" name="Straight Arrow Connector 24">
             <a:extLst>
               <a:ext uri="{FF2B5EF4-FFF2-40B4-BE49-F238E27FC236}">
-                <a16:creationId xmlns:a16="http://schemas.microsoft.com/office/drawing/2014/main" id="{415F957F-676F-40D2-8595-2519BF5EAA82}"/>
+                <a16:creationId xmlns:a16="http://schemas.microsoft.com/office/drawing/2014/main" id="{A731E558-347E-4387-9A3A-0177D805BF3F}"/>
               </a:ext>
             </a:extLst>
           </p:cNvPr>
@@ -10559,8 +10710,8 @@
         </p:nvCxnSpPr>
         <p:spPr bwMode="auto">
           <a:xfrm flipH="1" flipV="1">
-            <a:off x="3250222" y="5148775"/>
-            <a:ext cx="217463" cy="322518"/>
+            <a:off x="4238753" y="5072791"/>
+            <a:ext cx="343694" cy="418144"/>
           </a:xfrm>
           <a:prstGeom prst="straightConnector1">
             <a:avLst/>
@@ -10587,10 +10738,10 @@
       </p:cxnSp>
       <p:sp>
         <p:nvSpPr>
-          <p:cNvPr id="18" name="TextBox 17">
+          <p:cNvPr id="11" name="TextBox 10">
             <a:extLst>
               <a:ext uri="{FF2B5EF4-FFF2-40B4-BE49-F238E27FC236}">
-                <a16:creationId xmlns:a16="http://schemas.microsoft.com/office/drawing/2014/main" id="{1A778BB0-9169-443D-98E4-CE1705ECD3AB}"/>
+                <a16:creationId xmlns:a16="http://schemas.microsoft.com/office/drawing/2014/main" id="{7FCC760F-5EF6-4553-B509-64CBC485529F}"/>
               </a:ext>
             </a:extLst>
           </p:cNvPr>
@@ -10599,8 +10750,8 @@
         </p:nvSpPr>
         <p:spPr>
           <a:xfrm>
-            <a:off x="3151162" y="2180492"/>
-            <a:ext cx="2030437" cy="400110"/>
+            <a:off x="4554141" y="3204810"/>
+            <a:ext cx="2209800" cy="461665"/>
           </a:xfrm>
           <a:prstGeom prst="rect">
             <a:avLst/>
@@ -10614,27 +10765,22 @@
           <a:lstStyle/>
           <a:p>
             <a:r>
-              <a:rPr lang="en-US" sz="2000" dirty="0">
+              <a:rPr lang="en-IN" dirty="0">
                 <a:solidFill>
                   <a:srgbClr val="00B050"/>
                 </a:solidFill>
               </a:rPr>
-              <a:t>SNR = 30 dB</a:t>
-            </a:r>
-            <a:endParaRPr lang="en-IN" sz="2000" dirty="0">
-              <a:solidFill>
-                <a:srgbClr val="00B050"/>
-              </a:solidFill>
-            </a:endParaRPr>
+              <a:t>SNR = 20 dB</a:t>
+            </a:r>
           </a:p>
         </p:txBody>
       </p:sp>
       <p:sp>
         <p:nvSpPr>
-          <p:cNvPr id="19" name="TextBox 18">
+          <p:cNvPr id="27" name="TextBox 26">
             <a:extLst>
               <a:ext uri="{FF2B5EF4-FFF2-40B4-BE49-F238E27FC236}">
-                <a16:creationId xmlns:a16="http://schemas.microsoft.com/office/drawing/2014/main" id="{F86614F6-9CFE-4CD5-AF4C-A74877917841}"/>
+                <a16:creationId xmlns:a16="http://schemas.microsoft.com/office/drawing/2014/main" id="{A184207F-E883-41EA-9DED-2882DB15B75C}"/>
               </a:ext>
             </a:extLst>
           </p:cNvPr>
@@ -10643,8 +10789,8 @@
         </p:nvSpPr>
         <p:spPr>
           <a:xfrm>
-            <a:off x="3209191" y="3216927"/>
-            <a:ext cx="2030437" cy="400110"/>
+            <a:off x="4591187" y="2200028"/>
+            <a:ext cx="2209800" cy="461665"/>
           </a:xfrm>
           <a:prstGeom prst="rect">
             <a:avLst/>
@@ -10658,27 +10804,22 @@
           <a:lstStyle/>
           <a:p>
             <a:r>
-              <a:rPr lang="en-US" sz="2000" dirty="0">
+              <a:rPr lang="en-IN" dirty="0">
                 <a:solidFill>
                   <a:srgbClr val="00B050"/>
                 </a:solidFill>
               </a:rPr>
-              <a:t>SNR = 20 dB</a:t>
-            </a:r>
-            <a:endParaRPr lang="en-IN" sz="2000" dirty="0">
-              <a:solidFill>
-                <a:srgbClr val="00B050"/>
-              </a:solidFill>
-            </a:endParaRPr>
+              <a:t>SNR = 30 dB</a:t>
+            </a:r>
           </a:p>
         </p:txBody>
       </p:sp>
       <p:sp>
         <p:nvSpPr>
-          <p:cNvPr id="20" name="TextBox 19">
+          <p:cNvPr id="28" name="TextBox 27">
             <a:extLst>
               <a:ext uri="{FF2B5EF4-FFF2-40B4-BE49-F238E27FC236}">
-                <a16:creationId xmlns:a16="http://schemas.microsoft.com/office/drawing/2014/main" id="{8986935A-16C6-41BC-896A-60D1DFBC173F}"/>
+                <a16:creationId xmlns:a16="http://schemas.microsoft.com/office/drawing/2014/main" id="{712BE711-F2E3-4D82-9624-FCE2C3664CBD}"/>
               </a:ext>
             </a:extLst>
           </p:cNvPr>
@@ -10687,8 +10828,8 @@
         </p:nvSpPr>
         <p:spPr>
           <a:xfrm>
-            <a:off x="3385037" y="4280249"/>
-            <a:ext cx="2030437" cy="400110"/>
+            <a:off x="4569673" y="4255320"/>
+            <a:ext cx="2209800" cy="461665"/>
           </a:xfrm>
           <a:prstGeom prst="rect">
             <a:avLst/>
@@ -10702,27 +10843,22 @@
           <a:lstStyle/>
           <a:p>
             <a:r>
-              <a:rPr lang="en-US" sz="2000" dirty="0">
+              <a:rPr lang="en-IN" dirty="0">
                 <a:solidFill>
                   <a:srgbClr val="00B050"/>
                 </a:solidFill>
               </a:rPr>
               <a:t>SNR = 10 dB</a:t>
             </a:r>
-            <a:endParaRPr lang="en-IN" sz="2000" dirty="0">
-              <a:solidFill>
-                <a:srgbClr val="00B050"/>
-              </a:solidFill>
-            </a:endParaRPr>
           </a:p>
         </p:txBody>
       </p:sp>
       <p:sp>
         <p:nvSpPr>
-          <p:cNvPr id="21" name="TextBox 20">
+          <p:cNvPr id="29" name="TextBox 28">
             <a:extLst>
               <a:ext uri="{FF2B5EF4-FFF2-40B4-BE49-F238E27FC236}">
-                <a16:creationId xmlns:a16="http://schemas.microsoft.com/office/drawing/2014/main" id="{65EFF5BE-0BDA-4D4B-A95D-9DF4C4B3602F}"/>
+                <a16:creationId xmlns:a16="http://schemas.microsoft.com/office/drawing/2014/main" id="{6E22B1BD-2D27-486F-A576-0B8D39697386}"/>
               </a:ext>
             </a:extLst>
           </p:cNvPr>
@@ -10731,8 +10867,8 @@
         </p:nvSpPr>
         <p:spPr>
           <a:xfrm>
-            <a:off x="3413172" y="5310034"/>
-            <a:ext cx="2030437" cy="400110"/>
+            <a:off x="4615323" y="5260102"/>
+            <a:ext cx="2209800" cy="461665"/>
           </a:xfrm>
           <a:prstGeom prst="rect">
             <a:avLst/>
@@ -10746,27 +10882,22 @@
           <a:lstStyle/>
           <a:p>
             <a:r>
-              <a:rPr lang="en-US" sz="2000" dirty="0">
+              <a:rPr lang="en-IN" dirty="0">
                 <a:solidFill>
                   <a:srgbClr val="00B050"/>
                 </a:solidFill>
               </a:rPr>
-              <a:t>SNR = 0 dB</a:t>
-            </a:r>
-            <a:endParaRPr lang="en-IN" sz="2000" dirty="0">
-              <a:solidFill>
-                <a:srgbClr val="00B050"/>
-              </a:solidFill>
-            </a:endParaRPr>
+              <a:t>SNR = 0  dB</a:t>
+            </a:r>
           </a:p>
         </p:txBody>
       </p:sp>
       <p:sp>
         <p:nvSpPr>
-          <p:cNvPr id="22" name="TextBox 21">
+          <p:cNvPr id="30" name="TextBox 29">
             <a:extLst>
               <a:ext uri="{FF2B5EF4-FFF2-40B4-BE49-F238E27FC236}">
-                <a16:creationId xmlns:a16="http://schemas.microsoft.com/office/drawing/2014/main" id="{186AFE01-7A0A-44A1-A7F3-B60FCF7F927B}"/>
+                <a16:creationId xmlns:a16="http://schemas.microsoft.com/office/drawing/2014/main" id="{F720E314-9D33-481F-B463-97F5A4B3F2EB}"/>
               </a:ext>
             </a:extLst>
           </p:cNvPr>
@@ -10775,17 +10906,12 @@
         </p:nvSpPr>
         <p:spPr>
           <a:xfrm>
-            <a:off x="6553200" y="2194559"/>
-            <a:ext cx="1903413" cy="400110"/>
+            <a:off x="1463401" y="2142374"/>
+            <a:ext cx="2209800" cy="461665"/>
           </a:xfrm>
           <a:prstGeom prst="rect">
             <a:avLst/>
           </a:prstGeom>
-          <a:ln>
-            <a:solidFill>
-              <a:schemeClr val="tx1"/>
-            </a:solidFill>
-          </a:ln>
         </p:spPr>
         <p:style>
           <a:lnRef idx="2">
@@ -10808,18 +10934,13 @@
           <a:lstStyle/>
           <a:p>
             <a:r>
-              <a:rPr lang="en-US" sz="2000" dirty="0">
+              <a:rPr lang="en-IN" dirty="0">
                 <a:solidFill>
                   <a:srgbClr val="0070C0"/>
                 </a:solidFill>
               </a:rPr>
-              <a:t>Nr = 2 , Nt  = 4</a:t>
-            </a:r>
-            <a:endParaRPr lang="en-IN" sz="2000" dirty="0">
-              <a:solidFill>
-                <a:srgbClr val="0070C0"/>
-              </a:solidFill>
-            </a:endParaRPr>
+              <a:t>Nt=4,Nr=2</a:t>
+            </a:r>
           </a:p>
         </p:txBody>
       </p:sp>
@@ -10885,10 +11006,10 @@
       </p:sp>
       <p:pic>
         <p:nvPicPr>
-          <p:cNvPr id="3" name="Picture 2">
+          <p:cNvPr id="6" name="Picture 5">
             <a:extLst>
               <a:ext uri="{FF2B5EF4-FFF2-40B4-BE49-F238E27FC236}">
-                <a16:creationId xmlns:a16="http://schemas.microsoft.com/office/drawing/2014/main" id="{58A4C07C-CF3E-41AC-9565-10096CCE7BD5}"/>
+                <a16:creationId xmlns:a16="http://schemas.microsoft.com/office/drawing/2014/main" id="{A66ED886-52CB-45C2-89B2-2F9496C10D7F}"/>
               </a:ext>
             </a:extLst>
           </p:cNvPr>
@@ -10897,7 +11018,7 @@
           </p:cNvPicPr>
           <p:nvPr/>
         </p:nvPicPr>
-        <p:blipFill>
+        <p:blipFill rotWithShape="1">
           <a:blip r:embed="rId2">
             <a:extLst>
               <a:ext uri="{28A0092B-C50C-407E-A947-70E740481C1C}">
@@ -10905,14 +11026,13 @@
               </a:ext>
             </a:extLst>
           </a:blip>
-          <a:stretch>
-            <a:fillRect/>
-          </a:stretch>
+          <a:srcRect l="8333" t="12945" r="6667" b="7016"/>
+          <a:stretch/>
         </p:blipFill>
         <p:spPr>
           <a:xfrm>
-            <a:off x="533400" y="1447800"/>
-            <a:ext cx="8534401" cy="4541136"/>
+            <a:off x="533400" y="1317625"/>
+            <a:ext cx="8610600" cy="4930775"/>
           </a:xfrm>
           <a:prstGeom prst="rect">
             <a:avLst/>
@@ -10921,10 +11041,10 @@
       </p:pic>
       <p:sp>
         <p:nvSpPr>
-          <p:cNvPr id="4" name="TextBox 3">
+          <p:cNvPr id="7" name="TextBox 6">
             <a:extLst>
               <a:ext uri="{FF2B5EF4-FFF2-40B4-BE49-F238E27FC236}">
-                <a16:creationId xmlns:a16="http://schemas.microsoft.com/office/drawing/2014/main" id="{4A93730B-CC9E-4051-AA32-B8E035D0B677}"/>
+                <a16:creationId xmlns:a16="http://schemas.microsoft.com/office/drawing/2014/main" id="{F87135CB-2251-49F4-AD59-D1186DAE7C3E}"/>
               </a:ext>
             </a:extLst>
           </p:cNvPr>
@@ -10933,23 +11053,22 @@
         </p:nvSpPr>
         <p:spPr>
           <a:xfrm>
-            <a:off x="2855153" y="2057400"/>
-            <a:ext cx="3317047" cy="400110"/>
+            <a:off x="1905000" y="1666229"/>
+            <a:ext cx="3314700" cy="461665"/>
           </a:xfrm>
           <a:prstGeom prst="rect">
             <a:avLst/>
           </a:prstGeom>
-          <a:ln/>
         </p:spPr>
         <p:style>
           <a:lnRef idx="2">
-            <a:schemeClr val="accent4"/>
+            <a:schemeClr val="dk1"/>
           </a:lnRef>
           <a:fillRef idx="1">
             <a:schemeClr val="lt1"/>
           </a:fillRef>
           <a:effectRef idx="0">
-            <a:schemeClr val="accent4"/>
+            <a:schemeClr val="dk1"/>
           </a:effectRef>
           <a:fontRef idx="minor">
             <a:schemeClr val="dk1"/>
@@ -10962,18 +11081,13 @@
           <a:lstStyle/>
           <a:p>
             <a:r>
-              <a:rPr lang="en-US" sz="2000" dirty="0">
+              <a:rPr lang="en-IN" dirty="0">
                 <a:solidFill>
                   <a:srgbClr val="0070C0"/>
                 </a:solidFill>
               </a:rPr>
-              <a:t>Nr = 2 , Nt = 4 , users = 5</a:t>
-            </a:r>
-            <a:endParaRPr lang="en-IN" sz="2000" dirty="0">
-              <a:solidFill>
-                <a:srgbClr val="0070C0"/>
-              </a:solidFill>
-            </a:endParaRPr>
+              <a:t>Nt=4,Nr=2,USERS=5</a:t>
+            </a:r>
           </a:p>
         </p:txBody>
       </p:sp>
@@ -11042,7 +11156,7 @@
           <p:cNvPr id="4" name="Picture 3">
             <a:extLst>
               <a:ext uri="{FF2B5EF4-FFF2-40B4-BE49-F238E27FC236}">
-                <a16:creationId xmlns:a16="http://schemas.microsoft.com/office/drawing/2014/main" id="{275EE44E-6071-4296-950D-5A49BD6A6EC2}"/>
+                <a16:creationId xmlns:a16="http://schemas.microsoft.com/office/drawing/2014/main" id="{01CA6E9C-193D-4C1B-96F8-6A2E9DA7C001}"/>
               </a:ext>
             </a:extLst>
           </p:cNvPr>
@@ -11051,7 +11165,7 @@
           </p:cNvPicPr>
           <p:nvPr/>
         </p:nvPicPr>
-        <p:blipFill>
+        <p:blipFill rotWithShape="1">
           <a:blip r:embed="rId2">
             <a:extLst>
               <a:ext uri="{28A0092B-C50C-407E-A947-70E740481C1C}">
@@ -11059,14 +11173,13 @@
               </a:ext>
             </a:extLst>
           </a:blip>
-          <a:stretch>
-            <a:fillRect/>
-          </a:stretch>
+          <a:srcRect l="9167" t="12945" r="7517" b="7016"/>
+          <a:stretch/>
         </p:blipFill>
         <p:spPr>
           <a:xfrm>
-            <a:off x="1143000" y="1740623"/>
-            <a:ext cx="7086600" cy="4379189"/>
+            <a:off x="533400" y="1317626"/>
+            <a:ext cx="8534400" cy="4930774"/>
           </a:xfrm>
           <a:prstGeom prst="rect">
             <a:avLst/>
@@ -11075,10 +11188,10 @@
       </p:pic>
       <p:sp>
         <p:nvSpPr>
-          <p:cNvPr id="5" name="TextBox 4">
+          <p:cNvPr id="6" name="TextBox 5">
             <a:extLst>
               <a:ext uri="{FF2B5EF4-FFF2-40B4-BE49-F238E27FC236}">
-                <a16:creationId xmlns:a16="http://schemas.microsoft.com/office/drawing/2014/main" id="{B2AFD5C6-8BA7-49C5-9368-D0B60CC4662A}"/>
+                <a16:creationId xmlns:a16="http://schemas.microsoft.com/office/drawing/2014/main" id="{6F237D0E-D66B-4F42-B301-A7E78A9CC715}"/>
               </a:ext>
             </a:extLst>
           </p:cNvPr>
@@ -11087,14 +11200,27 @@
         </p:nvSpPr>
         <p:spPr>
           <a:xfrm>
-            <a:off x="2590800" y="1278958"/>
-            <a:ext cx="3962400" cy="461665"/>
+            <a:off x="1905000" y="1666229"/>
+            <a:ext cx="3314700" cy="461665"/>
           </a:xfrm>
           <a:prstGeom prst="rect">
             <a:avLst/>
           </a:prstGeom>
-          <a:noFill/>
-        </p:spPr>
+        </p:spPr>
+        <p:style>
+          <a:lnRef idx="2">
+            <a:schemeClr val="dk1"/>
+          </a:lnRef>
+          <a:fillRef idx="1">
+            <a:schemeClr val="lt1"/>
+          </a:fillRef>
+          <a:effectRef idx="0">
+            <a:schemeClr val="dk1"/>
+          </a:effectRef>
+          <a:fontRef idx="minor">
+            <a:schemeClr val="dk1"/>
+          </a:fontRef>
+        </p:style>
         <p:txBody>
           <a:bodyPr wrap="square" rtlCol="0">
             <a:spAutoFit/>
@@ -11102,96 +11228,20 @@
           <a:lstStyle/>
           <a:p>
             <a:r>
-              <a:rPr lang="en-US" b="1" dirty="0">
-                <a:solidFill>
-                  <a:srgbClr val="FF0000"/>
-                </a:solidFill>
-              </a:rPr>
-              <a:t>Time Complexity Analysis</a:t>
-            </a:r>
-            <a:endParaRPr lang="en-IN" b="1" dirty="0">
-              <a:solidFill>
-                <a:srgbClr val="FF0000"/>
-              </a:solidFill>
-            </a:endParaRPr>
-          </a:p>
-        </p:txBody>
-      </p:sp>
-      <p:sp>
-        <p:nvSpPr>
-          <p:cNvPr id="6" name="Oval 5">
-            <a:extLst>
-              <a:ext uri="{FF2B5EF4-FFF2-40B4-BE49-F238E27FC236}">
-                <a16:creationId xmlns:a16="http://schemas.microsoft.com/office/drawing/2014/main" id="{B8F9374B-657A-4E21-B6BF-3125FD7E2852}"/>
-              </a:ext>
-            </a:extLst>
-          </p:cNvPr>
-          <p:cNvSpPr/>
-          <p:nvPr/>
-        </p:nvSpPr>
-        <p:spPr bwMode="auto">
-          <a:xfrm>
-            <a:off x="914400" y="2468562"/>
-            <a:ext cx="7315200" cy="461665"/>
-          </a:xfrm>
-          <a:prstGeom prst="ellipse">
-            <a:avLst/>
-          </a:prstGeom>
-          <a:noFill/>
-          <a:ln w="9525" cap="flat" cmpd="sng" algn="ctr">
-            <a:solidFill>
-              <a:srgbClr val="FF0000"/>
-            </a:solidFill>
-            <a:prstDash val="solid"/>
-            <a:round/>
-            <a:headEnd type="none" w="med" len="med"/>
-            <a:tailEnd type="none" w="med" len="med"/>
-          </a:ln>
-          <a:effectLst/>
-        </p:spPr>
-        <p:txBody>
-          <a:bodyPr vert="horz" wrap="square" lIns="91440" tIns="45720" rIns="91440" bIns="45720" numCol="1" rtlCol="0" anchor="t" anchorCtr="0" compatLnSpc="1">
-            <a:prstTxWarp prst="textNoShape">
-              <a:avLst/>
-            </a:prstTxWarp>
-          </a:bodyPr>
-          <a:lstStyle/>
-          <a:p>
-            <a:pPr marL="0" marR="0" indent="0" algn="l" defTabSz="449263" rtl="0" eaLnBrk="0" fontAlgn="base" latinLnBrk="0" hangingPunct="0">
-              <a:lnSpc>
-                <a:spcPct val="100000"/>
-              </a:lnSpc>
-              <a:spcBef>
-                <a:spcPct val="0"/>
-              </a:spcBef>
-              <a:spcAft>
-                <a:spcPct val="0"/>
-              </a:spcAft>
-              <a:buClr>
-                <a:srgbClr val="000000"/>
-              </a:buClr>
-              <a:buSzPct val="100000"/>
-              <a:buFont typeface="Times New Roman" pitchFamily="16" charset="0"/>
-              <a:buNone/>
-              <a:tabLst/>
-            </a:pPr>
-            <a:endParaRPr kumimoji="0" lang="en-IN" sz="2400" b="0" i="0" u="none" strike="noStrike" cap="none" normalizeH="0" baseline="0">
-              <a:ln>
-                <a:noFill/>
-              </a:ln>
-              <a:solidFill>
-                <a:schemeClr val="bg1"/>
-              </a:solidFill>
-              <a:effectLst/>
-              <a:latin typeface="Times New Roman" pitchFamily="16" charset="0"/>
-            </a:endParaRPr>
+              <a:rPr lang="en-IN" dirty="0">
+                <a:solidFill>
+                  <a:srgbClr val="0070C0"/>
+                </a:solidFill>
+              </a:rPr>
+              <a:t>Nt=4,Nr=2,USERS=10</a:t>
+            </a:r>
           </a:p>
         </p:txBody>
       </p:sp>
     </p:spTree>
     <p:extLst>
       <p:ext uri="{BB962C8B-B14F-4D97-AF65-F5344CB8AC3E}">
-        <p14:creationId xmlns:p14="http://schemas.microsoft.com/office/powerpoint/2010/main" val="3341857857"/>
+        <p14:creationId xmlns:p14="http://schemas.microsoft.com/office/powerpoint/2010/main" val="4049494950"/>
       </p:ext>
     </p:extLst>
   </p:cSld>
@@ -11220,7 +11270,13 @@
       </p:grpSpPr>
       <p:sp>
         <p:nvSpPr>
-          <p:cNvPr id="2" name="Title 1"/>
+          <p:cNvPr id="2" name="Title 1">
+            <a:extLst>
+              <a:ext uri="{FF2B5EF4-FFF2-40B4-BE49-F238E27FC236}">
+                <a16:creationId xmlns:a16="http://schemas.microsoft.com/office/drawing/2014/main" id="{C8AD9F1B-3684-44E2-91AE-76BF839640F4}"/>
+              </a:ext>
+            </a:extLst>
+          </p:cNvPr>
           <p:cNvSpPr>
             <a:spLocks noGrp="1"/>
           </p:cNvSpPr>
@@ -11228,12 +11284,7 @@
             <p:ph type="title"/>
           </p:nvPr>
         </p:nvSpPr>
-        <p:spPr>
-          <a:xfrm>
-            <a:off x="533400" y="762000"/>
-            <a:ext cx="2589213" cy="579437"/>
-          </a:xfrm>
-        </p:spPr>
+        <p:spPr/>
         <p:txBody>
           <a:bodyPr/>
           <a:lstStyle/>
@@ -11241,169 +11292,105 @@
             <a:pPr algn="just"/>
             <a:r>
               <a:rPr lang="en-US" dirty="0"/>
-              <a:t>Conclusions</a:t>
-            </a:r>
+              <a:t>Outputs</a:t>
+            </a:r>
+            <a:endParaRPr lang="en-IN" dirty="0"/>
           </a:p>
         </p:txBody>
       </p:sp>
-      <p:sp>
-        <p:nvSpPr>
-          <p:cNvPr id="3" name="Content Placeholder 2"/>
-          <p:cNvSpPr>
-            <a:spLocks noGrp="1"/>
-          </p:cNvSpPr>
-          <p:nvPr>
-            <p:ph idx="1"/>
-          </p:nvPr>
-        </p:nvSpPr>
+      <p:pic>
+        <p:nvPicPr>
+          <p:cNvPr id="4" name="Picture 3">
+            <a:extLst>
+              <a:ext uri="{FF2B5EF4-FFF2-40B4-BE49-F238E27FC236}">
+                <a16:creationId xmlns:a16="http://schemas.microsoft.com/office/drawing/2014/main" id="{A82720A2-9F7D-4804-B05F-EE9C276C7D35}"/>
+              </a:ext>
+            </a:extLst>
+          </p:cNvPr>
+          <p:cNvPicPr>
+            <a:picLocks noChangeAspect="1"/>
+          </p:cNvPicPr>
+          <p:nvPr/>
+        </p:nvPicPr>
+        <p:blipFill rotWithShape="1">
+          <a:blip r:embed="rId2">
+            <a:extLst>
+              <a:ext uri="{28A0092B-C50C-407E-A947-70E740481C1C}">
+                <a14:useLocalDpi xmlns:a14="http://schemas.microsoft.com/office/drawing/2010/main" val="0"/>
+              </a:ext>
+            </a:extLst>
+          </a:blip>
+          <a:srcRect l="7500" t="12945" r="7517" b="8497"/>
+          <a:stretch/>
+        </p:blipFill>
         <p:spPr>
           <a:xfrm>
-            <a:off x="685800" y="1371600"/>
-            <a:ext cx="8382000" cy="4953000"/>
-          </a:xfrm>
-        </p:spPr>
+            <a:off x="533400" y="1317624"/>
+            <a:ext cx="8610600" cy="4930775"/>
+          </a:xfrm>
+          <a:prstGeom prst="rect">
+            <a:avLst/>
+          </a:prstGeom>
+        </p:spPr>
+      </p:pic>
+      <p:sp>
+        <p:nvSpPr>
+          <p:cNvPr id="5" name="TextBox 4">
+            <a:extLst>
+              <a:ext uri="{FF2B5EF4-FFF2-40B4-BE49-F238E27FC236}">
+                <a16:creationId xmlns:a16="http://schemas.microsoft.com/office/drawing/2014/main" id="{194BC2CD-E550-4678-9933-08C6B47D181C}"/>
+              </a:ext>
+            </a:extLst>
+          </p:cNvPr>
+          <p:cNvSpPr txBox="1"/>
+          <p:nvPr/>
+        </p:nvSpPr>
+        <p:spPr>
+          <a:xfrm>
+            <a:off x="1905000" y="1666229"/>
+            <a:ext cx="3314700" cy="461665"/>
+          </a:xfrm>
+          <a:prstGeom prst="rect">
+            <a:avLst/>
+          </a:prstGeom>
+        </p:spPr>
+        <p:style>
+          <a:lnRef idx="2">
+            <a:schemeClr val="dk1"/>
+          </a:lnRef>
+          <a:fillRef idx="1">
+            <a:schemeClr val="lt1"/>
+          </a:fillRef>
+          <a:effectRef idx="0">
+            <a:schemeClr val="dk1"/>
+          </a:effectRef>
+          <a:fontRef idx="minor">
+            <a:schemeClr val="dk1"/>
+          </a:fontRef>
+        </p:style>
         <p:txBody>
-          <a:bodyPr/>
+          <a:bodyPr wrap="square" rtlCol="0">
+            <a:spAutoFit/>
+          </a:bodyPr>
           <a:lstStyle/>
           <a:p>
-            <a:pPr algn="just">
-              <a:lnSpc>
-                <a:spcPct val="150000"/>
-              </a:lnSpc>
-              <a:buFont typeface="Wingdings" pitchFamily="2" charset="2"/>
-              <a:buChar char="q"/>
-            </a:pPr>
-            <a:r>
-              <a:rPr lang="en-GB" sz="2400" dirty="0">
-                <a:solidFill>
-                  <a:schemeClr val="tx1"/>
-                </a:solidFill>
-              </a:rPr>
-              <a:t>The JURAS scheme enhances the </a:t>
-            </a:r>
-            <a:r>
-              <a:rPr lang="en-GB" sz="2400" b="1" dirty="0">
-                <a:solidFill>
-                  <a:schemeClr val="tx1"/>
-                </a:solidFill>
-              </a:rPr>
-              <a:t>sum capacity </a:t>
-            </a:r>
-            <a:r>
-              <a:rPr lang="en-GB" sz="2400" dirty="0">
-                <a:solidFill>
-                  <a:schemeClr val="tx1"/>
-                </a:solidFill>
-              </a:rPr>
-              <a:t>when the number of users increases.</a:t>
-            </a:r>
-          </a:p>
-          <a:p>
-            <a:pPr marL="0" indent="0" algn="just">
-              <a:lnSpc>
-                <a:spcPct val="150000"/>
-              </a:lnSpc>
-            </a:pPr>
-            <a:endParaRPr lang="en-GB" sz="2400" dirty="0">
-              <a:solidFill>
-                <a:schemeClr val="tx1"/>
-              </a:solidFill>
-            </a:endParaRPr>
-          </a:p>
-          <a:p>
-            <a:pPr algn="just">
-              <a:lnSpc>
-                <a:spcPct val="150000"/>
-              </a:lnSpc>
-              <a:buFont typeface="Wingdings" pitchFamily="2" charset="2"/>
-              <a:buChar char="q"/>
-            </a:pPr>
-            <a:r>
-              <a:rPr lang="en-GB" sz="2400" dirty="0">
-                <a:solidFill>
-                  <a:schemeClr val="tx1"/>
-                </a:solidFill>
-              </a:rPr>
-              <a:t>The JURAS scheme </a:t>
-            </a:r>
-            <a:r>
-              <a:rPr lang="en-GB" sz="2400" b="1" dirty="0">
-                <a:solidFill>
-                  <a:schemeClr val="tx1"/>
-                </a:solidFill>
-              </a:rPr>
-              <a:t>sum capacity</a:t>
-            </a:r>
-            <a:r>
-              <a:rPr lang="en-GB" sz="2400" dirty="0">
-                <a:solidFill>
-                  <a:schemeClr val="tx1"/>
-                </a:solidFill>
-              </a:rPr>
-              <a:t> is </a:t>
-            </a:r>
-            <a:r>
-              <a:rPr lang="en-GB" sz="2400" b="1" dirty="0">
-                <a:solidFill>
-                  <a:schemeClr val="tx1"/>
-                </a:solidFill>
-              </a:rPr>
-              <a:t>significant at high SNR.</a:t>
-            </a:r>
-          </a:p>
-          <a:p>
-            <a:pPr marL="0" indent="0" algn="just">
-              <a:lnSpc>
-                <a:spcPct val="150000"/>
-              </a:lnSpc>
-            </a:pPr>
-            <a:endParaRPr lang="en-US" sz="2400" dirty="0">
-              <a:solidFill>
-                <a:schemeClr val="tx1"/>
-              </a:solidFill>
-            </a:endParaRPr>
-          </a:p>
-          <a:p>
-            <a:pPr algn="just">
-              <a:lnSpc>
-                <a:spcPct val="150000"/>
-              </a:lnSpc>
-              <a:buFont typeface="Wingdings" pitchFamily="2" charset="2"/>
-              <a:buChar char="q"/>
-            </a:pPr>
-            <a:r>
-              <a:rPr lang="en-GB" sz="2400" dirty="0">
-                <a:solidFill>
-                  <a:schemeClr val="tx1"/>
-                </a:solidFill>
-              </a:rPr>
-              <a:t>The two JURAS suboptimal algorithms </a:t>
-            </a:r>
-            <a:r>
-              <a:rPr lang="en-GB" sz="2400" b="1" dirty="0">
-                <a:solidFill>
-                  <a:schemeClr val="tx1"/>
-                </a:solidFill>
-              </a:rPr>
-              <a:t>reduced the complexity of computation.</a:t>
-            </a:r>
-            <a:endParaRPr lang="en-US" sz="2400" b="1" dirty="0">
-              <a:solidFill>
-                <a:schemeClr val="tx1"/>
-              </a:solidFill>
-            </a:endParaRPr>
-          </a:p>
-          <a:p>
-            <a:pPr>
-              <a:lnSpc>
-                <a:spcPct val="150000"/>
-              </a:lnSpc>
-            </a:pPr>
-            <a:endParaRPr lang="en-US" dirty="0"/>
+            <a:r>
+              <a:rPr lang="en-IN" dirty="0">
+                <a:solidFill>
+                  <a:srgbClr val="0070C0"/>
+                </a:solidFill>
+              </a:rPr>
+              <a:t>Nt=4,Nr=2,SNR = 0dB</a:t>
+            </a:r>
           </a:p>
         </p:txBody>
       </p:sp>
     </p:spTree>
+    <p:extLst>
+      <p:ext uri="{BB962C8B-B14F-4D97-AF65-F5344CB8AC3E}">
+        <p14:creationId xmlns:p14="http://schemas.microsoft.com/office/powerpoint/2010/main" val="3400219772"/>
+      </p:ext>
+    </p:extLst>
   </p:cSld>
   <p:clrMapOvr>
     <a:masterClrMapping/>
@@ -11430,7 +11417,13 @@
       </p:grpSpPr>
       <p:sp>
         <p:nvSpPr>
-          <p:cNvPr id="2" name="Title 1"/>
+          <p:cNvPr id="2" name="Title 1">
+            <a:extLst>
+              <a:ext uri="{FF2B5EF4-FFF2-40B4-BE49-F238E27FC236}">
+                <a16:creationId xmlns:a16="http://schemas.microsoft.com/office/drawing/2014/main" id="{C8AD9F1B-3684-44E2-91AE-76BF839640F4}"/>
+              </a:ext>
+            </a:extLst>
+          </p:cNvPr>
           <p:cNvSpPr>
             <a:spLocks noGrp="1"/>
           </p:cNvSpPr>
@@ -11438,12 +11431,7 @@
             <p:ph type="title"/>
           </p:nvPr>
         </p:nvSpPr>
-        <p:spPr>
-          <a:xfrm>
-            <a:off x="533400" y="763587"/>
-            <a:ext cx="3427413" cy="579437"/>
-          </a:xfrm>
-        </p:spPr>
+        <p:spPr/>
         <p:txBody>
           <a:bodyPr/>
           <a:lstStyle/>
@@ -11451,87 +11439,105 @@
             <a:pPr algn="just"/>
             <a:r>
               <a:rPr lang="en-US" dirty="0"/>
-              <a:t>References</a:t>
-            </a:r>
+              <a:t>Outputs</a:t>
+            </a:r>
+            <a:endParaRPr lang="en-IN" dirty="0"/>
           </a:p>
         </p:txBody>
       </p:sp>
-      <p:sp>
-        <p:nvSpPr>
-          <p:cNvPr id="3" name="Content Placeholder 2"/>
-          <p:cNvSpPr>
-            <a:spLocks noGrp="1"/>
-          </p:cNvSpPr>
-          <p:nvPr>
-            <p:ph idx="1"/>
-          </p:nvPr>
-        </p:nvSpPr>
+      <p:pic>
+        <p:nvPicPr>
+          <p:cNvPr id="4" name="Picture 3">
+            <a:extLst>
+              <a:ext uri="{FF2B5EF4-FFF2-40B4-BE49-F238E27FC236}">
+                <a16:creationId xmlns:a16="http://schemas.microsoft.com/office/drawing/2014/main" id="{21EFFBB0-4E13-4814-AAEF-5C66E3D3E16A}"/>
+              </a:ext>
+            </a:extLst>
+          </p:cNvPr>
+          <p:cNvPicPr>
+            <a:picLocks noChangeAspect="1"/>
+          </p:cNvPicPr>
+          <p:nvPr/>
+        </p:nvPicPr>
+        <p:blipFill rotWithShape="1">
+          <a:blip r:embed="rId2">
+            <a:extLst>
+              <a:ext uri="{28A0092B-C50C-407E-A947-70E740481C1C}">
+                <a14:useLocalDpi xmlns:a14="http://schemas.microsoft.com/office/drawing/2010/main" val="0"/>
+              </a:ext>
+            </a:extLst>
+          </a:blip>
+          <a:srcRect l="7500" t="12945" r="7517" b="7016"/>
+          <a:stretch/>
+        </p:blipFill>
         <p:spPr>
           <a:xfrm>
-            <a:off x="685800" y="1371600"/>
-            <a:ext cx="8458200" cy="4722813"/>
-          </a:xfrm>
-        </p:spPr>
+            <a:off x="647114" y="1317625"/>
+            <a:ext cx="8420686" cy="4930775"/>
+          </a:xfrm>
+          <a:prstGeom prst="rect">
+            <a:avLst/>
+          </a:prstGeom>
+        </p:spPr>
+      </p:pic>
+      <p:sp>
+        <p:nvSpPr>
+          <p:cNvPr id="5" name="TextBox 4">
+            <a:extLst>
+              <a:ext uri="{FF2B5EF4-FFF2-40B4-BE49-F238E27FC236}">
+                <a16:creationId xmlns:a16="http://schemas.microsoft.com/office/drawing/2014/main" id="{54CC6F85-342C-44E4-B96D-C206A074AC2D}"/>
+              </a:ext>
+            </a:extLst>
+          </p:cNvPr>
+          <p:cNvSpPr txBox="1"/>
+          <p:nvPr/>
+        </p:nvSpPr>
+        <p:spPr>
+          <a:xfrm>
+            <a:off x="1905000" y="1666229"/>
+            <a:ext cx="3314700" cy="461665"/>
+          </a:xfrm>
+          <a:prstGeom prst="rect">
+            <a:avLst/>
+          </a:prstGeom>
+        </p:spPr>
+        <p:style>
+          <a:lnRef idx="2">
+            <a:schemeClr val="dk1"/>
+          </a:lnRef>
+          <a:fillRef idx="1">
+            <a:schemeClr val="lt1"/>
+          </a:fillRef>
+          <a:effectRef idx="0">
+            <a:schemeClr val="dk1"/>
+          </a:effectRef>
+          <a:fontRef idx="minor">
+            <a:schemeClr val="dk1"/>
+          </a:fontRef>
+        </p:style>
         <p:txBody>
-          <a:bodyPr/>
+          <a:bodyPr wrap="square" rtlCol="0">
+            <a:spAutoFit/>
+          </a:bodyPr>
           <a:lstStyle/>
           <a:p>
-            <a:pPr marL="457200" indent="-457200" algn="just">
-              <a:lnSpc>
-                <a:spcPct val="150000"/>
-              </a:lnSpc>
-              <a:buFont typeface="Wingdings" panose="05000000000000000000" pitchFamily="2" charset="2"/>
-              <a:buChar char="q"/>
-            </a:pPr>
-            <a:r>
-              <a:rPr lang="en-US" sz="2000" dirty="0">
-                <a:solidFill>
-                  <a:schemeClr val="tx1"/>
-                </a:solidFill>
-              </a:rPr>
-              <a:t>M. Sadek, A. Tarighat, and A. H. Sayed, "A Leakage-Based Precoding Scheme for Downlink Multi-User MIMO Channels," IEEE Transactions on Wireless Communications, vol. 6, no. 5, May 2007.</a:t>
-            </a:r>
-          </a:p>
-          <a:p>
-            <a:pPr marL="457200" indent="-457200" algn="just">
-              <a:lnSpc>
-                <a:spcPct val="150000"/>
-              </a:lnSpc>
-              <a:buFont typeface="Wingdings" panose="05000000000000000000" pitchFamily="2" charset="2"/>
-              <a:buChar char="q"/>
-            </a:pPr>
-            <a:r>
-              <a:rPr lang="en-US" sz="2000" dirty="0">
-                <a:solidFill>
-                  <a:schemeClr val="tx1"/>
-                </a:solidFill>
-              </a:rPr>
-              <a:t>M. Sadek, A. Tarighat, and A. H. Sayed, "Active Antenna Selection in Multiuser MIMO Communications," IEEE Transactions on Signal Processing, vol. 55, no. 4, pp. 1498 - 1510, Apr 2007.</a:t>
-            </a:r>
-          </a:p>
-          <a:p>
-            <a:pPr marL="457200" indent="-457200" algn="just">
-              <a:lnSpc>
-                <a:spcPct val="150000"/>
-              </a:lnSpc>
-              <a:buFont typeface="Wingdings" panose="05000000000000000000" pitchFamily="2" charset="2"/>
-              <a:buChar char="q"/>
-            </a:pPr>
-            <a:r>
-              <a:rPr lang="en-IN" sz="2000" dirty="0">
-                <a:solidFill>
-                  <a:schemeClr val="tx1"/>
-                </a:solidFill>
-              </a:rPr>
-              <a:t>M. Costa, "Writing on Dirty Paper," IEEE Transactions on Information Theory, vol. 29, no. 3, pp. 439-441, May 1983.</a:t>
-            </a:r>
-          </a:p>
-          <a:p>
-            <a:endParaRPr lang="en-US" dirty="0"/>
+            <a:r>
+              <a:rPr lang="en-IN" dirty="0">
+                <a:solidFill>
+                  <a:srgbClr val="0070C0"/>
+                </a:solidFill>
+              </a:rPr>
+              <a:t>Nt=4,Nr=2,SNR =30dB </a:t>
+            </a:r>
           </a:p>
         </p:txBody>
       </p:sp>
     </p:spTree>
+    <p:extLst>
+      <p:ext uri="{BB962C8B-B14F-4D97-AF65-F5344CB8AC3E}">
+        <p14:creationId xmlns:p14="http://schemas.microsoft.com/office/powerpoint/2010/main" val="3197756981"/>
+      </p:ext>
+    </p:extLst>
   </p:cSld>
   <p:clrMapOvr>
     <a:masterClrMapping/>
@@ -11558,7 +11564,13 @@
       </p:grpSpPr>
       <p:sp>
         <p:nvSpPr>
-          <p:cNvPr id="2" name="Title 1"/>
+          <p:cNvPr id="2" name="Title 1">
+            <a:extLst>
+              <a:ext uri="{FF2B5EF4-FFF2-40B4-BE49-F238E27FC236}">
+                <a16:creationId xmlns:a16="http://schemas.microsoft.com/office/drawing/2014/main" id="{C8AD9F1B-3684-44E2-91AE-76BF839640F4}"/>
+              </a:ext>
+            </a:extLst>
+          </p:cNvPr>
           <p:cNvSpPr>
             <a:spLocks noGrp="1"/>
           </p:cNvSpPr>
@@ -11566,12 +11578,7 @@
             <p:ph type="title"/>
           </p:nvPr>
         </p:nvSpPr>
-        <p:spPr>
-          <a:xfrm>
-            <a:off x="533400" y="763587"/>
-            <a:ext cx="3427413" cy="579437"/>
-          </a:xfrm>
-        </p:spPr>
+        <p:spPr/>
         <p:txBody>
           <a:bodyPr/>
           <a:lstStyle/>
@@ -11579,70 +11586,95 @@
             <a:pPr algn="just"/>
             <a:r>
               <a:rPr lang="en-US" dirty="0"/>
-              <a:t>References</a:t>
-            </a:r>
+              <a:t>Outputs</a:t>
+            </a:r>
+            <a:endParaRPr lang="en-IN" dirty="0"/>
           </a:p>
         </p:txBody>
       </p:sp>
-      <p:sp>
-        <p:nvSpPr>
-          <p:cNvPr id="3" name="Content Placeholder 2"/>
-          <p:cNvSpPr>
-            <a:spLocks noGrp="1"/>
-          </p:cNvSpPr>
-          <p:nvPr>
-            <p:ph idx="1"/>
-          </p:nvPr>
-        </p:nvSpPr>
+      <p:pic>
+        <p:nvPicPr>
+          <p:cNvPr id="4" name="Picture 3">
+            <a:extLst>
+              <a:ext uri="{FF2B5EF4-FFF2-40B4-BE49-F238E27FC236}">
+                <a16:creationId xmlns:a16="http://schemas.microsoft.com/office/drawing/2014/main" id="{A136EEDE-5D06-48CC-A92A-23050BB64EB4}"/>
+              </a:ext>
+            </a:extLst>
+          </p:cNvPr>
+          <p:cNvPicPr>
+            <a:picLocks noChangeAspect="1"/>
+          </p:cNvPicPr>
+          <p:nvPr/>
+        </p:nvPicPr>
+        <p:blipFill rotWithShape="1">
+          <a:blip r:embed="rId2">
+            <a:extLst>
+              <a:ext uri="{28A0092B-C50C-407E-A947-70E740481C1C}">
+                <a14:useLocalDpi xmlns:a14="http://schemas.microsoft.com/office/drawing/2010/main" val="0"/>
+              </a:ext>
+            </a:extLst>
+          </a:blip>
+          <a:srcRect l="7500" t="11462" r="7517" b="7016"/>
+          <a:stretch/>
+        </p:blipFill>
         <p:spPr>
           <a:xfrm>
-            <a:off x="685800" y="1371600"/>
-            <a:ext cx="8382000" cy="4876800"/>
-          </a:xfrm>
-        </p:spPr>
+            <a:off x="533400" y="1317625"/>
+            <a:ext cx="8534400" cy="4930775"/>
+          </a:xfrm>
+          <a:prstGeom prst="rect">
+            <a:avLst/>
+          </a:prstGeom>
+        </p:spPr>
+      </p:pic>
+      <p:sp>
+        <p:nvSpPr>
+          <p:cNvPr id="5" name="TextBox 4">
+            <a:extLst>
+              <a:ext uri="{FF2B5EF4-FFF2-40B4-BE49-F238E27FC236}">
+                <a16:creationId xmlns:a16="http://schemas.microsoft.com/office/drawing/2014/main" id="{2D328122-184E-4C64-B705-C806672C24B6}"/>
+              </a:ext>
+            </a:extLst>
+          </p:cNvPr>
+          <p:cNvSpPr txBox="1"/>
+          <p:nvPr/>
+        </p:nvSpPr>
+        <p:spPr>
+          <a:xfrm>
+            <a:off x="3276600" y="3429000"/>
+            <a:ext cx="3314700" cy="461665"/>
+          </a:xfrm>
+          <a:prstGeom prst="rect">
+            <a:avLst/>
+          </a:prstGeom>
+        </p:spPr>
+        <p:style>
+          <a:lnRef idx="2">
+            <a:schemeClr val="dk1"/>
+          </a:lnRef>
+          <a:fillRef idx="1">
+            <a:schemeClr val="lt1"/>
+          </a:fillRef>
+          <a:effectRef idx="0">
+            <a:schemeClr val="dk1"/>
+          </a:effectRef>
+          <a:fontRef idx="minor">
+            <a:schemeClr val="dk1"/>
+          </a:fontRef>
+        </p:style>
         <p:txBody>
-          <a:bodyPr/>
+          <a:bodyPr wrap="square" rtlCol="0">
+            <a:spAutoFit/>
+          </a:bodyPr>
           <a:lstStyle/>
           <a:p>
-            <a:pPr marL="457200" indent="-457200" algn="just">
-              <a:lnSpc>
-                <a:spcPct val="150000"/>
-              </a:lnSpc>
-              <a:buFont typeface="Wingdings" panose="05000000000000000000" pitchFamily="2" charset="2"/>
-              <a:buChar char="q"/>
-            </a:pPr>
-            <a:r>
-              <a:rPr lang="en-US" sz="2000" dirty="0">
-                <a:solidFill>
-                  <a:schemeClr val="tx1"/>
-                </a:solidFill>
-              </a:rPr>
-              <a:t>G. Caire and S. S. (Shitz), "On the Achievable Throughput of a Multiantenna Gaussian Broadcast Channel," IEEE Transactions on Information Theory, vol. 49, no. 7, pp. 1691-1706, Jul 2003.</a:t>
-            </a:r>
-          </a:p>
-          <a:p>
-            <a:pPr marL="457200" indent="-457200" algn="just">
-              <a:lnSpc>
-                <a:spcPct val="150000"/>
-              </a:lnSpc>
-              <a:buFont typeface="Wingdings" panose="05000000000000000000" pitchFamily="2" charset="2"/>
-              <a:buChar char="q"/>
-            </a:pPr>
-            <a:r>
-              <a:rPr lang="en-US" sz="2000" dirty="0">
-                <a:solidFill>
-                  <a:schemeClr val="tx1"/>
-                </a:solidFill>
-              </a:rPr>
-              <a:t>Q. H. Spencer, A. L. Swindlehurst, and M. Haardt, "Zero-Forcing methods for Downlink Spatial Multiplexing in Multiuser MIMO channels," IEEE Transactions on Signal Processing, vol. 52, no. 2, pp. 461-471, Feb 2004</a:t>
-            </a:r>
-            <a:r>
-              <a:rPr lang="en-US" sz="2000" b="1" dirty="0">
-                <a:solidFill>
-                  <a:schemeClr val="tx1"/>
-                </a:solidFill>
-              </a:rPr>
-              <a:t>.</a:t>
+            <a:r>
+              <a:rPr lang="en-IN" dirty="0">
+                <a:solidFill>
+                  <a:srgbClr val="0070C0"/>
+                </a:solidFill>
+              </a:rPr>
+              <a:t>Nt=4,Nr=2,USERS = 5</a:t>
             </a:r>
           </a:p>
         </p:txBody>
@@ -11650,7 +11682,7 @@
     </p:spTree>
     <p:extLst>
       <p:ext uri="{BB962C8B-B14F-4D97-AF65-F5344CB8AC3E}">
-        <p14:creationId xmlns:p14="http://schemas.microsoft.com/office/powerpoint/2010/main" val="1992499214"/>
+        <p14:creationId xmlns:p14="http://schemas.microsoft.com/office/powerpoint/2010/main" val="1209523706"/>
       </p:ext>
     </p:extLst>
   </p:cSld>
@@ -11679,10 +11711,10 @@
       </p:grpSpPr>
       <p:sp>
         <p:nvSpPr>
-          <p:cNvPr id="3" name="Content Placeholder 2">
+          <p:cNvPr id="2" name="Title 1">
             <a:extLst>
               <a:ext uri="{FF2B5EF4-FFF2-40B4-BE49-F238E27FC236}">
-                <a16:creationId xmlns:a16="http://schemas.microsoft.com/office/drawing/2014/main" id="{90D03541-7F4B-49E9-9605-FA18B604C9F6}"/>
+                <a16:creationId xmlns:a16="http://schemas.microsoft.com/office/drawing/2014/main" id="{C8AD9F1B-3684-44E2-91AE-76BF839640F4}"/>
               </a:ext>
             </a:extLst>
           </p:cNvPr>
@@ -11690,61 +11722,346 @@
             <a:spLocks noGrp="1"/>
           </p:cNvSpPr>
           <p:nvPr>
-            <p:ph idx="1"/>
+            <p:ph type="title"/>
           </p:nvPr>
         </p:nvSpPr>
-        <p:spPr>
-          <a:xfrm>
-            <a:off x="685800" y="1371600"/>
-            <a:ext cx="8458200" cy="4722813"/>
-          </a:xfrm>
-        </p:spPr>
+        <p:spPr/>
         <p:txBody>
           <a:bodyPr/>
           <a:lstStyle/>
           <a:p>
-            <a:r>
-              <a:rPr lang="en-IN" sz="8800" dirty="0">
-                <a:solidFill>
-                  <a:schemeClr val="accent2">
-                    <a:lumMod val="75000"/>
-                  </a:schemeClr>
-                </a:solidFill>
-              </a:rPr>
-              <a:t>     </a:t>
-            </a:r>
-          </a:p>
-          <a:p>
             <a:pPr algn="just"/>
             <a:r>
-              <a:rPr lang="en-IN" sz="8800" dirty="0">
-                <a:solidFill>
-                  <a:schemeClr val="accent2">
-                    <a:lumMod val="75000"/>
-                  </a:schemeClr>
-                </a:solidFill>
-              </a:rPr>
-              <a:t>    Thank You</a:t>
-            </a:r>
-            <a:endParaRPr lang="en-US" sz="8800" dirty="0">
-              <a:solidFill>
-                <a:schemeClr val="accent2">
-                  <a:lumMod val="75000"/>
-                </a:schemeClr>
-              </a:solidFill>
-            </a:endParaRPr>
-          </a:p>
-          <a:p>
+              <a:rPr lang="en-US" dirty="0"/>
+              <a:t>Outputs</a:t>
+            </a:r>
             <a:endParaRPr lang="en-IN" dirty="0"/>
+          </a:p>
+        </p:txBody>
+      </p:sp>
+      <p:pic>
+        <p:nvPicPr>
+          <p:cNvPr id="4" name="Picture 3">
+            <a:extLst>
+              <a:ext uri="{FF2B5EF4-FFF2-40B4-BE49-F238E27FC236}">
+                <a16:creationId xmlns:a16="http://schemas.microsoft.com/office/drawing/2014/main" id="{00BC5CA2-5407-4975-B67F-038392912394}"/>
+              </a:ext>
+            </a:extLst>
+          </p:cNvPr>
+          <p:cNvPicPr>
+            <a:picLocks noChangeAspect="1"/>
+          </p:cNvPicPr>
+          <p:nvPr/>
+        </p:nvPicPr>
+        <p:blipFill rotWithShape="1">
+          <a:blip r:embed="rId2">
+            <a:extLst>
+              <a:ext uri="{28A0092B-C50C-407E-A947-70E740481C1C}">
+                <a14:useLocalDpi xmlns:a14="http://schemas.microsoft.com/office/drawing/2010/main" val="0"/>
+              </a:ext>
+            </a:extLst>
+          </a:blip>
+          <a:srcRect l="7500" t="11462" r="7517" b="7016"/>
+          <a:stretch/>
+        </p:blipFill>
+        <p:spPr>
+          <a:xfrm>
+            <a:off x="650631" y="1425277"/>
+            <a:ext cx="8458200" cy="4930775"/>
+          </a:xfrm>
+          <a:prstGeom prst="rect">
+            <a:avLst/>
+          </a:prstGeom>
+        </p:spPr>
+      </p:pic>
+      <p:sp>
+        <p:nvSpPr>
+          <p:cNvPr id="5" name="TextBox 4">
+            <a:extLst>
+              <a:ext uri="{FF2B5EF4-FFF2-40B4-BE49-F238E27FC236}">
+                <a16:creationId xmlns:a16="http://schemas.microsoft.com/office/drawing/2014/main" id="{51A12AB9-3150-4FF7-B5D1-655AABB20D92}"/>
+              </a:ext>
+            </a:extLst>
+          </p:cNvPr>
+          <p:cNvSpPr txBox="1"/>
+          <p:nvPr/>
+        </p:nvSpPr>
+        <p:spPr>
+          <a:xfrm>
+            <a:off x="3276600" y="3429000"/>
+            <a:ext cx="3314700" cy="461665"/>
+          </a:xfrm>
+          <a:prstGeom prst="rect">
+            <a:avLst/>
+          </a:prstGeom>
+        </p:spPr>
+        <p:style>
+          <a:lnRef idx="2">
+            <a:schemeClr val="dk1"/>
+          </a:lnRef>
+          <a:fillRef idx="1">
+            <a:schemeClr val="lt1"/>
+          </a:fillRef>
+          <a:effectRef idx="0">
+            <a:schemeClr val="dk1"/>
+          </a:effectRef>
+          <a:fontRef idx="minor">
+            <a:schemeClr val="dk1"/>
+          </a:fontRef>
+        </p:style>
+        <p:txBody>
+          <a:bodyPr wrap="square" rtlCol="0">
+            <a:spAutoFit/>
+          </a:bodyPr>
+          <a:lstStyle/>
+          <a:p>
+            <a:r>
+              <a:rPr lang="en-IN" dirty="0">
+                <a:solidFill>
+                  <a:srgbClr val="0070C0"/>
+                </a:solidFill>
+              </a:rPr>
+              <a:t>Nt=4,Nr=2,USERS = 10</a:t>
+            </a:r>
           </a:p>
         </p:txBody>
       </p:sp>
     </p:spTree>
     <p:extLst>
       <p:ext uri="{BB962C8B-B14F-4D97-AF65-F5344CB8AC3E}">
-        <p14:creationId xmlns:p14="http://schemas.microsoft.com/office/powerpoint/2010/main" val="3746131391"/>
+        <p14:creationId xmlns:p14="http://schemas.microsoft.com/office/powerpoint/2010/main" val="358698578"/>
       </p:ext>
     </p:extLst>
+  </p:cSld>
+  <p:clrMapOvr>
+    <a:masterClrMapping/>
+  </p:clrMapOvr>
+</p:sld>
+</file>
+
+<file path=ppt/slides/slide29.xml><?xml version="1.0" encoding="utf-8"?>
+<p:sld xmlns:a="http://schemas.openxmlformats.org/drawingml/2006/main" xmlns:r="http://schemas.openxmlformats.org/officeDocument/2006/relationships" xmlns:p="http://schemas.openxmlformats.org/presentationml/2006/main">
+  <p:cSld>
+    <p:spTree>
+      <p:nvGrpSpPr>
+        <p:cNvPr id="1" name=""/>
+        <p:cNvGrpSpPr/>
+        <p:nvPr/>
+      </p:nvGrpSpPr>
+      <p:grpSpPr>
+        <a:xfrm>
+          <a:off x="0" y="0"/>
+          <a:ext cx="0" cy="0"/>
+          <a:chOff x="0" y="0"/>
+          <a:chExt cx="0" cy="0"/>
+        </a:xfrm>
+      </p:grpSpPr>
+      <p:sp>
+        <p:nvSpPr>
+          <p:cNvPr id="2" name="Title 1"/>
+          <p:cNvSpPr>
+            <a:spLocks noGrp="1"/>
+          </p:cNvSpPr>
+          <p:nvPr>
+            <p:ph type="title"/>
+          </p:nvPr>
+        </p:nvSpPr>
+        <p:spPr>
+          <a:xfrm>
+            <a:off x="533400" y="762000"/>
+            <a:ext cx="2589213" cy="579437"/>
+          </a:xfrm>
+        </p:spPr>
+        <p:txBody>
+          <a:bodyPr/>
+          <a:lstStyle/>
+          <a:p>
+            <a:pPr algn="just"/>
+            <a:r>
+              <a:rPr lang="en-US" dirty="0"/>
+              <a:t>Conclusions</a:t>
+            </a:r>
+          </a:p>
+        </p:txBody>
+      </p:sp>
+      <p:sp>
+        <p:nvSpPr>
+          <p:cNvPr id="3" name="Content Placeholder 2"/>
+          <p:cNvSpPr>
+            <a:spLocks noGrp="1"/>
+          </p:cNvSpPr>
+          <p:nvPr>
+            <p:ph idx="1"/>
+          </p:nvPr>
+        </p:nvSpPr>
+        <p:spPr>
+          <a:xfrm>
+            <a:off x="533400" y="1160046"/>
+            <a:ext cx="8534400" cy="4983163"/>
+          </a:xfrm>
+        </p:spPr>
+        <p:txBody>
+          <a:bodyPr/>
+          <a:lstStyle/>
+          <a:p>
+            <a:pPr algn="just">
+              <a:lnSpc>
+                <a:spcPct val="150000"/>
+              </a:lnSpc>
+              <a:buFont typeface="Wingdings" pitchFamily="2" charset="2"/>
+              <a:buChar char="q"/>
+            </a:pPr>
+            <a:r>
+              <a:rPr lang="en-GB" sz="2400" dirty="0">
+                <a:solidFill>
+                  <a:schemeClr val="tx1"/>
+                </a:solidFill>
+              </a:rPr>
+              <a:t>The JURAS scheme enhances the </a:t>
+            </a:r>
+            <a:r>
+              <a:rPr lang="en-GB" sz="2400" b="1" dirty="0">
+                <a:solidFill>
+                  <a:schemeClr val="tx1"/>
+                </a:solidFill>
+              </a:rPr>
+              <a:t>sum capacity </a:t>
+            </a:r>
+            <a:r>
+              <a:rPr lang="en-GB" sz="2400" dirty="0">
+                <a:solidFill>
+                  <a:schemeClr val="tx1"/>
+                </a:solidFill>
+              </a:rPr>
+              <a:t>when the number of users increases.</a:t>
+            </a:r>
+          </a:p>
+          <a:p>
+            <a:pPr algn="just">
+              <a:lnSpc>
+                <a:spcPct val="150000"/>
+              </a:lnSpc>
+              <a:buFont typeface="Wingdings" pitchFamily="2" charset="2"/>
+              <a:buChar char="q"/>
+            </a:pPr>
+            <a:endParaRPr lang="en-GB" sz="2400" dirty="0">
+              <a:solidFill>
+                <a:schemeClr val="tx1"/>
+              </a:solidFill>
+            </a:endParaRPr>
+          </a:p>
+          <a:p>
+            <a:pPr algn="just">
+              <a:lnSpc>
+                <a:spcPct val="150000"/>
+              </a:lnSpc>
+              <a:buFont typeface="Wingdings" pitchFamily="2" charset="2"/>
+              <a:buChar char="q"/>
+            </a:pPr>
+            <a:r>
+              <a:rPr lang="en-GB" sz="2400" dirty="0">
+                <a:solidFill>
+                  <a:schemeClr val="tx1"/>
+                </a:solidFill>
+              </a:rPr>
+              <a:t>The JURAS scheme </a:t>
+            </a:r>
+            <a:r>
+              <a:rPr lang="en-GB" sz="2400" b="1" dirty="0">
+                <a:solidFill>
+                  <a:schemeClr val="tx1"/>
+                </a:solidFill>
+              </a:rPr>
+              <a:t>sum capacity</a:t>
+            </a:r>
+            <a:r>
+              <a:rPr lang="en-GB" sz="2400" dirty="0">
+                <a:solidFill>
+                  <a:schemeClr val="tx1"/>
+                </a:solidFill>
+              </a:rPr>
+              <a:t> is </a:t>
+            </a:r>
+            <a:r>
+              <a:rPr lang="en-GB" sz="2400" b="1" dirty="0">
+                <a:solidFill>
+                  <a:schemeClr val="tx1"/>
+                </a:solidFill>
+              </a:rPr>
+              <a:t>significant at high SNR where SA1 has somewhat lower capacity than SA2.</a:t>
+            </a:r>
+          </a:p>
+          <a:p>
+            <a:pPr algn="just">
+              <a:lnSpc>
+                <a:spcPct val="150000"/>
+              </a:lnSpc>
+              <a:buFont typeface="Wingdings" pitchFamily="2" charset="2"/>
+              <a:buChar char="q"/>
+            </a:pPr>
+            <a:endParaRPr lang="en-US" sz="2400" dirty="0">
+              <a:solidFill>
+                <a:schemeClr val="tx1"/>
+              </a:solidFill>
+            </a:endParaRPr>
+          </a:p>
+          <a:p>
+            <a:pPr algn="just">
+              <a:lnSpc>
+                <a:spcPct val="150000"/>
+              </a:lnSpc>
+              <a:buFont typeface="Wingdings" pitchFamily="2" charset="2"/>
+              <a:buChar char="q"/>
+            </a:pPr>
+            <a:r>
+              <a:rPr lang="en-GB" sz="2400" dirty="0">
+                <a:solidFill>
+                  <a:schemeClr val="tx1"/>
+                </a:solidFill>
+              </a:rPr>
+              <a:t>The two algorithms </a:t>
+            </a:r>
+            <a:r>
+              <a:rPr lang="en-GB" sz="2400" b="1" dirty="0">
+                <a:solidFill>
+                  <a:schemeClr val="tx1"/>
+                </a:solidFill>
+              </a:rPr>
+              <a:t>reduced the complexity of computation </a:t>
+            </a:r>
+            <a:r>
+              <a:rPr lang="en-GB" sz="2400" dirty="0">
+                <a:solidFill>
+                  <a:schemeClr val="tx1"/>
+                </a:solidFill>
+              </a:rPr>
+              <a:t>where</a:t>
+            </a:r>
+            <a:r>
+              <a:rPr lang="en-GB" sz="2400" b="1" dirty="0">
+                <a:solidFill>
+                  <a:schemeClr val="tx1"/>
+                </a:solidFill>
+              </a:rPr>
+              <a:t> SA1 has somewhat lower complexity than SA2.</a:t>
+            </a:r>
+            <a:endParaRPr lang="en-US" sz="2400" b="1" dirty="0">
+              <a:solidFill>
+                <a:schemeClr val="tx1"/>
+              </a:solidFill>
+            </a:endParaRPr>
+          </a:p>
+          <a:p>
+            <a:pPr>
+              <a:lnSpc>
+                <a:spcPct val="150000"/>
+              </a:lnSpc>
+            </a:pPr>
+            <a:endParaRPr lang="en-US" dirty="0"/>
+          </a:p>
+        </p:txBody>
+      </p:sp>
+    </p:spTree>
   </p:cSld>
   <p:clrMapOvr>
     <a:masterClrMapping/>
@@ -11911,6 +12228,347 @@
         </p:txBody>
       </p:sp>
     </p:spTree>
+  </p:cSld>
+  <p:clrMapOvr>
+    <a:masterClrMapping/>
+  </p:clrMapOvr>
+</p:sld>
+</file>
+
+<file path=ppt/slides/slide30.xml><?xml version="1.0" encoding="utf-8"?>
+<p:sld xmlns:a="http://schemas.openxmlformats.org/drawingml/2006/main" xmlns:r="http://schemas.openxmlformats.org/officeDocument/2006/relationships" xmlns:p="http://schemas.openxmlformats.org/presentationml/2006/main">
+  <p:cSld>
+    <p:spTree>
+      <p:nvGrpSpPr>
+        <p:cNvPr id="1" name=""/>
+        <p:cNvGrpSpPr/>
+        <p:nvPr/>
+      </p:nvGrpSpPr>
+      <p:grpSpPr>
+        <a:xfrm>
+          <a:off x="0" y="0"/>
+          <a:ext cx="0" cy="0"/>
+          <a:chOff x="0" y="0"/>
+          <a:chExt cx="0" cy="0"/>
+        </a:xfrm>
+      </p:grpSpPr>
+      <p:sp>
+        <p:nvSpPr>
+          <p:cNvPr id="2" name="Title 1"/>
+          <p:cNvSpPr>
+            <a:spLocks noGrp="1"/>
+          </p:cNvSpPr>
+          <p:nvPr>
+            <p:ph type="title"/>
+          </p:nvPr>
+        </p:nvSpPr>
+        <p:spPr>
+          <a:xfrm>
+            <a:off x="533400" y="763587"/>
+            <a:ext cx="3427413" cy="579437"/>
+          </a:xfrm>
+        </p:spPr>
+        <p:txBody>
+          <a:bodyPr/>
+          <a:lstStyle/>
+          <a:p>
+            <a:pPr algn="just"/>
+            <a:r>
+              <a:rPr lang="en-US" dirty="0"/>
+              <a:t>References</a:t>
+            </a:r>
+          </a:p>
+        </p:txBody>
+      </p:sp>
+      <p:sp>
+        <p:nvSpPr>
+          <p:cNvPr id="3" name="Content Placeholder 2"/>
+          <p:cNvSpPr>
+            <a:spLocks noGrp="1"/>
+          </p:cNvSpPr>
+          <p:nvPr>
+            <p:ph idx="1"/>
+          </p:nvPr>
+        </p:nvSpPr>
+        <p:spPr>
+          <a:xfrm>
+            <a:off x="685800" y="1371600"/>
+            <a:ext cx="8458200" cy="4722813"/>
+          </a:xfrm>
+        </p:spPr>
+        <p:txBody>
+          <a:bodyPr/>
+          <a:lstStyle/>
+          <a:p>
+            <a:pPr marL="457200" indent="-457200" algn="just">
+              <a:lnSpc>
+                <a:spcPct val="150000"/>
+              </a:lnSpc>
+              <a:buFont typeface="Wingdings" panose="05000000000000000000" pitchFamily="2" charset="2"/>
+              <a:buChar char="q"/>
+            </a:pPr>
+            <a:r>
+              <a:rPr lang="en-US" sz="2000" dirty="0">
+                <a:solidFill>
+                  <a:schemeClr val="tx1"/>
+                </a:solidFill>
+              </a:rPr>
+              <a:t>M. Sadek, A. Tarighat, and A. H. Sayed, "A Leakage-Based Precoding Scheme for Downlink Multi-User MIMO Channels," IEEE Transactions on Wireless Communications, vol. 6, no. 5, May 2007.</a:t>
+            </a:r>
+          </a:p>
+          <a:p>
+            <a:pPr marL="457200" indent="-457200" algn="just">
+              <a:lnSpc>
+                <a:spcPct val="150000"/>
+              </a:lnSpc>
+              <a:buFont typeface="Wingdings" panose="05000000000000000000" pitchFamily="2" charset="2"/>
+              <a:buChar char="q"/>
+            </a:pPr>
+            <a:r>
+              <a:rPr lang="en-US" sz="2000" dirty="0">
+                <a:solidFill>
+                  <a:schemeClr val="tx1"/>
+                </a:solidFill>
+              </a:rPr>
+              <a:t>M. Sadek, A. Tarighat, and A. H. Sayed, "Active Antenna Selection in Multiuser MIMO Communications," IEEE Transactions on Signal Processing, vol. 55, no. 4, pp. 1498 - 1510, Apr 2007.</a:t>
+            </a:r>
+          </a:p>
+          <a:p>
+            <a:pPr marL="457200" indent="-457200" algn="just">
+              <a:lnSpc>
+                <a:spcPct val="150000"/>
+              </a:lnSpc>
+              <a:buFont typeface="Wingdings" panose="05000000000000000000" pitchFamily="2" charset="2"/>
+              <a:buChar char="q"/>
+            </a:pPr>
+            <a:r>
+              <a:rPr lang="en-IN" sz="2000" dirty="0">
+                <a:solidFill>
+                  <a:schemeClr val="tx1"/>
+                </a:solidFill>
+              </a:rPr>
+              <a:t>M. Costa, "Writing on Dirty Paper," IEEE Transactions on Information Theory, vol. 29, no. 3, pp. 439-441, May 1983.</a:t>
+            </a:r>
+          </a:p>
+          <a:p>
+            <a:endParaRPr lang="en-US" dirty="0"/>
+          </a:p>
+        </p:txBody>
+      </p:sp>
+    </p:spTree>
+  </p:cSld>
+  <p:clrMapOvr>
+    <a:masterClrMapping/>
+  </p:clrMapOvr>
+</p:sld>
+</file>
+
+<file path=ppt/slides/slide31.xml><?xml version="1.0" encoding="utf-8"?>
+<p:sld xmlns:a="http://schemas.openxmlformats.org/drawingml/2006/main" xmlns:r="http://schemas.openxmlformats.org/officeDocument/2006/relationships" xmlns:p="http://schemas.openxmlformats.org/presentationml/2006/main">
+  <p:cSld>
+    <p:spTree>
+      <p:nvGrpSpPr>
+        <p:cNvPr id="1" name=""/>
+        <p:cNvGrpSpPr/>
+        <p:nvPr/>
+      </p:nvGrpSpPr>
+      <p:grpSpPr>
+        <a:xfrm>
+          <a:off x="0" y="0"/>
+          <a:ext cx="0" cy="0"/>
+          <a:chOff x="0" y="0"/>
+          <a:chExt cx="0" cy="0"/>
+        </a:xfrm>
+      </p:grpSpPr>
+      <p:sp>
+        <p:nvSpPr>
+          <p:cNvPr id="2" name="Title 1"/>
+          <p:cNvSpPr>
+            <a:spLocks noGrp="1"/>
+          </p:cNvSpPr>
+          <p:nvPr>
+            <p:ph type="title"/>
+          </p:nvPr>
+        </p:nvSpPr>
+        <p:spPr>
+          <a:xfrm>
+            <a:off x="533400" y="763587"/>
+            <a:ext cx="3427413" cy="579437"/>
+          </a:xfrm>
+        </p:spPr>
+        <p:txBody>
+          <a:bodyPr/>
+          <a:lstStyle/>
+          <a:p>
+            <a:pPr algn="just"/>
+            <a:r>
+              <a:rPr lang="en-US" dirty="0"/>
+              <a:t>References</a:t>
+            </a:r>
+          </a:p>
+        </p:txBody>
+      </p:sp>
+      <p:sp>
+        <p:nvSpPr>
+          <p:cNvPr id="3" name="Content Placeholder 2"/>
+          <p:cNvSpPr>
+            <a:spLocks noGrp="1"/>
+          </p:cNvSpPr>
+          <p:nvPr>
+            <p:ph idx="1"/>
+          </p:nvPr>
+        </p:nvSpPr>
+        <p:spPr>
+          <a:xfrm>
+            <a:off x="685800" y="1371600"/>
+            <a:ext cx="8382000" cy="4876800"/>
+          </a:xfrm>
+        </p:spPr>
+        <p:txBody>
+          <a:bodyPr/>
+          <a:lstStyle/>
+          <a:p>
+            <a:pPr marL="457200" indent="-457200" algn="just">
+              <a:lnSpc>
+                <a:spcPct val="150000"/>
+              </a:lnSpc>
+              <a:buFont typeface="Wingdings" panose="05000000000000000000" pitchFamily="2" charset="2"/>
+              <a:buChar char="q"/>
+            </a:pPr>
+            <a:r>
+              <a:rPr lang="en-US" sz="2000" dirty="0">
+                <a:solidFill>
+                  <a:schemeClr val="tx1"/>
+                </a:solidFill>
+              </a:rPr>
+              <a:t>G. Caire and S. S. (Shitz), "On the Achievable Throughput of a Multiantenna Gaussian Broadcast Channel," IEEE Transactions on Information Theory, vol. 49, no. 7, pp. 1691-1706, Jul 2003.</a:t>
+            </a:r>
+          </a:p>
+          <a:p>
+            <a:pPr marL="457200" indent="-457200" algn="just">
+              <a:lnSpc>
+                <a:spcPct val="150000"/>
+              </a:lnSpc>
+              <a:buFont typeface="Wingdings" panose="05000000000000000000" pitchFamily="2" charset="2"/>
+              <a:buChar char="q"/>
+            </a:pPr>
+            <a:r>
+              <a:rPr lang="en-US" sz="2000" dirty="0">
+                <a:solidFill>
+                  <a:schemeClr val="tx1"/>
+                </a:solidFill>
+              </a:rPr>
+              <a:t>Q. H. Spencer, A. L. Swindlehurst, and M. Haardt, "Zero-Forcing methods for Downlink Spatial Multiplexing in Multiuser MIMO channels," IEEE Transactions on Signal Processing, vol. 52, no. 2, pp. 461-471, Feb 2004</a:t>
+            </a:r>
+            <a:r>
+              <a:rPr lang="en-US" sz="2000" b="1" dirty="0">
+                <a:solidFill>
+                  <a:schemeClr val="tx1"/>
+                </a:solidFill>
+              </a:rPr>
+              <a:t>.</a:t>
+            </a:r>
+          </a:p>
+        </p:txBody>
+      </p:sp>
+    </p:spTree>
+    <p:extLst>
+      <p:ext uri="{BB962C8B-B14F-4D97-AF65-F5344CB8AC3E}">
+        <p14:creationId xmlns:p14="http://schemas.microsoft.com/office/powerpoint/2010/main" val="1992499214"/>
+      </p:ext>
+    </p:extLst>
+  </p:cSld>
+  <p:clrMapOvr>
+    <a:masterClrMapping/>
+  </p:clrMapOvr>
+</p:sld>
+</file>
+
+<file path=ppt/slides/slide32.xml><?xml version="1.0" encoding="utf-8"?>
+<p:sld xmlns:a="http://schemas.openxmlformats.org/drawingml/2006/main" xmlns:r="http://schemas.openxmlformats.org/officeDocument/2006/relationships" xmlns:p="http://schemas.openxmlformats.org/presentationml/2006/main">
+  <p:cSld>
+    <p:spTree>
+      <p:nvGrpSpPr>
+        <p:cNvPr id="1" name=""/>
+        <p:cNvGrpSpPr/>
+        <p:nvPr/>
+      </p:nvGrpSpPr>
+      <p:grpSpPr>
+        <a:xfrm>
+          <a:off x="0" y="0"/>
+          <a:ext cx="0" cy="0"/>
+          <a:chOff x="0" y="0"/>
+          <a:chExt cx="0" cy="0"/>
+        </a:xfrm>
+      </p:grpSpPr>
+      <p:sp>
+        <p:nvSpPr>
+          <p:cNvPr id="3" name="Content Placeholder 2">
+            <a:extLst>
+              <a:ext uri="{FF2B5EF4-FFF2-40B4-BE49-F238E27FC236}">
+                <a16:creationId xmlns:a16="http://schemas.microsoft.com/office/drawing/2014/main" id="{90D03541-7F4B-49E9-9605-FA18B604C9F6}"/>
+              </a:ext>
+            </a:extLst>
+          </p:cNvPr>
+          <p:cNvSpPr>
+            <a:spLocks noGrp="1"/>
+          </p:cNvSpPr>
+          <p:nvPr>
+            <p:ph idx="1"/>
+          </p:nvPr>
+        </p:nvSpPr>
+        <p:spPr>
+          <a:xfrm>
+            <a:off x="685800" y="1371600"/>
+            <a:ext cx="8458200" cy="4722813"/>
+          </a:xfrm>
+        </p:spPr>
+        <p:txBody>
+          <a:bodyPr/>
+          <a:lstStyle/>
+          <a:p>
+            <a:r>
+              <a:rPr lang="en-IN" sz="8800" dirty="0">
+                <a:solidFill>
+                  <a:schemeClr val="accent2">
+                    <a:lumMod val="75000"/>
+                  </a:schemeClr>
+                </a:solidFill>
+              </a:rPr>
+              <a:t>     </a:t>
+            </a:r>
+          </a:p>
+          <a:p>
+            <a:pPr algn="just"/>
+            <a:r>
+              <a:rPr lang="en-IN" sz="8800" dirty="0">
+                <a:solidFill>
+                  <a:schemeClr val="accent2">
+                    <a:lumMod val="75000"/>
+                  </a:schemeClr>
+                </a:solidFill>
+              </a:rPr>
+              <a:t>    Thank You</a:t>
+            </a:r>
+            <a:endParaRPr lang="en-US" sz="8800" dirty="0">
+              <a:solidFill>
+                <a:schemeClr val="accent2">
+                  <a:lumMod val="75000"/>
+                </a:schemeClr>
+              </a:solidFill>
+            </a:endParaRPr>
+          </a:p>
+          <a:p>
+            <a:endParaRPr lang="en-IN" dirty="0"/>
+          </a:p>
+        </p:txBody>
+      </p:sp>
+    </p:spTree>
+    <p:extLst>
+      <p:ext uri="{BB962C8B-B14F-4D97-AF65-F5344CB8AC3E}">
+        <p14:creationId xmlns:p14="http://schemas.microsoft.com/office/powerpoint/2010/main" val="3746131391"/>
+      </p:ext>
+    </p:extLst>
   </p:cSld>
   <p:clrMapOvr>
     <a:masterClrMapping/>

--- a/21010.pptx
+++ b/21010.pptx
@@ -5,7 +5,7 @@
     <p:sldMasterId id="2147483648" r:id="rId1"/>
   </p:sldMasterIdLst>
   <p:notesMasterIdLst>
-    <p:notesMasterId r:id="rId34"/>
+    <p:notesMasterId r:id="rId35"/>
   </p:notesMasterIdLst>
   <p:sldIdLst>
     <p:sldId id="259" r:id="rId2"/>
@@ -18,28 +18,29 @@
     <p:sldId id="312" r:id="rId9"/>
     <p:sldId id="313" r:id="rId10"/>
     <p:sldId id="314" r:id="rId11"/>
-    <p:sldId id="315" r:id="rId12"/>
-    <p:sldId id="316" r:id="rId13"/>
-    <p:sldId id="317" r:id="rId14"/>
-    <p:sldId id="318" r:id="rId15"/>
-    <p:sldId id="319" r:id="rId16"/>
-    <p:sldId id="320" r:id="rId17"/>
-    <p:sldId id="321" r:id="rId18"/>
-    <p:sldId id="322" r:id="rId19"/>
-    <p:sldId id="323" r:id="rId20"/>
-    <p:sldId id="324" r:id="rId21"/>
-    <p:sldId id="325" r:id="rId22"/>
-    <p:sldId id="326" r:id="rId23"/>
-    <p:sldId id="327" r:id="rId24"/>
-    <p:sldId id="336" r:id="rId25"/>
-    <p:sldId id="335" r:id="rId26"/>
-    <p:sldId id="334" r:id="rId27"/>
-    <p:sldId id="333" r:id="rId28"/>
-    <p:sldId id="332" r:id="rId29"/>
-    <p:sldId id="328" r:id="rId30"/>
-    <p:sldId id="329" r:id="rId31"/>
-    <p:sldId id="330" r:id="rId32"/>
-    <p:sldId id="331" r:id="rId33"/>
+    <p:sldId id="337" r:id="rId12"/>
+    <p:sldId id="315" r:id="rId13"/>
+    <p:sldId id="316" r:id="rId14"/>
+    <p:sldId id="317" r:id="rId15"/>
+    <p:sldId id="318" r:id="rId16"/>
+    <p:sldId id="319" r:id="rId17"/>
+    <p:sldId id="320" r:id="rId18"/>
+    <p:sldId id="321" r:id="rId19"/>
+    <p:sldId id="322" r:id="rId20"/>
+    <p:sldId id="323" r:id="rId21"/>
+    <p:sldId id="324" r:id="rId22"/>
+    <p:sldId id="325" r:id="rId23"/>
+    <p:sldId id="326" r:id="rId24"/>
+    <p:sldId id="327" r:id="rId25"/>
+    <p:sldId id="336" r:id="rId26"/>
+    <p:sldId id="335" r:id="rId27"/>
+    <p:sldId id="334" r:id="rId28"/>
+    <p:sldId id="333" r:id="rId29"/>
+    <p:sldId id="332" r:id="rId30"/>
+    <p:sldId id="328" r:id="rId31"/>
+    <p:sldId id="329" r:id="rId32"/>
+    <p:sldId id="330" r:id="rId33"/>
+    <p:sldId id="331" r:id="rId34"/>
   </p:sldIdLst>
   <p:sldSz cx="9144000" cy="6858000" type="screen4x3"/>
   <p:notesSz cx="6858000" cy="9144000"/>
@@ -1711,7 +1712,7 @@
             <a:fld id="{90173F01-018E-44DD-8CA5-61626393428E}" type="slidenum">
               <a:rPr lang="en-US" smtClean="0"/>
               <a:pPr/>
-              <a:t>16</a:t>
+              <a:t>17</a:t>
             </a:fld>
             <a:endParaRPr lang="en-US"/>
           </a:p>
@@ -5443,7 +5444,7 @@
           </a:bodyPr>
           <a:lstStyle/>
           <a:p>
-            <a:pPr algn="just">
+            <a:pPr algn="ctr">
               <a:spcBef>
                 <a:spcPts val="500"/>
               </a:spcBef>
@@ -5488,8 +5489,8 @@
         </p:nvSpPr>
         <p:spPr bwMode="auto">
           <a:xfrm>
-            <a:off x="3276600" y="5326707"/>
-            <a:ext cx="2590800" cy="945357"/>
+            <a:off x="3352799" y="5326707"/>
+            <a:ext cx="3581401" cy="945357"/>
           </a:xfrm>
           <a:prstGeom prst="rect">
             <a:avLst/>
@@ -5507,7 +5508,7 @@
           <a:bodyPr/>
           <a:lstStyle/>
           <a:p>
-            <a:pPr algn="just">
+            <a:pPr algn="ctr">
               <a:spcBef>
                 <a:spcPts val="500"/>
               </a:spcBef>
@@ -5541,7 +5542,7 @@
             </a:r>
           </a:p>
           <a:p>
-            <a:pPr algn="just">
+            <a:pPr algn="ctr">
               <a:spcBef>
                 <a:spcPts val="500"/>
               </a:spcBef>
@@ -5571,7 +5572,27 @@
                 <a:ea typeface="DejaVu Sans" charset="0"/>
                 <a:cs typeface="DejaVu Sans" charset="0"/>
               </a:rPr>
-              <a:t>Mr. Swadhin Mishra </a:t>
+              <a:t>Mr. </a:t>
+            </a:r>
+            <a:r>
+              <a:rPr lang="en-US" sz="2000" b="1" dirty="0" err="1">
+                <a:solidFill>
+                  <a:srgbClr val="0000FF"/>
+                </a:solidFill>
+                <a:ea typeface="DejaVu Sans" charset="0"/>
+                <a:cs typeface="DejaVu Sans" charset="0"/>
+              </a:rPr>
+              <a:t>Swadhin</a:t>
+            </a:r>
+            <a:r>
+              <a:rPr lang="en-US" sz="2000" b="1" dirty="0">
+                <a:solidFill>
+                  <a:srgbClr val="0000FF"/>
+                </a:solidFill>
+                <a:ea typeface="DejaVu Sans" charset="0"/>
+                <a:cs typeface="DejaVu Sans" charset="0"/>
+              </a:rPr>
+              <a:t> Kumar Mishra </a:t>
             </a:r>
           </a:p>
           <a:p>
@@ -5783,6 +5804,15 @@
               </a:rPr>
               <a:t>which is being implemented in this project using two suboptimal algorithms.</a:t>
             </a:r>
+          </a:p>
+          <a:p>
+            <a:pPr algn="just">
+              <a:lnSpc>
+                <a:spcPct val="150000"/>
+              </a:lnSpc>
+              <a:buFont typeface="Wingdings" panose="05000000000000000000" pitchFamily="2" charset="2"/>
+              <a:buChar char="q"/>
+            </a:pPr>
             <a:endParaRPr lang="en-GB" sz="2400" b="1" dirty="0">
               <a:solidFill>
                 <a:schemeClr val="tx1"/>
@@ -5798,7 +5828,7 @@
               <a:buChar char="q"/>
             </a:pPr>
             <a:r>
-              <a:rPr lang="en-GB" sz="2000" b="1" dirty="0">
+              <a:rPr lang="en-GB" sz="2400" b="1" dirty="0">
                 <a:solidFill>
                   <a:schemeClr val="tx1"/>
                 </a:solidFill>
@@ -5806,7 +5836,7 @@
               <a:t>Suboptimal algorithm-1 </a:t>
             </a:r>
             <a:r>
-              <a:rPr lang="en-GB" sz="2000" dirty="0">
+              <a:rPr lang="en-GB" sz="2400" dirty="0">
                 <a:solidFill>
                   <a:schemeClr val="tx1"/>
                 </a:solidFill>
@@ -5814,7 +5844,7 @@
               <a:t>works by updating the user’s precoding matrices and evaluate sum capacity(</a:t>
             </a:r>
             <a:r>
-              <a:rPr lang="en-GB" sz="2000" b="1" dirty="0">
+              <a:rPr lang="en-GB" sz="2400" b="1" dirty="0">
                 <a:solidFill>
                   <a:schemeClr val="tx1"/>
                 </a:solidFill>
@@ -5822,7 +5852,7 @@
               <a:t>time</a:t>
             </a:r>
             <a:r>
-              <a:rPr lang="en-GB" sz="2000" dirty="0">
+              <a:rPr lang="en-GB" sz="2400" dirty="0">
                 <a:solidFill>
                   <a:schemeClr val="tx1"/>
                 </a:solidFill>
@@ -5830,7 +5860,7 @@
               <a:t> </a:t>
             </a:r>
             <a:r>
-              <a:rPr lang="en-GB" sz="2000" b="1" dirty="0">
+              <a:rPr lang="en-GB" sz="2400" b="1" dirty="0">
                 <a:solidFill>
                   <a:schemeClr val="tx1"/>
                 </a:solidFill>
@@ -5838,92 +5868,16 @@
               <a:t>complexity is somewhat less</a:t>
             </a:r>
             <a:r>
-              <a:rPr lang="en-GB" sz="2000" dirty="0">
+              <a:rPr lang="en-GB" sz="2400" dirty="0">
                 <a:solidFill>
                   <a:schemeClr val="tx1"/>
                 </a:solidFill>
               </a:rPr>
               <a:t>).</a:t>
             </a:r>
-            <a:endParaRPr lang="en-GB" sz="2000" dirty="0">
+            <a:endParaRPr lang="en-GB" sz="2400" dirty="0">
               <a:solidFill>
                 <a:srgbClr val="C00000"/>
-              </a:solidFill>
-            </a:endParaRPr>
-          </a:p>
-          <a:p>
-            <a:pPr marL="457200" indent="-457200" algn="just">
-              <a:lnSpc>
-                <a:spcPct val="150000"/>
-              </a:lnSpc>
-              <a:buFont typeface="Wingdings" panose="05000000000000000000" pitchFamily="2" charset="2"/>
-              <a:buChar char="q"/>
-            </a:pPr>
-            <a:r>
-              <a:rPr lang="en-GB" sz="2000" b="1" dirty="0">
-                <a:solidFill>
-                  <a:schemeClr val="tx1"/>
-                </a:solidFill>
-              </a:rPr>
-              <a:t>Suboptimal algorithm-2  </a:t>
-            </a:r>
-            <a:r>
-              <a:rPr lang="en-GB" sz="2000" dirty="0">
-                <a:solidFill>
-                  <a:schemeClr val="tx1"/>
-                </a:solidFill>
-              </a:rPr>
-              <a:t>works by considering each receiving antenna as a single user during user selection process and then computes the precoding matrices used for data transmission (</a:t>
-            </a:r>
-            <a:r>
-              <a:rPr lang="en-GB" sz="2000" b="1" dirty="0">
-                <a:solidFill>
-                  <a:schemeClr val="tx1"/>
-                </a:solidFill>
-              </a:rPr>
-              <a:t>time</a:t>
-            </a:r>
-            <a:r>
-              <a:rPr lang="en-GB" sz="2000" dirty="0">
-                <a:solidFill>
-                  <a:schemeClr val="tx1"/>
-                </a:solidFill>
-              </a:rPr>
-              <a:t> </a:t>
-            </a:r>
-            <a:r>
-              <a:rPr lang="en-GB" sz="2000" b="1" dirty="0">
-                <a:solidFill>
-                  <a:schemeClr val="tx1"/>
-                </a:solidFill>
-              </a:rPr>
-              <a:t>complexity is more </a:t>
-            </a:r>
-            <a:r>
-              <a:rPr lang="en-GB" sz="2000" dirty="0">
-                <a:solidFill>
-                  <a:schemeClr val="tx1"/>
-                </a:solidFill>
-              </a:rPr>
-              <a:t>) .</a:t>
-            </a:r>
-            <a:endParaRPr lang="en-US" sz="2000" dirty="0">
-              <a:solidFill>
-                <a:schemeClr val="tx1"/>
-              </a:solidFill>
-            </a:endParaRPr>
-          </a:p>
-          <a:p>
-            <a:pPr algn="just">
-              <a:lnSpc>
-                <a:spcPct val="150000"/>
-              </a:lnSpc>
-              <a:buFont typeface="Wingdings" panose="05000000000000000000" pitchFamily="2" charset="2"/>
-              <a:buChar char="q"/>
-            </a:pPr>
-            <a:endParaRPr lang="en-GB" sz="2000" dirty="0">
-              <a:solidFill>
-                <a:schemeClr val="tx1"/>
               </a:solidFill>
             </a:endParaRPr>
           </a:p>
@@ -5967,7 +5921,7 @@
         <p:spPr>
           <a:xfrm>
             <a:off x="533400" y="762000"/>
-            <a:ext cx="4265613" cy="579437"/>
+            <a:ext cx="6856413" cy="579437"/>
           </a:xfrm>
         </p:spPr>
         <p:txBody>
@@ -5977,7 +5931,7 @@
             <a:pPr algn="just"/>
             <a:r>
               <a:rPr lang="en-US" dirty="0"/>
-              <a:t>Suboptimal Algorithms</a:t>
+              <a:t>JURAS Scheme for MU-MIMO</a:t>
             </a:r>
           </a:p>
         </p:txBody>
@@ -5994,29 +5948,15 @@
         </p:nvSpPr>
         <p:spPr>
           <a:xfrm>
-            <a:off x="565688" y="1371600"/>
-            <a:ext cx="8578312" cy="4724400"/>
+            <a:off x="533400" y="1371600"/>
+            <a:ext cx="8458200" cy="4722813"/>
           </a:xfrm>
         </p:spPr>
         <p:txBody>
           <a:bodyPr/>
           <a:lstStyle/>
           <a:p>
-            <a:pPr marL="514350" indent="-514350" algn="ctr">
-              <a:buFont typeface="+mj-lt"/>
-              <a:buAutoNum type="arabicPeriod"/>
-            </a:pPr>
-            <a:r>
-              <a:rPr lang="en-US" sz="2400" b="1" dirty="0">
-                <a:solidFill>
-                  <a:schemeClr val="tx1"/>
-                </a:solidFill>
-              </a:rPr>
-              <a:t>Suboptimal algorithm 1</a:t>
-            </a:r>
-          </a:p>
-          <a:p>
-            <a:pPr algn="just">
+            <a:pPr marL="457200" indent="-457200" algn="just">
               <a:lnSpc>
                 <a:spcPct val="150000"/>
               </a:lnSpc>
@@ -6024,58 +5964,67 @@
               <a:buChar char="q"/>
             </a:pPr>
             <a:r>
-              <a:rPr lang="en-IN" sz="2400" dirty="0">
+              <a:rPr lang="en-GB" sz="2400" b="1" dirty="0">
                 <a:solidFill>
                   <a:schemeClr val="tx1"/>
                 </a:solidFill>
               </a:rPr>
-              <a:t>This suboptimal algorithm can be divided into two phases. The </a:t>
-            </a:r>
-            <a:r>
-              <a:rPr lang="en-IN" sz="2400" b="1" dirty="0">
+              <a:t>Suboptimal algorithm-2  </a:t>
+            </a:r>
+            <a:r>
+              <a:rPr lang="en-GB" sz="2400" dirty="0">
                 <a:solidFill>
                   <a:schemeClr val="tx1"/>
                 </a:solidFill>
               </a:rPr>
-              <a:t>first phase </a:t>
-            </a:r>
-            <a:r>
-              <a:rPr lang="en-IN" sz="2400" dirty="0">
+              <a:t>works by considering each receiving antenna as a single user during user selection process and then computes the precoding matrices used for data transmission (</a:t>
+            </a:r>
+            <a:r>
+              <a:rPr lang="en-GB" sz="2400" b="1" dirty="0">
                 <a:solidFill>
                   <a:schemeClr val="tx1"/>
                 </a:solidFill>
               </a:rPr>
-              <a:t>extends the ideas of the </a:t>
-            </a:r>
-            <a:r>
-              <a:rPr lang="en-IN" sz="2400" b="1" dirty="0">
+              <a:t>time</a:t>
+            </a:r>
+            <a:r>
+              <a:rPr lang="en-GB" sz="2400" dirty="0">
                 <a:solidFill>
                   <a:schemeClr val="tx1"/>
                 </a:solidFill>
               </a:rPr>
-              <a:t>capacity-based iterative user selection algorithm.</a:t>
-            </a:r>
-          </a:p>
-          <a:p>
-            <a:pPr algn="just">
-              <a:lnSpc>
-                <a:spcPct val="150000"/>
-              </a:lnSpc>
-              <a:buFont typeface="Wingdings" panose="05000000000000000000" pitchFamily="2" charset="2"/>
-              <a:buChar char="q"/>
-            </a:pPr>
-            <a:r>
-              <a:rPr lang="en-IN" sz="2400" dirty="0">
+              <a:t> </a:t>
+            </a:r>
+            <a:r>
+              <a:rPr lang="en-GB" sz="2400" b="1" dirty="0">
                 <a:solidFill>
                   <a:schemeClr val="tx1"/>
                 </a:solidFill>
               </a:rPr>
-              <a:t>It selects a receive antenna with the highest capacity. Then, from the remaining unselected antennas, it finds the next receive antenna providing the largest sum capacity.</a:t>
-            </a:r>
+              <a:t>complexity is more </a:t>
+            </a:r>
+            <a:r>
+              <a:rPr lang="en-GB" sz="2400" dirty="0">
+                <a:solidFill>
+                  <a:schemeClr val="tx1"/>
+                </a:solidFill>
+              </a:rPr>
+              <a:t>) .</a:t>
+            </a:r>
+            <a:endParaRPr lang="en-US" sz="2400" dirty="0">
+              <a:solidFill>
+                <a:schemeClr val="tx1"/>
+              </a:solidFill>
+            </a:endParaRPr>
           </a:p>
         </p:txBody>
       </p:sp>
     </p:spTree>
+    <p:extLst>
+      <p:ext uri="{BB962C8B-B14F-4D97-AF65-F5344CB8AC3E}">
+        <p14:creationId xmlns:p14="http://schemas.microsoft.com/office/powerpoint/2010/main" val="1913277896"/>
+      </p:ext>
+    </p:extLst>
   </p:cSld>
   <p:clrMapOvr>
     <a:masterClrMapping/>
@@ -6148,6 +6097,20 @@
           <a:bodyPr/>
           <a:lstStyle/>
           <a:p>
+            <a:pPr marL="514350" indent="-514350" algn="ctr">
+              <a:buFont typeface="+mj-lt"/>
+              <a:buAutoNum type="arabicPeriod"/>
+            </a:pPr>
+            <a:r>
+              <a:rPr lang="en-US" sz="2400" b="1" dirty="0">
+                <a:solidFill>
+                  <a:schemeClr val="tx1"/>
+                </a:solidFill>
+              </a:rPr>
+              <a:t>Suboptimal algorithm 1</a:t>
+            </a:r>
+          </a:p>
+          <a:p>
             <a:pPr algn="just">
               <a:lnSpc>
                 <a:spcPct val="150000"/>
@@ -6161,7 +6124,7 @@
                   <a:schemeClr val="tx1"/>
                 </a:solidFill>
               </a:rPr>
-              <a:t>This phase terminates when the </a:t>
+              <a:t>This suboptimal algorithm can be divided into two phases. The </a:t>
             </a:r>
             <a:r>
               <a:rPr lang="en-IN" sz="2400" b="1" dirty="0">
@@ -6169,7 +6132,7 @@
                   <a:schemeClr val="tx1"/>
                 </a:solidFill>
               </a:rPr>
-              <a:t>sum capacity would reduce as a result of adding one more receive antenna </a:t>
+              <a:t>first phase </a:t>
             </a:r>
             <a:r>
               <a:rPr lang="en-IN" sz="2400" dirty="0">
@@ -6177,7 +6140,15 @@
                   <a:schemeClr val="tx1"/>
                 </a:solidFill>
               </a:rPr>
-              <a:t>(equivalent to one more data stream).</a:t>
+              <a:t>extends the ideas of the </a:t>
+            </a:r>
+            <a:r>
+              <a:rPr lang="en-IN" sz="2400" b="1" dirty="0">
+                <a:solidFill>
+                  <a:schemeClr val="tx1"/>
+                </a:solidFill>
+              </a:rPr>
+              <a:t>capacity-based iterative user selection algorithm.</a:t>
             </a:r>
           </a:p>
           <a:p>
@@ -6194,50 +6165,12 @@
                   <a:schemeClr val="tx1"/>
                 </a:solidFill>
               </a:rPr>
-              <a:t>In the </a:t>
-            </a:r>
-            <a:r>
-              <a:rPr lang="en-IN" sz="2400" b="1" dirty="0">
-                <a:solidFill>
-                  <a:schemeClr val="tx1"/>
-                </a:solidFill>
-              </a:rPr>
-              <a:t>second phase</a:t>
-            </a:r>
-            <a:r>
-              <a:rPr lang="en-IN" sz="2400" dirty="0">
-                <a:solidFill>
-                  <a:schemeClr val="tx1"/>
-                </a:solidFill>
-              </a:rPr>
-              <a:t>, the algorithm researches the remaining unselected antennas of the selected users without increasing the number of allocated data streams. </a:t>
-            </a:r>
-          </a:p>
-          <a:p>
-            <a:pPr algn="just">
-              <a:lnSpc>
-                <a:spcPct val="150000"/>
-              </a:lnSpc>
-              <a:buFont typeface="Wingdings" panose="05000000000000000000" pitchFamily="2" charset="2"/>
-              <a:buChar char="q"/>
-            </a:pPr>
-            <a:r>
-              <a:rPr lang="en-IN" sz="2400" dirty="0">
-                <a:solidFill>
-                  <a:schemeClr val="tx1"/>
-                </a:solidFill>
-              </a:rPr>
-              <a:t>The algorithm terminates when no extra sum capacity is achieved by the receive beamforming.</a:t>
+              <a:t>It selects a receive antenna with the highest capacity. Then, from the remaining unselected antennas, it finds the next receive antenna providing the largest sum capacity.</a:t>
             </a:r>
           </a:p>
         </p:txBody>
       </p:sp>
     </p:spTree>
-    <p:extLst>
-      <p:ext uri="{BB962C8B-B14F-4D97-AF65-F5344CB8AC3E}">
-        <p14:creationId xmlns:p14="http://schemas.microsoft.com/office/powerpoint/2010/main" val="3257796676"/>
-      </p:ext>
-    </p:extLst>
   </p:cSld>
   <p:clrMapOvr>
     <a:masterClrMapping/>
@@ -6290,8 +6223,170 @@
           </a:p>
         </p:txBody>
       </p:sp>
-      <mc:AlternateContent xmlns:mc="http://schemas.openxmlformats.org/markup-compatibility/2006">
-        <mc:Choice xmlns:a14="http://schemas.microsoft.com/office/drawing/2010/main" Requires="a14">
+      <p:sp>
+        <p:nvSpPr>
+          <p:cNvPr id="3" name="Content Placeholder 2"/>
+          <p:cNvSpPr>
+            <a:spLocks noGrp="1"/>
+          </p:cNvSpPr>
+          <p:nvPr>
+            <p:ph idx="1"/>
+          </p:nvPr>
+        </p:nvSpPr>
+        <p:spPr>
+          <a:xfrm>
+            <a:off x="565688" y="1371600"/>
+            <a:ext cx="8578312" cy="4724400"/>
+          </a:xfrm>
+        </p:spPr>
+        <p:txBody>
+          <a:bodyPr/>
+          <a:lstStyle/>
+          <a:p>
+            <a:pPr algn="just">
+              <a:lnSpc>
+                <a:spcPct val="150000"/>
+              </a:lnSpc>
+              <a:buFont typeface="Wingdings" panose="05000000000000000000" pitchFamily="2" charset="2"/>
+              <a:buChar char="q"/>
+            </a:pPr>
+            <a:r>
+              <a:rPr lang="en-IN" sz="2400" dirty="0">
+                <a:solidFill>
+                  <a:schemeClr val="tx1"/>
+                </a:solidFill>
+              </a:rPr>
+              <a:t>This phase terminates when the </a:t>
+            </a:r>
+            <a:r>
+              <a:rPr lang="en-IN" sz="2400" b="1" dirty="0">
+                <a:solidFill>
+                  <a:schemeClr val="tx1"/>
+                </a:solidFill>
+              </a:rPr>
+              <a:t>sum capacity would reduce as a result of adding one more receive antenna </a:t>
+            </a:r>
+            <a:r>
+              <a:rPr lang="en-IN" sz="2400" dirty="0">
+                <a:solidFill>
+                  <a:schemeClr val="tx1"/>
+                </a:solidFill>
+              </a:rPr>
+              <a:t>(equivalent to one more data stream).</a:t>
+            </a:r>
+          </a:p>
+          <a:p>
+            <a:pPr algn="just">
+              <a:lnSpc>
+                <a:spcPct val="150000"/>
+              </a:lnSpc>
+              <a:buFont typeface="Wingdings" panose="05000000000000000000" pitchFamily="2" charset="2"/>
+              <a:buChar char="q"/>
+            </a:pPr>
+            <a:r>
+              <a:rPr lang="en-IN" sz="2400" dirty="0">
+                <a:solidFill>
+                  <a:schemeClr val="tx1"/>
+                </a:solidFill>
+              </a:rPr>
+              <a:t>In the </a:t>
+            </a:r>
+            <a:r>
+              <a:rPr lang="en-IN" sz="2400" b="1" dirty="0">
+                <a:solidFill>
+                  <a:schemeClr val="tx1"/>
+                </a:solidFill>
+              </a:rPr>
+              <a:t>second phase</a:t>
+            </a:r>
+            <a:r>
+              <a:rPr lang="en-IN" sz="2400" dirty="0">
+                <a:solidFill>
+                  <a:schemeClr val="tx1"/>
+                </a:solidFill>
+              </a:rPr>
+              <a:t>, the algorithm researches the remaining unselected antennas of the selected users without increasing the number of allocated data streams. </a:t>
+            </a:r>
+          </a:p>
+          <a:p>
+            <a:pPr algn="just">
+              <a:lnSpc>
+                <a:spcPct val="150000"/>
+              </a:lnSpc>
+              <a:buFont typeface="Wingdings" panose="05000000000000000000" pitchFamily="2" charset="2"/>
+              <a:buChar char="q"/>
+            </a:pPr>
+            <a:r>
+              <a:rPr lang="en-IN" sz="2400" dirty="0">
+                <a:solidFill>
+                  <a:schemeClr val="tx1"/>
+                </a:solidFill>
+              </a:rPr>
+              <a:t>The algorithm terminates when no extra sum capacity is achieved by the receive beamforming.</a:t>
+            </a:r>
+          </a:p>
+        </p:txBody>
+      </p:sp>
+    </p:spTree>
+    <p:extLst>
+      <p:ext uri="{BB962C8B-B14F-4D97-AF65-F5344CB8AC3E}">
+        <p14:creationId xmlns:p14="http://schemas.microsoft.com/office/powerpoint/2010/main" val="3257796676"/>
+      </p:ext>
+    </p:extLst>
+  </p:cSld>
+  <p:clrMapOvr>
+    <a:masterClrMapping/>
+  </p:clrMapOvr>
+</p:sld>
+</file>
+
+<file path=ppt/slides/slide14.xml><?xml version="1.0" encoding="utf-8"?>
+<p:sld xmlns:a="http://schemas.openxmlformats.org/drawingml/2006/main" xmlns:r="http://schemas.openxmlformats.org/officeDocument/2006/relationships" xmlns:p="http://schemas.openxmlformats.org/presentationml/2006/main">
+  <p:cSld>
+    <p:spTree>
+      <p:nvGrpSpPr>
+        <p:cNvPr id="1" name=""/>
+        <p:cNvGrpSpPr/>
+        <p:nvPr/>
+      </p:nvGrpSpPr>
+      <p:grpSpPr>
+        <a:xfrm>
+          <a:off x="0" y="0"/>
+          <a:ext cx="0" cy="0"/>
+          <a:chOff x="0" y="0"/>
+          <a:chExt cx="0" cy="0"/>
+        </a:xfrm>
+      </p:grpSpPr>
+      <p:sp>
+        <p:nvSpPr>
+          <p:cNvPr id="2" name="Title 1"/>
+          <p:cNvSpPr>
+            <a:spLocks noGrp="1"/>
+          </p:cNvSpPr>
+          <p:nvPr>
+            <p:ph type="title"/>
+          </p:nvPr>
+        </p:nvSpPr>
+        <p:spPr>
+          <a:xfrm>
+            <a:off x="533400" y="762000"/>
+            <a:ext cx="4265613" cy="579437"/>
+          </a:xfrm>
+        </p:spPr>
+        <p:txBody>
+          <a:bodyPr/>
+          <a:lstStyle/>
+          <a:p>
+            <a:pPr algn="just"/>
+            <a:r>
+              <a:rPr lang="en-US" dirty="0"/>
+              <a:t>Suboptimal Algorithms</a:t>
+            </a:r>
+          </a:p>
+        </p:txBody>
+      </p:sp>
+      <mc:AlternateContent xmlns:mc="http://schemas.openxmlformats.org/markup-compatibility/2006" xmlns:a14="http://schemas.microsoft.com/office/drawing/2010/main">
+        <mc:Choice Requires="a14">
           <p:sp>
             <p:nvSpPr>
               <p:cNvPr id="3" name="Content Placeholder 2"/>
@@ -7311,7 +7406,7 @@
             </p:txBody>
           </p:sp>
         </mc:Choice>
-        <mc:Fallback>
+        <mc:Fallback xmlns="">
           <p:sp>
             <p:nvSpPr>
               <p:cNvPr id="3" name="Content Placeholder 2"/>
@@ -7362,7 +7457,7 @@
 </p:sld>
 </file>
 
-<file path=ppt/slides/slide14.xml><?xml version="1.0" encoding="utf-8"?>
+<file path=ppt/slides/slide15.xml><?xml version="1.0" encoding="utf-8"?>
 <p:sld xmlns:a="http://schemas.openxmlformats.org/drawingml/2006/main" xmlns:r="http://schemas.openxmlformats.org/officeDocument/2006/relationships" xmlns:p="http://schemas.openxmlformats.org/presentationml/2006/main">
   <p:cSld>
     <p:spTree>
@@ -7513,7 +7608,7 @@
 </p:sld>
 </file>
 
-<file path=ppt/slides/slide15.xml><?xml version="1.0" encoding="utf-8"?>
+<file path=ppt/slides/slide16.xml><?xml version="1.0" encoding="utf-8"?>
 <p:sld xmlns:a="http://schemas.openxmlformats.org/drawingml/2006/main" xmlns:r="http://schemas.openxmlformats.org/officeDocument/2006/relationships" xmlns:p="http://schemas.openxmlformats.org/presentationml/2006/main">
   <p:cSld>
     <p:spTree>
@@ -7632,7 +7727,7 @@
 </p:sld>
 </file>
 
-<file path=ppt/slides/slide16.xml><?xml version="1.0" encoding="utf-8"?>
+<file path=ppt/slides/slide17.xml><?xml version="1.0" encoding="utf-8"?>
 <p:sld xmlns:a="http://schemas.openxmlformats.org/drawingml/2006/main" xmlns:r="http://schemas.openxmlformats.org/officeDocument/2006/relationships" xmlns:p="http://schemas.openxmlformats.org/presentationml/2006/main">
   <p:cSld>
     <p:spTree>
@@ -8367,173 +8462,6 @@
 </p:sld>
 </file>
 
-<file path=ppt/slides/slide17.xml><?xml version="1.0" encoding="utf-8"?>
-<p:sld xmlns:a="http://schemas.openxmlformats.org/drawingml/2006/main" xmlns:r="http://schemas.openxmlformats.org/officeDocument/2006/relationships" xmlns:p="http://schemas.openxmlformats.org/presentationml/2006/main">
-  <p:cSld>
-    <p:spTree>
-      <p:nvGrpSpPr>
-        <p:cNvPr id="1" name=""/>
-        <p:cNvGrpSpPr/>
-        <p:nvPr/>
-      </p:nvGrpSpPr>
-      <p:grpSpPr>
-        <a:xfrm>
-          <a:off x="0" y="0"/>
-          <a:ext cx="0" cy="0"/>
-          <a:chOff x="0" y="0"/>
-          <a:chExt cx="0" cy="0"/>
-        </a:xfrm>
-      </p:grpSpPr>
-      <p:sp>
-        <p:nvSpPr>
-          <p:cNvPr id="2" name="Title 1"/>
-          <p:cNvSpPr>
-            <a:spLocks noGrp="1"/>
-          </p:cNvSpPr>
-          <p:nvPr>
-            <p:ph type="title"/>
-          </p:nvPr>
-        </p:nvSpPr>
-        <p:spPr>
-          <a:xfrm>
-            <a:off x="533400" y="762000"/>
-            <a:ext cx="4265613" cy="579437"/>
-          </a:xfrm>
-        </p:spPr>
-        <p:txBody>
-          <a:bodyPr/>
-          <a:lstStyle/>
-          <a:p>
-            <a:pPr algn="l"/>
-            <a:r>
-              <a:rPr lang="en-US" dirty="0"/>
-              <a:t>Suboptimal Algorithms</a:t>
-            </a:r>
-          </a:p>
-        </p:txBody>
-      </p:sp>
-      <p:sp>
-        <p:nvSpPr>
-          <p:cNvPr id="3" name="Content Placeholder 2"/>
-          <p:cNvSpPr>
-            <a:spLocks noGrp="1"/>
-          </p:cNvSpPr>
-          <p:nvPr>
-            <p:ph idx="1"/>
-          </p:nvPr>
-        </p:nvSpPr>
-        <p:spPr>
-          <a:xfrm>
-            <a:off x="496019" y="1373187"/>
-            <a:ext cx="8763000" cy="4722813"/>
-          </a:xfrm>
-        </p:spPr>
-        <p:txBody>
-          <a:bodyPr/>
-          <a:lstStyle/>
-          <a:p>
-            <a:pPr marL="514350" indent="-514350" algn="ctr">
-              <a:buFont typeface="+mj-lt"/>
-              <a:buAutoNum type="arabicPeriod" startAt="2"/>
-            </a:pPr>
-            <a:r>
-              <a:rPr lang="en-US" sz="2400" b="1" dirty="0">
-                <a:solidFill>
-                  <a:schemeClr val="tx1"/>
-                </a:solidFill>
-              </a:rPr>
-              <a:t>Suboptimal algorithm 2</a:t>
-            </a:r>
-          </a:p>
-          <a:p>
-            <a:pPr marL="514350" indent="-514350">
-              <a:lnSpc>
-                <a:spcPct val="150000"/>
-              </a:lnSpc>
-              <a:buFont typeface="Wingdings" panose="05000000000000000000" pitchFamily="2" charset="2"/>
-              <a:buChar char="q"/>
-            </a:pPr>
-            <a:r>
-              <a:rPr lang="en-IN" sz="2400" dirty="0">
-                <a:solidFill>
-                  <a:schemeClr val="tx1"/>
-                </a:solidFill>
-              </a:rPr>
-              <a:t>It is seen that the </a:t>
-            </a:r>
-            <a:r>
-              <a:rPr lang="en-IN" sz="2400" b="1" dirty="0">
-                <a:solidFill>
-                  <a:schemeClr val="tx1"/>
-                </a:solidFill>
-              </a:rPr>
-              <a:t>main computational burden of SA1 </a:t>
-            </a:r>
-            <a:r>
-              <a:rPr lang="en-IN" sz="2400" dirty="0">
-                <a:solidFill>
-                  <a:schemeClr val="tx1"/>
-                </a:solidFill>
-              </a:rPr>
-              <a:t>focuses on </a:t>
-            </a:r>
-            <a:r>
-              <a:rPr lang="en-IN" sz="2400" b="1" dirty="0">
-                <a:solidFill>
-                  <a:schemeClr val="tx1"/>
-                </a:solidFill>
-              </a:rPr>
-              <a:t>updating users’ precoding matrices and evaluating the sum capacity</a:t>
-            </a:r>
-            <a:r>
-              <a:rPr lang="en-IN" sz="2400" dirty="0">
-                <a:solidFill>
-                  <a:schemeClr val="tx1"/>
-                </a:solidFill>
-              </a:rPr>
-              <a:t>.</a:t>
-            </a:r>
-          </a:p>
-          <a:p>
-            <a:pPr marL="514350" indent="-514350">
-              <a:lnSpc>
-                <a:spcPct val="150000"/>
-              </a:lnSpc>
-              <a:buFont typeface="Wingdings" panose="05000000000000000000" pitchFamily="2" charset="2"/>
-              <a:buChar char="q"/>
-            </a:pPr>
-            <a:r>
-              <a:rPr lang="en-IN" sz="2400" dirty="0">
-                <a:solidFill>
-                  <a:schemeClr val="tx1"/>
-                </a:solidFill>
-              </a:rPr>
-              <a:t>Thus, the algorithm is only required to compute the beamforming vector of </a:t>
-            </a:r>
-            <a:r>
-              <a:rPr lang="en-IN" sz="2400" b="1" dirty="0">
-                <a:solidFill>
-                  <a:schemeClr val="tx1"/>
-                </a:solidFill>
-              </a:rPr>
-              <a:t>the candidate antenna without updating the precoding matrices of the selected ones.</a:t>
-            </a:r>
-          </a:p>
-        </p:txBody>
-      </p:sp>
-    </p:spTree>
-    <p:extLst>
-      <p:ext uri="{BB962C8B-B14F-4D97-AF65-F5344CB8AC3E}">
-        <p14:creationId xmlns:p14="http://schemas.microsoft.com/office/powerpoint/2010/main" val="2284667163"/>
-      </p:ext>
-    </p:extLst>
-  </p:cSld>
-  <p:clrMapOvr>
-    <a:masterClrMapping/>
-  </p:clrMapOvr>
-</p:sld>
-</file>
-
 <file path=ppt/slides/slide18.xml><?xml version="1.0" encoding="utf-8"?>
 <p:sld xmlns:a="http://schemas.openxmlformats.org/drawingml/2006/main" xmlns:r="http://schemas.openxmlformats.org/officeDocument/2006/relationships" xmlns:p="http://schemas.openxmlformats.org/presentationml/2006/main">
   <p:cSld>
@@ -8591,15 +8519,29 @@
         </p:nvSpPr>
         <p:spPr>
           <a:xfrm>
-            <a:off x="533400" y="1371600"/>
-            <a:ext cx="8610600" cy="4722813"/>
+            <a:off x="496019" y="1373187"/>
+            <a:ext cx="8647981" cy="4722813"/>
           </a:xfrm>
         </p:spPr>
         <p:txBody>
           <a:bodyPr/>
           <a:lstStyle/>
           <a:p>
-            <a:pPr marL="514350" indent="-514350">
+            <a:pPr marL="514350" indent="-514350" algn="ctr">
+              <a:buFont typeface="+mj-lt"/>
+              <a:buAutoNum type="arabicPeriod" startAt="2"/>
+            </a:pPr>
+            <a:r>
+              <a:rPr lang="en-US" sz="2400" b="1" dirty="0">
+                <a:solidFill>
+                  <a:schemeClr val="tx1"/>
+                </a:solidFill>
+              </a:rPr>
+              <a:t>Suboptimal algorithm 2</a:t>
+            </a:r>
+          </a:p>
+          <a:p>
+            <a:pPr marL="514350" indent="-514350" algn="just">
               <a:lnSpc>
                 <a:spcPct val="150000"/>
               </a:lnSpc>
@@ -8612,7 +8554,7 @@
                   <a:schemeClr val="tx1"/>
                 </a:solidFill>
               </a:rPr>
-              <a:t>Treating each receive antenna as an individual user provides </a:t>
+              <a:t>It is seen that the </a:t>
             </a:r>
             <a:r>
               <a:rPr lang="en-IN" sz="2400" b="1" dirty="0">
@@ -8620,7 +8562,7 @@
                   <a:schemeClr val="tx1"/>
                 </a:solidFill>
               </a:rPr>
-              <a:t>more robustness to the errors </a:t>
+              <a:t>main computational burden of SA1 </a:t>
             </a:r>
             <a:r>
               <a:rPr lang="en-IN" sz="2400" dirty="0">
@@ -8628,11 +8570,27 @@
                   <a:schemeClr val="tx1"/>
                 </a:solidFill>
               </a:rPr>
-              <a:t>from outdated precoding matrices than considering multiple antennas at each user.</a:t>
-            </a:r>
-          </a:p>
-          <a:p>
-            <a:pPr marL="514350" indent="-514350">
+              <a:t>focuses on </a:t>
+            </a:r>
+            <a:r>
+              <a:rPr lang="en-IN" sz="2400" b="1" dirty="0">
+                <a:solidFill>
+                  <a:schemeClr val="tx1"/>
+                </a:solidFill>
+              </a:rPr>
+              <a:t>updating users’ precoding matrices and evaluating the sum capacity</a:t>
+            </a:r>
+            <a:r>
+              <a:rPr lang="en-IN" sz="2400" dirty="0">
+                <a:solidFill>
+                  <a:schemeClr val="tx1"/>
+                </a:solidFill>
+              </a:rPr>
+              <a:t>.</a:t>
+            </a:r>
+          </a:p>
+          <a:p>
+            <a:pPr marL="514350" indent="-514350" algn="just">
               <a:lnSpc>
                 <a:spcPct val="150000"/>
               </a:lnSpc>
@@ -8645,7 +8603,7 @@
                   <a:schemeClr val="tx1"/>
                 </a:solidFill>
               </a:rPr>
-              <a:t>By treating each antenna as a separate user, no receive beamforming can be exploited. Thus, procedures in the second phase are excluded from SA2 and </a:t>
+              <a:t>Thus, the algorithm is only required to compute the beamforming vector of </a:t>
             </a:r>
             <a:r>
               <a:rPr lang="en-IN" sz="2400" b="1" dirty="0">
@@ -8653,7 +8611,7 @@
                   <a:schemeClr val="tx1"/>
                 </a:solidFill>
               </a:rPr>
-              <a:t>the number of data streams is always equal to the number of selected antennas.</a:t>
+              <a:t>the candidate antenna without updating the precoding matrices of the selected ones.</a:t>
             </a:r>
           </a:p>
         </p:txBody>
@@ -8661,7 +8619,7 @@
     </p:spTree>
     <p:extLst>
       <p:ext uri="{BB962C8B-B14F-4D97-AF65-F5344CB8AC3E}">
-        <p14:creationId xmlns:p14="http://schemas.microsoft.com/office/powerpoint/2010/main" val="4249425202"/>
+        <p14:creationId xmlns:p14="http://schemas.microsoft.com/office/powerpoint/2010/main" val="2284667163"/>
       </p:ext>
     </p:extLst>
   </p:cSld>
@@ -8716,8 +8674,758 @@
           </a:p>
         </p:txBody>
       </p:sp>
-      <mc:AlternateContent xmlns:mc="http://schemas.openxmlformats.org/markup-compatibility/2006">
-        <mc:Choice xmlns:a14="http://schemas.microsoft.com/office/drawing/2010/main" Requires="a14">
+      <p:sp>
+        <p:nvSpPr>
+          <p:cNvPr id="3" name="Content Placeholder 2"/>
+          <p:cNvSpPr>
+            <a:spLocks noGrp="1"/>
+          </p:cNvSpPr>
+          <p:nvPr>
+            <p:ph idx="1"/>
+          </p:nvPr>
+        </p:nvSpPr>
+        <p:spPr>
+          <a:xfrm>
+            <a:off x="533400" y="1371600"/>
+            <a:ext cx="8610600" cy="4722813"/>
+          </a:xfrm>
+        </p:spPr>
+        <p:txBody>
+          <a:bodyPr/>
+          <a:lstStyle/>
+          <a:p>
+            <a:pPr marL="514350" indent="-514350" algn="just">
+              <a:lnSpc>
+                <a:spcPct val="150000"/>
+              </a:lnSpc>
+              <a:buFont typeface="Wingdings" panose="05000000000000000000" pitchFamily="2" charset="2"/>
+              <a:buChar char="q"/>
+            </a:pPr>
+            <a:r>
+              <a:rPr lang="en-IN" sz="2400" dirty="0">
+                <a:solidFill>
+                  <a:schemeClr val="tx1"/>
+                </a:solidFill>
+              </a:rPr>
+              <a:t>Treating each receive antenna as an individual user provides </a:t>
+            </a:r>
+            <a:r>
+              <a:rPr lang="en-IN" sz="2400" b="1" dirty="0">
+                <a:solidFill>
+                  <a:schemeClr val="tx1"/>
+                </a:solidFill>
+              </a:rPr>
+              <a:t>more robustness to the errors </a:t>
+            </a:r>
+            <a:r>
+              <a:rPr lang="en-IN" sz="2400" dirty="0">
+                <a:solidFill>
+                  <a:schemeClr val="tx1"/>
+                </a:solidFill>
+              </a:rPr>
+              <a:t>from outdated precoding matrices than considering multiple antennas at each user.</a:t>
+            </a:r>
+          </a:p>
+          <a:p>
+            <a:pPr marL="514350" indent="-514350" algn="just">
+              <a:lnSpc>
+                <a:spcPct val="150000"/>
+              </a:lnSpc>
+              <a:buFont typeface="Wingdings" panose="05000000000000000000" pitchFamily="2" charset="2"/>
+              <a:buChar char="q"/>
+            </a:pPr>
+            <a:r>
+              <a:rPr lang="en-IN" sz="2400" dirty="0">
+                <a:solidFill>
+                  <a:schemeClr val="tx1"/>
+                </a:solidFill>
+              </a:rPr>
+              <a:t>By treating each antenna as a separate user, no receive beamforming can be exploited. Thus, procedures in the second phase are excluded from SA2 and </a:t>
+            </a:r>
+            <a:r>
+              <a:rPr lang="en-IN" sz="2400" b="1" dirty="0">
+                <a:solidFill>
+                  <a:schemeClr val="tx1"/>
+                </a:solidFill>
+              </a:rPr>
+              <a:t>the number of data streams is always equal to the number of selected antennas.</a:t>
+            </a:r>
+          </a:p>
+        </p:txBody>
+      </p:sp>
+    </p:spTree>
+    <p:extLst>
+      <p:ext uri="{BB962C8B-B14F-4D97-AF65-F5344CB8AC3E}">
+        <p14:creationId xmlns:p14="http://schemas.microsoft.com/office/powerpoint/2010/main" val="4249425202"/>
+      </p:ext>
+    </p:extLst>
+  </p:cSld>
+  <p:clrMapOvr>
+    <a:masterClrMapping/>
+  </p:clrMapOvr>
+</p:sld>
+</file>
+
+<file path=ppt/slides/slide2.xml><?xml version="1.0" encoding="utf-8"?>
+<p:sld xmlns:a="http://schemas.openxmlformats.org/drawingml/2006/main" xmlns:r="http://schemas.openxmlformats.org/officeDocument/2006/relationships" xmlns:p="http://schemas.openxmlformats.org/presentationml/2006/main">
+  <p:cSld>
+    <p:spTree>
+      <p:nvGrpSpPr>
+        <p:cNvPr id="1" name=""/>
+        <p:cNvGrpSpPr/>
+        <p:nvPr/>
+      </p:nvGrpSpPr>
+      <p:grpSpPr>
+        <a:xfrm>
+          <a:off x="0" y="0"/>
+          <a:ext cx="0" cy="0"/>
+          <a:chOff x="0" y="0"/>
+          <a:chExt cx="0" cy="0"/>
+        </a:xfrm>
+      </p:grpSpPr>
+      <p:sp>
+        <p:nvSpPr>
+          <p:cNvPr id="4097" name="Text Box 1"/>
+          <p:cNvSpPr txBox="1">
+            <a:spLocks noChangeArrowheads="1"/>
+          </p:cNvSpPr>
+          <p:nvPr/>
+        </p:nvSpPr>
+        <p:spPr bwMode="auto">
+          <a:xfrm>
+            <a:off x="533400" y="739775"/>
+            <a:ext cx="7924800" cy="579438"/>
+          </a:xfrm>
+          <a:prstGeom prst="rect">
+            <a:avLst/>
+          </a:prstGeom>
+          <a:noFill/>
+          <a:ln w="9525" cap="flat">
+            <a:noFill/>
+            <a:round/>
+            <a:headEnd/>
+            <a:tailEnd/>
+          </a:ln>
+          <a:effectLst/>
+        </p:spPr>
+        <p:txBody>
+          <a:bodyPr anchor="ctr"/>
+          <a:lstStyle/>
+          <a:p>
+            <a:pPr algn="just" eaLnBrk="1" hangingPunct="1">
+              <a:buClrTx/>
+              <a:buFontTx/>
+              <a:buNone/>
+              <a:tabLst>
+                <a:tab pos="0" algn="l"/>
+                <a:tab pos="914400" algn="l"/>
+                <a:tab pos="1828800" algn="l"/>
+                <a:tab pos="2743200" algn="l"/>
+                <a:tab pos="3657600" algn="l"/>
+                <a:tab pos="4572000" algn="l"/>
+                <a:tab pos="5486400" algn="l"/>
+                <a:tab pos="6400800" algn="l"/>
+                <a:tab pos="7315200" algn="l"/>
+                <a:tab pos="8229600" algn="l"/>
+                <a:tab pos="9144000" algn="l"/>
+                <a:tab pos="10058400" algn="l"/>
+              </a:tabLst>
+            </a:pPr>
+            <a:endParaRPr lang="en-US" sz="3200" b="1" dirty="0">
+              <a:solidFill>
+                <a:srgbClr val="3333CC"/>
+              </a:solidFill>
+              <a:ea typeface="DejaVu Sans" charset="0"/>
+              <a:cs typeface="DejaVu Sans" charset="0"/>
+            </a:endParaRPr>
+          </a:p>
+        </p:txBody>
+      </p:sp>
+      <p:sp>
+        <p:nvSpPr>
+          <p:cNvPr id="4098" name="Text Box 2"/>
+          <p:cNvSpPr txBox="1">
+            <a:spLocks noChangeArrowheads="1"/>
+          </p:cNvSpPr>
+          <p:nvPr/>
+        </p:nvSpPr>
+        <p:spPr bwMode="auto">
+          <a:xfrm>
+            <a:off x="685800" y="1369000"/>
+            <a:ext cx="8305800" cy="5005387"/>
+          </a:xfrm>
+          <a:prstGeom prst="rect">
+            <a:avLst/>
+          </a:prstGeom>
+          <a:noFill/>
+          <a:ln w="9525" cap="flat">
+            <a:noFill/>
+            <a:round/>
+            <a:headEnd/>
+            <a:tailEnd/>
+          </a:ln>
+          <a:effectLst/>
+        </p:spPr>
+        <p:txBody>
+          <a:bodyPr/>
+          <a:lstStyle/>
+          <a:p>
+            <a:pPr marL="342900" indent="-342900" algn="just" eaLnBrk="1" hangingPunct="1">
+              <a:lnSpc>
+                <a:spcPct val="150000"/>
+              </a:lnSpc>
+              <a:spcBef>
+                <a:spcPts val="600"/>
+              </a:spcBef>
+              <a:buFont typeface="Wingdings" panose="05000000000000000000" pitchFamily="2" charset="2"/>
+              <a:buChar char="q"/>
+              <a:tabLst>
+                <a:tab pos="911225" algn="l"/>
+                <a:tab pos="1825625" algn="l"/>
+                <a:tab pos="2740025" algn="l"/>
+                <a:tab pos="3654425" algn="l"/>
+                <a:tab pos="4568825" algn="l"/>
+                <a:tab pos="5483225" algn="l"/>
+                <a:tab pos="6397625" algn="l"/>
+                <a:tab pos="7312025" algn="l"/>
+                <a:tab pos="8226425" algn="l"/>
+                <a:tab pos="9140825" algn="l"/>
+                <a:tab pos="10055225" algn="l"/>
+              </a:tabLst>
+            </a:pPr>
+            <a:r>
+              <a:rPr lang="en-IN" sz="2000" dirty="0">
+                <a:solidFill>
+                  <a:srgbClr val="000000"/>
+                </a:solidFill>
+                <a:cs typeface="Times New Roman" pitchFamily="16" charset="0"/>
+              </a:rPr>
+              <a:t>Aims/Objectives</a:t>
+            </a:r>
+          </a:p>
+          <a:p>
+            <a:pPr marL="342900" indent="-342900" algn="just" eaLnBrk="1" hangingPunct="1">
+              <a:lnSpc>
+                <a:spcPct val="150000"/>
+              </a:lnSpc>
+              <a:spcBef>
+                <a:spcPts val="600"/>
+              </a:spcBef>
+              <a:buFont typeface="Wingdings" panose="05000000000000000000" pitchFamily="2" charset="2"/>
+              <a:buChar char="q"/>
+              <a:tabLst>
+                <a:tab pos="911225" algn="l"/>
+                <a:tab pos="1825625" algn="l"/>
+                <a:tab pos="2740025" algn="l"/>
+                <a:tab pos="3654425" algn="l"/>
+                <a:tab pos="4568825" algn="l"/>
+                <a:tab pos="5483225" algn="l"/>
+                <a:tab pos="6397625" algn="l"/>
+                <a:tab pos="7312025" algn="l"/>
+                <a:tab pos="8226425" algn="l"/>
+                <a:tab pos="9140825" algn="l"/>
+                <a:tab pos="10055225" algn="l"/>
+              </a:tabLst>
+            </a:pPr>
+            <a:r>
+              <a:rPr lang="en-IN" sz="2000" dirty="0">
+                <a:solidFill>
+                  <a:srgbClr val="000000"/>
+                </a:solidFill>
+                <a:cs typeface="Times New Roman" pitchFamily="16" charset="0"/>
+              </a:rPr>
+              <a:t>Introduction</a:t>
+            </a:r>
+          </a:p>
+          <a:p>
+            <a:pPr marL="342900" indent="-342900" algn="just" eaLnBrk="1" hangingPunct="1">
+              <a:lnSpc>
+                <a:spcPct val="150000"/>
+              </a:lnSpc>
+              <a:spcBef>
+                <a:spcPts val="600"/>
+              </a:spcBef>
+              <a:buFont typeface="Wingdings" panose="05000000000000000000" pitchFamily="2" charset="2"/>
+              <a:buChar char="q"/>
+              <a:tabLst>
+                <a:tab pos="911225" algn="l"/>
+                <a:tab pos="1825625" algn="l"/>
+                <a:tab pos="2740025" algn="l"/>
+                <a:tab pos="3654425" algn="l"/>
+                <a:tab pos="4568825" algn="l"/>
+                <a:tab pos="5483225" algn="l"/>
+                <a:tab pos="6397625" algn="l"/>
+                <a:tab pos="7312025" algn="l"/>
+                <a:tab pos="8226425" algn="l"/>
+                <a:tab pos="9140825" algn="l"/>
+                <a:tab pos="10055225" algn="l"/>
+              </a:tabLst>
+            </a:pPr>
+            <a:r>
+              <a:rPr lang="en-IN" sz="2000" dirty="0">
+                <a:solidFill>
+                  <a:srgbClr val="000000"/>
+                </a:solidFill>
+                <a:cs typeface="Times New Roman" pitchFamily="16" charset="0"/>
+              </a:rPr>
+              <a:t>System Model</a:t>
+            </a:r>
+          </a:p>
+          <a:p>
+            <a:pPr marL="342900" indent="-342900" algn="just" eaLnBrk="1" hangingPunct="1">
+              <a:lnSpc>
+                <a:spcPct val="150000"/>
+              </a:lnSpc>
+              <a:spcBef>
+                <a:spcPts val="600"/>
+              </a:spcBef>
+              <a:buFont typeface="Wingdings" panose="05000000000000000000" pitchFamily="2" charset="2"/>
+              <a:buChar char="q"/>
+              <a:tabLst>
+                <a:tab pos="911225" algn="l"/>
+                <a:tab pos="1825625" algn="l"/>
+                <a:tab pos="2740025" algn="l"/>
+                <a:tab pos="3654425" algn="l"/>
+                <a:tab pos="4568825" algn="l"/>
+                <a:tab pos="5483225" algn="l"/>
+                <a:tab pos="6397625" algn="l"/>
+                <a:tab pos="7312025" algn="l"/>
+                <a:tab pos="8226425" algn="l"/>
+                <a:tab pos="9140825" algn="l"/>
+                <a:tab pos="10055225" algn="l"/>
+              </a:tabLst>
+            </a:pPr>
+            <a:r>
+              <a:rPr lang="en-IN" sz="2000" dirty="0">
+                <a:solidFill>
+                  <a:srgbClr val="000000"/>
+                </a:solidFill>
+                <a:cs typeface="Times New Roman" pitchFamily="16" charset="0"/>
+              </a:rPr>
+              <a:t>JURAS Scheme for MU-MIMO</a:t>
+            </a:r>
+          </a:p>
+          <a:p>
+            <a:pPr marL="342900" indent="-342900" algn="just" eaLnBrk="1" hangingPunct="1">
+              <a:lnSpc>
+                <a:spcPct val="150000"/>
+              </a:lnSpc>
+              <a:spcBef>
+                <a:spcPts val="600"/>
+              </a:spcBef>
+              <a:buFont typeface="Wingdings" panose="05000000000000000000" pitchFamily="2" charset="2"/>
+              <a:buChar char="q"/>
+              <a:tabLst>
+                <a:tab pos="911225" algn="l"/>
+                <a:tab pos="1825625" algn="l"/>
+                <a:tab pos="2740025" algn="l"/>
+                <a:tab pos="3654425" algn="l"/>
+                <a:tab pos="4568825" algn="l"/>
+                <a:tab pos="5483225" algn="l"/>
+                <a:tab pos="6397625" algn="l"/>
+                <a:tab pos="7312025" algn="l"/>
+                <a:tab pos="8226425" algn="l"/>
+                <a:tab pos="9140825" algn="l"/>
+                <a:tab pos="10055225" algn="l"/>
+              </a:tabLst>
+            </a:pPr>
+            <a:r>
+              <a:rPr lang="en-IN" sz="2000" dirty="0">
+                <a:solidFill>
+                  <a:srgbClr val="000000"/>
+                </a:solidFill>
+                <a:cs typeface="Times New Roman" pitchFamily="16" charset="0"/>
+              </a:rPr>
+              <a:t>Suboptimal  Algorithms</a:t>
+            </a:r>
+          </a:p>
+          <a:p>
+            <a:pPr marL="342900" indent="-342900" algn="just" eaLnBrk="1" hangingPunct="1">
+              <a:lnSpc>
+                <a:spcPct val="150000"/>
+              </a:lnSpc>
+              <a:spcBef>
+                <a:spcPts val="600"/>
+              </a:spcBef>
+              <a:buFont typeface="Wingdings" panose="05000000000000000000" pitchFamily="2" charset="2"/>
+              <a:buChar char="q"/>
+              <a:tabLst>
+                <a:tab pos="911225" algn="l"/>
+                <a:tab pos="1825625" algn="l"/>
+                <a:tab pos="2740025" algn="l"/>
+                <a:tab pos="3654425" algn="l"/>
+                <a:tab pos="4568825" algn="l"/>
+                <a:tab pos="5483225" algn="l"/>
+                <a:tab pos="6397625" algn="l"/>
+                <a:tab pos="7312025" algn="l"/>
+                <a:tab pos="8226425" algn="l"/>
+                <a:tab pos="9140825" algn="l"/>
+                <a:tab pos="10055225" algn="l"/>
+              </a:tabLst>
+            </a:pPr>
+            <a:r>
+              <a:rPr lang="en-IN" sz="2000" dirty="0">
+                <a:solidFill>
+                  <a:srgbClr val="000000"/>
+                </a:solidFill>
+                <a:latin typeface="+mj-lt"/>
+                <a:cs typeface="Times New Roman" pitchFamily="16" charset="0"/>
+              </a:rPr>
+              <a:t>Outputs</a:t>
+            </a:r>
+          </a:p>
+          <a:p>
+            <a:pPr marL="342900" indent="-342900" algn="just" eaLnBrk="1" hangingPunct="1">
+              <a:lnSpc>
+                <a:spcPct val="150000"/>
+              </a:lnSpc>
+              <a:spcBef>
+                <a:spcPts val="600"/>
+              </a:spcBef>
+              <a:buFont typeface="Wingdings" panose="05000000000000000000" pitchFamily="2" charset="2"/>
+              <a:buChar char="q"/>
+              <a:tabLst>
+                <a:tab pos="911225" algn="l"/>
+                <a:tab pos="1825625" algn="l"/>
+                <a:tab pos="2740025" algn="l"/>
+                <a:tab pos="3654425" algn="l"/>
+                <a:tab pos="4568825" algn="l"/>
+                <a:tab pos="5483225" algn="l"/>
+                <a:tab pos="6397625" algn="l"/>
+                <a:tab pos="7312025" algn="l"/>
+                <a:tab pos="8226425" algn="l"/>
+                <a:tab pos="9140825" algn="l"/>
+                <a:tab pos="10055225" algn="l"/>
+              </a:tabLst>
+            </a:pPr>
+            <a:r>
+              <a:rPr lang="en-IN" sz="2000" dirty="0">
+                <a:solidFill>
+                  <a:srgbClr val="000000"/>
+                </a:solidFill>
+                <a:cs typeface="Times New Roman" pitchFamily="16" charset="0"/>
+              </a:rPr>
+              <a:t>Conclusions</a:t>
+            </a:r>
+            <a:endParaRPr lang="en-IN" sz="2000" dirty="0">
+              <a:solidFill>
+                <a:srgbClr val="000000"/>
+              </a:solidFill>
+              <a:latin typeface="+mj-lt"/>
+              <a:cs typeface="Times New Roman" pitchFamily="16" charset="0"/>
+            </a:endParaRPr>
+          </a:p>
+          <a:p>
+            <a:pPr marL="342900" indent="-342900" algn="just" eaLnBrk="1" hangingPunct="1">
+              <a:lnSpc>
+                <a:spcPct val="150000"/>
+              </a:lnSpc>
+              <a:spcBef>
+                <a:spcPts val="600"/>
+              </a:spcBef>
+              <a:buFont typeface="Wingdings" panose="05000000000000000000" pitchFamily="2" charset="2"/>
+              <a:buChar char="q"/>
+              <a:tabLst>
+                <a:tab pos="911225" algn="l"/>
+                <a:tab pos="1825625" algn="l"/>
+                <a:tab pos="2740025" algn="l"/>
+                <a:tab pos="3654425" algn="l"/>
+                <a:tab pos="4568825" algn="l"/>
+                <a:tab pos="5483225" algn="l"/>
+                <a:tab pos="6397625" algn="l"/>
+                <a:tab pos="7312025" algn="l"/>
+                <a:tab pos="8226425" algn="l"/>
+                <a:tab pos="9140825" algn="l"/>
+                <a:tab pos="10055225" algn="l"/>
+              </a:tabLst>
+            </a:pPr>
+            <a:r>
+              <a:rPr lang="en-IN" sz="2000" dirty="0">
+                <a:solidFill>
+                  <a:srgbClr val="000000"/>
+                </a:solidFill>
+                <a:latin typeface="+mj-lt"/>
+                <a:cs typeface="Times New Roman" pitchFamily="16" charset="0"/>
+              </a:rPr>
+              <a:t>References</a:t>
+            </a:r>
+            <a:endParaRPr lang="en-IN" sz="2800" b="1" dirty="0">
+              <a:solidFill>
+                <a:srgbClr val="000000"/>
+              </a:solidFill>
+              <a:latin typeface="+mj-lt"/>
+              <a:cs typeface="Times New Roman" pitchFamily="16" charset="0"/>
+            </a:endParaRPr>
+          </a:p>
+          <a:p>
+            <a:pPr marL="342900" indent="-342900" algn="just" eaLnBrk="1" hangingPunct="1">
+              <a:lnSpc>
+                <a:spcPct val="150000"/>
+              </a:lnSpc>
+              <a:spcBef>
+                <a:spcPts val="600"/>
+              </a:spcBef>
+              <a:buFont typeface="Wingdings" panose="05000000000000000000" pitchFamily="2" charset="2"/>
+              <a:buChar char="q"/>
+              <a:tabLst>
+                <a:tab pos="911225" algn="l"/>
+                <a:tab pos="1825625" algn="l"/>
+                <a:tab pos="2740025" algn="l"/>
+                <a:tab pos="3654425" algn="l"/>
+                <a:tab pos="4568825" algn="l"/>
+                <a:tab pos="5483225" algn="l"/>
+                <a:tab pos="6397625" algn="l"/>
+                <a:tab pos="7312025" algn="l"/>
+                <a:tab pos="8226425" algn="l"/>
+                <a:tab pos="9140825" algn="l"/>
+                <a:tab pos="10055225" algn="l"/>
+              </a:tabLst>
+            </a:pPr>
+            <a:endParaRPr lang="en-IN" b="1" dirty="0">
+              <a:solidFill>
+                <a:srgbClr val="000000"/>
+              </a:solidFill>
+              <a:cs typeface="Times New Roman" pitchFamily="16" charset="0"/>
+            </a:endParaRPr>
+          </a:p>
+          <a:p>
+            <a:pPr algn="just" eaLnBrk="1" hangingPunct="1">
+              <a:lnSpc>
+                <a:spcPct val="150000"/>
+              </a:lnSpc>
+              <a:spcBef>
+                <a:spcPts val="600"/>
+              </a:spcBef>
+              <a:tabLst>
+                <a:tab pos="911225" algn="l"/>
+                <a:tab pos="1825625" algn="l"/>
+                <a:tab pos="2740025" algn="l"/>
+                <a:tab pos="3654425" algn="l"/>
+                <a:tab pos="4568825" algn="l"/>
+                <a:tab pos="5483225" algn="l"/>
+                <a:tab pos="6397625" algn="l"/>
+                <a:tab pos="7312025" algn="l"/>
+                <a:tab pos="8226425" algn="l"/>
+                <a:tab pos="9140825" algn="l"/>
+                <a:tab pos="10055225" algn="l"/>
+              </a:tabLst>
+            </a:pPr>
+            <a:endParaRPr lang="en-IN" b="1" dirty="0">
+              <a:solidFill>
+                <a:srgbClr val="000000"/>
+              </a:solidFill>
+              <a:cs typeface="Times New Roman" pitchFamily="16" charset="0"/>
+            </a:endParaRPr>
+          </a:p>
+          <a:p>
+            <a:pPr algn="just" eaLnBrk="1" hangingPunct="1">
+              <a:lnSpc>
+                <a:spcPct val="150000"/>
+              </a:lnSpc>
+              <a:spcBef>
+                <a:spcPts val="600"/>
+              </a:spcBef>
+              <a:tabLst>
+                <a:tab pos="911225" algn="l"/>
+                <a:tab pos="1825625" algn="l"/>
+                <a:tab pos="2740025" algn="l"/>
+                <a:tab pos="3654425" algn="l"/>
+                <a:tab pos="4568825" algn="l"/>
+                <a:tab pos="5483225" algn="l"/>
+                <a:tab pos="6397625" algn="l"/>
+                <a:tab pos="7312025" algn="l"/>
+                <a:tab pos="8226425" algn="l"/>
+                <a:tab pos="9140825" algn="l"/>
+                <a:tab pos="10055225" algn="l"/>
+              </a:tabLst>
+            </a:pPr>
+            <a:endParaRPr lang="en-IN" b="1" dirty="0">
+              <a:solidFill>
+                <a:srgbClr val="000000"/>
+              </a:solidFill>
+              <a:cs typeface="Times New Roman" pitchFamily="16" charset="0"/>
+            </a:endParaRPr>
+          </a:p>
+          <a:p>
+            <a:pPr algn="just" eaLnBrk="1" hangingPunct="1">
+              <a:lnSpc>
+                <a:spcPct val="150000"/>
+              </a:lnSpc>
+              <a:spcBef>
+                <a:spcPts val="600"/>
+              </a:spcBef>
+              <a:tabLst>
+                <a:tab pos="911225" algn="l"/>
+                <a:tab pos="1825625" algn="l"/>
+                <a:tab pos="2740025" algn="l"/>
+                <a:tab pos="3654425" algn="l"/>
+                <a:tab pos="4568825" algn="l"/>
+                <a:tab pos="5483225" algn="l"/>
+                <a:tab pos="6397625" algn="l"/>
+                <a:tab pos="7312025" algn="l"/>
+                <a:tab pos="8226425" algn="l"/>
+                <a:tab pos="9140825" algn="l"/>
+                <a:tab pos="10055225" algn="l"/>
+              </a:tabLst>
+            </a:pPr>
+            <a:endParaRPr lang="en-IN" b="1" dirty="0">
+              <a:solidFill>
+                <a:srgbClr val="000000"/>
+              </a:solidFill>
+              <a:cs typeface="Times New Roman" pitchFamily="16" charset="0"/>
+            </a:endParaRPr>
+          </a:p>
+          <a:p>
+            <a:pPr marL="341313" indent="-341313" algn="just" eaLnBrk="1" hangingPunct="1">
+              <a:lnSpc>
+                <a:spcPct val="150000"/>
+              </a:lnSpc>
+              <a:spcBef>
+                <a:spcPts val="600"/>
+              </a:spcBef>
+              <a:tabLst>
+                <a:tab pos="911225" algn="l"/>
+                <a:tab pos="1825625" algn="l"/>
+                <a:tab pos="2740025" algn="l"/>
+                <a:tab pos="3654425" algn="l"/>
+                <a:tab pos="4568825" algn="l"/>
+                <a:tab pos="5483225" algn="l"/>
+                <a:tab pos="6397625" algn="l"/>
+                <a:tab pos="7312025" algn="l"/>
+                <a:tab pos="8226425" algn="l"/>
+                <a:tab pos="9140825" algn="l"/>
+                <a:tab pos="10055225" algn="l"/>
+              </a:tabLst>
+            </a:pPr>
+            <a:endParaRPr lang="en-IN" b="1" dirty="0">
+              <a:solidFill>
+                <a:srgbClr val="000000"/>
+              </a:solidFill>
+              <a:cs typeface="Times New Roman" pitchFamily="16" charset="0"/>
+            </a:endParaRPr>
+          </a:p>
+        </p:txBody>
+      </p:sp>
+      <p:sp>
+        <p:nvSpPr>
+          <p:cNvPr id="4" name="TextBox 3"/>
+          <p:cNvSpPr txBox="1"/>
+          <p:nvPr/>
+        </p:nvSpPr>
+        <p:spPr>
+          <a:xfrm>
+            <a:off x="533400" y="762000"/>
+            <a:ext cx="1757212" cy="584775"/>
+          </a:xfrm>
+          <a:prstGeom prst="rect">
+            <a:avLst/>
+          </a:prstGeom>
+          <a:noFill/>
+        </p:spPr>
+        <p:txBody>
+          <a:bodyPr wrap="none" rtlCol="0">
+            <a:spAutoFit/>
+          </a:bodyPr>
+          <a:lstStyle/>
+          <a:p>
+            <a:pPr algn="just"/>
+            <a:r>
+              <a:rPr lang="en-US" sz="3200" b="1" dirty="0">
+                <a:solidFill>
+                  <a:srgbClr val="3333CC"/>
+                </a:solidFill>
+                <a:latin typeface="+mj-lt"/>
+                <a:ea typeface="+mj-ea"/>
+                <a:cs typeface="+mj-cs"/>
+              </a:rPr>
+              <a:t>Contents</a:t>
+            </a:r>
+          </a:p>
+        </p:txBody>
+      </p:sp>
+    </p:spTree>
+  </p:cSld>
+  <p:clrMapOvr>
+    <a:masterClrMapping/>
+  </p:clrMapOvr>
+  <p:transition spd="med"/>
+  <p:timing>
+    <p:tnLst>
+      <p:par>
+        <p:cTn id="1" dur="indefinite" restart="never" nodeType="tmRoot">
+          <p:childTnLst>
+            <p:seq concurrent="1" nextAc="seek">
+              <p:cTn id="2" dur="0" nodeType="mainSeq"/>
+              <p:prevCondLst>
+                <p:cond evt="onPrev" delay="0">
+                  <p:tgtEl>
+                    <p:sldTgt/>
+                  </p:tgtEl>
+                </p:cond>
+              </p:prevCondLst>
+              <p:nextCondLst>
+                <p:cond evt="onNext" delay="0">
+                  <p:tgtEl>
+                    <p:sldTgt/>
+                  </p:tgtEl>
+                </p:cond>
+              </p:nextCondLst>
+            </p:seq>
+          </p:childTnLst>
+        </p:cTn>
+      </p:par>
+    </p:tnLst>
+  </p:timing>
+</p:sld>
+</file>
+
+<file path=ppt/slides/slide20.xml><?xml version="1.0" encoding="utf-8"?>
+<p:sld xmlns:a="http://schemas.openxmlformats.org/drawingml/2006/main" xmlns:r="http://schemas.openxmlformats.org/officeDocument/2006/relationships" xmlns:p="http://schemas.openxmlformats.org/presentationml/2006/main">
+  <p:cSld>
+    <p:spTree>
+      <p:nvGrpSpPr>
+        <p:cNvPr id="1" name=""/>
+        <p:cNvGrpSpPr/>
+        <p:nvPr/>
+      </p:nvGrpSpPr>
+      <p:grpSpPr>
+        <a:xfrm>
+          <a:off x="0" y="0"/>
+          <a:ext cx="0" cy="0"/>
+          <a:chOff x="0" y="0"/>
+          <a:chExt cx="0" cy="0"/>
+        </a:xfrm>
+      </p:grpSpPr>
+      <p:sp>
+        <p:nvSpPr>
+          <p:cNvPr id="2" name="Title 1"/>
+          <p:cNvSpPr>
+            <a:spLocks noGrp="1"/>
+          </p:cNvSpPr>
+          <p:nvPr>
+            <p:ph type="title"/>
+          </p:nvPr>
+        </p:nvSpPr>
+        <p:spPr>
+          <a:xfrm>
+            <a:off x="533400" y="762000"/>
+            <a:ext cx="4265613" cy="579437"/>
+          </a:xfrm>
+        </p:spPr>
+        <p:txBody>
+          <a:bodyPr/>
+          <a:lstStyle/>
+          <a:p>
+            <a:pPr algn="l"/>
+            <a:r>
+              <a:rPr lang="en-US" dirty="0"/>
+              <a:t>Suboptimal Algorithms</a:t>
+            </a:r>
+          </a:p>
+        </p:txBody>
+      </p:sp>
+      <mc:AlternateContent xmlns:mc="http://schemas.openxmlformats.org/markup-compatibility/2006" xmlns:a14="http://schemas.microsoft.com/office/drawing/2010/main">
+        <mc:Choice Requires="a14">
           <p:sp>
             <p:nvSpPr>
               <p:cNvPr id="3" name="Content Placeholder 2"/>
@@ -9572,7 +10280,7 @@
             </p:txBody>
           </p:sp>
         </mc:Choice>
-        <mc:Fallback>
+        <mc:Fallback xmlns="">
           <p:sp>
             <p:nvSpPr>
               <p:cNvPr id="3" name="Content Placeholder 2"/>
@@ -9623,620 +10331,7 @@
 </p:sld>
 </file>
 
-<file path=ppt/slides/slide2.xml><?xml version="1.0" encoding="utf-8"?>
-<p:sld xmlns:a="http://schemas.openxmlformats.org/drawingml/2006/main" xmlns:r="http://schemas.openxmlformats.org/officeDocument/2006/relationships" xmlns:p="http://schemas.openxmlformats.org/presentationml/2006/main">
-  <p:cSld>
-    <p:spTree>
-      <p:nvGrpSpPr>
-        <p:cNvPr id="1" name=""/>
-        <p:cNvGrpSpPr/>
-        <p:nvPr/>
-      </p:nvGrpSpPr>
-      <p:grpSpPr>
-        <a:xfrm>
-          <a:off x="0" y="0"/>
-          <a:ext cx="0" cy="0"/>
-          <a:chOff x="0" y="0"/>
-          <a:chExt cx="0" cy="0"/>
-        </a:xfrm>
-      </p:grpSpPr>
-      <p:sp>
-        <p:nvSpPr>
-          <p:cNvPr id="4097" name="Text Box 1"/>
-          <p:cNvSpPr txBox="1">
-            <a:spLocks noChangeArrowheads="1"/>
-          </p:cNvSpPr>
-          <p:nvPr/>
-        </p:nvSpPr>
-        <p:spPr bwMode="auto">
-          <a:xfrm>
-            <a:off x="533400" y="739775"/>
-            <a:ext cx="7924800" cy="579438"/>
-          </a:xfrm>
-          <a:prstGeom prst="rect">
-            <a:avLst/>
-          </a:prstGeom>
-          <a:noFill/>
-          <a:ln w="9525" cap="flat">
-            <a:noFill/>
-            <a:round/>
-            <a:headEnd/>
-            <a:tailEnd/>
-          </a:ln>
-          <a:effectLst/>
-        </p:spPr>
-        <p:txBody>
-          <a:bodyPr anchor="ctr"/>
-          <a:lstStyle/>
-          <a:p>
-            <a:pPr algn="just" eaLnBrk="1" hangingPunct="1">
-              <a:buClrTx/>
-              <a:buFontTx/>
-              <a:buNone/>
-              <a:tabLst>
-                <a:tab pos="0" algn="l"/>
-                <a:tab pos="914400" algn="l"/>
-                <a:tab pos="1828800" algn="l"/>
-                <a:tab pos="2743200" algn="l"/>
-                <a:tab pos="3657600" algn="l"/>
-                <a:tab pos="4572000" algn="l"/>
-                <a:tab pos="5486400" algn="l"/>
-                <a:tab pos="6400800" algn="l"/>
-                <a:tab pos="7315200" algn="l"/>
-                <a:tab pos="8229600" algn="l"/>
-                <a:tab pos="9144000" algn="l"/>
-                <a:tab pos="10058400" algn="l"/>
-              </a:tabLst>
-            </a:pPr>
-            <a:endParaRPr lang="en-US" sz="3200" b="1" dirty="0">
-              <a:solidFill>
-                <a:srgbClr val="3333CC"/>
-              </a:solidFill>
-              <a:ea typeface="DejaVu Sans" charset="0"/>
-              <a:cs typeface="DejaVu Sans" charset="0"/>
-            </a:endParaRPr>
-          </a:p>
-        </p:txBody>
-      </p:sp>
-      <p:sp>
-        <p:nvSpPr>
-          <p:cNvPr id="4098" name="Text Box 2"/>
-          <p:cNvSpPr txBox="1">
-            <a:spLocks noChangeArrowheads="1"/>
-          </p:cNvSpPr>
-          <p:nvPr/>
-        </p:nvSpPr>
-        <p:spPr bwMode="auto">
-          <a:xfrm>
-            <a:off x="685800" y="1369000"/>
-            <a:ext cx="8305800" cy="5005387"/>
-          </a:xfrm>
-          <a:prstGeom prst="rect">
-            <a:avLst/>
-          </a:prstGeom>
-          <a:noFill/>
-          <a:ln w="9525" cap="flat">
-            <a:noFill/>
-            <a:round/>
-            <a:headEnd/>
-            <a:tailEnd/>
-          </a:ln>
-          <a:effectLst/>
-        </p:spPr>
-        <p:txBody>
-          <a:bodyPr/>
-          <a:lstStyle/>
-          <a:p>
-            <a:pPr marL="342900" indent="-342900" algn="just" eaLnBrk="1" hangingPunct="1">
-              <a:lnSpc>
-                <a:spcPct val="150000"/>
-              </a:lnSpc>
-              <a:spcBef>
-                <a:spcPts val="600"/>
-              </a:spcBef>
-              <a:buFont typeface="Wingdings" panose="05000000000000000000" pitchFamily="2" charset="2"/>
-              <a:buChar char="q"/>
-              <a:tabLst>
-                <a:tab pos="911225" algn="l"/>
-                <a:tab pos="1825625" algn="l"/>
-                <a:tab pos="2740025" algn="l"/>
-                <a:tab pos="3654425" algn="l"/>
-                <a:tab pos="4568825" algn="l"/>
-                <a:tab pos="5483225" algn="l"/>
-                <a:tab pos="6397625" algn="l"/>
-                <a:tab pos="7312025" algn="l"/>
-                <a:tab pos="8226425" algn="l"/>
-                <a:tab pos="9140825" algn="l"/>
-                <a:tab pos="10055225" algn="l"/>
-              </a:tabLst>
-            </a:pPr>
-            <a:r>
-              <a:rPr lang="en-IN" sz="2000" dirty="0">
-                <a:solidFill>
-                  <a:srgbClr val="000000"/>
-                </a:solidFill>
-                <a:cs typeface="Times New Roman" pitchFamily="16" charset="0"/>
-              </a:rPr>
-              <a:t>Aims/Objectives</a:t>
-            </a:r>
-          </a:p>
-          <a:p>
-            <a:pPr marL="342900" indent="-342900" algn="just" eaLnBrk="1" hangingPunct="1">
-              <a:lnSpc>
-                <a:spcPct val="150000"/>
-              </a:lnSpc>
-              <a:spcBef>
-                <a:spcPts val="600"/>
-              </a:spcBef>
-              <a:buFont typeface="Wingdings" panose="05000000000000000000" pitchFamily="2" charset="2"/>
-              <a:buChar char="q"/>
-              <a:tabLst>
-                <a:tab pos="911225" algn="l"/>
-                <a:tab pos="1825625" algn="l"/>
-                <a:tab pos="2740025" algn="l"/>
-                <a:tab pos="3654425" algn="l"/>
-                <a:tab pos="4568825" algn="l"/>
-                <a:tab pos="5483225" algn="l"/>
-                <a:tab pos="6397625" algn="l"/>
-                <a:tab pos="7312025" algn="l"/>
-                <a:tab pos="8226425" algn="l"/>
-                <a:tab pos="9140825" algn="l"/>
-                <a:tab pos="10055225" algn="l"/>
-              </a:tabLst>
-            </a:pPr>
-            <a:r>
-              <a:rPr lang="en-IN" sz="2000" dirty="0">
-                <a:solidFill>
-                  <a:srgbClr val="000000"/>
-                </a:solidFill>
-                <a:cs typeface="Times New Roman" pitchFamily="16" charset="0"/>
-              </a:rPr>
-              <a:t>Introduction</a:t>
-            </a:r>
-          </a:p>
-          <a:p>
-            <a:pPr marL="342900" indent="-342900" algn="just" eaLnBrk="1" hangingPunct="1">
-              <a:lnSpc>
-                <a:spcPct val="150000"/>
-              </a:lnSpc>
-              <a:spcBef>
-                <a:spcPts val="600"/>
-              </a:spcBef>
-              <a:buFont typeface="Wingdings" panose="05000000000000000000" pitchFamily="2" charset="2"/>
-              <a:buChar char="q"/>
-              <a:tabLst>
-                <a:tab pos="911225" algn="l"/>
-                <a:tab pos="1825625" algn="l"/>
-                <a:tab pos="2740025" algn="l"/>
-                <a:tab pos="3654425" algn="l"/>
-                <a:tab pos="4568825" algn="l"/>
-                <a:tab pos="5483225" algn="l"/>
-                <a:tab pos="6397625" algn="l"/>
-                <a:tab pos="7312025" algn="l"/>
-                <a:tab pos="8226425" algn="l"/>
-                <a:tab pos="9140825" algn="l"/>
-                <a:tab pos="10055225" algn="l"/>
-              </a:tabLst>
-            </a:pPr>
-            <a:r>
-              <a:rPr lang="en-IN" sz="2000" dirty="0">
-                <a:solidFill>
-                  <a:srgbClr val="000000"/>
-                </a:solidFill>
-                <a:cs typeface="Times New Roman" pitchFamily="16" charset="0"/>
-              </a:rPr>
-              <a:t>System Model</a:t>
-            </a:r>
-          </a:p>
-          <a:p>
-            <a:pPr marL="342900" indent="-342900" algn="just" eaLnBrk="1" hangingPunct="1">
-              <a:lnSpc>
-                <a:spcPct val="150000"/>
-              </a:lnSpc>
-              <a:spcBef>
-                <a:spcPts val="600"/>
-              </a:spcBef>
-              <a:buFont typeface="Wingdings" panose="05000000000000000000" pitchFamily="2" charset="2"/>
-              <a:buChar char="q"/>
-              <a:tabLst>
-                <a:tab pos="911225" algn="l"/>
-                <a:tab pos="1825625" algn="l"/>
-                <a:tab pos="2740025" algn="l"/>
-                <a:tab pos="3654425" algn="l"/>
-                <a:tab pos="4568825" algn="l"/>
-                <a:tab pos="5483225" algn="l"/>
-                <a:tab pos="6397625" algn="l"/>
-                <a:tab pos="7312025" algn="l"/>
-                <a:tab pos="8226425" algn="l"/>
-                <a:tab pos="9140825" algn="l"/>
-                <a:tab pos="10055225" algn="l"/>
-              </a:tabLst>
-            </a:pPr>
-            <a:r>
-              <a:rPr lang="en-IN" sz="2000" dirty="0">
-                <a:solidFill>
-                  <a:srgbClr val="000000"/>
-                </a:solidFill>
-                <a:cs typeface="Times New Roman" pitchFamily="16" charset="0"/>
-              </a:rPr>
-              <a:t>JURAS Scheme for MU-MIMO</a:t>
-            </a:r>
-          </a:p>
-          <a:p>
-            <a:pPr marL="342900" indent="-342900" algn="just" eaLnBrk="1" hangingPunct="1">
-              <a:lnSpc>
-                <a:spcPct val="150000"/>
-              </a:lnSpc>
-              <a:spcBef>
-                <a:spcPts val="600"/>
-              </a:spcBef>
-              <a:buFont typeface="Wingdings" panose="05000000000000000000" pitchFamily="2" charset="2"/>
-              <a:buChar char="q"/>
-              <a:tabLst>
-                <a:tab pos="911225" algn="l"/>
-                <a:tab pos="1825625" algn="l"/>
-                <a:tab pos="2740025" algn="l"/>
-                <a:tab pos="3654425" algn="l"/>
-                <a:tab pos="4568825" algn="l"/>
-                <a:tab pos="5483225" algn="l"/>
-                <a:tab pos="6397625" algn="l"/>
-                <a:tab pos="7312025" algn="l"/>
-                <a:tab pos="8226425" algn="l"/>
-                <a:tab pos="9140825" algn="l"/>
-                <a:tab pos="10055225" algn="l"/>
-              </a:tabLst>
-            </a:pPr>
-            <a:r>
-              <a:rPr lang="en-IN" sz="2000" dirty="0">
-                <a:solidFill>
-                  <a:srgbClr val="000000"/>
-                </a:solidFill>
-                <a:cs typeface="Times New Roman" pitchFamily="16" charset="0"/>
-              </a:rPr>
-              <a:t>Suboptimal  Algorithms</a:t>
-            </a:r>
-          </a:p>
-          <a:p>
-            <a:pPr marL="342900" indent="-342900" algn="just" eaLnBrk="1" hangingPunct="1">
-              <a:lnSpc>
-                <a:spcPct val="150000"/>
-              </a:lnSpc>
-              <a:spcBef>
-                <a:spcPts val="600"/>
-              </a:spcBef>
-              <a:buFont typeface="Wingdings" panose="05000000000000000000" pitchFamily="2" charset="2"/>
-              <a:buChar char="q"/>
-              <a:tabLst>
-                <a:tab pos="911225" algn="l"/>
-                <a:tab pos="1825625" algn="l"/>
-                <a:tab pos="2740025" algn="l"/>
-                <a:tab pos="3654425" algn="l"/>
-                <a:tab pos="4568825" algn="l"/>
-                <a:tab pos="5483225" algn="l"/>
-                <a:tab pos="6397625" algn="l"/>
-                <a:tab pos="7312025" algn="l"/>
-                <a:tab pos="8226425" algn="l"/>
-                <a:tab pos="9140825" algn="l"/>
-                <a:tab pos="10055225" algn="l"/>
-              </a:tabLst>
-            </a:pPr>
-            <a:r>
-              <a:rPr lang="en-IN" sz="2000" dirty="0">
-                <a:solidFill>
-                  <a:srgbClr val="000000"/>
-                </a:solidFill>
-                <a:latin typeface="+mj-lt"/>
-                <a:cs typeface="Times New Roman" pitchFamily="16" charset="0"/>
-              </a:rPr>
-              <a:t>Outputs</a:t>
-            </a:r>
-          </a:p>
-          <a:p>
-            <a:pPr marL="342900" indent="-342900" algn="just" eaLnBrk="1" hangingPunct="1">
-              <a:lnSpc>
-                <a:spcPct val="150000"/>
-              </a:lnSpc>
-              <a:spcBef>
-                <a:spcPts val="600"/>
-              </a:spcBef>
-              <a:buFont typeface="Wingdings" panose="05000000000000000000" pitchFamily="2" charset="2"/>
-              <a:buChar char="q"/>
-              <a:tabLst>
-                <a:tab pos="911225" algn="l"/>
-                <a:tab pos="1825625" algn="l"/>
-                <a:tab pos="2740025" algn="l"/>
-                <a:tab pos="3654425" algn="l"/>
-                <a:tab pos="4568825" algn="l"/>
-                <a:tab pos="5483225" algn="l"/>
-                <a:tab pos="6397625" algn="l"/>
-                <a:tab pos="7312025" algn="l"/>
-                <a:tab pos="8226425" algn="l"/>
-                <a:tab pos="9140825" algn="l"/>
-                <a:tab pos="10055225" algn="l"/>
-              </a:tabLst>
-            </a:pPr>
-            <a:r>
-              <a:rPr lang="en-IN" sz="2000" dirty="0">
-                <a:solidFill>
-                  <a:srgbClr val="000000"/>
-                </a:solidFill>
-                <a:cs typeface="Times New Roman" pitchFamily="16" charset="0"/>
-              </a:rPr>
-              <a:t>Conclusions</a:t>
-            </a:r>
-            <a:endParaRPr lang="en-IN" sz="2000" dirty="0">
-              <a:solidFill>
-                <a:srgbClr val="000000"/>
-              </a:solidFill>
-              <a:latin typeface="+mj-lt"/>
-              <a:cs typeface="Times New Roman" pitchFamily="16" charset="0"/>
-            </a:endParaRPr>
-          </a:p>
-          <a:p>
-            <a:pPr marL="342900" indent="-342900" algn="just" eaLnBrk="1" hangingPunct="1">
-              <a:lnSpc>
-                <a:spcPct val="150000"/>
-              </a:lnSpc>
-              <a:spcBef>
-                <a:spcPts val="600"/>
-              </a:spcBef>
-              <a:buFont typeface="Wingdings" panose="05000000000000000000" pitchFamily="2" charset="2"/>
-              <a:buChar char="q"/>
-              <a:tabLst>
-                <a:tab pos="911225" algn="l"/>
-                <a:tab pos="1825625" algn="l"/>
-                <a:tab pos="2740025" algn="l"/>
-                <a:tab pos="3654425" algn="l"/>
-                <a:tab pos="4568825" algn="l"/>
-                <a:tab pos="5483225" algn="l"/>
-                <a:tab pos="6397625" algn="l"/>
-                <a:tab pos="7312025" algn="l"/>
-                <a:tab pos="8226425" algn="l"/>
-                <a:tab pos="9140825" algn="l"/>
-                <a:tab pos="10055225" algn="l"/>
-              </a:tabLst>
-            </a:pPr>
-            <a:r>
-              <a:rPr lang="en-IN" sz="2000" dirty="0">
-                <a:solidFill>
-                  <a:srgbClr val="000000"/>
-                </a:solidFill>
-                <a:latin typeface="+mj-lt"/>
-                <a:cs typeface="Times New Roman" pitchFamily="16" charset="0"/>
-              </a:rPr>
-              <a:t>References</a:t>
-            </a:r>
-            <a:endParaRPr lang="en-IN" sz="2800" b="1" dirty="0">
-              <a:solidFill>
-                <a:srgbClr val="000000"/>
-              </a:solidFill>
-              <a:latin typeface="+mj-lt"/>
-              <a:cs typeface="Times New Roman" pitchFamily="16" charset="0"/>
-            </a:endParaRPr>
-          </a:p>
-          <a:p>
-            <a:pPr marL="342900" indent="-342900" algn="just" eaLnBrk="1" hangingPunct="1">
-              <a:lnSpc>
-                <a:spcPct val="150000"/>
-              </a:lnSpc>
-              <a:spcBef>
-                <a:spcPts val="600"/>
-              </a:spcBef>
-              <a:buFont typeface="Wingdings" panose="05000000000000000000" pitchFamily="2" charset="2"/>
-              <a:buChar char="q"/>
-              <a:tabLst>
-                <a:tab pos="911225" algn="l"/>
-                <a:tab pos="1825625" algn="l"/>
-                <a:tab pos="2740025" algn="l"/>
-                <a:tab pos="3654425" algn="l"/>
-                <a:tab pos="4568825" algn="l"/>
-                <a:tab pos="5483225" algn="l"/>
-                <a:tab pos="6397625" algn="l"/>
-                <a:tab pos="7312025" algn="l"/>
-                <a:tab pos="8226425" algn="l"/>
-                <a:tab pos="9140825" algn="l"/>
-                <a:tab pos="10055225" algn="l"/>
-              </a:tabLst>
-            </a:pPr>
-            <a:endParaRPr lang="en-IN" b="1" dirty="0">
-              <a:solidFill>
-                <a:srgbClr val="000000"/>
-              </a:solidFill>
-              <a:cs typeface="Times New Roman" pitchFamily="16" charset="0"/>
-            </a:endParaRPr>
-          </a:p>
-          <a:p>
-            <a:pPr algn="just" eaLnBrk="1" hangingPunct="1">
-              <a:lnSpc>
-                <a:spcPct val="150000"/>
-              </a:lnSpc>
-              <a:spcBef>
-                <a:spcPts val="600"/>
-              </a:spcBef>
-              <a:tabLst>
-                <a:tab pos="911225" algn="l"/>
-                <a:tab pos="1825625" algn="l"/>
-                <a:tab pos="2740025" algn="l"/>
-                <a:tab pos="3654425" algn="l"/>
-                <a:tab pos="4568825" algn="l"/>
-                <a:tab pos="5483225" algn="l"/>
-                <a:tab pos="6397625" algn="l"/>
-                <a:tab pos="7312025" algn="l"/>
-                <a:tab pos="8226425" algn="l"/>
-                <a:tab pos="9140825" algn="l"/>
-                <a:tab pos="10055225" algn="l"/>
-              </a:tabLst>
-            </a:pPr>
-            <a:endParaRPr lang="en-IN" b="1" dirty="0">
-              <a:solidFill>
-                <a:srgbClr val="000000"/>
-              </a:solidFill>
-              <a:cs typeface="Times New Roman" pitchFamily="16" charset="0"/>
-            </a:endParaRPr>
-          </a:p>
-          <a:p>
-            <a:pPr algn="just" eaLnBrk="1" hangingPunct="1">
-              <a:lnSpc>
-                <a:spcPct val="150000"/>
-              </a:lnSpc>
-              <a:spcBef>
-                <a:spcPts val="600"/>
-              </a:spcBef>
-              <a:tabLst>
-                <a:tab pos="911225" algn="l"/>
-                <a:tab pos="1825625" algn="l"/>
-                <a:tab pos="2740025" algn="l"/>
-                <a:tab pos="3654425" algn="l"/>
-                <a:tab pos="4568825" algn="l"/>
-                <a:tab pos="5483225" algn="l"/>
-                <a:tab pos="6397625" algn="l"/>
-                <a:tab pos="7312025" algn="l"/>
-                <a:tab pos="8226425" algn="l"/>
-                <a:tab pos="9140825" algn="l"/>
-                <a:tab pos="10055225" algn="l"/>
-              </a:tabLst>
-            </a:pPr>
-            <a:endParaRPr lang="en-IN" b="1" dirty="0">
-              <a:solidFill>
-                <a:srgbClr val="000000"/>
-              </a:solidFill>
-              <a:cs typeface="Times New Roman" pitchFamily="16" charset="0"/>
-            </a:endParaRPr>
-          </a:p>
-          <a:p>
-            <a:pPr algn="just" eaLnBrk="1" hangingPunct="1">
-              <a:lnSpc>
-                <a:spcPct val="150000"/>
-              </a:lnSpc>
-              <a:spcBef>
-                <a:spcPts val="600"/>
-              </a:spcBef>
-              <a:tabLst>
-                <a:tab pos="911225" algn="l"/>
-                <a:tab pos="1825625" algn="l"/>
-                <a:tab pos="2740025" algn="l"/>
-                <a:tab pos="3654425" algn="l"/>
-                <a:tab pos="4568825" algn="l"/>
-                <a:tab pos="5483225" algn="l"/>
-                <a:tab pos="6397625" algn="l"/>
-                <a:tab pos="7312025" algn="l"/>
-                <a:tab pos="8226425" algn="l"/>
-                <a:tab pos="9140825" algn="l"/>
-                <a:tab pos="10055225" algn="l"/>
-              </a:tabLst>
-            </a:pPr>
-            <a:endParaRPr lang="en-IN" b="1" dirty="0">
-              <a:solidFill>
-                <a:srgbClr val="000000"/>
-              </a:solidFill>
-              <a:cs typeface="Times New Roman" pitchFamily="16" charset="0"/>
-            </a:endParaRPr>
-          </a:p>
-          <a:p>
-            <a:pPr marL="341313" indent="-341313" algn="just" eaLnBrk="1" hangingPunct="1">
-              <a:lnSpc>
-                <a:spcPct val="150000"/>
-              </a:lnSpc>
-              <a:spcBef>
-                <a:spcPts val="600"/>
-              </a:spcBef>
-              <a:tabLst>
-                <a:tab pos="911225" algn="l"/>
-                <a:tab pos="1825625" algn="l"/>
-                <a:tab pos="2740025" algn="l"/>
-                <a:tab pos="3654425" algn="l"/>
-                <a:tab pos="4568825" algn="l"/>
-                <a:tab pos="5483225" algn="l"/>
-                <a:tab pos="6397625" algn="l"/>
-                <a:tab pos="7312025" algn="l"/>
-                <a:tab pos="8226425" algn="l"/>
-                <a:tab pos="9140825" algn="l"/>
-                <a:tab pos="10055225" algn="l"/>
-              </a:tabLst>
-            </a:pPr>
-            <a:endParaRPr lang="en-IN" b="1" dirty="0">
-              <a:solidFill>
-                <a:srgbClr val="000000"/>
-              </a:solidFill>
-              <a:cs typeface="Times New Roman" pitchFamily="16" charset="0"/>
-            </a:endParaRPr>
-          </a:p>
-        </p:txBody>
-      </p:sp>
-      <p:sp>
-        <p:nvSpPr>
-          <p:cNvPr id="4" name="TextBox 3"/>
-          <p:cNvSpPr txBox="1"/>
-          <p:nvPr/>
-        </p:nvSpPr>
-        <p:spPr>
-          <a:xfrm>
-            <a:off x="533400" y="762000"/>
-            <a:ext cx="1757212" cy="584775"/>
-          </a:xfrm>
-          <a:prstGeom prst="rect">
-            <a:avLst/>
-          </a:prstGeom>
-          <a:noFill/>
-        </p:spPr>
-        <p:txBody>
-          <a:bodyPr wrap="none" rtlCol="0">
-            <a:spAutoFit/>
-          </a:bodyPr>
-          <a:lstStyle/>
-          <a:p>
-            <a:pPr algn="just"/>
-            <a:r>
-              <a:rPr lang="en-US" sz="3200" b="1" dirty="0">
-                <a:solidFill>
-                  <a:srgbClr val="3333CC"/>
-                </a:solidFill>
-                <a:latin typeface="+mj-lt"/>
-                <a:ea typeface="+mj-ea"/>
-                <a:cs typeface="+mj-cs"/>
-              </a:rPr>
-              <a:t>Contents</a:t>
-            </a:r>
-          </a:p>
-        </p:txBody>
-      </p:sp>
-    </p:spTree>
-  </p:cSld>
-  <p:clrMapOvr>
-    <a:masterClrMapping/>
-  </p:clrMapOvr>
-  <p:transition spd="med"/>
-  <p:timing>
-    <p:tnLst>
-      <p:par>
-        <p:cTn id="1" dur="indefinite" restart="never" nodeType="tmRoot">
-          <p:childTnLst>
-            <p:seq concurrent="1" nextAc="seek">
-              <p:cTn id="2" dur="0" nodeType="mainSeq"/>
-              <p:prevCondLst>
-                <p:cond evt="onPrev" delay="0">
-                  <p:tgtEl>
-                    <p:sldTgt/>
-                  </p:tgtEl>
-                </p:cond>
-              </p:prevCondLst>
-              <p:nextCondLst>
-                <p:cond evt="onNext" delay="0">
-                  <p:tgtEl>
-                    <p:sldTgt/>
-                  </p:tgtEl>
-                </p:cond>
-              </p:nextCondLst>
-            </p:seq>
-          </p:childTnLst>
-        </p:cTn>
-      </p:par>
-    </p:tnLst>
-  </p:timing>
-</p:sld>
-</file>
-
-<file path=ppt/slides/slide20.xml><?xml version="1.0" encoding="utf-8"?>
+<file path=ppt/slides/slide21.xml><?xml version="1.0" encoding="utf-8"?>
 <p:sld xmlns:a="http://schemas.openxmlformats.org/drawingml/2006/main" xmlns:r="http://schemas.openxmlformats.org/officeDocument/2006/relationships" xmlns:p="http://schemas.openxmlformats.org/presentationml/2006/main">
   <p:cSld>
     <p:spTree>
@@ -10358,125 +10453,6 @@
     <p:extLst>
       <p:ext uri="{BB962C8B-B14F-4D97-AF65-F5344CB8AC3E}">
         <p14:creationId xmlns:p14="http://schemas.microsoft.com/office/powerpoint/2010/main" val="3706483857"/>
-      </p:ext>
-    </p:extLst>
-  </p:cSld>
-  <p:clrMapOvr>
-    <a:masterClrMapping/>
-  </p:clrMapOvr>
-</p:sld>
-</file>
-
-<file path=ppt/slides/slide21.xml><?xml version="1.0" encoding="utf-8"?>
-<p:sld xmlns:a="http://schemas.openxmlformats.org/drawingml/2006/main" xmlns:r="http://schemas.openxmlformats.org/officeDocument/2006/relationships" xmlns:p="http://schemas.openxmlformats.org/presentationml/2006/main">
-  <p:cSld>
-    <p:spTree>
-      <p:nvGrpSpPr>
-        <p:cNvPr id="1" name=""/>
-        <p:cNvGrpSpPr/>
-        <p:nvPr/>
-      </p:nvGrpSpPr>
-      <p:grpSpPr>
-        <a:xfrm>
-          <a:off x="0" y="0"/>
-          <a:ext cx="0" cy="0"/>
-          <a:chOff x="0" y="0"/>
-          <a:chExt cx="0" cy="0"/>
-        </a:xfrm>
-      </p:grpSpPr>
-      <p:sp>
-        <p:nvSpPr>
-          <p:cNvPr id="2" name="Title 1"/>
-          <p:cNvSpPr>
-            <a:spLocks noGrp="1"/>
-          </p:cNvSpPr>
-          <p:nvPr>
-            <p:ph type="title"/>
-          </p:nvPr>
-        </p:nvSpPr>
-        <p:spPr>
-          <a:xfrm>
-            <a:off x="533400" y="762000"/>
-            <a:ext cx="4265613" cy="579437"/>
-          </a:xfrm>
-        </p:spPr>
-        <p:txBody>
-          <a:bodyPr/>
-          <a:lstStyle/>
-          <a:p>
-            <a:pPr algn="l"/>
-            <a:r>
-              <a:rPr lang="en-US" dirty="0"/>
-              <a:t>Suboptimal Algorithms</a:t>
-            </a:r>
-          </a:p>
-        </p:txBody>
-      </p:sp>
-      <p:sp>
-        <p:nvSpPr>
-          <p:cNvPr id="3" name="Content Placeholder 2"/>
-          <p:cNvSpPr>
-            <a:spLocks noGrp="1"/>
-          </p:cNvSpPr>
-          <p:nvPr>
-            <p:ph idx="1"/>
-          </p:nvPr>
-        </p:nvSpPr>
-        <p:spPr>
-          <a:xfrm>
-            <a:off x="533400" y="1371600"/>
-            <a:ext cx="8610600" cy="4724400"/>
-          </a:xfrm>
-        </p:spPr>
-        <p:txBody>
-          <a:bodyPr/>
-          <a:lstStyle/>
-          <a:p>
-            <a:pPr marL="0" indent="0" algn="just"/>
-            <a:r>
-              <a:rPr lang="en-US" sz="2400" dirty="0">
-                <a:solidFill>
-                  <a:schemeClr val="tx1"/>
-                </a:solidFill>
-              </a:rPr>
-              <a:t> </a:t>
-            </a:r>
-          </a:p>
-        </p:txBody>
-      </p:sp>
-      <p:pic>
-        <p:nvPicPr>
-          <p:cNvPr id="9" name="Picture 8">
-            <a:extLst>
-              <a:ext uri="{FF2B5EF4-FFF2-40B4-BE49-F238E27FC236}">
-                <a16:creationId xmlns:a16="http://schemas.microsoft.com/office/drawing/2014/main" id="{02090EF2-DE5A-4AF7-A0F8-FAC09F0B98CC}"/>
-              </a:ext>
-            </a:extLst>
-          </p:cNvPr>
-          <p:cNvPicPr>
-            <a:picLocks noChangeAspect="1"/>
-          </p:cNvPicPr>
-          <p:nvPr/>
-        </p:nvPicPr>
-        <p:blipFill rotWithShape="1">
-          <a:blip r:embed="rId2"/>
-          <a:srcRect t="54444"/>
-          <a:stretch/>
-        </p:blipFill>
-        <p:spPr>
-          <a:xfrm>
-            <a:off x="533400" y="1341436"/>
-            <a:ext cx="6245088" cy="4525963"/>
-          </a:xfrm>
-          <a:prstGeom prst="rect">
-            <a:avLst/>
-          </a:prstGeom>
-        </p:spPr>
-      </p:pic>
-    </p:spTree>
-    <p:extLst>
-      <p:ext uri="{BB962C8B-B14F-4D97-AF65-F5344CB8AC3E}">
-        <p14:creationId xmlns:p14="http://schemas.microsoft.com/office/powerpoint/2010/main" val="3734888670"/>
       </p:ext>
     </p:extLst>
   </p:cSld>
@@ -10505,13 +10481,7 @@
       </p:grpSpPr>
       <p:sp>
         <p:nvSpPr>
-          <p:cNvPr id="2" name="Title 1">
-            <a:extLst>
-              <a:ext uri="{FF2B5EF4-FFF2-40B4-BE49-F238E27FC236}">
-                <a16:creationId xmlns:a16="http://schemas.microsoft.com/office/drawing/2014/main" id="{C8AD9F1B-3684-44E2-91AE-76BF839640F4}"/>
-              </a:ext>
-            </a:extLst>
-          </p:cNvPr>
+          <p:cNvPr id="2" name="Title 1"/>
           <p:cNvSpPr>
             <a:spLocks noGrp="1"/>
           </p:cNvSpPr>
@@ -10519,26 +10489,62 @@
             <p:ph type="title"/>
           </p:nvPr>
         </p:nvSpPr>
-        <p:spPr/>
+        <p:spPr>
+          <a:xfrm>
+            <a:off x="533400" y="762000"/>
+            <a:ext cx="4265613" cy="579437"/>
+          </a:xfrm>
+        </p:spPr>
         <p:txBody>
           <a:bodyPr/>
           <a:lstStyle/>
           <a:p>
-            <a:pPr algn="just"/>
+            <a:pPr algn="l"/>
             <a:r>
               <a:rPr lang="en-US" dirty="0"/>
-              <a:t>Outputs</a:t>
-            </a:r>
-            <a:endParaRPr lang="en-IN" dirty="0"/>
+              <a:t>Suboptimal Algorithms</a:t>
+            </a:r>
+          </a:p>
+        </p:txBody>
+      </p:sp>
+      <p:sp>
+        <p:nvSpPr>
+          <p:cNvPr id="3" name="Content Placeholder 2"/>
+          <p:cNvSpPr>
+            <a:spLocks noGrp="1"/>
+          </p:cNvSpPr>
+          <p:nvPr>
+            <p:ph idx="1"/>
+          </p:nvPr>
+        </p:nvSpPr>
+        <p:spPr>
+          <a:xfrm>
+            <a:off x="533400" y="1371600"/>
+            <a:ext cx="8610600" cy="4724400"/>
+          </a:xfrm>
+        </p:spPr>
+        <p:txBody>
+          <a:bodyPr/>
+          <a:lstStyle/>
+          <a:p>
+            <a:pPr marL="0" indent="0" algn="just"/>
+            <a:r>
+              <a:rPr lang="en-US" sz="2400" dirty="0">
+                <a:solidFill>
+                  <a:schemeClr val="tx1"/>
+                </a:solidFill>
+              </a:rPr>
+              <a:t> </a:t>
+            </a:r>
           </a:p>
         </p:txBody>
       </p:sp>
       <p:pic>
         <p:nvPicPr>
-          <p:cNvPr id="4" name="Picture 3">
+          <p:cNvPr id="9" name="Picture 8">
             <a:extLst>
               <a:ext uri="{FF2B5EF4-FFF2-40B4-BE49-F238E27FC236}">
-                <a16:creationId xmlns:a16="http://schemas.microsoft.com/office/drawing/2014/main" id="{857901AC-86AB-48F7-BE7B-E0E4AF8FFA90}"/>
+                <a16:creationId xmlns:a16="http://schemas.microsoft.com/office/drawing/2014/main" id="{02090EF2-DE5A-4AF7-A0F8-FAC09F0B98CC}"/>
               </a:ext>
             </a:extLst>
           </p:cNvPr>
@@ -10548,406 +10554,24 @@
           <p:nvPr/>
         </p:nvPicPr>
         <p:blipFill rotWithShape="1">
-          <a:blip r:embed="rId2">
-            <a:extLst>
-              <a:ext uri="{28A0092B-C50C-407E-A947-70E740481C1C}">
-                <a14:useLocalDpi xmlns:a14="http://schemas.microsoft.com/office/drawing/2010/main" val="0"/>
-              </a:ext>
-            </a:extLst>
-          </a:blip>
-          <a:srcRect l="8333" t="12945" r="7517" b="8499"/>
+          <a:blip r:embed="rId2"/>
+          <a:srcRect t="54444"/>
           <a:stretch/>
         </p:blipFill>
         <p:spPr>
           <a:xfrm>
-            <a:off x="545415" y="1317625"/>
-            <a:ext cx="8522385" cy="4802187"/>
+            <a:off x="533400" y="1341436"/>
+            <a:ext cx="6400800" cy="4754564"/>
           </a:xfrm>
           <a:prstGeom prst="rect">
             <a:avLst/>
           </a:prstGeom>
         </p:spPr>
       </p:pic>
-      <p:cxnSp>
-        <p:nvCxnSpPr>
-          <p:cNvPr id="6" name="Straight Arrow Connector 5">
-            <a:extLst>
-              <a:ext uri="{FF2B5EF4-FFF2-40B4-BE49-F238E27FC236}">
-                <a16:creationId xmlns:a16="http://schemas.microsoft.com/office/drawing/2014/main" id="{0F38B4EF-EACD-4D9B-9D3C-848A96FA4B63}"/>
-              </a:ext>
-            </a:extLst>
-          </p:cNvPr>
-          <p:cNvCxnSpPr>
-            <a:cxnSpLocks/>
-          </p:cNvCxnSpPr>
-          <p:nvPr/>
-        </p:nvCxnSpPr>
-        <p:spPr bwMode="auto">
-          <a:xfrm flipH="1" flipV="1">
-            <a:off x="4151312" y="1897062"/>
-            <a:ext cx="343694" cy="418144"/>
-          </a:xfrm>
-          <a:prstGeom prst="straightConnector1">
-            <a:avLst/>
-          </a:prstGeom>
-          <a:ln>
-            <a:headEnd type="none" w="med" len="med"/>
-            <a:tailEnd type="triangle"/>
-          </a:ln>
-        </p:spPr>
-        <p:style>
-          <a:lnRef idx="1">
-            <a:schemeClr val="dk1"/>
-          </a:lnRef>
-          <a:fillRef idx="0">
-            <a:schemeClr val="dk1"/>
-          </a:fillRef>
-          <a:effectRef idx="0">
-            <a:schemeClr val="dk1"/>
-          </a:effectRef>
-          <a:fontRef idx="minor">
-            <a:schemeClr val="tx1"/>
-          </a:fontRef>
-        </p:style>
-      </p:cxnSp>
-      <p:cxnSp>
-        <p:nvCxnSpPr>
-          <p:cNvPr id="23" name="Straight Arrow Connector 22">
-            <a:extLst>
-              <a:ext uri="{FF2B5EF4-FFF2-40B4-BE49-F238E27FC236}">
-                <a16:creationId xmlns:a16="http://schemas.microsoft.com/office/drawing/2014/main" id="{99D78987-E59C-4F7D-90DE-343200676F6C}"/>
-              </a:ext>
-            </a:extLst>
-          </p:cNvPr>
-          <p:cNvCxnSpPr>
-            <a:cxnSpLocks/>
-          </p:cNvCxnSpPr>
-          <p:nvPr/>
-        </p:nvCxnSpPr>
-        <p:spPr bwMode="auto">
-          <a:xfrm flipH="1" flipV="1">
-            <a:off x="4210447" y="3010856"/>
-            <a:ext cx="343694" cy="418144"/>
-          </a:xfrm>
-          <a:prstGeom prst="straightConnector1">
-            <a:avLst/>
-          </a:prstGeom>
-          <a:ln>
-            <a:headEnd type="none" w="med" len="med"/>
-            <a:tailEnd type="triangle"/>
-          </a:ln>
-        </p:spPr>
-        <p:style>
-          <a:lnRef idx="1">
-            <a:schemeClr val="dk1"/>
-          </a:lnRef>
-          <a:fillRef idx="0">
-            <a:schemeClr val="dk1"/>
-          </a:fillRef>
-          <a:effectRef idx="0">
-            <a:schemeClr val="dk1"/>
-          </a:effectRef>
-          <a:fontRef idx="minor">
-            <a:schemeClr val="tx1"/>
-          </a:fontRef>
-        </p:style>
-      </p:cxnSp>
-      <p:cxnSp>
-        <p:nvCxnSpPr>
-          <p:cNvPr id="24" name="Straight Arrow Connector 23">
-            <a:extLst>
-              <a:ext uri="{FF2B5EF4-FFF2-40B4-BE49-F238E27FC236}">
-                <a16:creationId xmlns:a16="http://schemas.microsoft.com/office/drawing/2014/main" id="{E289441A-068C-416C-8739-63D5C9486D23}"/>
-              </a:ext>
-            </a:extLst>
-          </p:cNvPr>
-          <p:cNvCxnSpPr>
-            <a:cxnSpLocks/>
-          </p:cNvCxnSpPr>
-          <p:nvPr/>
-        </p:nvCxnSpPr>
-        <p:spPr bwMode="auto">
-          <a:xfrm flipH="1" flipV="1">
-            <a:off x="4210447" y="4075210"/>
-            <a:ext cx="343694" cy="418144"/>
-          </a:xfrm>
-          <a:prstGeom prst="straightConnector1">
-            <a:avLst/>
-          </a:prstGeom>
-          <a:ln>
-            <a:headEnd type="none" w="med" len="med"/>
-            <a:tailEnd type="triangle"/>
-          </a:ln>
-        </p:spPr>
-        <p:style>
-          <a:lnRef idx="1">
-            <a:schemeClr val="dk1"/>
-          </a:lnRef>
-          <a:fillRef idx="0">
-            <a:schemeClr val="dk1"/>
-          </a:fillRef>
-          <a:effectRef idx="0">
-            <a:schemeClr val="dk1"/>
-          </a:effectRef>
-          <a:fontRef idx="minor">
-            <a:schemeClr val="tx1"/>
-          </a:fontRef>
-        </p:style>
-      </p:cxnSp>
-      <p:cxnSp>
-        <p:nvCxnSpPr>
-          <p:cNvPr id="25" name="Straight Arrow Connector 24">
-            <a:extLst>
-              <a:ext uri="{FF2B5EF4-FFF2-40B4-BE49-F238E27FC236}">
-                <a16:creationId xmlns:a16="http://schemas.microsoft.com/office/drawing/2014/main" id="{A731E558-347E-4387-9A3A-0177D805BF3F}"/>
-              </a:ext>
-            </a:extLst>
-          </p:cNvPr>
-          <p:cNvCxnSpPr>
-            <a:cxnSpLocks/>
-          </p:cNvCxnSpPr>
-          <p:nvPr/>
-        </p:nvCxnSpPr>
-        <p:spPr bwMode="auto">
-          <a:xfrm flipH="1" flipV="1">
-            <a:off x="4238753" y="5072791"/>
-            <a:ext cx="343694" cy="418144"/>
-          </a:xfrm>
-          <a:prstGeom prst="straightConnector1">
-            <a:avLst/>
-          </a:prstGeom>
-          <a:ln>
-            <a:headEnd type="none" w="med" len="med"/>
-            <a:tailEnd type="triangle"/>
-          </a:ln>
-        </p:spPr>
-        <p:style>
-          <a:lnRef idx="1">
-            <a:schemeClr val="dk1"/>
-          </a:lnRef>
-          <a:fillRef idx="0">
-            <a:schemeClr val="dk1"/>
-          </a:fillRef>
-          <a:effectRef idx="0">
-            <a:schemeClr val="dk1"/>
-          </a:effectRef>
-          <a:fontRef idx="minor">
-            <a:schemeClr val="tx1"/>
-          </a:fontRef>
-        </p:style>
-      </p:cxnSp>
-      <p:sp>
-        <p:nvSpPr>
-          <p:cNvPr id="11" name="TextBox 10">
-            <a:extLst>
-              <a:ext uri="{FF2B5EF4-FFF2-40B4-BE49-F238E27FC236}">
-                <a16:creationId xmlns:a16="http://schemas.microsoft.com/office/drawing/2014/main" id="{7FCC760F-5EF6-4553-B509-64CBC485529F}"/>
-              </a:ext>
-            </a:extLst>
-          </p:cNvPr>
-          <p:cNvSpPr txBox="1"/>
-          <p:nvPr/>
-        </p:nvSpPr>
-        <p:spPr>
-          <a:xfrm>
-            <a:off x="4554141" y="3204810"/>
-            <a:ext cx="2209800" cy="461665"/>
-          </a:xfrm>
-          <a:prstGeom prst="rect">
-            <a:avLst/>
-          </a:prstGeom>
-          <a:noFill/>
-        </p:spPr>
-        <p:txBody>
-          <a:bodyPr wrap="square" rtlCol="0">
-            <a:spAutoFit/>
-          </a:bodyPr>
-          <a:lstStyle/>
-          <a:p>
-            <a:r>
-              <a:rPr lang="en-IN" dirty="0">
-                <a:solidFill>
-                  <a:srgbClr val="00B050"/>
-                </a:solidFill>
-              </a:rPr>
-              <a:t>SNR = 20 dB</a:t>
-            </a:r>
-          </a:p>
-        </p:txBody>
-      </p:sp>
-      <p:sp>
-        <p:nvSpPr>
-          <p:cNvPr id="27" name="TextBox 26">
-            <a:extLst>
-              <a:ext uri="{FF2B5EF4-FFF2-40B4-BE49-F238E27FC236}">
-                <a16:creationId xmlns:a16="http://schemas.microsoft.com/office/drawing/2014/main" id="{A184207F-E883-41EA-9DED-2882DB15B75C}"/>
-              </a:ext>
-            </a:extLst>
-          </p:cNvPr>
-          <p:cNvSpPr txBox="1"/>
-          <p:nvPr/>
-        </p:nvSpPr>
-        <p:spPr>
-          <a:xfrm>
-            <a:off x="4591187" y="2200028"/>
-            <a:ext cx="2209800" cy="461665"/>
-          </a:xfrm>
-          <a:prstGeom prst="rect">
-            <a:avLst/>
-          </a:prstGeom>
-          <a:noFill/>
-        </p:spPr>
-        <p:txBody>
-          <a:bodyPr wrap="square" rtlCol="0">
-            <a:spAutoFit/>
-          </a:bodyPr>
-          <a:lstStyle/>
-          <a:p>
-            <a:r>
-              <a:rPr lang="en-IN" dirty="0">
-                <a:solidFill>
-                  <a:srgbClr val="00B050"/>
-                </a:solidFill>
-              </a:rPr>
-              <a:t>SNR = 30 dB</a:t>
-            </a:r>
-          </a:p>
-        </p:txBody>
-      </p:sp>
-      <p:sp>
-        <p:nvSpPr>
-          <p:cNvPr id="28" name="TextBox 27">
-            <a:extLst>
-              <a:ext uri="{FF2B5EF4-FFF2-40B4-BE49-F238E27FC236}">
-                <a16:creationId xmlns:a16="http://schemas.microsoft.com/office/drawing/2014/main" id="{712BE711-F2E3-4D82-9624-FCE2C3664CBD}"/>
-              </a:ext>
-            </a:extLst>
-          </p:cNvPr>
-          <p:cNvSpPr txBox="1"/>
-          <p:nvPr/>
-        </p:nvSpPr>
-        <p:spPr>
-          <a:xfrm>
-            <a:off x="4569673" y="4255320"/>
-            <a:ext cx="2209800" cy="461665"/>
-          </a:xfrm>
-          <a:prstGeom prst="rect">
-            <a:avLst/>
-          </a:prstGeom>
-          <a:noFill/>
-        </p:spPr>
-        <p:txBody>
-          <a:bodyPr wrap="square" rtlCol="0">
-            <a:spAutoFit/>
-          </a:bodyPr>
-          <a:lstStyle/>
-          <a:p>
-            <a:r>
-              <a:rPr lang="en-IN" dirty="0">
-                <a:solidFill>
-                  <a:srgbClr val="00B050"/>
-                </a:solidFill>
-              </a:rPr>
-              <a:t>SNR = 10 dB</a:t>
-            </a:r>
-          </a:p>
-        </p:txBody>
-      </p:sp>
-      <p:sp>
-        <p:nvSpPr>
-          <p:cNvPr id="29" name="TextBox 28">
-            <a:extLst>
-              <a:ext uri="{FF2B5EF4-FFF2-40B4-BE49-F238E27FC236}">
-                <a16:creationId xmlns:a16="http://schemas.microsoft.com/office/drawing/2014/main" id="{6E22B1BD-2D27-486F-A576-0B8D39697386}"/>
-              </a:ext>
-            </a:extLst>
-          </p:cNvPr>
-          <p:cNvSpPr txBox="1"/>
-          <p:nvPr/>
-        </p:nvSpPr>
-        <p:spPr>
-          <a:xfrm>
-            <a:off x="4615323" y="5260102"/>
-            <a:ext cx="2209800" cy="461665"/>
-          </a:xfrm>
-          <a:prstGeom prst="rect">
-            <a:avLst/>
-          </a:prstGeom>
-          <a:noFill/>
-        </p:spPr>
-        <p:txBody>
-          <a:bodyPr wrap="square" rtlCol="0">
-            <a:spAutoFit/>
-          </a:bodyPr>
-          <a:lstStyle/>
-          <a:p>
-            <a:r>
-              <a:rPr lang="en-IN" dirty="0">
-                <a:solidFill>
-                  <a:srgbClr val="00B050"/>
-                </a:solidFill>
-              </a:rPr>
-              <a:t>SNR = 0  dB</a:t>
-            </a:r>
-          </a:p>
-        </p:txBody>
-      </p:sp>
-      <p:sp>
-        <p:nvSpPr>
-          <p:cNvPr id="30" name="TextBox 29">
-            <a:extLst>
-              <a:ext uri="{FF2B5EF4-FFF2-40B4-BE49-F238E27FC236}">
-                <a16:creationId xmlns:a16="http://schemas.microsoft.com/office/drawing/2014/main" id="{F720E314-9D33-481F-B463-97F5A4B3F2EB}"/>
-              </a:ext>
-            </a:extLst>
-          </p:cNvPr>
-          <p:cNvSpPr txBox="1"/>
-          <p:nvPr/>
-        </p:nvSpPr>
-        <p:spPr>
-          <a:xfrm>
-            <a:off x="1463401" y="2142374"/>
-            <a:ext cx="2209800" cy="461665"/>
-          </a:xfrm>
-          <a:prstGeom prst="rect">
-            <a:avLst/>
-          </a:prstGeom>
-        </p:spPr>
-        <p:style>
-          <a:lnRef idx="2">
-            <a:schemeClr val="dk1"/>
-          </a:lnRef>
-          <a:fillRef idx="1">
-            <a:schemeClr val="lt1"/>
-          </a:fillRef>
-          <a:effectRef idx="0">
-            <a:schemeClr val="dk1"/>
-          </a:effectRef>
-          <a:fontRef idx="minor">
-            <a:schemeClr val="dk1"/>
-          </a:fontRef>
-        </p:style>
-        <p:txBody>
-          <a:bodyPr wrap="square" rtlCol="0">
-            <a:spAutoFit/>
-          </a:bodyPr>
-          <a:lstStyle/>
-          <a:p>
-            <a:r>
-              <a:rPr lang="en-IN" dirty="0">
-                <a:solidFill>
-                  <a:srgbClr val="0070C0"/>
-                </a:solidFill>
-              </a:rPr>
-              <a:t>Nt=4,Nr=2</a:t>
-            </a:r>
-          </a:p>
-        </p:txBody>
-      </p:sp>
     </p:spTree>
     <p:extLst>
       <p:ext uri="{BB962C8B-B14F-4D97-AF65-F5344CB8AC3E}">
-        <p14:creationId xmlns:p14="http://schemas.microsoft.com/office/powerpoint/2010/main" val="124712022"/>
+        <p14:creationId xmlns:p14="http://schemas.microsoft.com/office/powerpoint/2010/main" val="3734888670"/>
       </p:ext>
     </p:extLst>
   </p:cSld>
@@ -11006,10 +10630,10 @@
       </p:sp>
       <p:pic>
         <p:nvPicPr>
-          <p:cNvPr id="6" name="Picture 5">
+          <p:cNvPr id="5" name="Picture 4">
             <a:extLst>
               <a:ext uri="{FF2B5EF4-FFF2-40B4-BE49-F238E27FC236}">
-                <a16:creationId xmlns:a16="http://schemas.microsoft.com/office/drawing/2014/main" id="{A66ED886-52CB-45C2-89B2-2F9496C10D7F}"/>
+                <a16:creationId xmlns:a16="http://schemas.microsoft.com/office/drawing/2014/main" id="{0312E4C0-2346-4F69-9A63-F554CF3095F8}"/>
               </a:ext>
             </a:extLst>
           </p:cNvPr>
@@ -11018,7 +10642,7 @@
           </p:cNvPicPr>
           <p:nvPr/>
         </p:nvPicPr>
-        <p:blipFill rotWithShape="1">
+        <p:blipFill>
           <a:blip r:embed="rId2">
             <a:extLst>
               <a:ext uri="{28A0092B-C50C-407E-A947-70E740481C1C}">
@@ -11026,13 +10650,14 @@
               </a:ext>
             </a:extLst>
           </a:blip>
-          <a:srcRect l="8333" t="12945" r="6667" b="7016"/>
-          <a:stretch/>
+          <a:stretch>
+            <a:fillRect/>
+          </a:stretch>
         </p:blipFill>
         <p:spPr>
           <a:xfrm>
-            <a:off x="533400" y="1317625"/>
-            <a:ext cx="8610600" cy="4930775"/>
+            <a:off x="533400" y="1328511"/>
+            <a:ext cx="8610600" cy="5067824"/>
           </a:xfrm>
           <a:prstGeom prst="rect">
             <a:avLst/>
@@ -11041,10 +10666,10 @@
       </p:pic>
       <p:sp>
         <p:nvSpPr>
-          <p:cNvPr id="7" name="TextBox 6">
+          <p:cNvPr id="15" name="TextBox 14">
             <a:extLst>
               <a:ext uri="{FF2B5EF4-FFF2-40B4-BE49-F238E27FC236}">
-                <a16:creationId xmlns:a16="http://schemas.microsoft.com/office/drawing/2014/main" id="{F87135CB-2251-49F4-AD59-D1186DAE7C3E}"/>
+                <a16:creationId xmlns:a16="http://schemas.microsoft.com/office/drawing/2014/main" id="{A78EF6AC-D9D9-400C-92EE-CFBE85EFDE07}"/>
               </a:ext>
             </a:extLst>
           </p:cNvPr>
@@ -11053,8 +10678,8 @@
         </p:nvSpPr>
         <p:spPr>
           <a:xfrm>
-            <a:off x="1905000" y="1666229"/>
-            <a:ext cx="3314700" cy="461665"/>
+            <a:off x="1981200" y="2362200"/>
+            <a:ext cx="1981200" cy="461665"/>
           </a:xfrm>
           <a:prstGeom prst="rect">
             <a:avLst/>
@@ -11086,7 +10711,331 @@
                   <a:srgbClr val="0070C0"/>
                 </a:solidFill>
               </a:rPr>
-              <a:t>Nt=4,Nr=2,USERS=5</a:t>
+              <a:t>Nt=4,Nr=2</a:t>
+            </a:r>
+          </a:p>
+        </p:txBody>
+      </p:sp>
+      <p:cxnSp>
+        <p:nvCxnSpPr>
+          <p:cNvPr id="16" name="Straight Arrow Connector 15">
+            <a:extLst>
+              <a:ext uri="{FF2B5EF4-FFF2-40B4-BE49-F238E27FC236}">
+                <a16:creationId xmlns:a16="http://schemas.microsoft.com/office/drawing/2014/main" id="{4D49FFC3-480E-44C1-B6A7-E43541589FE3}"/>
+              </a:ext>
+            </a:extLst>
+          </p:cNvPr>
+          <p:cNvCxnSpPr>
+            <a:cxnSpLocks/>
+          </p:cNvCxnSpPr>
+          <p:nvPr/>
+        </p:nvCxnSpPr>
+        <p:spPr bwMode="auto">
+          <a:xfrm flipH="1" flipV="1">
+            <a:off x="5009755" y="5147687"/>
+            <a:ext cx="343694" cy="418144"/>
+          </a:xfrm>
+          <a:prstGeom prst="straightConnector1">
+            <a:avLst/>
+          </a:prstGeom>
+          <a:ln>
+            <a:headEnd type="none" w="med" len="med"/>
+            <a:tailEnd type="triangle"/>
+          </a:ln>
+        </p:spPr>
+        <p:style>
+          <a:lnRef idx="1">
+            <a:schemeClr val="dk1"/>
+          </a:lnRef>
+          <a:fillRef idx="0">
+            <a:schemeClr val="dk1"/>
+          </a:fillRef>
+          <a:effectRef idx="0">
+            <a:schemeClr val="dk1"/>
+          </a:effectRef>
+          <a:fontRef idx="minor">
+            <a:schemeClr val="tx1"/>
+          </a:fontRef>
+        </p:style>
+      </p:cxnSp>
+      <p:cxnSp>
+        <p:nvCxnSpPr>
+          <p:cNvPr id="17" name="Straight Arrow Connector 16">
+            <a:extLst>
+              <a:ext uri="{FF2B5EF4-FFF2-40B4-BE49-F238E27FC236}">
+                <a16:creationId xmlns:a16="http://schemas.microsoft.com/office/drawing/2014/main" id="{2980E527-C85E-4865-B67A-D29A51BB80ED}"/>
+              </a:ext>
+            </a:extLst>
+          </p:cNvPr>
+          <p:cNvCxnSpPr>
+            <a:cxnSpLocks/>
+          </p:cNvCxnSpPr>
+          <p:nvPr/>
+        </p:nvCxnSpPr>
+        <p:spPr bwMode="auto">
+          <a:xfrm flipH="1" flipV="1">
+            <a:off x="5009755" y="4052637"/>
+            <a:ext cx="343694" cy="418144"/>
+          </a:xfrm>
+          <a:prstGeom prst="straightConnector1">
+            <a:avLst/>
+          </a:prstGeom>
+          <a:ln>
+            <a:headEnd type="none" w="med" len="med"/>
+            <a:tailEnd type="triangle"/>
+          </a:ln>
+        </p:spPr>
+        <p:style>
+          <a:lnRef idx="1">
+            <a:schemeClr val="dk1"/>
+          </a:lnRef>
+          <a:fillRef idx="0">
+            <a:schemeClr val="dk1"/>
+          </a:fillRef>
+          <a:effectRef idx="0">
+            <a:schemeClr val="dk1"/>
+          </a:effectRef>
+          <a:fontRef idx="minor">
+            <a:schemeClr val="tx1"/>
+          </a:fontRef>
+        </p:style>
+      </p:cxnSp>
+      <p:cxnSp>
+        <p:nvCxnSpPr>
+          <p:cNvPr id="18" name="Straight Arrow Connector 17">
+            <a:extLst>
+              <a:ext uri="{FF2B5EF4-FFF2-40B4-BE49-F238E27FC236}">
+                <a16:creationId xmlns:a16="http://schemas.microsoft.com/office/drawing/2014/main" id="{CB22324F-6CFB-49F1-8972-90B682ECA990}"/>
+              </a:ext>
+            </a:extLst>
+          </p:cNvPr>
+          <p:cNvCxnSpPr>
+            <a:cxnSpLocks/>
+          </p:cNvCxnSpPr>
+          <p:nvPr/>
+        </p:nvCxnSpPr>
+        <p:spPr bwMode="auto">
+          <a:xfrm flipH="1" flipV="1">
+            <a:off x="5009755" y="3107048"/>
+            <a:ext cx="343694" cy="418144"/>
+          </a:xfrm>
+          <a:prstGeom prst="straightConnector1">
+            <a:avLst/>
+          </a:prstGeom>
+          <a:ln>
+            <a:headEnd type="none" w="med" len="med"/>
+            <a:tailEnd type="triangle"/>
+          </a:ln>
+        </p:spPr>
+        <p:style>
+          <a:lnRef idx="1">
+            <a:schemeClr val="dk1"/>
+          </a:lnRef>
+          <a:fillRef idx="0">
+            <a:schemeClr val="dk1"/>
+          </a:fillRef>
+          <a:effectRef idx="0">
+            <a:schemeClr val="dk1"/>
+          </a:effectRef>
+          <a:fontRef idx="minor">
+            <a:schemeClr val="tx1"/>
+          </a:fontRef>
+        </p:style>
+      </p:cxnSp>
+      <p:cxnSp>
+        <p:nvCxnSpPr>
+          <p:cNvPr id="19" name="Straight Arrow Connector 18">
+            <a:extLst>
+              <a:ext uri="{FF2B5EF4-FFF2-40B4-BE49-F238E27FC236}">
+                <a16:creationId xmlns:a16="http://schemas.microsoft.com/office/drawing/2014/main" id="{00910CC3-317A-4B30-A4E6-4E4DCE7ACF93}"/>
+              </a:ext>
+            </a:extLst>
+          </p:cNvPr>
+          <p:cNvCxnSpPr>
+            <a:cxnSpLocks/>
+          </p:cNvCxnSpPr>
+          <p:nvPr/>
+        </p:nvCxnSpPr>
+        <p:spPr bwMode="auto">
+          <a:xfrm flipH="1" flipV="1">
+            <a:off x="5009755" y="1981200"/>
+            <a:ext cx="343694" cy="418144"/>
+          </a:xfrm>
+          <a:prstGeom prst="straightConnector1">
+            <a:avLst/>
+          </a:prstGeom>
+          <a:ln>
+            <a:headEnd type="none" w="med" len="med"/>
+            <a:tailEnd type="triangle"/>
+          </a:ln>
+        </p:spPr>
+        <p:style>
+          <a:lnRef idx="1">
+            <a:schemeClr val="dk1"/>
+          </a:lnRef>
+          <a:fillRef idx="0">
+            <a:schemeClr val="dk1"/>
+          </a:fillRef>
+          <a:effectRef idx="0">
+            <a:schemeClr val="dk1"/>
+          </a:effectRef>
+          <a:fontRef idx="minor">
+            <a:schemeClr val="tx1"/>
+          </a:fontRef>
+        </p:style>
+      </p:cxnSp>
+      <p:sp>
+        <p:nvSpPr>
+          <p:cNvPr id="20" name="TextBox 19">
+            <a:extLst>
+              <a:ext uri="{FF2B5EF4-FFF2-40B4-BE49-F238E27FC236}">
+                <a16:creationId xmlns:a16="http://schemas.microsoft.com/office/drawing/2014/main" id="{DF28C846-C941-4670-A837-D1CC25B2DFE7}"/>
+              </a:ext>
+            </a:extLst>
+          </p:cNvPr>
+          <p:cNvSpPr txBox="1"/>
+          <p:nvPr/>
+        </p:nvSpPr>
+        <p:spPr>
+          <a:xfrm>
+            <a:off x="5365172" y="5317584"/>
+            <a:ext cx="2209800" cy="461665"/>
+          </a:xfrm>
+          <a:prstGeom prst="rect">
+            <a:avLst/>
+          </a:prstGeom>
+          <a:noFill/>
+        </p:spPr>
+        <p:txBody>
+          <a:bodyPr wrap="square" rtlCol="0">
+            <a:spAutoFit/>
+          </a:bodyPr>
+          <a:lstStyle/>
+          <a:p>
+            <a:r>
+              <a:rPr lang="en-IN" dirty="0">
+                <a:solidFill>
+                  <a:srgbClr val="00B050"/>
+                </a:solidFill>
+              </a:rPr>
+              <a:t>SNR = 0 dB</a:t>
+            </a:r>
+          </a:p>
+        </p:txBody>
+      </p:sp>
+      <p:sp>
+        <p:nvSpPr>
+          <p:cNvPr id="21" name="TextBox 20">
+            <a:extLst>
+              <a:ext uri="{FF2B5EF4-FFF2-40B4-BE49-F238E27FC236}">
+                <a16:creationId xmlns:a16="http://schemas.microsoft.com/office/drawing/2014/main" id="{34AE778F-0140-4268-851B-8A1ED9C721D0}"/>
+              </a:ext>
+            </a:extLst>
+          </p:cNvPr>
+          <p:cNvSpPr txBox="1"/>
+          <p:nvPr/>
+        </p:nvSpPr>
+        <p:spPr>
+          <a:xfrm>
+            <a:off x="5353449" y="4261709"/>
+            <a:ext cx="2209800" cy="461665"/>
+          </a:xfrm>
+          <a:prstGeom prst="rect">
+            <a:avLst/>
+          </a:prstGeom>
+          <a:noFill/>
+        </p:spPr>
+        <p:txBody>
+          <a:bodyPr wrap="square" rtlCol="0">
+            <a:spAutoFit/>
+          </a:bodyPr>
+          <a:lstStyle/>
+          <a:p>
+            <a:r>
+              <a:rPr lang="en-IN" dirty="0">
+                <a:solidFill>
+                  <a:srgbClr val="00B050"/>
+                </a:solidFill>
+              </a:rPr>
+              <a:t>SNR = 10 dB</a:t>
+            </a:r>
+          </a:p>
+        </p:txBody>
+      </p:sp>
+      <p:sp>
+        <p:nvSpPr>
+          <p:cNvPr id="22" name="TextBox 21">
+            <a:extLst>
+              <a:ext uri="{FF2B5EF4-FFF2-40B4-BE49-F238E27FC236}">
+                <a16:creationId xmlns:a16="http://schemas.microsoft.com/office/drawing/2014/main" id="{EF7ACD9C-D35B-4A31-8DF4-24EBD6B83A90}"/>
+              </a:ext>
+            </a:extLst>
+          </p:cNvPr>
+          <p:cNvSpPr txBox="1"/>
+          <p:nvPr/>
+        </p:nvSpPr>
+        <p:spPr>
+          <a:xfrm>
+            <a:off x="5410200" y="3316120"/>
+            <a:ext cx="2209800" cy="461665"/>
+          </a:xfrm>
+          <a:prstGeom prst="rect">
+            <a:avLst/>
+          </a:prstGeom>
+          <a:noFill/>
+        </p:spPr>
+        <p:txBody>
+          <a:bodyPr wrap="square" rtlCol="0">
+            <a:spAutoFit/>
+          </a:bodyPr>
+          <a:lstStyle/>
+          <a:p>
+            <a:r>
+              <a:rPr lang="en-IN" dirty="0">
+                <a:solidFill>
+                  <a:srgbClr val="00B050"/>
+                </a:solidFill>
+              </a:rPr>
+              <a:t>SNR = 20 dB</a:t>
+            </a:r>
+          </a:p>
+        </p:txBody>
+      </p:sp>
+      <p:sp>
+        <p:nvSpPr>
+          <p:cNvPr id="26" name="TextBox 25">
+            <a:extLst>
+              <a:ext uri="{FF2B5EF4-FFF2-40B4-BE49-F238E27FC236}">
+                <a16:creationId xmlns:a16="http://schemas.microsoft.com/office/drawing/2014/main" id="{0BE7C497-4CBA-4561-92CF-09D48F8B5859}"/>
+              </a:ext>
+            </a:extLst>
+          </p:cNvPr>
+          <p:cNvSpPr txBox="1"/>
+          <p:nvPr/>
+        </p:nvSpPr>
+        <p:spPr>
+          <a:xfrm>
+            <a:off x="5410200" y="2190272"/>
+            <a:ext cx="2209800" cy="461665"/>
+          </a:xfrm>
+          <a:prstGeom prst="rect">
+            <a:avLst/>
+          </a:prstGeom>
+          <a:noFill/>
+        </p:spPr>
+        <p:txBody>
+          <a:bodyPr wrap="square" rtlCol="0">
+            <a:spAutoFit/>
+          </a:bodyPr>
+          <a:lstStyle/>
+          <a:p>
+            <a:r>
+              <a:rPr lang="en-IN" dirty="0">
+                <a:solidFill>
+                  <a:srgbClr val="00B050"/>
+                </a:solidFill>
+              </a:rPr>
+              <a:t>SNR = 30 dB</a:t>
             </a:r>
           </a:p>
         </p:txBody>
@@ -11094,7 +11043,7 @@
     </p:spTree>
     <p:extLst>
       <p:ext uri="{BB962C8B-B14F-4D97-AF65-F5344CB8AC3E}">
-        <p14:creationId xmlns:p14="http://schemas.microsoft.com/office/powerpoint/2010/main" val="936217085"/>
+        <p14:creationId xmlns:p14="http://schemas.microsoft.com/office/powerpoint/2010/main" val="124712022"/>
       </p:ext>
     </p:extLst>
   </p:cSld>
@@ -11156,7 +11105,7 @@
           <p:cNvPr id="4" name="Picture 3">
             <a:extLst>
               <a:ext uri="{FF2B5EF4-FFF2-40B4-BE49-F238E27FC236}">
-                <a16:creationId xmlns:a16="http://schemas.microsoft.com/office/drawing/2014/main" id="{01CA6E9C-193D-4C1B-96F8-6A2E9DA7C001}"/>
+                <a16:creationId xmlns:a16="http://schemas.microsoft.com/office/drawing/2014/main" id="{940FD19E-1156-4653-A8A5-050C1AD44965}"/>
               </a:ext>
             </a:extLst>
           </p:cNvPr>
@@ -11165,7 +11114,7 @@
           </p:cNvPicPr>
           <p:nvPr/>
         </p:nvPicPr>
-        <p:blipFill rotWithShape="1">
+        <p:blipFill>
           <a:blip r:embed="rId2">
             <a:extLst>
               <a:ext uri="{28A0092B-C50C-407E-A947-70E740481C1C}">
@@ -11173,13 +11122,14 @@
               </a:ext>
             </a:extLst>
           </a:blip>
-          <a:srcRect l="9167" t="12945" r="7517" b="7016"/>
-          <a:stretch/>
+          <a:stretch>
+            <a:fillRect/>
+          </a:stretch>
         </p:blipFill>
         <p:spPr>
           <a:xfrm>
-            <a:off x="533400" y="1317626"/>
-            <a:ext cx="8534400" cy="4930774"/>
+            <a:off x="533401" y="1317625"/>
+            <a:ext cx="8153400" cy="4930775"/>
           </a:xfrm>
           <a:prstGeom prst="rect">
             <a:avLst/>
@@ -11188,10 +11138,10 @@
       </p:pic>
       <p:sp>
         <p:nvSpPr>
-          <p:cNvPr id="6" name="TextBox 5">
+          <p:cNvPr id="8" name="TextBox 7">
             <a:extLst>
               <a:ext uri="{FF2B5EF4-FFF2-40B4-BE49-F238E27FC236}">
-                <a16:creationId xmlns:a16="http://schemas.microsoft.com/office/drawing/2014/main" id="{6F237D0E-D66B-4F42-B301-A7E78A9CC715}"/>
+                <a16:creationId xmlns:a16="http://schemas.microsoft.com/office/drawing/2014/main" id="{42EB6399-C740-4614-ACE3-B3F8CBAE8C49}"/>
               </a:ext>
             </a:extLst>
           </p:cNvPr>
@@ -11200,7 +11150,7 @@
         </p:nvSpPr>
         <p:spPr>
           <a:xfrm>
-            <a:off x="1905000" y="1666229"/>
+            <a:off x="2952751" y="1897062"/>
             <a:ext cx="3314700" cy="461665"/>
           </a:xfrm>
           <a:prstGeom prst="rect">
@@ -11233,7 +11183,7 @@
                   <a:srgbClr val="0070C0"/>
                 </a:solidFill>
               </a:rPr>
-              <a:t>Nt=4,Nr=2,USERS=10</a:t>
+              <a:t>Nt=4,Nr=2,USERS=5</a:t>
             </a:r>
           </a:p>
         </p:txBody>
@@ -11241,7 +11191,7 @@
     </p:spTree>
     <p:extLst>
       <p:ext uri="{BB962C8B-B14F-4D97-AF65-F5344CB8AC3E}">
-        <p14:creationId xmlns:p14="http://schemas.microsoft.com/office/powerpoint/2010/main" val="4049494950"/>
+        <p14:creationId xmlns:p14="http://schemas.microsoft.com/office/powerpoint/2010/main" val="936217085"/>
       </p:ext>
     </p:extLst>
   </p:cSld>
@@ -11300,10 +11250,10 @@
       </p:sp>
       <p:pic>
         <p:nvPicPr>
-          <p:cNvPr id="4" name="Picture 3">
+          <p:cNvPr id="5" name="Picture 4">
             <a:extLst>
               <a:ext uri="{FF2B5EF4-FFF2-40B4-BE49-F238E27FC236}">
-                <a16:creationId xmlns:a16="http://schemas.microsoft.com/office/drawing/2014/main" id="{A82720A2-9F7D-4804-B05F-EE9C276C7D35}"/>
+                <a16:creationId xmlns:a16="http://schemas.microsoft.com/office/drawing/2014/main" id="{FB50A128-3A4D-4D58-8774-D2E21FAB4D80}"/>
               </a:ext>
             </a:extLst>
           </p:cNvPr>
@@ -11312,7 +11262,7 @@
           </p:cNvPicPr>
           <p:nvPr/>
         </p:nvPicPr>
-        <p:blipFill rotWithShape="1">
+        <p:blipFill>
           <a:blip r:embed="rId2">
             <a:extLst>
               <a:ext uri="{28A0092B-C50C-407E-A947-70E740481C1C}">
@@ -11320,13 +11270,14 @@
               </a:ext>
             </a:extLst>
           </a:blip>
-          <a:srcRect l="7500" t="12945" r="7517" b="8497"/>
-          <a:stretch/>
+          <a:stretch>
+            <a:fillRect/>
+          </a:stretch>
         </p:blipFill>
         <p:spPr>
           <a:xfrm>
-            <a:off x="533400" y="1317624"/>
-            <a:ext cx="8610600" cy="4930775"/>
+            <a:off x="528710" y="1335210"/>
+            <a:ext cx="8615289" cy="4989390"/>
           </a:xfrm>
           <a:prstGeom prst="rect">
             <a:avLst/>
@@ -11335,10 +11286,10 @@
       </p:pic>
       <p:sp>
         <p:nvSpPr>
-          <p:cNvPr id="5" name="TextBox 4">
+          <p:cNvPr id="7" name="TextBox 6">
             <a:extLst>
               <a:ext uri="{FF2B5EF4-FFF2-40B4-BE49-F238E27FC236}">
-                <a16:creationId xmlns:a16="http://schemas.microsoft.com/office/drawing/2014/main" id="{194BC2CD-E550-4678-9933-08C6B47D181C}"/>
+                <a16:creationId xmlns:a16="http://schemas.microsoft.com/office/drawing/2014/main" id="{9CA9D134-0B29-42D9-9F1C-B0528C85B865}"/>
               </a:ext>
             </a:extLst>
           </p:cNvPr>
@@ -11347,7 +11298,7 @@
         </p:nvSpPr>
         <p:spPr>
           <a:xfrm>
-            <a:off x="1905000" y="1666229"/>
+            <a:off x="3179004" y="1981200"/>
             <a:ext cx="3314700" cy="461665"/>
           </a:xfrm>
           <a:prstGeom prst="rect">
@@ -11380,7 +11331,7 @@
                   <a:srgbClr val="0070C0"/>
                 </a:solidFill>
               </a:rPr>
-              <a:t>Nt=4,Nr=2,SNR = 0dB</a:t>
+              <a:t>Nt=4,Nr=2,USERS=10</a:t>
             </a:r>
           </a:p>
         </p:txBody>
@@ -11388,7 +11339,7 @@
     </p:spTree>
     <p:extLst>
       <p:ext uri="{BB962C8B-B14F-4D97-AF65-F5344CB8AC3E}">
-        <p14:creationId xmlns:p14="http://schemas.microsoft.com/office/powerpoint/2010/main" val="3400219772"/>
+        <p14:creationId xmlns:p14="http://schemas.microsoft.com/office/powerpoint/2010/main" val="4049494950"/>
       </p:ext>
     </p:extLst>
   </p:cSld>
@@ -11447,10 +11398,10 @@
       </p:sp>
       <p:pic>
         <p:nvPicPr>
-          <p:cNvPr id="4" name="Picture 3">
+          <p:cNvPr id="6" name="Picture 5">
             <a:extLst>
               <a:ext uri="{FF2B5EF4-FFF2-40B4-BE49-F238E27FC236}">
-                <a16:creationId xmlns:a16="http://schemas.microsoft.com/office/drawing/2014/main" id="{21EFFBB0-4E13-4814-AAEF-5C66E3D3E16A}"/>
+                <a16:creationId xmlns:a16="http://schemas.microsoft.com/office/drawing/2014/main" id="{E3BA5C17-FD08-46E3-AABC-2246A86D119E}"/>
               </a:ext>
             </a:extLst>
           </p:cNvPr>
@@ -11459,7 +11410,7 @@
           </p:cNvPicPr>
           <p:nvPr/>
         </p:nvPicPr>
-        <p:blipFill rotWithShape="1">
+        <p:blipFill>
           <a:blip r:embed="rId2">
             <a:extLst>
               <a:ext uri="{28A0092B-C50C-407E-A947-70E740481C1C}">
@@ -11467,13 +11418,14 @@
               </a:ext>
             </a:extLst>
           </a:blip>
-          <a:srcRect l="7500" t="12945" r="7517" b="7016"/>
-          <a:stretch/>
+          <a:stretch>
+            <a:fillRect/>
+          </a:stretch>
         </p:blipFill>
         <p:spPr>
           <a:xfrm>
-            <a:off x="647114" y="1317625"/>
-            <a:ext cx="8420686" cy="4930775"/>
+            <a:off x="533400" y="1317625"/>
+            <a:ext cx="8610600" cy="5006975"/>
           </a:xfrm>
           <a:prstGeom prst="rect">
             <a:avLst/>
@@ -11482,10 +11434,10 @@
       </p:pic>
       <p:sp>
         <p:nvSpPr>
-          <p:cNvPr id="5" name="TextBox 4">
+          <p:cNvPr id="7" name="TextBox 6">
             <a:extLst>
               <a:ext uri="{FF2B5EF4-FFF2-40B4-BE49-F238E27FC236}">
-                <a16:creationId xmlns:a16="http://schemas.microsoft.com/office/drawing/2014/main" id="{54CC6F85-342C-44E4-B96D-C206A074AC2D}"/>
+                <a16:creationId xmlns:a16="http://schemas.microsoft.com/office/drawing/2014/main" id="{95EB6FD8-A4B2-4B3F-B582-2FC1B3F5BACB}"/>
               </a:ext>
             </a:extLst>
           </p:cNvPr>
@@ -11494,7 +11446,7 @@
         </p:nvSpPr>
         <p:spPr>
           <a:xfrm>
-            <a:off x="1905000" y="1666229"/>
+            <a:off x="2438400" y="1915395"/>
             <a:ext cx="3314700" cy="461665"/>
           </a:xfrm>
           <a:prstGeom prst="rect">
@@ -11527,7 +11479,7 @@
                   <a:srgbClr val="0070C0"/>
                 </a:solidFill>
               </a:rPr>
-              <a:t>Nt=4,Nr=2,SNR =30dB </a:t>
+              <a:t>Nt=4,Nr=2,SNR = 0dB</a:t>
             </a:r>
           </a:p>
         </p:txBody>
@@ -11535,7 +11487,7 @@
     </p:spTree>
     <p:extLst>
       <p:ext uri="{BB962C8B-B14F-4D97-AF65-F5344CB8AC3E}">
-        <p14:creationId xmlns:p14="http://schemas.microsoft.com/office/powerpoint/2010/main" val="3197756981"/>
+        <p14:creationId xmlns:p14="http://schemas.microsoft.com/office/powerpoint/2010/main" val="3400219772"/>
       </p:ext>
     </p:extLst>
   </p:cSld>
@@ -11594,10 +11546,10 @@
       </p:sp>
       <p:pic>
         <p:nvPicPr>
-          <p:cNvPr id="4" name="Picture 3">
+          <p:cNvPr id="6" name="Picture 5">
             <a:extLst>
               <a:ext uri="{FF2B5EF4-FFF2-40B4-BE49-F238E27FC236}">
-                <a16:creationId xmlns:a16="http://schemas.microsoft.com/office/drawing/2014/main" id="{A136EEDE-5D06-48CC-A92A-23050BB64EB4}"/>
+                <a16:creationId xmlns:a16="http://schemas.microsoft.com/office/drawing/2014/main" id="{8C8FC104-0B6B-4769-A2EB-313B5C2BA17E}"/>
               </a:ext>
             </a:extLst>
           </p:cNvPr>
@@ -11606,7 +11558,7 @@
           </p:cNvPicPr>
           <p:nvPr/>
         </p:nvPicPr>
-        <p:blipFill rotWithShape="1">
+        <p:blipFill>
           <a:blip r:embed="rId2">
             <a:extLst>
               <a:ext uri="{28A0092B-C50C-407E-A947-70E740481C1C}">
@@ -11614,13 +11566,14 @@
               </a:ext>
             </a:extLst>
           </a:blip>
-          <a:srcRect l="7500" t="11462" r="7517" b="7016"/>
-          <a:stretch/>
+          <a:stretch>
+            <a:fillRect/>
+          </a:stretch>
         </p:blipFill>
         <p:spPr>
           <a:xfrm>
             <a:off x="533400" y="1317625"/>
-            <a:ext cx="8534400" cy="4930775"/>
+            <a:ext cx="8610600" cy="5006975"/>
           </a:xfrm>
           <a:prstGeom prst="rect">
             <a:avLst/>
@@ -11629,10 +11582,10 @@
       </p:pic>
       <p:sp>
         <p:nvSpPr>
-          <p:cNvPr id="5" name="TextBox 4">
+          <p:cNvPr id="7" name="TextBox 6">
             <a:extLst>
               <a:ext uri="{FF2B5EF4-FFF2-40B4-BE49-F238E27FC236}">
-                <a16:creationId xmlns:a16="http://schemas.microsoft.com/office/drawing/2014/main" id="{2D328122-184E-4C64-B705-C806672C24B6}"/>
+                <a16:creationId xmlns:a16="http://schemas.microsoft.com/office/drawing/2014/main" id="{32C7FE64-73EB-4836-8985-3A193BD0128A}"/>
               </a:ext>
             </a:extLst>
           </p:cNvPr>
@@ -11641,7 +11594,7 @@
         </p:nvSpPr>
         <p:spPr>
           <a:xfrm>
-            <a:off x="3276600" y="3429000"/>
+            <a:off x="2590800" y="1897062"/>
             <a:ext cx="3314700" cy="461665"/>
           </a:xfrm>
           <a:prstGeom prst="rect">
@@ -11674,7 +11627,7 @@
                   <a:srgbClr val="0070C0"/>
                 </a:solidFill>
               </a:rPr>
-              <a:t>Nt=4,Nr=2,USERS = 5</a:t>
+              <a:t>Nt=4,Nr=2,SNR =30dB </a:t>
             </a:r>
           </a:p>
         </p:txBody>
@@ -11682,7 +11635,7 @@
     </p:spTree>
     <p:extLst>
       <p:ext uri="{BB962C8B-B14F-4D97-AF65-F5344CB8AC3E}">
-        <p14:creationId xmlns:p14="http://schemas.microsoft.com/office/powerpoint/2010/main" val="1209523706"/>
+        <p14:creationId xmlns:p14="http://schemas.microsoft.com/office/powerpoint/2010/main" val="3197756981"/>
       </p:ext>
     </p:extLst>
   </p:cSld>
@@ -11741,10 +11694,10 @@
       </p:sp>
       <p:pic>
         <p:nvPicPr>
-          <p:cNvPr id="4" name="Picture 3">
+          <p:cNvPr id="6" name="Picture 5">
             <a:extLst>
               <a:ext uri="{FF2B5EF4-FFF2-40B4-BE49-F238E27FC236}">
-                <a16:creationId xmlns:a16="http://schemas.microsoft.com/office/drawing/2014/main" id="{00BC5CA2-5407-4975-B67F-038392912394}"/>
+                <a16:creationId xmlns:a16="http://schemas.microsoft.com/office/drawing/2014/main" id="{D8181EE4-5A9D-4858-80B5-81529EABB6B8}"/>
               </a:ext>
             </a:extLst>
           </p:cNvPr>
@@ -11753,7 +11706,7 @@
           </p:cNvPicPr>
           <p:nvPr/>
         </p:nvPicPr>
-        <p:blipFill rotWithShape="1">
+        <p:blipFill>
           <a:blip r:embed="rId2">
             <a:extLst>
               <a:ext uri="{28A0092B-C50C-407E-A947-70E740481C1C}">
@@ -11761,13 +11714,14 @@
               </a:ext>
             </a:extLst>
           </a:blip>
-          <a:srcRect l="7500" t="11462" r="7517" b="7016"/>
-          <a:stretch/>
+          <a:stretch>
+            <a:fillRect/>
+          </a:stretch>
         </p:blipFill>
         <p:spPr>
           <a:xfrm>
-            <a:off x="650631" y="1425277"/>
-            <a:ext cx="8458200" cy="4930775"/>
+            <a:off x="533400" y="1317625"/>
+            <a:ext cx="8610600" cy="5006975"/>
           </a:xfrm>
           <a:prstGeom prst="rect">
             <a:avLst/>
@@ -11776,10 +11730,10 @@
       </p:pic>
       <p:sp>
         <p:nvSpPr>
-          <p:cNvPr id="5" name="TextBox 4">
+          <p:cNvPr id="9" name="TextBox 8">
             <a:extLst>
               <a:ext uri="{FF2B5EF4-FFF2-40B4-BE49-F238E27FC236}">
-                <a16:creationId xmlns:a16="http://schemas.microsoft.com/office/drawing/2014/main" id="{51A12AB9-3150-4FF7-B5D1-655AABB20D92}"/>
+                <a16:creationId xmlns:a16="http://schemas.microsoft.com/office/drawing/2014/main" id="{A29D4CB1-B640-4197-A0A0-9A59DABB61C7}"/>
               </a:ext>
             </a:extLst>
           </p:cNvPr>
@@ -11788,7 +11742,7 @@
         </p:nvSpPr>
         <p:spPr>
           <a:xfrm>
-            <a:off x="3276600" y="3429000"/>
+            <a:off x="3181350" y="2967335"/>
             <a:ext cx="3314700" cy="461665"/>
           </a:xfrm>
           <a:prstGeom prst="rect">
@@ -11821,7 +11775,7 @@
                   <a:srgbClr val="0070C0"/>
                 </a:solidFill>
               </a:rPr>
-              <a:t>Nt=4,Nr=2,USERS = 10</a:t>
+              <a:t>Nt=4,Nr=2,USERS = 5</a:t>
             </a:r>
           </a:p>
         </p:txBody>
@@ -11829,7 +11783,7 @@
     </p:spTree>
     <p:extLst>
       <p:ext uri="{BB962C8B-B14F-4D97-AF65-F5344CB8AC3E}">
-        <p14:creationId xmlns:p14="http://schemas.microsoft.com/office/powerpoint/2010/main" val="358698578"/>
+        <p14:creationId xmlns:p14="http://schemas.microsoft.com/office/powerpoint/2010/main" val="1209523706"/>
       </p:ext>
     </p:extLst>
   </p:cSld>
@@ -11858,7 +11812,13 @@
       </p:grpSpPr>
       <p:sp>
         <p:nvSpPr>
-          <p:cNvPr id="2" name="Title 1"/>
+          <p:cNvPr id="2" name="Title 1">
+            <a:extLst>
+              <a:ext uri="{FF2B5EF4-FFF2-40B4-BE49-F238E27FC236}">
+                <a16:creationId xmlns:a16="http://schemas.microsoft.com/office/drawing/2014/main" id="{C8AD9F1B-3684-44E2-91AE-76BF839640F4}"/>
+              </a:ext>
+            </a:extLst>
+          </p:cNvPr>
           <p:cNvSpPr>
             <a:spLocks noGrp="1"/>
           </p:cNvSpPr>
@@ -11866,12 +11826,7 @@
             <p:ph type="title"/>
           </p:nvPr>
         </p:nvSpPr>
-        <p:spPr>
-          <a:xfrm>
-            <a:off x="533400" y="762000"/>
-            <a:ext cx="2589213" cy="579437"/>
-          </a:xfrm>
-        </p:spPr>
+        <p:spPr/>
         <p:txBody>
           <a:bodyPr/>
           <a:lstStyle/>
@@ -11879,189 +11834,106 @@
             <a:pPr algn="just"/>
             <a:r>
               <a:rPr lang="en-US" dirty="0"/>
-              <a:t>Conclusions</a:t>
-            </a:r>
+              <a:t>Outputs</a:t>
+            </a:r>
+            <a:endParaRPr lang="en-IN" dirty="0"/>
           </a:p>
         </p:txBody>
       </p:sp>
-      <p:sp>
-        <p:nvSpPr>
-          <p:cNvPr id="3" name="Content Placeholder 2"/>
-          <p:cNvSpPr>
-            <a:spLocks noGrp="1"/>
-          </p:cNvSpPr>
-          <p:nvPr>
-            <p:ph idx="1"/>
-          </p:nvPr>
-        </p:nvSpPr>
+      <p:pic>
+        <p:nvPicPr>
+          <p:cNvPr id="6" name="Picture 5">
+            <a:extLst>
+              <a:ext uri="{FF2B5EF4-FFF2-40B4-BE49-F238E27FC236}">
+                <a16:creationId xmlns:a16="http://schemas.microsoft.com/office/drawing/2014/main" id="{28014519-B68B-4308-83F5-9E7DF21E13E6}"/>
+              </a:ext>
+            </a:extLst>
+          </p:cNvPr>
+          <p:cNvPicPr>
+            <a:picLocks noChangeAspect="1"/>
+          </p:cNvPicPr>
+          <p:nvPr/>
+        </p:nvPicPr>
+        <p:blipFill>
+          <a:blip r:embed="rId2">
+            <a:extLst>
+              <a:ext uri="{28A0092B-C50C-407E-A947-70E740481C1C}">
+                <a14:useLocalDpi xmlns:a14="http://schemas.microsoft.com/office/drawing/2010/main" val="0"/>
+              </a:ext>
+            </a:extLst>
+          </a:blip>
+          <a:stretch>
+            <a:fillRect/>
+          </a:stretch>
+        </p:blipFill>
         <p:spPr>
           <a:xfrm>
-            <a:off x="533400" y="1160046"/>
-            <a:ext cx="8534400" cy="4983163"/>
-          </a:xfrm>
-        </p:spPr>
+            <a:off x="533400" y="1317625"/>
+            <a:ext cx="8610600" cy="5006975"/>
+          </a:xfrm>
+          <a:prstGeom prst="rect">
+            <a:avLst/>
+          </a:prstGeom>
+        </p:spPr>
+      </p:pic>
+      <p:sp>
+        <p:nvSpPr>
+          <p:cNvPr id="7" name="TextBox 6">
+            <a:extLst>
+              <a:ext uri="{FF2B5EF4-FFF2-40B4-BE49-F238E27FC236}">
+                <a16:creationId xmlns:a16="http://schemas.microsoft.com/office/drawing/2014/main" id="{AA1D83FE-6681-4674-A662-8E0567C6B9CC}"/>
+              </a:ext>
+            </a:extLst>
+          </p:cNvPr>
+          <p:cNvSpPr txBox="1"/>
+          <p:nvPr/>
+        </p:nvSpPr>
+        <p:spPr>
+          <a:xfrm>
+            <a:off x="3181350" y="2667000"/>
+            <a:ext cx="3314700" cy="461665"/>
+          </a:xfrm>
+          <a:prstGeom prst="rect">
+            <a:avLst/>
+          </a:prstGeom>
+        </p:spPr>
+        <p:style>
+          <a:lnRef idx="2">
+            <a:schemeClr val="dk1"/>
+          </a:lnRef>
+          <a:fillRef idx="1">
+            <a:schemeClr val="lt1"/>
+          </a:fillRef>
+          <a:effectRef idx="0">
+            <a:schemeClr val="dk1"/>
+          </a:effectRef>
+          <a:fontRef idx="minor">
+            <a:schemeClr val="dk1"/>
+          </a:fontRef>
+        </p:style>
         <p:txBody>
-          <a:bodyPr/>
+          <a:bodyPr wrap="square" rtlCol="0">
+            <a:spAutoFit/>
+          </a:bodyPr>
           <a:lstStyle/>
           <a:p>
-            <a:pPr algn="just">
-              <a:lnSpc>
-                <a:spcPct val="150000"/>
-              </a:lnSpc>
-              <a:buFont typeface="Wingdings" pitchFamily="2" charset="2"/>
-              <a:buChar char="q"/>
-            </a:pPr>
-            <a:r>
-              <a:rPr lang="en-GB" sz="2400" dirty="0">
-                <a:solidFill>
-                  <a:schemeClr val="tx1"/>
-                </a:solidFill>
-              </a:rPr>
-              <a:t>The JURAS scheme enhances the </a:t>
-            </a:r>
-            <a:r>
-              <a:rPr lang="en-GB" sz="2400" b="1" dirty="0">
-                <a:solidFill>
-                  <a:schemeClr val="tx1"/>
-                </a:solidFill>
-              </a:rPr>
-              <a:t>sum capacity </a:t>
-            </a:r>
-            <a:r>
-              <a:rPr lang="en-GB" sz="2400" dirty="0">
-                <a:solidFill>
-                  <a:schemeClr val="tx1"/>
-                </a:solidFill>
-              </a:rPr>
-              <a:t>when the number of users increases.</a:t>
-            </a:r>
-          </a:p>
-          <a:p>
-            <a:pPr algn="just">
-              <a:lnSpc>
-                <a:spcPct val="150000"/>
-              </a:lnSpc>
-              <a:buFont typeface="Wingdings" pitchFamily="2" charset="2"/>
-              <a:buChar char="q"/>
-            </a:pPr>
-            <a:endParaRPr lang="en-GB" sz="2400" dirty="0">
-              <a:solidFill>
-                <a:schemeClr val="tx1"/>
-              </a:solidFill>
-            </a:endParaRPr>
-          </a:p>
-          <a:p>
-            <a:pPr algn="just">
-              <a:lnSpc>
-                <a:spcPct val="150000"/>
-              </a:lnSpc>
-              <a:buFont typeface="Wingdings" pitchFamily="2" charset="2"/>
-              <a:buChar char="q"/>
-            </a:pPr>
-            <a:r>
-              <a:rPr lang="en-GB" sz="2400" dirty="0">
-                <a:solidFill>
-                  <a:schemeClr val="tx1"/>
-                </a:solidFill>
-              </a:rPr>
-              <a:t>The JURAS scheme </a:t>
-            </a:r>
-            <a:r>
-              <a:rPr lang="en-GB" sz="2400" b="1" dirty="0">
-                <a:solidFill>
-                  <a:schemeClr val="tx1"/>
-                </a:solidFill>
-              </a:rPr>
-              <a:t>sum capacity</a:t>
-            </a:r>
-            <a:r>
-              <a:rPr lang="en-GB" sz="2400" dirty="0">
-                <a:solidFill>
-                  <a:schemeClr val="tx1"/>
-                </a:solidFill>
-              </a:rPr>
-              <a:t> is </a:t>
-            </a:r>
-            <a:r>
-              <a:rPr lang="en-GB" sz="2400" b="1" dirty="0">
-                <a:solidFill>
-                  <a:schemeClr val="tx1"/>
-                </a:solidFill>
-              </a:rPr>
-              <a:t>significant at high SNR where SA1 has somewhat lower capacity than SA2.</a:t>
-            </a:r>
-          </a:p>
-          <a:p>
-            <a:pPr algn="just">
-              <a:lnSpc>
-                <a:spcPct val="150000"/>
-              </a:lnSpc>
-              <a:buFont typeface="Wingdings" pitchFamily="2" charset="2"/>
-              <a:buChar char="q"/>
-            </a:pPr>
-            <a:endParaRPr lang="en-US" sz="2400" dirty="0">
-              <a:solidFill>
-                <a:schemeClr val="tx1"/>
-              </a:solidFill>
-            </a:endParaRPr>
-          </a:p>
-          <a:p>
-            <a:pPr algn="just">
-              <a:lnSpc>
-                <a:spcPct val="150000"/>
-              </a:lnSpc>
-              <a:buFont typeface="Wingdings" pitchFamily="2" charset="2"/>
-              <a:buChar char="q"/>
-            </a:pPr>
-            <a:r>
-              <a:rPr lang="en-GB" sz="2400" dirty="0">
-                <a:solidFill>
-                  <a:schemeClr val="tx1"/>
-                </a:solidFill>
-              </a:rPr>
-              <a:t>The two algorithms </a:t>
-            </a:r>
-            <a:r>
-              <a:rPr lang="en-GB" sz="2400" b="1" dirty="0">
-                <a:solidFill>
-                  <a:schemeClr val="tx1"/>
-                </a:solidFill>
-              </a:rPr>
-              <a:t>reduced the complexity of computation </a:t>
-            </a:r>
-            <a:r>
-              <a:rPr lang="en-GB" sz="2400" dirty="0">
-                <a:solidFill>
-                  <a:schemeClr val="tx1"/>
-                </a:solidFill>
-              </a:rPr>
-              <a:t>where</a:t>
-            </a:r>
-            <a:r>
-              <a:rPr lang="en-GB" sz="2400" b="1" dirty="0">
-                <a:solidFill>
-                  <a:schemeClr val="tx1"/>
-                </a:solidFill>
-              </a:rPr>
-              <a:t> SA1 has somewhat lower complexity than SA2.</a:t>
-            </a:r>
-            <a:endParaRPr lang="en-US" sz="2400" b="1" dirty="0">
-              <a:solidFill>
-                <a:schemeClr val="tx1"/>
-              </a:solidFill>
-            </a:endParaRPr>
-          </a:p>
-          <a:p>
-            <a:pPr>
-              <a:lnSpc>
-                <a:spcPct val="150000"/>
-              </a:lnSpc>
-            </a:pPr>
-            <a:endParaRPr lang="en-US" dirty="0"/>
+            <a:r>
+              <a:rPr lang="en-IN" dirty="0">
+                <a:solidFill>
+                  <a:srgbClr val="0070C0"/>
+                </a:solidFill>
+              </a:rPr>
+              <a:t>Nt=4,Nr=2,USERS = 10</a:t>
+            </a:r>
           </a:p>
         </p:txBody>
       </p:sp>
     </p:spTree>
+    <p:extLst>
+      <p:ext uri="{BB962C8B-B14F-4D97-AF65-F5344CB8AC3E}">
+        <p14:creationId xmlns:p14="http://schemas.microsoft.com/office/powerpoint/2010/main" val="358698578"/>
+      </p:ext>
+    </p:extLst>
   </p:cSld>
   <p:clrMapOvr>
     <a:masterClrMapping/>
@@ -12264,8 +12136,8 @@
         </p:nvSpPr>
         <p:spPr>
           <a:xfrm>
-            <a:off x="533400" y="763587"/>
-            <a:ext cx="3427413" cy="579437"/>
+            <a:off x="533400" y="762000"/>
+            <a:ext cx="2589213" cy="579437"/>
           </a:xfrm>
         </p:spPr>
         <p:txBody>
@@ -12275,7 +12147,7 @@
             <a:pPr algn="just"/>
             <a:r>
               <a:rPr lang="en-US" dirty="0"/>
-              <a:t>References</a:t>
+              <a:t>Conclusions</a:t>
             </a:r>
           </a:p>
         </p:txBody>
@@ -12292,65 +12164,167 @@
         </p:nvSpPr>
         <p:spPr>
           <a:xfrm>
-            <a:off x="685800" y="1371600"/>
-            <a:ext cx="8458200" cy="4722813"/>
+            <a:off x="533400" y="1160046"/>
+            <a:ext cx="8534400" cy="4983163"/>
           </a:xfrm>
         </p:spPr>
         <p:txBody>
           <a:bodyPr/>
           <a:lstStyle/>
           <a:p>
-            <a:pPr marL="457200" indent="-457200" algn="just">
+            <a:pPr algn="just">
               <a:lnSpc>
                 <a:spcPct val="150000"/>
               </a:lnSpc>
-              <a:buFont typeface="Wingdings" panose="05000000000000000000" pitchFamily="2" charset="2"/>
+              <a:buFont typeface="Wingdings" pitchFamily="2" charset="2"/>
               <a:buChar char="q"/>
             </a:pPr>
             <a:r>
-              <a:rPr lang="en-US" sz="2000" dirty="0">
+              <a:rPr lang="en-GB" sz="2400" dirty="0">
                 <a:solidFill>
                   <a:schemeClr val="tx1"/>
                 </a:solidFill>
               </a:rPr>
-              <a:t>M. Sadek, A. Tarighat, and A. H. Sayed, "A Leakage-Based Precoding Scheme for Downlink Multi-User MIMO Channels," IEEE Transactions on Wireless Communications, vol. 6, no. 5, May 2007.</a:t>
-            </a:r>
-          </a:p>
-          <a:p>
-            <a:pPr marL="457200" indent="-457200" algn="just">
+              <a:t>The JURAS scheme enhances the </a:t>
+            </a:r>
+            <a:r>
+              <a:rPr lang="en-GB" sz="2400" b="1" dirty="0">
+                <a:solidFill>
+                  <a:schemeClr val="tx1"/>
+                </a:solidFill>
+              </a:rPr>
+              <a:t>sum capacity </a:t>
+            </a:r>
+            <a:r>
+              <a:rPr lang="en-GB" sz="2400" dirty="0">
+                <a:solidFill>
+                  <a:schemeClr val="tx1"/>
+                </a:solidFill>
+              </a:rPr>
+              <a:t>when the number of users increases.</a:t>
+            </a:r>
+          </a:p>
+          <a:p>
+            <a:pPr algn="just">
               <a:lnSpc>
                 <a:spcPct val="150000"/>
               </a:lnSpc>
-              <a:buFont typeface="Wingdings" panose="05000000000000000000" pitchFamily="2" charset="2"/>
+              <a:buFont typeface="Wingdings" pitchFamily="2" charset="2"/>
               <a:buChar char="q"/>
             </a:pPr>
-            <a:r>
-              <a:rPr lang="en-US" sz="2000" dirty="0">
-                <a:solidFill>
-                  <a:schemeClr val="tx1"/>
-                </a:solidFill>
-              </a:rPr>
-              <a:t>M. Sadek, A. Tarighat, and A. H. Sayed, "Active Antenna Selection in Multiuser MIMO Communications," IEEE Transactions on Signal Processing, vol. 55, no. 4, pp. 1498 - 1510, Apr 2007.</a:t>
-            </a:r>
-          </a:p>
-          <a:p>
-            <a:pPr marL="457200" indent="-457200" algn="just">
+            <a:endParaRPr lang="en-GB" sz="2400" dirty="0">
+              <a:solidFill>
+                <a:schemeClr val="tx1"/>
+              </a:solidFill>
+            </a:endParaRPr>
+          </a:p>
+          <a:p>
+            <a:pPr algn="just">
               <a:lnSpc>
                 <a:spcPct val="150000"/>
               </a:lnSpc>
-              <a:buFont typeface="Wingdings" panose="05000000000000000000" pitchFamily="2" charset="2"/>
+              <a:buFont typeface="Wingdings" pitchFamily="2" charset="2"/>
               <a:buChar char="q"/>
             </a:pPr>
             <a:r>
-              <a:rPr lang="en-IN" sz="2000" dirty="0">
+              <a:rPr lang="en-GB" sz="2400" dirty="0">
                 <a:solidFill>
                   <a:schemeClr val="tx1"/>
                 </a:solidFill>
               </a:rPr>
-              <a:t>M. Costa, "Writing on Dirty Paper," IEEE Transactions on Information Theory, vol. 29, no. 3, pp. 439-441, May 1983.</a:t>
-            </a:r>
-          </a:p>
-          <a:p>
+              <a:t>The JURAS scheme </a:t>
+            </a:r>
+            <a:r>
+              <a:rPr lang="en-GB" sz="2400" b="1" dirty="0">
+                <a:solidFill>
+                  <a:schemeClr val="tx1"/>
+                </a:solidFill>
+              </a:rPr>
+              <a:t>sum capacity</a:t>
+            </a:r>
+            <a:r>
+              <a:rPr lang="en-GB" sz="2400" dirty="0">
+                <a:solidFill>
+                  <a:schemeClr val="tx1"/>
+                </a:solidFill>
+              </a:rPr>
+              <a:t> is </a:t>
+            </a:r>
+            <a:r>
+              <a:rPr lang="en-GB" sz="2400" b="1" dirty="0">
+                <a:solidFill>
+                  <a:schemeClr val="tx1"/>
+                </a:solidFill>
+              </a:rPr>
+              <a:t>significant at high SNR where SA1 has somewhat lower capacity than SA2.</a:t>
+            </a:r>
+          </a:p>
+          <a:p>
+            <a:pPr algn="just">
+              <a:lnSpc>
+                <a:spcPct val="150000"/>
+              </a:lnSpc>
+              <a:buFont typeface="Wingdings" pitchFamily="2" charset="2"/>
+              <a:buChar char="q"/>
+            </a:pPr>
+            <a:endParaRPr lang="en-US" sz="2400" dirty="0">
+              <a:solidFill>
+                <a:schemeClr val="tx1"/>
+              </a:solidFill>
+            </a:endParaRPr>
+          </a:p>
+          <a:p>
+            <a:pPr algn="just">
+              <a:lnSpc>
+                <a:spcPct val="150000"/>
+              </a:lnSpc>
+              <a:buFont typeface="Wingdings" pitchFamily="2" charset="2"/>
+              <a:buChar char="q"/>
+            </a:pPr>
+            <a:r>
+              <a:rPr lang="en-GB" sz="2400" dirty="0">
+                <a:solidFill>
+                  <a:schemeClr val="tx1"/>
+                </a:solidFill>
+              </a:rPr>
+              <a:t>The two algorithms </a:t>
+            </a:r>
+            <a:r>
+              <a:rPr lang="en-GB" sz="2400" b="1" dirty="0">
+                <a:solidFill>
+                  <a:schemeClr val="tx1"/>
+                </a:solidFill>
+              </a:rPr>
+              <a:t>reduced the complexity of computation </a:t>
+            </a:r>
+            <a:r>
+              <a:rPr lang="en-GB" sz="2400" dirty="0">
+                <a:solidFill>
+                  <a:schemeClr val="tx1"/>
+                </a:solidFill>
+              </a:rPr>
+              <a:t>where</a:t>
+            </a:r>
+            <a:r>
+              <a:rPr lang="en-GB" sz="2400" b="1" dirty="0">
+                <a:solidFill>
+                  <a:schemeClr val="tx1"/>
+                </a:solidFill>
+              </a:rPr>
+              <a:t> SA1 has somewhat lower complexity than SA2.</a:t>
+            </a:r>
+            <a:endParaRPr lang="en-US" sz="2400" b="1" dirty="0">
+              <a:solidFill>
+                <a:schemeClr val="tx1"/>
+              </a:solidFill>
+            </a:endParaRPr>
+          </a:p>
+          <a:p>
+            <a:pPr>
+              <a:lnSpc>
+                <a:spcPct val="150000"/>
+              </a:lnSpc>
+            </a:pPr>
             <a:endParaRPr lang="en-US" dirty="0"/>
           </a:p>
         </p:txBody>
@@ -12421,6 +12395,134 @@
         <p:spPr>
           <a:xfrm>
             <a:off x="685800" y="1371600"/>
+            <a:ext cx="8458200" cy="4722813"/>
+          </a:xfrm>
+        </p:spPr>
+        <p:txBody>
+          <a:bodyPr/>
+          <a:lstStyle/>
+          <a:p>
+            <a:pPr marL="457200" indent="-457200" algn="just">
+              <a:lnSpc>
+                <a:spcPct val="150000"/>
+              </a:lnSpc>
+              <a:buFont typeface="Wingdings" panose="05000000000000000000" pitchFamily="2" charset="2"/>
+              <a:buChar char="q"/>
+            </a:pPr>
+            <a:r>
+              <a:rPr lang="en-US" sz="2000" dirty="0">
+                <a:solidFill>
+                  <a:schemeClr val="tx1"/>
+                </a:solidFill>
+              </a:rPr>
+              <a:t>M. Sadek, A. Tarighat, and A. H. Sayed, "A Leakage-Based Precoding Scheme for Downlink Multi-User MIMO Channels," IEEE Transactions on Wireless Communications, vol. 6, no. 5, May 2007.</a:t>
+            </a:r>
+          </a:p>
+          <a:p>
+            <a:pPr marL="457200" indent="-457200" algn="just">
+              <a:lnSpc>
+                <a:spcPct val="150000"/>
+              </a:lnSpc>
+              <a:buFont typeface="Wingdings" panose="05000000000000000000" pitchFamily="2" charset="2"/>
+              <a:buChar char="q"/>
+            </a:pPr>
+            <a:r>
+              <a:rPr lang="en-US" sz="2000" dirty="0">
+                <a:solidFill>
+                  <a:schemeClr val="tx1"/>
+                </a:solidFill>
+              </a:rPr>
+              <a:t>M. Sadek, A. Tarighat, and A. H. Sayed, "Active Antenna Selection in Multiuser MIMO Communications," IEEE Transactions on Signal Processing, vol. 55, no. 4, pp. 1498 - 1510, Apr 2007.</a:t>
+            </a:r>
+          </a:p>
+          <a:p>
+            <a:pPr marL="457200" indent="-457200" algn="just">
+              <a:lnSpc>
+                <a:spcPct val="150000"/>
+              </a:lnSpc>
+              <a:buFont typeface="Wingdings" panose="05000000000000000000" pitchFamily="2" charset="2"/>
+              <a:buChar char="q"/>
+            </a:pPr>
+            <a:r>
+              <a:rPr lang="en-IN" sz="2000" dirty="0">
+                <a:solidFill>
+                  <a:schemeClr val="tx1"/>
+                </a:solidFill>
+              </a:rPr>
+              <a:t>M. Costa, "Writing on Dirty Paper," IEEE Transactions on Information Theory, vol. 29, no. 3, pp. 439-441, May 1983.</a:t>
+            </a:r>
+          </a:p>
+          <a:p>
+            <a:endParaRPr lang="en-US" dirty="0"/>
+          </a:p>
+        </p:txBody>
+      </p:sp>
+    </p:spTree>
+  </p:cSld>
+  <p:clrMapOvr>
+    <a:masterClrMapping/>
+  </p:clrMapOvr>
+</p:sld>
+</file>
+
+<file path=ppt/slides/slide32.xml><?xml version="1.0" encoding="utf-8"?>
+<p:sld xmlns:a="http://schemas.openxmlformats.org/drawingml/2006/main" xmlns:r="http://schemas.openxmlformats.org/officeDocument/2006/relationships" xmlns:p="http://schemas.openxmlformats.org/presentationml/2006/main">
+  <p:cSld>
+    <p:spTree>
+      <p:nvGrpSpPr>
+        <p:cNvPr id="1" name=""/>
+        <p:cNvGrpSpPr/>
+        <p:nvPr/>
+      </p:nvGrpSpPr>
+      <p:grpSpPr>
+        <a:xfrm>
+          <a:off x="0" y="0"/>
+          <a:ext cx="0" cy="0"/>
+          <a:chOff x="0" y="0"/>
+          <a:chExt cx="0" cy="0"/>
+        </a:xfrm>
+      </p:grpSpPr>
+      <p:sp>
+        <p:nvSpPr>
+          <p:cNvPr id="2" name="Title 1"/>
+          <p:cNvSpPr>
+            <a:spLocks noGrp="1"/>
+          </p:cNvSpPr>
+          <p:nvPr>
+            <p:ph type="title"/>
+          </p:nvPr>
+        </p:nvSpPr>
+        <p:spPr>
+          <a:xfrm>
+            <a:off x="533400" y="763587"/>
+            <a:ext cx="3427413" cy="579437"/>
+          </a:xfrm>
+        </p:spPr>
+        <p:txBody>
+          <a:bodyPr/>
+          <a:lstStyle/>
+          <a:p>
+            <a:pPr algn="just"/>
+            <a:r>
+              <a:rPr lang="en-US" dirty="0"/>
+              <a:t>References</a:t>
+            </a:r>
+          </a:p>
+        </p:txBody>
+      </p:sp>
+      <p:sp>
+        <p:nvSpPr>
+          <p:cNvPr id="3" name="Content Placeholder 2"/>
+          <p:cNvSpPr>
+            <a:spLocks noGrp="1"/>
+          </p:cNvSpPr>
+          <p:nvPr>
+            <p:ph idx="1"/>
+          </p:nvPr>
+        </p:nvSpPr>
+        <p:spPr>
+          <a:xfrm>
+            <a:off x="685800" y="1371600"/>
             <a:ext cx="8382000" cy="4876800"/>
           </a:xfrm>
         </p:spPr>
@@ -12484,7 +12586,7 @@
 </p:sld>
 </file>
 
-<file path=ppt/slides/slide32.xml><?xml version="1.0" encoding="utf-8"?>
+<file path=ppt/slides/slide33.xml><?xml version="1.0" encoding="utf-8"?>
 <p:sld xmlns:a="http://schemas.openxmlformats.org/drawingml/2006/main" xmlns:r="http://schemas.openxmlformats.org/officeDocument/2006/relationships" xmlns:p="http://schemas.openxmlformats.org/presentationml/2006/main">
   <p:cSld>
     <p:spTree>
@@ -13226,6 +13328,7 @@
           <a:bodyPr/>
           <a:lstStyle/>
           <a:p>
+            <a:pPr algn="ctr"/>
             <a:endParaRPr lang="en-US" dirty="0">
               <a:solidFill>
                 <a:schemeClr val="tx1"/>
@@ -18512,10 +18615,16 @@
               <a:rPr lang="en-IN" altLang="en-US" sz="2400" dirty="0">
                 <a:cs typeface="Times New Roman" panose="02020603050405020304" pitchFamily="18" charset="0"/>
               </a:rPr>
-              <a:t>The Base Station has N</a:t>
-            </a:r>
-            <a:r>
-              <a:rPr lang="en-IN" altLang="en-US" sz="2400" baseline="-25000" dirty="0">
+              <a:t>The Base Station has </a:t>
+            </a:r>
+            <a:r>
+              <a:rPr lang="en-IN" altLang="en-US" sz="2400" i="1" dirty="0">
+                <a:cs typeface="Times New Roman" panose="02020603050405020304" pitchFamily="18" charset="0"/>
+              </a:rPr>
+              <a:t>N</a:t>
+            </a:r>
+            <a:r>
+              <a:rPr lang="en-IN" altLang="en-US" sz="2400" i="1" baseline="-25000" dirty="0">
                 <a:cs typeface="Times New Roman" panose="02020603050405020304" pitchFamily="18" charset="0"/>
               </a:rPr>
               <a:t>t</a:t>
@@ -18527,16 +18636,22 @@
               <a:t> number of transmitting antennas whereas there are </a:t>
             </a:r>
             <a:r>
+              <a:rPr lang="en-IN" altLang="en-US" sz="2400" i="1" dirty="0">
+                <a:cs typeface="Times New Roman" panose="02020603050405020304" pitchFamily="18" charset="0"/>
+              </a:rPr>
+              <a:t>K</a:t>
+            </a:r>
+            <a:r>
               <a:rPr lang="en-IN" altLang="en-US" sz="2400" b="1" dirty="0">
                 <a:cs typeface="Times New Roman" panose="02020603050405020304" pitchFamily="18" charset="0"/>
               </a:rPr>
-              <a:t>K users</a:t>
+              <a:t> </a:t>
             </a:r>
             <a:r>
               <a:rPr lang="en-IN" altLang="en-US" sz="2400" dirty="0">
                 <a:cs typeface="Times New Roman" panose="02020603050405020304" pitchFamily="18" charset="0"/>
               </a:rPr>
-              <a:t> having </a:t>
+              <a:t>users having </a:t>
             </a:r>
             <a:r>
               <a:rPr lang="en-IN" altLang="en-US" sz="2400" b="1" dirty="0">

--- a/21010.pptx
+++ b/21010.pptx
@@ -5,12 +5,12 @@
     <p:sldMasterId id="2147483648" r:id="rId1"/>
   </p:sldMasterIdLst>
   <p:notesMasterIdLst>
-    <p:notesMasterId r:id="rId35"/>
+    <p:notesMasterId r:id="rId30"/>
   </p:notesMasterIdLst>
   <p:sldIdLst>
-    <p:sldId id="259" r:id="rId2"/>
-    <p:sldId id="260" r:id="rId3"/>
-    <p:sldId id="261" r:id="rId4"/>
+    <p:sldId id="256" r:id="rId2"/>
+    <p:sldId id="257" r:id="rId3"/>
+    <p:sldId id="258" r:id="rId4"/>
     <p:sldId id="308" r:id="rId5"/>
     <p:sldId id="309" r:id="rId6"/>
     <p:sldId id="310" r:id="rId7"/>
@@ -18,29 +18,24 @@
     <p:sldId id="312" r:id="rId9"/>
     <p:sldId id="313" r:id="rId10"/>
     <p:sldId id="314" r:id="rId11"/>
-    <p:sldId id="337" r:id="rId12"/>
-    <p:sldId id="315" r:id="rId13"/>
-    <p:sldId id="316" r:id="rId14"/>
-    <p:sldId id="317" r:id="rId15"/>
-    <p:sldId id="318" r:id="rId16"/>
-    <p:sldId id="319" r:id="rId17"/>
-    <p:sldId id="320" r:id="rId18"/>
-    <p:sldId id="321" r:id="rId19"/>
-    <p:sldId id="322" r:id="rId20"/>
-    <p:sldId id="323" r:id="rId21"/>
-    <p:sldId id="324" r:id="rId22"/>
-    <p:sldId id="325" r:id="rId23"/>
-    <p:sldId id="326" r:id="rId24"/>
-    <p:sldId id="327" r:id="rId25"/>
-    <p:sldId id="336" r:id="rId26"/>
-    <p:sldId id="335" r:id="rId27"/>
-    <p:sldId id="334" r:id="rId28"/>
-    <p:sldId id="333" r:id="rId29"/>
-    <p:sldId id="332" r:id="rId30"/>
-    <p:sldId id="328" r:id="rId31"/>
-    <p:sldId id="329" r:id="rId32"/>
-    <p:sldId id="330" r:id="rId33"/>
-    <p:sldId id="331" r:id="rId34"/>
+    <p:sldId id="315" r:id="rId12"/>
+    <p:sldId id="316" r:id="rId13"/>
+    <p:sldId id="317" r:id="rId14"/>
+    <p:sldId id="318" r:id="rId15"/>
+    <p:sldId id="319" r:id="rId16"/>
+    <p:sldId id="320" r:id="rId17"/>
+    <p:sldId id="321" r:id="rId18"/>
+    <p:sldId id="322" r:id="rId19"/>
+    <p:sldId id="323" r:id="rId20"/>
+    <p:sldId id="324" r:id="rId21"/>
+    <p:sldId id="325" r:id="rId22"/>
+    <p:sldId id="326" r:id="rId23"/>
+    <p:sldId id="327" r:id="rId24"/>
+    <p:sldId id="302" r:id="rId25"/>
+    <p:sldId id="328" r:id="rId26"/>
+    <p:sldId id="329" r:id="rId27"/>
+    <p:sldId id="330" r:id="rId28"/>
+    <p:sldId id="331" r:id="rId29"/>
   </p:sldIdLst>
   <p:sldSz cx="9144000" cy="6858000" type="screen4x3"/>
   <p:notesSz cx="6858000" cy="9144000"/>
@@ -1712,7 +1707,7 @@
             <a:fld id="{90173F01-018E-44DD-8CA5-61626393428E}" type="slidenum">
               <a:rPr lang="en-US" smtClean="0"/>
               <a:pPr/>
-              <a:t>17</a:t>
+              <a:t>16</a:t>
             </a:fld>
             <a:endParaRPr lang="en-US"/>
           </a:p>
@@ -4099,7 +4094,7 @@
         </p:nvSpPr>
         <p:spPr bwMode="auto">
           <a:xfrm>
-            <a:off x="8191500" y="6324600"/>
+            <a:off x="8001000" y="6324600"/>
             <a:ext cx="990600" cy="533400"/>
           </a:xfrm>
           <a:prstGeom prst="rect">
@@ -4335,7 +4330,7 @@
         <p:spPr bwMode="auto">
           <a:xfrm>
             <a:off x="238125" y="228600"/>
-            <a:ext cx="6068049" cy="371513"/>
+            <a:ext cx="5088999" cy="371513"/>
           </a:xfrm>
           <a:prstGeom prst="rect">
             <a:avLst/>
@@ -4383,7 +4378,7 @@
                 <a:ea typeface="DejaVu Sans" charset="0"/>
                 <a:cs typeface="DejaVu Sans" charset="0"/>
               </a:rPr>
-              <a:t>B.TECH  MAJOR PROJECT  PRESENTATION 2020-21</a:t>
+              <a:t>B.TECH  PRE-FINAL PRESENTATION 2020-21</a:t>
             </a:r>
           </a:p>
         </p:txBody>
@@ -4398,8 +4393,8 @@
         </p:nvSpPr>
         <p:spPr bwMode="auto">
           <a:xfrm>
-            <a:off x="527050" y="6438494"/>
-            <a:ext cx="8921749" cy="371513"/>
+            <a:off x="533400" y="6400800"/>
+            <a:ext cx="7772400" cy="371513"/>
           </a:xfrm>
           <a:prstGeom prst="rect">
             <a:avLst/>
@@ -4439,7 +4434,7 @@
               </a:tabLst>
             </a:pPr>
             <a:r>
-              <a:rPr lang="en-US" sz="1800" dirty="0">
+              <a:rPr lang="en-US" sz="1800" dirty="0" err="1">
                 <a:solidFill>
                   <a:srgbClr val="FF0000"/>
                 </a:solidFill>
@@ -4447,7 +4442,18 @@
                 <a:ea typeface="DejaVu Sans" charset="0"/>
                 <a:cs typeface="DejaVu Sans" charset="0"/>
               </a:rPr>
-              <a:t>KABYASHREE (ECE#201711588) &amp; NAVNEET NIPU(ECE#201710518)</a:t>
+              <a:t>Kabyashree</a:t>
+            </a:r>
+            <a:r>
+              <a:rPr lang="en-US" sz="1800" dirty="0">
+                <a:solidFill>
+                  <a:srgbClr val="FF0000"/>
+                </a:solidFill>
+                <a:latin typeface="Arial" charset="0"/>
+                <a:ea typeface="DejaVu Sans" charset="0"/>
+                <a:cs typeface="DejaVu Sans" charset="0"/>
+              </a:rPr>
+              <a:t> (Roll#ECE201711588) &amp; Navneet Nipu (Roll#ECE201710518)</a:t>
             </a:r>
           </a:p>
         </p:txBody>
@@ -5444,7 +5450,7 @@
           </a:bodyPr>
           <a:lstStyle/>
           <a:p>
-            <a:pPr algn="ctr">
+            <a:pPr algn="just">
               <a:spcBef>
                 <a:spcPts val="500"/>
               </a:spcBef>
@@ -5489,8 +5495,8 @@
         </p:nvSpPr>
         <p:spPr bwMode="auto">
           <a:xfrm>
-            <a:off x="3352799" y="5326707"/>
-            <a:ext cx="3581401" cy="945357"/>
+            <a:off x="3276600" y="5326707"/>
+            <a:ext cx="2590800" cy="945357"/>
           </a:xfrm>
           <a:prstGeom prst="rect">
             <a:avLst/>
@@ -5508,7 +5514,7 @@
           <a:bodyPr/>
           <a:lstStyle/>
           <a:p>
-            <a:pPr algn="ctr">
+            <a:pPr algn="just">
               <a:spcBef>
                 <a:spcPts val="500"/>
               </a:spcBef>
@@ -5542,7 +5548,7 @@
             </a:r>
           </a:p>
           <a:p>
-            <a:pPr algn="ctr">
+            <a:pPr algn="just">
               <a:spcBef>
                 <a:spcPts val="500"/>
               </a:spcBef>
@@ -5572,27 +5578,7 @@
                 <a:ea typeface="DejaVu Sans" charset="0"/>
                 <a:cs typeface="DejaVu Sans" charset="0"/>
               </a:rPr>
-              <a:t>Mr. </a:t>
-            </a:r>
-            <a:r>
-              <a:rPr lang="en-US" sz="2000" b="1" dirty="0" err="1">
-                <a:solidFill>
-                  <a:srgbClr val="0000FF"/>
-                </a:solidFill>
-                <a:ea typeface="DejaVu Sans" charset="0"/>
-                <a:cs typeface="DejaVu Sans" charset="0"/>
-              </a:rPr>
-              <a:t>Swadhin</a:t>
-            </a:r>
-            <a:r>
-              <a:rPr lang="en-US" sz="2000" b="1" dirty="0">
-                <a:solidFill>
-                  <a:srgbClr val="0000FF"/>
-                </a:solidFill>
-                <a:ea typeface="DejaVu Sans" charset="0"/>
-                <a:cs typeface="DejaVu Sans" charset="0"/>
-              </a:rPr>
-              <a:t> Kumar Mishra </a:t>
+              <a:t>Mr. Swadhin Mishra </a:t>
             </a:r>
           </a:p>
           <a:p>
@@ -5804,6 +5790,135 @@
               </a:rPr>
               <a:t>which is being implemented in this project using two suboptimal algorithms.</a:t>
             </a:r>
+            <a:endParaRPr lang="en-GB" sz="2400" b="1" dirty="0">
+              <a:solidFill>
+                <a:schemeClr val="tx1"/>
+              </a:solidFill>
+            </a:endParaRPr>
+          </a:p>
+          <a:p>
+            <a:pPr marL="457200" indent="-457200" algn="just">
+              <a:lnSpc>
+                <a:spcPct val="150000"/>
+              </a:lnSpc>
+              <a:buFont typeface="Wingdings" panose="05000000000000000000" pitchFamily="2" charset="2"/>
+              <a:buChar char="q"/>
+            </a:pPr>
+            <a:r>
+              <a:rPr lang="en-GB" sz="2000" b="1" dirty="0">
+                <a:solidFill>
+                  <a:schemeClr val="tx1"/>
+                </a:solidFill>
+              </a:rPr>
+              <a:t>Suboptimal algorithm-1 </a:t>
+            </a:r>
+            <a:r>
+              <a:rPr lang="en-GB" sz="2000" dirty="0">
+                <a:solidFill>
+                  <a:schemeClr val="tx1"/>
+                </a:solidFill>
+              </a:rPr>
+              <a:t>works by updating the user’s precoding matrices and evaluate sum capacity(</a:t>
+            </a:r>
+            <a:r>
+              <a:rPr lang="en-GB" sz="2000" b="1" dirty="0">
+                <a:solidFill>
+                  <a:schemeClr val="tx1"/>
+                </a:solidFill>
+              </a:rPr>
+              <a:t>time</a:t>
+            </a:r>
+            <a:r>
+              <a:rPr lang="en-GB" sz="2000" dirty="0">
+                <a:solidFill>
+                  <a:schemeClr val="tx1"/>
+                </a:solidFill>
+              </a:rPr>
+              <a:t> </a:t>
+            </a:r>
+            <a:r>
+              <a:rPr lang="en-GB" sz="2000" b="1" dirty="0">
+                <a:solidFill>
+                  <a:schemeClr val="tx1"/>
+                </a:solidFill>
+              </a:rPr>
+              <a:t>complexity is somewhat more</a:t>
+            </a:r>
+            <a:r>
+              <a:rPr lang="en-GB" sz="2000" dirty="0">
+                <a:solidFill>
+                  <a:schemeClr val="tx1"/>
+                </a:solidFill>
+              </a:rPr>
+              <a:t>).</a:t>
+            </a:r>
+            <a:endParaRPr lang="en-GB" sz="2000" dirty="0">
+              <a:solidFill>
+                <a:srgbClr val="C00000"/>
+              </a:solidFill>
+            </a:endParaRPr>
+          </a:p>
+          <a:p>
+            <a:pPr marL="457200" indent="-457200" algn="just">
+              <a:lnSpc>
+                <a:spcPct val="150000"/>
+              </a:lnSpc>
+              <a:buFont typeface="Wingdings" panose="05000000000000000000" pitchFamily="2" charset="2"/>
+              <a:buChar char="q"/>
+            </a:pPr>
+            <a:r>
+              <a:rPr lang="en-GB" sz="2000" b="1" dirty="0">
+                <a:solidFill>
+                  <a:schemeClr val="tx1"/>
+                </a:solidFill>
+              </a:rPr>
+              <a:t>Suboptimal algorithm-2  </a:t>
+            </a:r>
+            <a:r>
+              <a:rPr lang="en-GB" sz="2000" dirty="0">
+                <a:solidFill>
+                  <a:schemeClr val="tx1"/>
+                </a:solidFill>
+              </a:rPr>
+              <a:t>works by considering each receiving antenna as a single user during user selection process and then computes the precoding matrices used for data transmission (</a:t>
+            </a:r>
+            <a:r>
+              <a:rPr lang="en-GB" sz="2000" b="1" dirty="0">
+                <a:solidFill>
+                  <a:schemeClr val="tx1"/>
+                </a:solidFill>
+              </a:rPr>
+              <a:t>time</a:t>
+            </a:r>
+            <a:r>
+              <a:rPr lang="en-GB" sz="2000" dirty="0">
+                <a:solidFill>
+                  <a:schemeClr val="tx1"/>
+                </a:solidFill>
+              </a:rPr>
+              <a:t> </a:t>
+            </a:r>
+            <a:r>
+              <a:rPr lang="en-GB" sz="2000" b="1" dirty="0">
+                <a:solidFill>
+                  <a:schemeClr val="tx1"/>
+                </a:solidFill>
+              </a:rPr>
+              <a:t>complexity is reduced </a:t>
+            </a:r>
+            <a:r>
+              <a:rPr lang="en-GB" sz="2000" dirty="0">
+                <a:solidFill>
+                  <a:schemeClr val="tx1"/>
+                </a:solidFill>
+              </a:rPr>
+              <a:t>) .</a:t>
+            </a:r>
+            <a:endParaRPr lang="en-US" sz="2000" dirty="0">
+              <a:solidFill>
+                <a:schemeClr val="tx1"/>
+              </a:solidFill>
+            </a:endParaRPr>
           </a:p>
           <a:p>
             <a:pPr algn="just">
@@ -5813,71 +5928,9 @@
               <a:buFont typeface="Wingdings" panose="05000000000000000000" pitchFamily="2" charset="2"/>
               <a:buChar char="q"/>
             </a:pPr>
-            <a:endParaRPr lang="en-GB" sz="2400" b="1" dirty="0">
+            <a:endParaRPr lang="en-GB" sz="2000" dirty="0">
               <a:solidFill>
                 <a:schemeClr val="tx1"/>
-              </a:solidFill>
-            </a:endParaRPr>
-          </a:p>
-          <a:p>
-            <a:pPr marL="457200" indent="-457200" algn="just">
-              <a:lnSpc>
-                <a:spcPct val="150000"/>
-              </a:lnSpc>
-              <a:buFont typeface="Wingdings" panose="05000000000000000000" pitchFamily="2" charset="2"/>
-              <a:buChar char="q"/>
-            </a:pPr>
-            <a:r>
-              <a:rPr lang="en-GB" sz="2400" b="1" dirty="0">
-                <a:solidFill>
-                  <a:schemeClr val="tx1"/>
-                </a:solidFill>
-              </a:rPr>
-              <a:t>Suboptimal algorithm-1 </a:t>
-            </a:r>
-            <a:r>
-              <a:rPr lang="en-GB" sz="2400" dirty="0">
-                <a:solidFill>
-                  <a:schemeClr val="tx1"/>
-                </a:solidFill>
-              </a:rPr>
-              <a:t>works by updating the user’s precoding matrices and evaluate sum capacity(</a:t>
-            </a:r>
-            <a:r>
-              <a:rPr lang="en-GB" sz="2400" b="1" dirty="0">
-                <a:solidFill>
-                  <a:schemeClr val="tx1"/>
-                </a:solidFill>
-              </a:rPr>
-              <a:t>time</a:t>
-            </a:r>
-            <a:r>
-              <a:rPr lang="en-GB" sz="2400" dirty="0">
-                <a:solidFill>
-                  <a:schemeClr val="tx1"/>
-                </a:solidFill>
-              </a:rPr>
-              <a:t> </a:t>
-            </a:r>
-            <a:r>
-              <a:rPr lang="en-GB" sz="2400" b="1" dirty="0">
-                <a:solidFill>
-                  <a:schemeClr val="tx1"/>
-                </a:solidFill>
-              </a:rPr>
-              <a:t>complexity is somewhat less</a:t>
-            </a:r>
-            <a:r>
-              <a:rPr lang="en-GB" sz="2400" dirty="0">
-                <a:solidFill>
-                  <a:schemeClr val="tx1"/>
-                </a:solidFill>
-              </a:rPr>
-              <a:t>).</a:t>
-            </a:r>
-            <a:endParaRPr lang="en-GB" sz="2400" dirty="0">
-              <a:solidFill>
-                <a:srgbClr val="C00000"/>
               </a:solidFill>
             </a:endParaRPr>
           </a:p>
@@ -5921,7 +5974,7 @@
         <p:spPr>
           <a:xfrm>
             <a:off x="533400" y="762000"/>
-            <a:ext cx="6856413" cy="579437"/>
+            <a:ext cx="4265613" cy="579437"/>
           </a:xfrm>
         </p:spPr>
         <p:txBody>
@@ -5931,7 +5984,7 @@
             <a:pPr algn="just"/>
             <a:r>
               <a:rPr lang="en-US" dirty="0"/>
-              <a:t>JURAS Scheme for MU-MIMO</a:t>
+              <a:t>Suboptimal Algorithms</a:t>
             </a:r>
           </a:p>
         </p:txBody>
@@ -5948,15 +6001,29 @@
         </p:nvSpPr>
         <p:spPr>
           <a:xfrm>
-            <a:off x="533400" y="1371600"/>
-            <a:ext cx="8458200" cy="4722813"/>
+            <a:off x="565688" y="1371600"/>
+            <a:ext cx="8578312" cy="4724400"/>
           </a:xfrm>
         </p:spPr>
         <p:txBody>
           <a:bodyPr/>
           <a:lstStyle/>
           <a:p>
-            <a:pPr marL="457200" indent="-457200" algn="just">
+            <a:pPr marL="514350" indent="-514350" algn="ctr">
+              <a:buFont typeface="+mj-lt"/>
+              <a:buAutoNum type="arabicPeriod"/>
+            </a:pPr>
+            <a:r>
+              <a:rPr lang="en-US" sz="2400" b="1" dirty="0">
+                <a:solidFill>
+                  <a:schemeClr val="tx1"/>
+                </a:solidFill>
+              </a:rPr>
+              <a:t>Suboptimal algorithm 1</a:t>
+            </a:r>
+          </a:p>
+          <a:p>
+            <a:pPr algn="just">
               <a:lnSpc>
                 <a:spcPct val="150000"/>
               </a:lnSpc>
@@ -5964,67 +6031,58 @@
               <a:buChar char="q"/>
             </a:pPr>
             <a:r>
-              <a:rPr lang="en-GB" sz="2400" b="1" dirty="0">
+              <a:rPr lang="en-IN" sz="2400" dirty="0">
                 <a:solidFill>
                   <a:schemeClr val="tx1"/>
                 </a:solidFill>
               </a:rPr>
-              <a:t>Suboptimal algorithm-2  </a:t>
-            </a:r>
-            <a:r>
-              <a:rPr lang="en-GB" sz="2400" dirty="0">
+              <a:t>This suboptimal algorithm can be divided into two phases. The </a:t>
+            </a:r>
+            <a:r>
+              <a:rPr lang="en-IN" sz="2400" b="1" dirty="0">
                 <a:solidFill>
                   <a:schemeClr val="tx1"/>
                 </a:solidFill>
               </a:rPr>
-              <a:t>works by considering each receiving antenna as a single user during user selection process and then computes the precoding matrices used for data transmission (</a:t>
-            </a:r>
-            <a:r>
-              <a:rPr lang="en-GB" sz="2400" b="1" dirty="0">
+              <a:t>first phase </a:t>
+            </a:r>
+            <a:r>
+              <a:rPr lang="en-IN" sz="2400" dirty="0">
                 <a:solidFill>
                   <a:schemeClr val="tx1"/>
                 </a:solidFill>
               </a:rPr>
-              <a:t>time</a:t>
-            </a:r>
-            <a:r>
-              <a:rPr lang="en-GB" sz="2400" dirty="0">
+              <a:t>extends the ideas of the </a:t>
+            </a:r>
+            <a:r>
+              <a:rPr lang="en-IN" sz="2400" b="1" dirty="0">
                 <a:solidFill>
                   <a:schemeClr val="tx1"/>
                 </a:solidFill>
               </a:rPr>
-              <a:t> </a:t>
-            </a:r>
-            <a:r>
-              <a:rPr lang="en-GB" sz="2400" b="1" dirty="0">
+              <a:t>capacity-based iterative user selection algorithm.</a:t>
+            </a:r>
+          </a:p>
+          <a:p>
+            <a:pPr algn="just">
+              <a:lnSpc>
+                <a:spcPct val="150000"/>
+              </a:lnSpc>
+              <a:buFont typeface="Wingdings" panose="05000000000000000000" pitchFamily="2" charset="2"/>
+              <a:buChar char="q"/>
+            </a:pPr>
+            <a:r>
+              <a:rPr lang="en-IN" sz="2400" dirty="0">
                 <a:solidFill>
                   <a:schemeClr val="tx1"/>
                 </a:solidFill>
               </a:rPr>
-              <a:t>complexity is more </a:t>
-            </a:r>
-            <a:r>
-              <a:rPr lang="en-GB" sz="2400" dirty="0">
-                <a:solidFill>
-                  <a:schemeClr val="tx1"/>
-                </a:solidFill>
-              </a:rPr>
-              <a:t>) .</a:t>
-            </a:r>
-            <a:endParaRPr lang="en-US" sz="2400" dirty="0">
-              <a:solidFill>
-                <a:schemeClr val="tx1"/>
-              </a:solidFill>
-            </a:endParaRPr>
+              <a:t>It selects a receive antenna with the highest capacity. Then, from the remaining unselected antennas, it finds the next receive antenna providing the largest sum capacity.</a:t>
+            </a:r>
           </a:p>
         </p:txBody>
       </p:sp>
     </p:spTree>
-    <p:extLst>
-      <p:ext uri="{BB962C8B-B14F-4D97-AF65-F5344CB8AC3E}">
-        <p14:creationId xmlns:p14="http://schemas.microsoft.com/office/powerpoint/2010/main" val="1913277896"/>
-      </p:ext>
-    </p:extLst>
   </p:cSld>
   <p:clrMapOvr>
     <a:masterClrMapping/>
@@ -6097,20 +6155,6 @@
           <a:bodyPr/>
           <a:lstStyle/>
           <a:p>
-            <a:pPr marL="514350" indent="-514350" algn="ctr">
-              <a:buFont typeface="+mj-lt"/>
-              <a:buAutoNum type="arabicPeriod"/>
-            </a:pPr>
-            <a:r>
-              <a:rPr lang="en-US" sz="2400" b="1" dirty="0">
-                <a:solidFill>
-                  <a:schemeClr val="tx1"/>
-                </a:solidFill>
-              </a:rPr>
-              <a:t>Suboptimal algorithm 1</a:t>
-            </a:r>
-          </a:p>
-          <a:p>
             <a:pPr algn="just">
               <a:lnSpc>
                 <a:spcPct val="150000"/>
@@ -6124,7 +6168,7 @@
                   <a:schemeClr val="tx1"/>
                 </a:solidFill>
               </a:rPr>
-              <a:t>This suboptimal algorithm can be divided into two phases. The </a:t>
+              <a:t>This phase terminates when the </a:t>
             </a:r>
             <a:r>
               <a:rPr lang="en-IN" sz="2400" b="1" dirty="0">
@@ -6132,7 +6176,7 @@
                   <a:schemeClr val="tx1"/>
                 </a:solidFill>
               </a:rPr>
-              <a:t>first phase </a:t>
+              <a:t>sum capacity would reduce as a result of adding one more receive antenna </a:t>
             </a:r>
             <a:r>
               <a:rPr lang="en-IN" sz="2400" dirty="0">
@@ -6140,15 +6184,7 @@
                   <a:schemeClr val="tx1"/>
                 </a:solidFill>
               </a:rPr>
-              <a:t>extends the ideas of the </a:t>
-            </a:r>
-            <a:r>
-              <a:rPr lang="en-IN" sz="2400" b="1" dirty="0">
-                <a:solidFill>
-                  <a:schemeClr val="tx1"/>
-                </a:solidFill>
-              </a:rPr>
-              <a:t>capacity-based iterative user selection algorithm.</a:t>
+              <a:t>(equivalent to one more data stream).</a:t>
             </a:r>
           </a:p>
           <a:p>
@@ -6165,12 +6201,50 @@
                   <a:schemeClr val="tx1"/>
                 </a:solidFill>
               </a:rPr>
-              <a:t>It selects a receive antenna with the highest capacity. Then, from the remaining unselected antennas, it finds the next receive antenna providing the largest sum capacity.</a:t>
+              <a:t>In the </a:t>
+            </a:r>
+            <a:r>
+              <a:rPr lang="en-IN" sz="2400" b="1" dirty="0">
+                <a:solidFill>
+                  <a:schemeClr val="tx1"/>
+                </a:solidFill>
+              </a:rPr>
+              <a:t>second phase</a:t>
+            </a:r>
+            <a:r>
+              <a:rPr lang="en-IN" sz="2400" dirty="0">
+                <a:solidFill>
+                  <a:schemeClr val="tx1"/>
+                </a:solidFill>
+              </a:rPr>
+              <a:t>, the algorithm researches the remaining unselected antennas of the selected users without increasing the number of allocated data streams. </a:t>
+            </a:r>
+          </a:p>
+          <a:p>
+            <a:pPr algn="just">
+              <a:lnSpc>
+                <a:spcPct val="150000"/>
+              </a:lnSpc>
+              <a:buFont typeface="Wingdings" panose="05000000000000000000" pitchFamily="2" charset="2"/>
+              <a:buChar char="q"/>
+            </a:pPr>
+            <a:r>
+              <a:rPr lang="en-IN" sz="2400" dirty="0">
+                <a:solidFill>
+                  <a:schemeClr val="tx1"/>
+                </a:solidFill>
+              </a:rPr>
+              <a:t>The algorithm terminates when no extra sum capacity is achieved by the receive beamforming.</a:t>
             </a:r>
           </a:p>
         </p:txBody>
       </p:sp>
     </p:spTree>
+    <p:extLst>
+      <p:ext uri="{BB962C8B-B14F-4D97-AF65-F5344CB8AC3E}">
+        <p14:creationId xmlns:p14="http://schemas.microsoft.com/office/powerpoint/2010/main" val="3257796676"/>
+      </p:ext>
+    </p:extLst>
   </p:cSld>
   <p:clrMapOvr>
     <a:masterClrMapping/>
@@ -6223,168 +6297,6 @@
           </a:p>
         </p:txBody>
       </p:sp>
-      <p:sp>
-        <p:nvSpPr>
-          <p:cNvPr id="3" name="Content Placeholder 2"/>
-          <p:cNvSpPr>
-            <a:spLocks noGrp="1"/>
-          </p:cNvSpPr>
-          <p:nvPr>
-            <p:ph idx="1"/>
-          </p:nvPr>
-        </p:nvSpPr>
-        <p:spPr>
-          <a:xfrm>
-            <a:off x="565688" y="1371600"/>
-            <a:ext cx="8578312" cy="4724400"/>
-          </a:xfrm>
-        </p:spPr>
-        <p:txBody>
-          <a:bodyPr/>
-          <a:lstStyle/>
-          <a:p>
-            <a:pPr algn="just">
-              <a:lnSpc>
-                <a:spcPct val="150000"/>
-              </a:lnSpc>
-              <a:buFont typeface="Wingdings" panose="05000000000000000000" pitchFamily="2" charset="2"/>
-              <a:buChar char="q"/>
-            </a:pPr>
-            <a:r>
-              <a:rPr lang="en-IN" sz="2400" dirty="0">
-                <a:solidFill>
-                  <a:schemeClr val="tx1"/>
-                </a:solidFill>
-              </a:rPr>
-              <a:t>This phase terminates when the </a:t>
-            </a:r>
-            <a:r>
-              <a:rPr lang="en-IN" sz="2400" b="1" dirty="0">
-                <a:solidFill>
-                  <a:schemeClr val="tx1"/>
-                </a:solidFill>
-              </a:rPr>
-              <a:t>sum capacity would reduce as a result of adding one more receive antenna </a:t>
-            </a:r>
-            <a:r>
-              <a:rPr lang="en-IN" sz="2400" dirty="0">
-                <a:solidFill>
-                  <a:schemeClr val="tx1"/>
-                </a:solidFill>
-              </a:rPr>
-              <a:t>(equivalent to one more data stream).</a:t>
-            </a:r>
-          </a:p>
-          <a:p>
-            <a:pPr algn="just">
-              <a:lnSpc>
-                <a:spcPct val="150000"/>
-              </a:lnSpc>
-              <a:buFont typeface="Wingdings" panose="05000000000000000000" pitchFamily="2" charset="2"/>
-              <a:buChar char="q"/>
-            </a:pPr>
-            <a:r>
-              <a:rPr lang="en-IN" sz="2400" dirty="0">
-                <a:solidFill>
-                  <a:schemeClr val="tx1"/>
-                </a:solidFill>
-              </a:rPr>
-              <a:t>In the </a:t>
-            </a:r>
-            <a:r>
-              <a:rPr lang="en-IN" sz="2400" b="1" dirty="0">
-                <a:solidFill>
-                  <a:schemeClr val="tx1"/>
-                </a:solidFill>
-              </a:rPr>
-              <a:t>second phase</a:t>
-            </a:r>
-            <a:r>
-              <a:rPr lang="en-IN" sz="2400" dirty="0">
-                <a:solidFill>
-                  <a:schemeClr val="tx1"/>
-                </a:solidFill>
-              </a:rPr>
-              <a:t>, the algorithm researches the remaining unselected antennas of the selected users without increasing the number of allocated data streams. </a:t>
-            </a:r>
-          </a:p>
-          <a:p>
-            <a:pPr algn="just">
-              <a:lnSpc>
-                <a:spcPct val="150000"/>
-              </a:lnSpc>
-              <a:buFont typeface="Wingdings" panose="05000000000000000000" pitchFamily="2" charset="2"/>
-              <a:buChar char="q"/>
-            </a:pPr>
-            <a:r>
-              <a:rPr lang="en-IN" sz="2400" dirty="0">
-                <a:solidFill>
-                  <a:schemeClr val="tx1"/>
-                </a:solidFill>
-              </a:rPr>
-              <a:t>The algorithm terminates when no extra sum capacity is achieved by the receive beamforming.</a:t>
-            </a:r>
-          </a:p>
-        </p:txBody>
-      </p:sp>
-    </p:spTree>
-    <p:extLst>
-      <p:ext uri="{BB962C8B-B14F-4D97-AF65-F5344CB8AC3E}">
-        <p14:creationId xmlns:p14="http://schemas.microsoft.com/office/powerpoint/2010/main" val="3257796676"/>
-      </p:ext>
-    </p:extLst>
-  </p:cSld>
-  <p:clrMapOvr>
-    <a:masterClrMapping/>
-  </p:clrMapOvr>
-</p:sld>
-</file>
-
-<file path=ppt/slides/slide14.xml><?xml version="1.0" encoding="utf-8"?>
-<p:sld xmlns:a="http://schemas.openxmlformats.org/drawingml/2006/main" xmlns:r="http://schemas.openxmlformats.org/officeDocument/2006/relationships" xmlns:p="http://schemas.openxmlformats.org/presentationml/2006/main">
-  <p:cSld>
-    <p:spTree>
-      <p:nvGrpSpPr>
-        <p:cNvPr id="1" name=""/>
-        <p:cNvGrpSpPr/>
-        <p:nvPr/>
-      </p:nvGrpSpPr>
-      <p:grpSpPr>
-        <a:xfrm>
-          <a:off x="0" y="0"/>
-          <a:ext cx="0" cy="0"/>
-          <a:chOff x="0" y="0"/>
-          <a:chExt cx="0" cy="0"/>
-        </a:xfrm>
-      </p:grpSpPr>
-      <p:sp>
-        <p:nvSpPr>
-          <p:cNvPr id="2" name="Title 1"/>
-          <p:cNvSpPr>
-            <a:spLocks noGrp="1"/>
-          </p:cNvSpPr>
-          <p:nvPr>
-            <p:ph type="title"/>
-          </p:nvPr>
-        </p:nvSpPr>
-        <p:spPr>
-          <a:xfrm>
-            <a:off x="533400" y="762000"/>
-            <a:ext cx="4265613" cy="579437"/>
-          </a:xfrm>
-        </p:spPr>
-        <p:txBody>
-          <a:bodyPr/>
-          <a:lstStyle/>
-          <a:p>
-            <a:pPr algn="just"/>
-            <a:r>
-              <a:rPr lang="en-US" dirty="0"/>
-              <a:t>Suboptimal Algorithms</a:t>
-            </a:r>
-          </a:p>
-        </p:txBody>
-      </p:sp>
       <mc:AlternateContent xmlns:mc="http://schemas.openxmlformats.org/markup-compatibility/2006" xmlns:a14="http://schemas.microsoft.com/office/drawing/2010/main">
         <mc:Choice Requires="a14">
           <p:sp>
@@ -6399,8 +6311,8 @@
             </p:nvSpPr>
             <p:spPr>
               <a:xfrm>
-                <a:off x="565688" y="1219200"/>
-                <a:ext cx="8578312" cy="5029200"/>
+                <a:off x="565688" y="1371600"/>
+                <a:ext cx="8578312" cy="4724400"/>
               </a:xfrm>
             </p:spPr>
             <p:txBody>
@@ -7319,88 +7231,7 @@
                       <a:schemeClr val="tx1"/>
                     </a:solidFill>
                   </a:rPr>
-                  <a:t>The </a:t>
-                </a:r>
-                <a:r>
-                  <a:rPr lang="en-US" sz="2400" b="1" dirty="0">
-                    <a:solidFill>
-                      <a:schemeClr val="tx1"/>
-                    </a:solidFill>
-                  </a:rPr>
-                  <a:t>complexity</a:t>
-                </a:r>
-                <a:r>
-                  <a:rPr lang="en-US" sz="2400" dirty="0">
-                    <a:solidFill>
-                      <a:schemeClr val="tx1"/>
-                    </a:solidFill>
-                  </a:rPr>
-                  <a:t> of the </a:t>
-                </a:r>
-                <a:r>
-                  <a:rPr lang="en-US" sz="2400" b="1" dirty="0">
-                    <a:solidFill>
-                      <a:schemeClr val="tx1"/>
-                    </a:solidFill>
-                  </a:rPr>
-                  <a:t>suboptimal algorithm 1 is less </a:t>
-                </a:r>
-                <a:r>
-                  <a:rPr lang="en-US" sz="2400" dirty="0">
-                    <a:solidFill>
-                      <a:schemeClr val="tx1"/>
-                    </a:solidFill>
-                  </a:rPr>
-                  <a:t>.</a:t>
-                </a:r>
-              </a:p>
-              <a:p>
-                <a:pPr algn="just">
-                  <a:lnSpc>
-                    <a:spcPct val="150000"/>
-                  </a:lnSpc>
-                  <a:buFont typeface="Wingdings" panose="05000000000000000000" pitchFamily="2" charset="2"/>
-                  <a:buChar char="q"/>
-                </a:pPr>
-                <a:r>
-                  <a:rPr lang="en-US" sz="2400" dirty="0">
-                    <a:solidFill>
-                      <a:schemeClr val="tx1"/>
-                    </a:solidFill>
-                  </a:rPr>
-                  <a:t>The </a:t>
-                </a:r>
-                <a:r>
-                  <a:rPr lang="en-US" sz="2400" b="1" dirty="0">
-                    <a:solidFill>
-                      <a:schemeClr val="tx1"/>
-                    </a:solidFill>
-                  </a:rPr>
-                  <a:t>sum capacity </a:t>
-                </a:r>
-                <a:r>
-                  <a:rPr lang="en-US" sz="2400" dirty="0">
-                    <a:solidFill>
-                      <a:schemeClr val="tx1"/>
-                    </a:solidFill>
-                  </a:rPr>
-                  <a:t>is also </a:t>
-                </a:r>
-                <a:r>
-                  <a:rPr lang="en-US" sz="2400" b="1" dirty="0">
-                    <a:solidFill>
-                      <a:schemeClr val="tx1"/>
-                    </a:solidFill>
-                  </a:rPr>
-                  <a:t>less than suboptimal algorithm 2</a:t>
-                </a:r>
-                <a:r>
-                  <a:rPr lang="en-US" sz="2400" dirty="0">
-                    <a:solidFill>
-                      <a:schemeClr val="tx1"/>
-                    </a:solidFill>
-                  </a:rPr>
-                  <a:t>.</a:t>
+                  <a:t>The complexity of the suboptimal algorithm 1 is more .</a:t>
                 </a:r>
               </a:p>
             </p:txBody>
@@ -7419,13 +7250,13 @@
             </p:nvSpPr>
             <p:spPr>
               <a:xfrm>
-                <a:off x="565688" y="1219200"/>
-                <a:ext cx="8578312" cy="5029200"/>
+                <a:off x="565688" y="1371600"/>
+                <a:ext cx="8578312" cy="4724400"/>
               </a:xfrm>
               <a:blipFill>
                 <a:blip r:embed="rId2"/>
                 <a:stretch>
-                  <a:fillRect l="-995" r="-1137" b="-3879"/>
+                  <a:fillRect l="-995" r="-1137"/>
                 </a:stretch>
               </a:blipFill>
             </p:spPr>
@@ -7457,7 +7288,7 @@
 </p:sld>
 </file>
 
-<file path=ppt/slides/slide15.xml><?xml version="1.0" encoding="utf-8"?>
+<file path=ppt/slides/slide14.xml><?xml version="1.0" encoding="utf-8"?>
 <p:sld xmlns:a="http://schemas.openxmlformats.org/drawingml/2006/main" xmlns:r="http://schemas.openxmlformats.org/officeDocument/2006/relationships" xmlns:p="http://schemas.openxmlformats.org/presentationml/2006/main">
   <p:cSld>
     <p:spTree>
@@ -7608,7 +7439,7 @@
 </p:sld>
 </file>
 
-<file path=ppt/slides/slide16.xml><?xml version="1.0" encoding="utf-8"?>
+<file path=ppt/slides/slide15.xml><?xml version="1.0" encoding="utf-8"?>
 <p:sld xmlns:a="http://schemas.openxmlformats.org/drawingml/2006/main" xmlns:r="http://schemas.openxmlformats.org/officeDocument/2006/relationships" xmlns:p="http://schemas.openxmlformats.org/presentationml/2006/main">
   <p:cSld>
     <p:spTree>
@@ -7727,7 +7558,7 @@
 </p:sld>
 </file>
 
-<file path=ppt/slides/slide17.xml><?xml version="1.0" encoding="utf-8"?>
+<file path=ppt/slides/slide16.xml><?xml version="1.0" encoding="utf-8"?>
 <p:sld xmlns:a="http://schemas.openxmlformats.org/drawingml/2006/main" xmlns:r="http://schemas.openxmlformats.org/officeDocument/2006/relationships" xmlns:p="http://schemas.openxmlformats.org/presentationml/2006/main">
   <p:cSld>
     <p:spTree>
@@ -8462,6 +8293,173 @@
 </p:sld>
 </file>
 
+<file path=ppt/slides/slide17.xml><?xml version="1.0" encoding="utf-8"?>
+<p:sld xmlns:a="http://schemas.openxmlformats.org/drawingml/2006/main" xmlns:r="http://schemas.openxmlformats.org/officeDocument/2006/relationships" xmlns:p="http://schemas.openxmlformats.org/presentationml/2006/main">
+  <p:cSld>
+    <p:spTree>
+      <p:nvGrpSpPr>
+        <p:cNvPr id="1" name=""/>
+        <p:cNvGrpSpPr/>
+        <p:nvPr/>
+      </p:nvGrpSpPr>
+      <p:grpSpPr>
+        <a:xfrm>
+          <a:off x="0" y="0"/>
+          <a:ext cx="0" cy="0"/>
+          <a:chOff x="0" y="0"/>
+          <a:chExt cx="0" cy="0"/>
+        </a:xfrm>
+      </p:grpSpPr>
+      <p:sp>
+        <p:nvSpPr>
+          <p:cNvPr id="2" name="Title 1"/>
+          <p:cNvSpPr>
+            <a:spLocks noGrp="1"/>
+          </p:cNvSpPr>
+          <p:nvPr>
+            <p:ph type="title"/>
+          </p:nvPr>
+        </p:nvSpPr>
+        <p:spPr>
+          <a:xfrm>
+            <a:off x="533400" y="762000"/>
+            <a:ext cx="4265613" cy="579437"/>
+          </a:xfrm>
+        </p:spPr>
+        <p:txBody>
+          <a:bodyPr/>
+          <a:lstStyle/>
+          <a:p>
+            <a:pPr algn="l"/>
+            <a:r>
+              <a:rPr lang="en-US" dirty="0"/>
+              <a:t>Suboptimal Algorithms</a:t>
+            </a:r>
+          </a:p>
+        </p:txBody>
+      </p:sp>
+      <p:sp>
+        <p:nvSpPr>
+          <p:cNvPr id="3" name="Content Placeholder 2"/>
+          <p:cNvSpPr>
+            <a:spLocks noGrp="1"/>
+          </p:cNvSpPr>
+          <p:nvPr>
+            <p:ph idx="1"/>
+          </p:nvPr>
+        </p:nvSpPr>
+        <p:spPr>
+          <a:xfrm>
+            <a:off x="496019" y="1373187"/>
+            <a:ext cx="8763000" cy="4722813"/>
+          </a:xfrm>
+        </p:spPr>
+        <p:txBody>
+          <a:bodyPr/>
+          <a:lstStyle/>
+          <a:p>
+            <a:pPr marL="514350" indent="-514350" algn="ctr">
+              <a:buFont typeface="+mj-lt"/>
+              <a:buAutoNum type="arabicPeriod" startAt="2"/>
+            </a:pPr>
+            <a:r>
+              <a:rPr lang="en-US" sz="2400" b="1" dirty="0">
+                <a:solidFill>
+                  <a:schemeClr val="tx1"/>
+                </a:solidFill>
+              </a:rPr>
+              <a:t>Suboptimal algorithm 2</a:t>
+            </a:r>
+          </a:p>
+          <a:p>
+            <a:pPr marL="514350" indent="-514350">
+              <a:lnSpc>
+                <a:spcPct val="150000"/>
+              </a:lnSpc>
+              <a:buFont typeface="Wingdings" panose="05000000000000000000" pitchFamily="2" charset="2"/>
+              <a:buChar char="q"/>
+            </a:pPr>
+            <a:r>
+              <a:rPr lang="en-IN" sz="2400" dirty="0">
+                <a:solidFill>
+                  <a:schemeClr val="tx1"/>
+                </a:solidFill>
+              </a:rPr>
+              <a:t>It is seen that the </a:t>
+            </a:r>
+            <a:r>
+              <a:rPr lang="en-IN" sz="2400" b="1" dirty="0">
+                <a:solidFill>
+                  <a:schemeClr val="tx1"/>
+                </a:solidFill>
+              </a:rPr>
+              <a:t>main computational burden of SA1 </a:t>
+            </a:r>
+            <a:r>
+              <a:rPr lang="en-IN" sz="2400" dirty="0">
+                <a:solidFill>
+                  <a:schemeClr val="tx1"/>
+                </a:solidFill>
+              </a:rPr>
+              <a:t>focuses on </a:t>
+            </a:r>
+            <a:r>
+              <a:rPr lang="en-IN" sz="2400" b="1" dirty="0">
+                <a:solidFill>
+                  <a:schemeClr val="tx1"/>
+                </a:solidFill>
+              </a:rPr>
+              <a:t>updating users’ precoding matrices and evaluating the sum capacity</a:t>
+            </a:r>
+            <a:r>
+              <a:rPr lang="en-IN" sz="2400" dirty="0">
+                <a:solidFill>
+                  <a:schemeClr val="tx1"/>
+                </a:solidFill>
+              </a:rPr>
+              <a:t>.</a:t>
+            </a:r>
+          </a:p>
+          <a:p>
+            <a:pPr marL="514350" indent="-514350">
+              <a:lnSpc>
+                <a:spcPct val="150000"/>
+              </a:lnSpc>
+              <a:buFont typeface="Wingdings" panose="05000000000000000000" pitchFamily="2" charset="2"/>
+              <a:buChar char="q"/>
+            </a:pPr>
+            <a:r>
+              <a:rPr lang="en-IN" sz="2400" dirty="0">
+                <a:solidFill>
+                  <a:schemeClr val="tx1"/>
+                </a:solidFill>
+              </a:rPr>
+              <a:t>Thus, the algorithm is only required to compute the beamforming vector of </a:t>
+            </a:r>
+            <a:r>
+              <a:rPr lang="en-IN" sz="2400" b="1" dirty="0">
+                <a:solidFill>
+                  <a:schemeClr val="tx1"/>
+                </a:solidFill>
+              </a:rPr>
+              <a:t>the candidate antenna without updating the precoding matrices of the selected ones.</a:t>
+            </a:r>
+          </a:p>
+        </p:txBody>
+      </p:sp>
+    </p:spTree>
+    <p:extLst>
+      <p:ext uri="{BB962C8B-B14F-4D97-AF65-F5344CB8AC3E}">
+        <p14:creationId xmlns:p14="http://schemas.microsoft.com/office/powerpoint/2010/main" val="2284667163"/>
+      </p:ext>
+    </p:extLst>
+  </p:cSld>
+  <p:clrMapOvr>
+    <a:masterClrMapping/>
+  </p:clrMapOvr>
+</p:sld>
+</file>
+
 <file path=ppt/slides/slide18.xml><?xml version="1.0" encoding="utf-8"?>
 <p:sld xmlns:a="http://schemas.openxmlformats.org/drawingml/2006/main" xmlns:r="http://schemas.openxmlformats.org/officeDocument/2006/relationships" xmlns:p="http://schemas.openxmlformats.org/presentationml/2006/main">
   <p:cSld>
@@ -8519,29 +8517,15 @@
         </p:nvSpPr>
         <p:spPr>
           <a:xfrm>
-            <a:off x="496019" y="1373187"/>
-            <a:ext cx="8647981" cy="4722813"/>
+            <a:off x="533400" y="1371600"/>
+            <a:ext cx="8610600" cy="4722813"/>
           </a:xfrm>
         </p:spPr>
         <p:txBody>
           <a:bodyPr/>
           <a:lstStyle/>
           <a:p>
-            <a:pPr marL="514350" indent="-514350" algn="ctr">
-              <a:buFont typeface="+mj-lt"/>
-              <a:buAutoNum type="arabicPeriod" startAt="2"/>
-            </a:pPr>
-            <a:r>
-              <a:rPr lang="en-US" sz="2400" b="1" dirty="0">
-                <a:solidFill>
-                  <a:schemeClr val="tx1"/>
-                </a:solidFill>
-              </a:rPr>
-              <a:t>Suboptimal algorithm 2</a:t>
-            </a:r>
-          </a:p>
-          <a:p>
-            <a:pPr marL="514350" indent="-514350" algn="just">
+            <a:pPr marL="514350" indent="-514350">
               <a:lnSpc>
                 <a:spcPct val="150000"/>
               </a:lnSpc>
@@ -8554,7 +8538,7 @@
                   <a:schemeClr val="tx1"/>
                 </a:solidFill>
               </a:rPr>
-              <a:t>It is seen that the </a:t>
+              <a:t>Treating each receive antenna as an individual user provides </a:t>
             </a:r>
             <a:r>
               <a:rPr lang="en-IN" sz="2400" b="1" dirty="0">
@@ -8562,7 +8546,7 @@
                   <a:schemeClr val="tx1"/>
                 </a:solidFill>
               </a:rPr>
-              <a:t>main computational burden of SA1 </a:t>
+              <a:t>more robustness to the errors </a:t>
             </a:r>
             <a:r>
               <a:rPr lang="en-IN" sz="2400" dirty="0">
@@ -8570,27 +8554,11 @@
                   <a:schemeClr val="tx1"/>
                 </a:solidFill>
               </a:rPr>
-              <a:t>focuses on </a:t>
-            </a:r>
-            <a:r>
-              <a:rPr lang="en-IN" sz="2400" b="1" dirty="0">
-                <a:solidFill>
-                  <a:schemeClr val="tx1"/>
-                </a:solidFill>
-              </a:rPr>
-              <a:t>updating users’ precoding matrices and evaluating the sum capacity</a:t>
-            </a:r>
-            <a:r>
-              <a:rPr lang="en-IN" sz="2400" dirty="0">
-                <a:solidFill>
-                  <a:schemeClr val="tx1"/>
-                </a:solidFill>
-              </a:rPr>
-              <a:t>.</a:t>
-            </a:r>
-          </a:p>
-          <a:p>
-            <a:pPr marL="514350" indent="-514350" algn="just">
+              <a:t>from outdated precoding matrices than considering multiple antennas at each user.</a:t>
+            </a:r>
+          </a:p>
+          <a:p>
+            <a:pPr marL="514350" indent="-514350">
               <a:lnSpc>
                 <a:spcPct val="150000"/>
               </a:lnSpc>
@@ -8603,7 +8571,7 @@
                   <a:schemeClr val="tx1"/>
                 </a:solidFill>
               </a:rPr>
-              <a:t>Thus, the algorithm is only required to compute the beamforming vector of </a:t>
+              <a:t>By treating each antenna as a separate user, no receive beamforming can be exploited. Thus, procedures in the second phase are excluded from SA2 and </a:t>
             </a:r>
             <a:r>
               <a:rPr lang="en-IN" sz="2400" b="1" dirty="0">
@@ -8611,7 +8579,7 @@
                   <a:schemeClr val="tx1"/>
                 </a:solidFill>
               </a:rPr>
-              <a:t>the candidate antenna without updating the precoding matrices of the selected ones.</a:t>
+              <a:t>the number of data streams is always equal to the number of selected antennas.</a:t>
             </a:r>
           </a:p>
         </p:txBody>
@@ -8619,7 +8587,7 @@
     </p:spTree>
     <p:extLst>
       <p:ext uri="{BB962C8B-B14F-4D97-AF65-F5344CB8AC3E}">
-        <p14:creationId xmlns:p14="http://schemas.microsoft.com/office/powerpoint/2010/main" val="2284667163"/>
+        <p14:creationId xmlns:p14="http://schemas.microsoft.com/office/powerpoint/2010/main" val="4249425202"/>
       </p:ext>
     </p:extLst>
   </p:cSld>
@@ -8674,758 +8642,8 @@
           </a:p>
         </p:txBody>
       </p:sp>
-      <p:sp>
-        <p:nvSpPr>
-          <p:cNvPr id="3" name="Content Placeholder 2"/>
-          <p:cNvSpPr>
-            <a:spLocks noGrp="1"/>
-          </p:cNvSpPr>
-          <p:nvPr>
-            <p:ph idx="1"/>
-          </p:nvPr>
-        </p:nvSpPr>
-        <p:spPr>
-          <a:xfrm>
-            <a:off x="533400" y="1371600"/>
-            <a:ext cx="8610600" cy="4722813"/>
-          </a:xfrm>
-        </p:spPr>
-        <p:txBody>
-          <a:bodyPr/>
-          <a:lstStyle/>
-          <a:p>
-            <a:pPr marL="514350" indent="-514350" algn="just">
-              <a:lnSpc>
-                <a:spcPct val="150000"/>
-              </a:lnSpc>
-              <a:buFont typeface="Wingdings" panose="05000000000000000000" pitchFamily="2" charset="2"/>
-              <a:buChar char="q"/>
-            </a:pPr>
-            <a:r>
-              <a:rPr lang="en-IN" sz="2400" dirty="0">
-                <a:solidFill>
-                  <a:schemeClr val="tx1"/>
-                </a:solidFill>
-              </a:rPr>
-              <a:t>Treating each receive antenna as an individual user provides </a:t>
-            </a:r>
-            <a:r>
-              <a:rPr lang="en-IN" sz="2400" b="1" dirty="0">
-                <a:solidFill>
-                  <a:schemeClr val="tx1"/>
-                </a:solidFill>
-              </a:rPr>
-              <a:t>more robustness to the errors </a:t>
-            </a:r>
-            <a:r>
-              <a:rPr lang="en-IN" sz="2400" dirty="0">
-                <a:solidFill>
-                  <a:schemeClr val="tx1"/>
-                </a:solidFill>
-              </a:rPr>
-              <a:t>from outdated precoding matrices than considering multiple antennas at each user.</a:t>
-            </a:r>
-          </a:p>
-          <a:p>
-            <a:pPr marL="514350" indent="-514350" algn="just">
-              <a:lnSpc>
-                <a:spcPct val="150000"/>
-              </a:lnSpc>
-              <a:buFont typeface="Wingdings" panose="05000000000000000000" pitchFamily="2" charset="2"/>
-              <a:buChar char="q"/>
-            </a:pPr>
-            <a:r>
-              <a:rPr lang="en-IN" sz="2400" dirty="0">
-                <a:solidFill>
-                  <a:schemeClr val="tx1"/>
-                </a:solidFill>
-              </a:rPr>
-              <a:t>By treating each antenna as a separate user, no receive beamforming can be exploited. Thus, procedures in the second phase are excluded from SA2 and </a:t>
-            </a:r>
-            <a:r>
-              <a:rPr lang="en-IN" sz="2400" b="1" dirty="0">
-                <a:solidFill>
-                  <a:schemeClr val="tx1"/>
-                </a:solidFill>
-              </a:rPr>
-              <a:t>the number of data streams is always equal to the number of selected antennas.</a:t>
-            </a:r>
-          </a:p>
-        </p:txBody>
-      </p:sp>
-    </p:spTree>
-    <p:extLst>
-      <p:ext uri="{BB962C8B-B14F-4D97-AF65-F5344CB8AC3E}">
-        <p14:creationId xmlns:p14="http://schemas.microsoft.com/office/powerpoint/2010/main" val="4249425202"/>
-      </p:ext>
-    </p:extLst>
-  </p:cSld>
-  <p:clrMapOvr>
-    <a:masterClrMapping/>
-  </p:clrMapOvr>
-</p:sld>
-</file>
-
-<file path=ppt/slides/slide2.xml><?xml version="1.0" encoding="utf-8"?>
-<p:sld xmlns:a="http://schemas.openxmlformats.org/drawingml/2006/main" xmlns:r="http://schemas.openxmlformats.org/officeDocument/2006/relationships" xmlns:p="http://schemas.openxmlformats.org/presentationml/2006/main">
-  <p:cSld>
-    <p:spTree>
-      <p:nvGrpSpPr>
-        <p:cNvPr id="1" name=""/>
-        <p:cNvGrpSpPr/>
-        <p:nvPr/>
-      </p:nvGrpSpPr>
-      <p:grpSpPr>
-        <a:xfrm>
-          <a:off x="0" y="0"/>
-          <a:ext cx="0" cy="0"/>
-          <a:chOff x="0" y="0"/>
-          <a:chExt cx="0" cy="0"/>
-        </a:xfrm>
-      </p:grpSpPr>
-      <p:sp>
-        <p:nvSpPr>
-          <p:cNvPr id="4097" name="Text Box 1"/>
-          <p:cNvSpPr txBox="1">
-            <a:spLocks noChangeArrowheads="1"/>
-          </p:cNvSpPr>
-          <p:nvPr/>
-        </p:nvSpPr>
-        <p:spPr bwMode="auto">
-          <a:xfrm>
-            <a:off x="533400" y="739775"/>
-            <a:ext cx="7924800" cy="579438"/>
-          </a:xfrm>
-          <a:prstGeom prst="rect">
-            <a:avLst/>
-          </a:prstGeom>
-          <a:noFill/>
-          <a:ln w="9525" cap="flat">
-            <a:noFill/>
-            <a:round/>
-            <a:headEnd/>
-            <a:tailEnd/>
-          </a:ln>
-          <a:effectLst/>
-        </p:spPr>
-        <p:txBody>
-          <a:bodyPr anchor="ctr"/>
-          <a:lstStyle/>
-          <a:p>
-            <a:pPr algn="just" eaLnBrk="1" hangingPunct="1">
-              <a:buClrTx/>
-              <a:buFontTx/>
-              <a:buNone/>
-              <a:tabLst>
-                <a:tab pos="0" algn="l"/>
-                <a:tab pos="914400" algn="l"/>
-                <a:tab pos="1828800" algn="l"/>
-                <a:tab pos="2743200" algn="l"/>
-                <a:tab pos="3657600" algn="l"/>
-                <a:tab pos="4572000" algn="l"/>
-                <a:tab pos="5486400" algn="l"/>
-                <a:tab pos="6400800" algn="l"/>
-                <a:tab pos="7315200" algn="l"/>
-                <a:tab pos="8229600" algn="l"/>
-                <a:tab pos="9144000" algn="l"/>
-                <a:tab pos="10058400" algn="l"/>
-              </a:tabLst>
-            </a:pPr>
-            <a:endParaRPr lang="en-US" sz="3200" b="1" dirty="0">
-              <a:solidFill>
-                <a:srgbClr val="3333CC"/>
-              </a:solidFill>
-              <a:ea typeface="DejaVu Sans" charset="0"/>
-              <a:cs typeface="DejaVu Sans" charset="0"/>
-            </a:endParaRPr>
-          </a:p>
-        </p:txBody>
-      </p:sp>
-      <p:sp>
-        <p:nvSpPr>
-          <p:cNvPr id="4098" name="Text Box 2"/>
-          <p:cNvSpPr txBox="1">
-            <a:spLocks noChangeArrowheads="1"/>
-          </p:cNvSpPr>
-          <p:nvPr/>
-        </p:nvSpPr>
-        <p:spPr bwMode="auto">
-          <a:xfrm>
-            <a:off x="685800" y="1369000"/>
-            <a:ext cx="8305800" cy="5005387"/>
-          </a:xfrm>
-          <a:prstGeom prst="rect">
-            <a:avLst/>
-          </a:prstGeom>
-          <a:noFill/>
-          <a:ln w="9525" cap="flat">
-            <a:noFill/>
-            <a:round/>
-            <a:headEnd/>
-            <a:tailEnd/>
-          </a:ln>
-          <a:effectLst/>
-        </p:spPr>
-        <p:txBody>
-          <a:bodyPr/>
-          <a:lstStyle/>
-          <a:p>
-            <a:pPr marL="342900" indent="-342900" algn="just" eaLnBrk="1" hangingPunct="1">
-              <a:lnSpc>
-                <a:spcPct val="150000"/>
-              </a:lnSpc>
-              <a:spcBef>
-                <a:spcPts val="600"/>
-              </a:spcBef>
-              <a:buFont typeface="Wingdings" panose="05000000000000000000" pitchFamily="2" charset="2"/>
-              <a:buChar char="q"/>
-              <a:tabLst>
-                <a:tab pos="911225" algn="l"/>
-                <a:tab pos="1825625" algn="l"/>
-                <a:tab pos="2740025" algn="l"/>
-                <a:tab pos="3654425" algn="l"/>
-                <a:tab pos="4568825" algn="l"/>
-                <a:tab pos="5483225" algn="l"/>
-                <a:tab pos="6397625" algn="l"/>
-                <a:tab pos="7312025" algn="l"/>
-                <a:tab pos="8226425" algn="l"/>
-                <a:tab pos="9140825" algn="l"/>
-                <a:tab pos="10055225" algn="l"/>
-              </a:tabLst>
-            </a:pPr>
-            <a:r>
-              <a:rPr lang="en-IN" sz="2000" dirty="0">
-                <a:solidFill>
-                  <a:srgbClr val="000000"/>
-                </a:solidFill>
-                <a:cs typeface="Times New Roman" pitchFamily="16" charset="0"/>
-              </a:rPr>
-              <a:t>Aims/Objectives</a:t>
-            </a:r>
-          </a:p>
-          <a:p>
-            <a:pPr marL="342900" indent="-342900" algn="just" eaLnBrk="1" hangingPunct="1">
-              <a:lnSpc>
-                <a:spcPct val="150000"/>
-              </a:lnSpc>
-              <a:spcBef>
-                <a:spcPts val="600"/>
-              </a:spcBef>
-              <a:buFont typeface="Wingdings" panose="05000000000000000000" pitchFamily="2" charset="2"/>
-              <a:buChar char="q"/>
-              <a:tabLst>
-                <a:tab pos="911225" algn="l"/>
-                <a:tab pos="1825625" algn="l"/>
-                <a:tab pos="2740025" algn="l"/>
-                <a:tab pos="3654425" algn="l"/>
-                <a:tab pos="4568825" algn="l"/>
-                <a:tab pos="5483225" algn="l"/>
-                <a:tab pos="6397625" algn="l"/>
-                <a:tab pos="7312025" algn="l"/>
-                <a:tab pos="8226425" algn="l"/>
-                <a:tab pos="9140825" algn="l"/>
-                <a:tab pos="10055225" algn="l"/>
-              </a:tabLst>
-            </a:pPr>
-            <a:r>
-              <a:rPr lang="en-IN" sz="2000" dirty="0">
-                <a:solidFill>
-                  <a:srgbClr val="000000"/>
-                </a:solidFill>
-                <a:cs typeface="Times New Roman" pitchFamily="16" charset="0"/>
-              </a:rPr>
-              <a:t>Introduction</a:t>
-            </a:r>
-          </a:p>
-          <a:p>
-            <a:pPr marL="342900" indent="-342900" algn="just" eaLnBrk="1" hangingPunct="1">
-              <a:lnSpc>
-                <a:spcPct val="150000"/>
-              </a:lnSpc>
-              <a:spcBef>
-                <a:spcPts val="600"/>
-              </a:spcBef>
-              <a:buFont typeface="Wingdings" panose="05000000000000000000" pitchFamily="2" charset="2"/>
-              <a:buChar char="q"/>
-              <a:tabLst>
-                <a:tab pos="911225" algn="l"/>
-                <a:tab pos="1825625" algn="l"/>
-                <a:tab pos="2740025" algn="l"/>
-                <a:tab pos="3654425" algn="l"/>
-                <a:tab pos="4568825" algn="l"/>
-                <a:tab pos="5483225" algn="l"/>
-                <a:tab pos="6397625" algn="l"/>
-                <a:tab pos="7312025" algn="l"/>
-                <a:tab pos="8226425" algn="l"/>
-                <a:tab pos="9140825" algn="l"/>
-                <a:tab pos="10055225" algn="l"/>
-              </a:tabLst>
-            </a:pPr>
-            <a:r>
-              <a:rPr lang="en-IN" sz="2000" dirty="0">
-                <a:solidFill>
-                  <a:srgbClr val="000000"/>
-                </a:solidFill>
-                <a:cs typeface="Times New Roman" pitchFamily="16" charset="0"/>
-              </a:rPr>
-              <a:t>System Model</a:t>
-            </a:r>
-          </a:p>
-          <a:p>
-            <a:pPr marL="342900" indent="-342900" algn="just" eaLnBrk="1" hangingPunct="1">
-              <a:lnSpc>
-                <a:spcPct val="150000"/>
-              </a:lnSpc>
-              <a:spcBef>
-                <a:spcPts val="600"/>
-              </a:spcBef>
-              <a:buFont typeface="Wingdings" panose="05000000000000000000" pitchFamily="2" charset="2"/>
-              <a:buChar char="q"/>
-              <a:tabLst>
-                <a:tab pos="911225" algn="l"/>
-                <a:tab pos="1825625" algn="l"/>
-                <a:tab pos="2740025" algn="l"/>
-                <a:tab pos="3654425" algn="l"/>
-                <a:tab pos="4568825" algn="l"/>
-                <a:tab pos="5483225" algn="l"/>
-                <a:tab pos="6397625" algn="l"/>
-                <a:tab pos="7312025" algn="l"/>
-                <a:tab pos="8226425" algn="l"/>
-                <a:tab pos="9140825" algn="l"/>
-                <a:tab pos="10055225" algn="l"/>
-              </a:tabLst>
-            </a:pPr>
-            <a:r>
-              <a:rPr lang="en-IN" sz="2000" dirty="0">
-                <a:solidFill>
-                  <a:srgbClr val="000000"/>
-                </a:solidFill>
-                <a:cs typeface="Times New Roman" pitchFamily="16" charset="0"/>
-              </a:rPr>
-              <a:t>JURAS Scheme for MU-MIMO</a:t>
-            </a:r>
-          </a:p>
-          <a:p>
-            <a:pPr marL="342900" indent="-342900" algn="just" eaLnBrk="1" hangingPunct="1">
-              <a:lnSpc>
-                <a:spcPct val="150000"/>
-              </a:lnSpc>
-              <a:spcBef>
-                <a:spcPts val="600"/>
-              </a:spcBef>
-              <a:buFont typeface="Wingdings" panose="05000000000000000000" pitchFamily="2" charset="2"/>
-              <a:buChar char="q"/>
-              <a:tabLst>
-                <a:tab pos="911225" algn="l"/>
-                <a:tab pos="1825625" algn="l"/>
-                <a:tab pos="2740025" algn="l"/>
-                <a:tab pos="3654425" algn="l"/>
-                <a:tab pos="4568825" algn="l"/>
-                <a:tab pos="5483225" algn="l"/>
-                <a:tab pos="6397625" algn="l"/>
-                <a:tab pos="7312025" algn="l"/>
-                <a:tab pos="8226425" algn="l"/>
-                <a:tab pos="9140825" algn="l"/>
-                <a:tab pos="10055225" algn="l"/>
-              </a:tabLst>
-            </a:pPr>
-            <a:r>
-              <a:rPr lang="en-IN" sz="2000" dirty="0">
-                <a:solidFill>
-                  <a:srgbClr val="000000"/>
-                </a:solidFill>
-                <a:cs typeface="Times New Roman" pitchFamily="16" charset="0"/>
-              </a:rPr>
-              <a:t>Suboptimal  Algorithms</a:t>
-            </a:r>
-          </a:p>
-          <a:p>
-            <a:pPr marL="342900" indent="-342900" algn="just" eaLnBrk="1" hangingPunct="1">
-              <a:lnSpc>
-                <a:spcPct val="150000"/>
-              </a:lnSpc>
-              <a:spcBef>
-                <a:spcPts val="600"/>
-              </a:spcBef>
-              <a:buFont typeface="Wingdings" panose="05000000000000000000" pitchFamily="2" charset="2"/>
-              <a:buChar char="q"/>
-              <a:tabLst>
-                <a:tab pos="911225" algn="l"/>
-                <a:tab pos="1825625" algn="l"/>
-                <a:tab pos="2740025" algn="l"/>
-                <a:tab pos="3654425" algn="l"/>
-                <a:tab pos="4568825" algn="l"/>
-                <a:tab pos="5483225" algn="l"/>
-                <a:tab pos="6397625" algn="l"/>
-                <a:tab pos="7312025" algn="l"/>
-                <a:tab pos="8226425" algn="l"/>
-                <a:tab pos="9140825" algn="l"/>
-                <a:tab pos="10055225" algn="l"/>
-              </a:tabLst>
-            </a:pPr>
-            <a:r>
-              <a:rPr lang="en-IN" sz="2000" dirty="0">
-                <a:solidFill>
-                  <a:srgbClr val="000000"/>
-                </a:solidFill>
-                <a:latin typeface="+mj-lt"/>
-                <a:cs typeface="Times New Roman" pitchFamily="16" charset="0"/>
-              </a:rPr>
-              <a:t>Outputs</a:t>
-            </a:r>
-          </a:p>
-          <a:p>
-            <a:pPr marL="342900" indent="-342900" algn="just" eaLnBrk="1" hangingPunct="1">
-              <a:lnSpc>
-                <a:spcPct val="150000"/>
-              </a:lnSpc>
-              <a:spcBef>
-                <a:spcPts val="600"/>
-              </a:spcBef>
-              <a:buFont typeface="Wingdings" panose="05000000000000000000" pitchFamily="2" charset="2"/>
-              <a:buChar char="q"/>
-              <a:tabLst>
-                <a:tab pos="911225" algn="l"/>
-                <a:tab pos="1825625" algn="l"/>
-                <a:tab pos="2740025" algn="l"/>
-                <a:tab pos="3654425" algn="l"/>
-                <a:tab pos="4568825" algn="l"/>
-                <a:tab pos="5483225" algn="l"/>
-                <a:tab pos="6397625" algn="l"/>
-                <a:tab pos="7312025" algn="l"/>
-                <a:tab pos="8226425" algn="l"/>
-                <a:tab pos="9140825" algn="l"/>
-                <a:tab pos="10055225" algn="l"/>
-              </a:tabLst>
-            </a:pPr>
-            <a:r>
-              <a:rPr lang="en-IN" sz="2000" dirty="0">
-                <a:solidFill>
-                  <a:srgbClr val="000000"/>
-                </a:solidFill>
-                <a:cs typeface="Times New Roman" pitchFamily="16" charset="0"/>
-              </a:rPr>
-              <a:t>Conclusions</a:t>
-            </a:r>
-            <a:endParaRPr lang="en-IN" sz="2000" dirty="0">
-              <a:solidFill>
-                <a:srgbClr val="000000"/>
-              </a:solidFill>
-              <a:latin typeface="+mj-lt"/>
-              <a:cs typeface="Times New Roman" pitchFamily="16" charset="0"/>
-            </a:endParaRPr>
-          </a:p>
-          <a:p>
-            <a:pPr marL="342900" indent="-342900" algn="just" eaLnBrk="1" hangingPunct="1">
-              <a:lnSpc>
-                <a:spcPct val="150000"/>
-              </a:lnSpc>
-              <a:spcBef>
-                <a:spcPts val="600"/>
-              </a:spcBef>
-              <a:buFont typeface="Wingdings" panose="05000000000000000000" pitchFamily="2" charset="2"/>
-              <a:buChar char="q"/>
-              <a:tabLst>
-                <a:tab pos="911225" algn="l"/>
-                <a:tab pos="1825625" algn="l"/>
-                <a:tab pos="2740025" algn="l"/>
-                <a:tab pos="3654425" algn="l"/>
-                <a:tab pos="4568825" algn="l"/>
-                <a:tab pos="5483225" algn="l"/>
-                <a:tab pos="6397625" algn="l"/>
-                <a:tab pos="7312025" algn="l"/>
-                <a:tab pos="8226425" algn="l"/>
-                <a:tab pos="9140825" algn="l"/>
-                <a:tab pos="10055225" algn="l"/>
-              </a:tabLst>
-            </a:pPr>
-            <a:r>
-              <a:rPr lang="en-IN" sz="2000" dirty="0">
-                <a:solidFill>
-                  <a:srgbClr val="000000"/>
-                </a:solidFill>
-                <a:latin typeface="+mj-lt"/>
-                <a:cs typeface="Times New Roman" pitchFamily="16" charset="0"/>
-              </a:rPr>
-              <a:t>References</a:t>
-            </a:r>
-            <a:endParaRPr lang="en-IN" sz="2800" b="1" dirty="0">
-              <a:solidFill>
-                <a:srgbClr val="000000"/>
-              </a:solidFill>
-              <a:latin typeface="+mj-lt"/>
-              <a:cs typeface="Times New Roman" pitchFamily="16" charset="0"/>
-            </a:endParaRPr>
-          </a:p>
-          <a:p>
-            <a:pPr marL="342900" indent="-342900" algn="just" eaLnBrk="1" hangingPunct="1">
-              <a:lnSpc>
-                <a:spcPct val="150000"/>
-              </a:lnSpc>
-              <a:spcBef>
-                <a:spcPts val="600"/>
-              </a:spcBef>
-              <a:buFont typeface="Wingdings" panose="05000000000000000000" pitchFamily="2" charset="2"/>
-              <a:buChar char="q"/>
-              <a:tabLst>
-                <a:tab pos="911225" algn="l"/>
-                <a:tab pos="1825625" algn="l"/>
-                <a:tab pos="2740025" algn="l"/>
-                <a:tab pos="3654425" algn="l"/>
-                <a:tab pos="4568825" algn="l"/>
-                <a:tab pos="5483225" algn="l"/>
-                <a:tab pos="6397625" algn="l"/>
-                <a:tab pos="7312025" algn="l"/>
-                <a:tab pos="8226425" algn="l"/>
-                <a:tab pos="9140825" algn="l"/>
-                <a:tab pos="10055225" algn="l"/>
-              </a:tabLst>
-            </a:pPr>
-            <a:endParaRPr lang="en-IN" b="1" dirty="0">
-              <a:solidFill>
-                <a:srgbClr val="000000"/>
-              </a:solidFill>
-              <a:cs typeface="Times New Roman" pitchFamily="16" charset="0"/>
-            </a:endParaRPr>
-          </a:p>
-          <a:p>
-            <a:pPr algn="just" eaLnBrk="1" hangingPunct="1">
-              <a:lnSpc>
-                <a:spcPct val="150000"/>
-              </a:lnSpc>
-              <a:spcBef>
-                <a:spcPts val="600"/>
-              </a:spcBef>
-              <a:tabLst>
-                <a:tab pos="911225" algn="l"/>
-                <a:tab pos="1825625" algn="l"/>
-                <a:tab pos="2740025" algn="l"/>
-                <a:tab pos="3654425" algn="l"/>
-                <a:tab pos="4568825" algn="l"/>
-                <a:tab pos="5483225" algn="l"/>
-                <a:tab pos="6397625" algn="l"/>
-                <a:tab pos="7312025" algn="l"/>
-                <a:tab pos="8226425" algn="l"/>
-                <a:tab pos="9140825" algn="l"/>
-                <a:tab pos="10055225" algn="l"/>
-              </a:tabLst>
-            </a:pPr>
-            <a:endParaRPr lang="en-IN" b="1" dirty="0">
-              <a:solidFill>
-                <a:srgbClr val="000000"/>
-              </a:solidFill>
-              <a:cs typeface="Times New Roman" pitchFamily="16" charset="0"/>
-            </a:endParaRPr>
-          </a:p>
-          <a:p>
-            <a:pPr algn="just" eaLnBrk="1" hangingPunct="1">
-              <a:lnSpc>
-                <a:spcPct val="150000"/>
-              </a:lnSpc>
-              <a:spcBef>
-                <a:spcPts val="600"/>
-              </a:spcBef>
-              <a:tabLst>
-                <a:tab pos="911225" algn="l"/>
-                <a:tab pos="1825625" algn="l"/>
-                <a:tab pos="2740025" algn="l"/>
-                <a:tab pos="3654425" algn="l"/>
-                <a:tab pos="4568825" algn="l"/>
-                <a:tab pos="5483225" algn="l"/>
-                <a:tab pos="6397625" algn="l"/>
-                <a:tab pos="7312025" algn="l"/>
-                <a:tab pos="8226425" algn="l"/>
-                <a:tab pos="9140825" algn="l"/>
-                <a:tab pos="10055225" algn="l"/>
-              </a:tabLst>
-            </a:pPr>
-            <a:endParaRPr lang="en-IN" b="1" dirty="0">
-              <a:solidFill>
-                <a:srgbClr val="000000"/>
-              </a:solidFill>
-              <a:cs typeface="Times New Roman" pitchFamily="16" charset="0"/>
-            </a:endParaRPr>
-          </a:p>
-          <a:p>
-            <a:pPr algn="just" eaLnBrk="1" hangingPunct="1">
-              <a:lnSpc>
-                <a:spcPct val="150000"/>
-              </a:lnSpc>
-              <a:spcBef>
-                <a:spcPts val="600"/>
-              </a:spcBef>
-              <a:tabLst>
-                <a:tab pos="911225" algn="l"/>
-                <a:tab pos="1825625" algn="l"/>
-                <a:tab pos="2740025" algn="l"/>
-                <a:tab pos="3654425" algn="l"/>
-                <a:tab pos="4568825" algn="l"/>
-                <a:tab pos="5483225" algn="l"/>
-                <a:tab pos="6397625" algn="l"/>
-                <a:tab pos="7312025" algn="l"/>
-                <a:tab pos="8226425" algn="l"/>
-                <a:tab pos="9140825" algn="l"/>
-                <a:tab pos="10055225" algn="l"/>
-              </a:tabLst>
-            </a:pPr>
-            <a:endParaRPr lang="en-IN" b="1" dirty="0">
-              <a:solidFill>
-                <a:srgbClr val="000000"/>
-              </a:solidFill>
-              <a:cs typeface="Times New Roman" pitchFamily="16" charset="0"/>
-            </a:endParaRPr>
-          </a:p>
-          <a:p>
-            <a:pPr marL="341313" indent="-341313" algn="just" eaLnBrk="1" hangingPunct="1">
-              <a:lnSpc>
-                <a:spcPct val="150000"/>
-              </a:lnSpc>
-              <a:spcBef>
-                <a:spcPts val="600"/>
-              </a:spcBef>
-              <a:tabLst>
-                <a:tab pos="911225" algn="l"/>
-                <a:tab pos="1825625" algn="l"/>
-                <a:tab pos="2740025" algn="l"/>
-                <a:tab pos="3654425" algn="l"/>
-                <a:tab pos="4568825" algn="l"/>
-                <a:tab pos="5483225" algn="l"/>
-                <a:tab pos="6397625" algn="l"/>
-                <a:tab pos="7312025" algn="l"/>
-                <a:tab pos="8226425" algn="l"/>
-                <a:tab pos="9140825" algn="l"/>
-                <a:tab pos="10055225" algn="l"/>
-              </a:tabLst>
-            </a:pPr>
-            <a:endParaRPr lang="en-IN" b="1" dirty="0">
-              <a:solidFill>
-                <a:srgbClr val="000000"/>
-              </a:solidFill>
-              <a:cs typeface="Times New Roman" pitchFamily="16" charset="0"/>
-            </a:endParaRPr>
-          </a:p>
-        </p:txBody>
-      </p:sp>
-      <p:sp>
-        <p:nvSpPr>
-          <p:cNvPr id="4" name="TextBox 3"/>
-          <p:cNvSpPr txBox="1"/>
-          <p:nvPr/>
-        </p:nvSpPr>
-        <p:spPr>
-          <a:xfrm>
-            <a:off x="533400" y="762000"/>
-            <a:ext cx="1757212" cy="584775"/>
-          </a:xfrm>
-          <a:prstGeom prst="rect">
-            <a:avLst/>
-          </a:prstGeom>
-          <a:noFill/>
-        </p:spPr>
-        <p:txBody>
-          <a:bodyPr wrap="none" rtlCol="0">
-            <a:spAutoFit/>
-          </a:bodyPr>
-          <a:lstStyle/>
-          <a:p>
-            <a:pPr algn="just"/>
-            <a:r>
-              <a:rPr lang="en-US" sz="3200" b="1" dirty="0">
-                <a:solidFill>
-                  <a:srgbClr val="3333CC"/>
-                </a:solidFill>
-                <a:latin typeface="+mj-lt"/>
-                <a:ea typeface="+mj-ea"/>
-                <a:cs typeface="+mj-cs"/>
-              </a:rPr>
-              <a:t>Contents</a:t>
-            </a:r>
-          </a:p>
-        </p:txBody>
-      </p:sp>
-    </p:spTree>
-  </p:cSld>
-  <p:clrMapOvr>
-    <a:masterClrMapping/>
-  </p:clrMapOvr>
-  <p:transition spd="med"/>
-  <p:timing>
-    <p:tnLst>
-      <p:par>
-        <p:cTn id="1" dur="indefinite" restart="never" nodeType="tmRoot">
-          <p:childTnLst>
-            <p:seq concurrent="1" nextAc="seek">
-              <p:cTn id="2" dur="0" nodeType="mainSeq"/>
-              <p:prevCondLst>
-                <p:cond evt="onPrev" delay="0">
-                  <p:tgtEl>
-                    <p:sldTgt/>
-                  </p:tgtEl>
-                </p:cond>
-              </p:prevCondLst>
-              <p:nextCondLst>
-                <p:cond evt="onNext" delay="0">
-                  <p:tgtEl>
-                    <p:sldTgt/>
-                  </p:tgtEl>
-                </p:cond>
-              </p:nextCondLst>
-            </p:seq>
-          </p:childTnLst>
-        </p:cTn>
-      </p:par>
-    </p:tnLst>
-  </p:timing>
-</p:sld>
-</file>
-
-<file path=ppt/slides/slide20.xml><?xml version="1.0" encoding="utf-8"?>
-<p:sld xmlns:a="http://schemas.openxmlformats.org/drawingml/2006/main" xmlns:r="http://schemas.openxmlformats.org/officeDocument/2006/relationships" xmlns:p="http://schemas.openxmlformats.org/presentationml/2006/main">
-  <p:cSld>
-    <p:spTree>
-      <p:nvGrpSpPr>
-        <p:cNvPr id="1" name=""/>
-        <p:cNvGrpSpPr/>
-        <p:nvPr/>
-      </p:nvGrpSpPr>
-      <p:grpSpPr>
-        <a:xfrm>
-          <a:off x="0" y="0"/>
-          <a:ext cx="0" cy="0"/>
-          <a:chOff x="0" y="0"/>
-          <a:chExt cx="0" cy="0"/>
-        </a:xfrm>
-      </p:grpSpPr>
-      <p:sp>
-        <p:nvSpPr>
-          <p:cNvPr id="2" name="Title 1"/>
-          <p:cNvSpPr>
-            <a:spLocks noGrp="1"/>
-          </p:cNvSpPr>
-          <p:nvPr>
-            <p:ph type="title"/>
-          </p:nvPr>
-        </p:nvSpPr>
-        <p:spPr>
-          <a:xfrm>
-            <a:off x="533400" y="762000"/>
-            <a:ext cx="4265613" cy="579437"/>
-          </a:xfrm>
-        </p:spPr>
-        <p:txBody>
-          <a:bodyPr/>
-          <a:lstStyle/>
-          <a:p>
-            <a:pPr algn="l"/>
-            <a:r>
-              <a:rPr lang="en-US" dirty="0"/>
-              <a:t>Suboptimal Algorithms</a:t>
-            </a:r>
-          </a:p>
-        </p:txBody>
-      </p:sp>
-      <mc:AlternateContent xmlns:mc="http://schemas.openxmlformats.org/markup-compatibility/2006" xmlns:a14="http://schemas.microsoft.com/office/drawing/2010/main">
-        <mc:Choice Requires="a14">
+      <mc:AlternateContent xmlns:mc="http://schemas.openxmlformats.org/markup-compatibility/2006">
+        <mc:Choice xmlns:a14="http://schemas.microsoft.com/office/drawing/2010/main" Requires="a14">
           <p:sp>
             <p:nvSpPr>
               <p:cNvPr id="3" name="Content Placeholder 2"/>
@@ -9439,7 +8657,7 @@
             <p:spPr>
               <a:xfrm>
                 <a:off x="533400" y="1371600"/>
-                <a:ext cx="8568397" cy="4876800"/>
+                <a:ext cx="8568397" cy="4722813"/>
               </a:xfrm>
             </p:spPr>
             <p:txBody>
@@ -10196,91 +9414,13 @@
                       <a:schemeClr val="tx1"/>
                     </a:solidFill>
                   </a:rPr>
-                  <a:t>The </a:t>
-                </a:r>
-                <a:r>
-                  <a:rPr lang="en-US" sz="2400" b="1" dirty="0">
-                    <a:solidFill>
-                      <a:schemeClr val="tx1"/>
-                    </a:solidFill>
-                  </a:rPr>
-                  <a:t>complexity</a:t>
-                </a:r>
-                <a:r>
-                  <a:rPr lang="en-US" sz="2400" dirty="0">
-                    <a:solidFill>
-                      <a:schemeClr val="tx1"/>
-                    </a:solidFill>
-                  </a:rPr>
-                  <a:t> of the </a:t>
-                </a:r>
-                <a:r>
-                  <a:rPr lang="en-US" sz="2400" b="1" dirty="0">
-                    <a:solidFill>
-                      <a:schemeClr val="tx1"/>
-                    </a:solidFill>
-                  </a:rPr>
-                  <a:t>suboptimal algorithm 2 is more</a:t>
-                </a:r>
-                <a:r>
-                  <a:rPr lang="en-US" sz="2400" dirty="0">
-                    <a:solidFill>
-                      <a:schemeClr val="tx1"/>
-                    </a:solidFill>
-                  </a:rPr>
-                  <a:t>. </a:t>
-                </a:r>
-              </a:p>
-              <a:p>
-                <a:pPr marL="514350" indent="-514350" algn="just">
-                  <a:buFont typeface="Wingdings" panose="05000000000000000000" pitchFamily="2" charset="2"/>
-                  <a:buChar char="q"/>
-                </a:pPr>
-                <a:r>
-                  <a:rPr lang="en-US" sz="2400" dirty="0">
-                    <a:solidFill>
-                      <a:schemeClr val="tx1"/>
-                    </a:solidFill>
-                  </a:rPr>
-                  <a:t>The </a:t>
-                </a:r>
-                <a:r>
-                  <a:rPr lang="en-US" sz="2400" b="1" dirty="0">
-                    <a:solidFill>
-                      <a:schemeClr val="tx1"/>
-                    </a:solidFill>
-                  </a:rPr>
-                  <a:t>sum capacity </a:t>
-                </a:r>
-                <a:r>
-                  <a:rPr lang="en-US" sz="2400" dirty="0">
-                    <a:solidFill>
-                      <a:schemeClr val="tx1"/>
-                    </a:solidFill>
-                  </a:rPr>
-                  <a:t>is also </a:t>
-                </a:r>
-                <a:r>
-                  <a:rPr lang="en-US" sz="2400" b="1" dirty="0">
-                    <a:solidFill>
-                      <a:schemeClr val="tx1"/>
-                    </a:solidFill>
-                  </a:rPr>
-                  <a:t>more than suboptimal algorithm 1</a:t>
-                </a:r>
-                <a:r>
-                  <a:rPr lang="en-US" sz="2400" dirty="0">
-                    <a:solidFill>
-                      <a:schemeClr val="tx1"/>
-                    </a:solidFill>
-                  </a:rPr>
-                  <a:t>.</a:t>
+                  <a:t>The complexity of the suboptimal algorithm 2 is less. </a:t>
                 </a:r>
               </a:p>
             </p:txBody>
           </p:sp>
         </mc:Choice>
-        <mc:Fallback xmlns="">
+        <mc:Fallback>
           <p:sp>
             <p:nvSpPr>
               <p:cNvPr id="3" name="Content Placeholder 2"/>
@@ -10294,12 +9434,12 @@
             <p:spPr>
               <a:xfrm>
                 <a:off x="533400" y="1371600"/>
-                <a:ext cx="8568397" cy="4876800"/>
+                <a:ext cx="8568397" cy="4722813"/>
               </a:xfrm>
               <a:blipFill>
                 <a:blip r:embed="rId2"/>
                 <a:stretch>
-                  <a:fillRect l="-996" t="-1000" r="-1139"/>
+                  <a:fillRect l="-996" t="-1032" r="-1139"/>
                 </a:stretch>
               </a:blipFill>
             </p:spPr>
@@ -10331,7 +9471,620 @@
 </p:sld>
 </file>
 
-<file path=ppt/slides/slide21.xml><?xml version="1.0" encoding="utf-8"?>
+<file path=ppt/slides/slide2.xml><?xml version="1.0" encoding="utf-8"?>
+<p:sld xmlns:a="http://schemas.openxmlformats.org/drawingml/2006/main" xmlns:r="http://schemas.openxmlformats.org/officeDocument/2006/relationships" xmlns:p="http://schemas.openxmlformats.org/presentationml/2006/main">
+  <p:cSld>
+    <p:spTree>
+      <p:nvGrpSpPr>
+        <p:cNvPr id="1" name=""/>
+        <p:cNvGrpSpPr/>
+        <p:nvPr/>
+      </p:nvGrpSpPr>
+      <p:grpSpPr>
+        <a:xfrm>
+          <a:off x="0" y="0"/>
+          <a:ext cx="0" cy="0"/>
+          <a:chOff x="0" y="0"/>
+          <a:chExt cx="0" cy="0"/>
+        </a:xfrm>
+      </p:grpSpPr>
+      <p:sp>
+        <p:nvSpPr>
+          <p:cNvPr id="4097" name="Text Box 1"/>
+          <p:cNvSpPr txBox="1">
+            <a:spLocks noChangeArrowheads="1"/>
+          </p:cNvSpPr>
+          <p:nvPr/>
+        </p:nvSpPr>
+        <p:spPr bwMode="auto">
+          <a:xfrm>
+            <a:off x="533400" y="739775"/>
+            <a:ext cx="7924800" cy="579438"/>
+          </a:xfrm>
+          <a:prstGeom prst="rect">
+            <a:avLst/>
+          </a:prstGeom>
+          <a:noFill/>
+          <a:ln w="9525" cap="flat">
+            <a:noFill/>
+            <a:round/>
+            <a:headEnd/>
+            <a:tailEnd/>
+          </a:ln>
+          <a:effectLst/>
+        </p:spPr>
+        <p:txBody>
+          <a:bodyPr anchor="ctr"/>
+          <a:lstStyle/>
+          <a:p>
+            <a:pPr algn="just" eaLnBrk="1" hangingPunct="1">
+              <a:buClrTx/>
+              <a:buFontTx/>
+              <a:buNone/>
+              <a:tabLst>
+                <a:tab pos="0" algn="l"/>
+                <a:tab pos="914400" algn="l"/>
+                <a:tab pos="1828800" algn="l"/>
+                <a:tab pos="2743200" algn="l"/>
+                <a:tab pos="3657600" algn="l"/>
+                <a:tab pos="4572000" algn="l"/>
+                <a:tab pos="5486400" algn="l"/>
+                <a:tab pos="6400800" algn="l"/>
+                <a:tab pos="7315200" algn="l"/>
+                <a:tab pos="8229600" algn="l"/>
+                <a:tab pos="9144000" algn="l"/>
+                <a:tab pos="10058400" algn="l"/>
+              </a:tabLst>
+            </a:pPr>
+            <a:endParaRPr lang="en-US" sz="3200" b="1" dirty="0">
+              <a:solidFill>
+                <a:srgbClr val="3333CC"/>
+              </a:solidFill>
+              <a:ea typeface="DejaVu Sans" charset="0"/>
+              <a:cs typeface="DejaVu Sans" charset="0"/>
+            </a:endParaRPr>
+          </a:p>
+        </p:txBody>
+      </p:sp>
+      <p:sp>
+        <p:nvSpPr>
+          <p:cNvPr id="4098" name="Text Box 2"/>
+          <p:cNvSpPr txBox="1">
+            <a:spLocks noChangeArrowheads="1"/>
+          </p:cNvSpPr>
+          <p:nvPr/>
+        </p:nvSpPr>
+        <p:spPr bwMode="auto">
+          <a:xfrm>
+            <a:off x="685800" y="1369000"/>
+            <a:ext cx="8305800" cy="5005387"/>
+          </a:xfrm>
+          <a:prstGeom prst="rect">
+            <a:avLst/>
+          </a:prstGeom>
+          <a:noFill/>
+          <a:ln w="9525" cap="flat">
+            <a:noFill/>
+            <a:round/>
+            <a:headEnd/>
+            <a:tailEnd/>
+          </a:ln>
+          <a:effectLst/>
+        </p:spPr>
+        <p:txBody>
+          <a:bodyPr/>
+          <a:lstStyle/>
+          <a:p>
+            <a:pPr marL="342900" indent="-342900" algn="just" eaLnBrk="1" hangingPunct="1">
+              <a:lnSpc>
+                <a:spcPct val="150000"/>
+              </a:lnSpc>
+              <a:spcBef>
+                <a:spcPts val="600"/>
+              </a:spcBef>
+              <a:buFont typeface="Wingdings" panose="05000000000000000000" pitchFamily="2" charset="2"/>
+              <a:buChar char="q"/>
+              <a:tabLst>
+                <a:tab pos="911225" algn="l"/>
+                <a:tab pos="1825625" algn="l"/>
+                <a:tab pos="2740025" algn="l"/>
+                <a:tab pos="3654425" algn="l"/>
+                <a:tab pos="4568825" algn="l"/>
+                <a:tab pos="5483225" algn="l"/>
+                <a:tab pos="6397625" algn="l"/>
+                <a:tab pos="7312025" algn="l"/>
+                <a:tab pos="8226425" algn="l"/>
+                <a:tab pos="9140825" algn="l"/>
+                <a:tab pos="10055225" algn="l"/>
+              </a:tabLst>
+            </a:pPr>
+            <a:r>
+              <a:rPr lang="en-IN" sz="2000" dirty="0">
+                <a:solidFill>
+                  <a:srgbClr val="000000"/>
+                </a:solidFill>
+                <a:cs typeface="Times New Roman" pitchFamily="16" charset="0"/>
+              </a:rPr>
+              <a:t>Aims/Objectives</a:t>
+            </a:r>
+          </a:p>
+          <a:p>
+            <a:pPr marL="342900" indent="-342900" algn="just" eaLnBrk="1" hangingPunct="1">
+              <a:lnSpc>
+                <a:spcPct val="150000"/>
+              </a:lnSpc>
+              <a:spcBef>
+                <a:spcPts val="600"/>
+              </a:spcBef>
+              <a:buFont typeface="Wingdings" panose="05000000000000000000" pitchFamily="2" charset="2"/>
+              <a:buChar char="q"/>
+              <a:tabLst>
+                <a:tab pos="911225" algn="l"/>
+                <a:tab pos="1825625" algn="l"/>
+                <a:tab pos="2740025" algn="l"/>
+                <a:tab pos="3654425" algn="l"/>
+                <a:tab pos="4568825" algn="l"/>
+                <a:tab pos="5483225" algn="l"/>
+                <a:tab pos="6397625" algn="l"/>
+                <a:tab pos="7312025" algn="l"/>
+                <a:tab pos="8226425" algn="l"/>
+                <a:tab pos="9140825" algn="l"/>
+                <a:tab pos="10055225" algn="l"/>
+              </a:tabLst>
+            </a:pPr>
+            <a:r>
+              <a:rPr lang="en-IN" sz="2000" dirty="0">
+                <a:solidFill>
+                  <a:srgbClr val="000000"/>
+                </a:solidFill>
+                <a:cs typeface="Times New Roman" pitchFamily="16" charset="0"/>
+              </a:rPr>
+              <a:t>Introduction</a:t>
+            </a:r>
+          </a:p>
+          <a:p>
+            <a:pPr marL="342900" indent="-342900" algn="just" eaLnBrk="1" hangingPunct="1">
+              <a:lnSpc>
+                <a:spcPct val="150000"/>
+              </a:lnSpc>
+              <a:spcBef>
+                <a:spcPts val="600"/>
+              </a:spcBef>
+              <a:buFont typeface="Wingdings" panose="05000000000000000000" pitchFamily="2" charset="2"/>
+              <a:buChar char="q"/>
+              <a:tabLst>
+                <a:tab pos="911225" algn="l"/>
+                <a:tab pos="1825625" algn="l"/>
+                <a:tab pos="2740025" algn="l"/>
+                <a:tab pos="3654425" algn="l"/>
+                <a:tab pos="4568825" algn="l"/>
+                <a:tab pos="5483225" algn="l"/>
+                <a:tab pos="6397625" algn="l"/>
+                <a:tab pos="7312025" algn="l"/>
+                <a:tab pos="8226425" algn="l"/>
+                <a:tab pos="9140825" algn="l"/>
+                <a:tab pos="10055225" algn="l"/>
+              </a:tabLst>
+            </a:pPr>
+            <a:r>
+              <a:rPr lang="en-IN" sz="2000" dirty="0">
+                <a:solidFill>
+                  <a:srgbClr val="000000"/>
+                </a:solidFill>
+                <a:cs typeface="Times New Roman" pitchFamily="16" charset="0"/>
+              </a:rPr>
+              <a:t>System Model</a:t>
+            </a:r>
+          </a:p>
+          <a:p>
+            <a:pPr marL="342900" indent="-342900" algn="just" eaLnBrk="1" hangingPunct="1">
+              <a:lnSpc>
+                <a:spcPct val="150000"/>
+              </a:lnSpc>
+              <a:spcBef>
+                <a:spcPts val="600"/>
+              </a:spcBef>
+              <a:buFont typeface="Wingdings" panose="05000000000000000000" pitchFamily="2" charset="2"/>
+              <a:buChar char="q"/>
+              <a:tabLst>
+                <a:tab pos="911225" algn="l"/>
+                <a:tab pos="1825625" algn="l"/>
+                <a:tab pos="2740025" algn="l"/>
+                <a:tab pos="3654425" algn="l"/>
+                <a:tab pos="4568825" algn="l"/>
+                <a:tab pos="5483225" algn="l"/>
+                <a:tab pos="6397625" algn="l"/>
+                <a:tab pos="7312025" algn="l"/>
+                <a:tab pos="8226425" algn="l"/>
+                <a:tab pos="9140825" algn="l"/>
+                <a:tab pos="10055225" algn="l"/>
+              </a:tabLst>
+            </a:pPr>
+            <a:r>
+              <a:rPr lang="en-IN" sz="2000" dirty="0">
+                <a:solidFill>
+                  <a:srgbClr val="000000"/>
+                </a:solidFill>
+                <a:cs typeface="Times New Roman" pitchFamily="16" charset="0"/>
+              </a:rPr>
+              <a:t>JURAS Scheme for MU-MIMO</a:t>
+            </a:r>
+          </a:p>
+          <a:p>
+            <a:pPr marL="342900" indent="-342900" algn="just" eaLnBrk="1" hangingPunct="1">
+              <a:lnSpc>
+                <a:spcPct val="150000"/>
+              </a:lnSpc>
+              <a:spcBef>
+                <a:spcPts val="600"/>
+              </a:spcBef>
+              <a:buFont typeface="Wingdings" panose="05000000000000000000" pitchFamily="2" charset="2"/>
+              <a:buChar char="q"/>
+              <a:tabLst>
+                <a:tab pos="911225" algn="l"/>
+                <a:tab pos="1825625" algn="l"/>
+                <a:tab pos="2740025" algn="l"/>
+                <a:tab pos="3654425" algn="l"/>
+                <a:tab pos="4568825" algn="l"/>
+                <a:tab pos="5483225" algn="l"/>
+                <a:tab pos="6397625" algn="l"/>
+                <a:tab pos="7312025" algn="l"/>
+                <a:tab pos="8226425" algn="l"/>
+                <a:tab pos="9140825" algn="l"/>
+                <a:tab pos="10055225" algn="l"/>
+              </a:tabLst>
+            </a:pPr>
+            <a:r>
+              <a:rPr lang="en-IN" sz="2000" dirty="0">
+                <a:solidFill>
+                  <a:srgbClr val="000000"/>
+                </a:solidFill>
+                <a:cs typeface="Times New Roman" pitchFamily="16" charset="0"/>
+              </a:rPr>
+              <a:t>Suboptimal  Algorithms</a:t>
+            </a:r>
+          </a:p>
+          <a:p>
+            <a:pPr marL="342900" indent="-342900" algn="just" eaLnBrk="1" hangingPunct="1">
+              <a:lnSpc>
+                <a:spcPct val="150000"/>
+              </a:lnSpc>
+              <a:spcBef>
+                <a:spcPts val="600"/>
+              </a:spcBef>
+              <a:buFont typeface="Wingdings" panose="05000000000000000000" pitchFamily="2" charset="2"/>
+              <a:buChar char="q"/>
+              <a:tabLst>
+                <a:tab pos="911225" algn="l"/>
+                <a:tab pos="1825625" algn="l"/>
+                <a:tab pos="2740025" algn="l"/>
+                <a:tab pos="3654425" algn="l"/>
+                <a:tab pos="4568825" algn="l"/>
+                <a:tab pos="5483225" algn="l"/>
+                <a:tab pos="6397625" algn="l"/>
+                <a:tab pos="7312025" algn="l"/>
+                <a:tab pos="8226425" algn="l"/>
+                <a:tab pos="9140825" algn="l"/>
+                <a:tab pos="10055225" algn="l"/>
+              </a:tabLst>
+            </a:pPr>
+            <a:r>
+              <a:rPr lang="en-IN" sz="2000" dirty="0">
+                <a:solidFill>
+                  <a:srgbClr val="000000"/>
+                </a:solidFill>
+                <a:latin typeface="+mj-lt"/>
+                <a:cs typeface="Times New Roman" pitchFamily="16" charset="0"/>
+              </a:rPr>
+              <a:t>Outputs</a:t>
+            </a:r>
+          </a:p>
+          <a:p>
+            <a:pPr marL="342900" indent="-342900" algn="just" eaLnBrk="1" hangingPunct="1">
+              <a:lnSpc>
+                <a:spcPct val="150000"/>
+              </a:lnSpc>
+              <a:spcBef>
+                <a:spcPts val="600"/>
+              </a:spcBef>
+              <a:buFont typeface="Wingdings" panose="05000000000000000000" pitchFamily="2" charset="2"/>
+              <a:buChar char="q"/>
+              <a:tabLst>
+                <a:tab pos="911225" algn="l"/>
+                <a:tab pos="1825625" algn="l"/>
+                <a:tab pos="2740025" algn="l"/>
+                <a:tab pos="3654425" algn="l"/>
+                <a:tab pos="4568825" algn="l"/>
+                <a:tab pos="5483225" algn="l"/>
+                <a:tab pos="6397625" algn="l"/>
+                <a:tab pos="7312025" algn="l"/>
+                <a:tab pos="8226425" algn="l"/>
+                <a:tab pos="9140825" algn="l"/>
+                <a:tab pos="10055225" algn="l"/>
+              </a:tabLst>
+            </a:pPr>
+            <a:r>
+              <a:rPr lang="en-IN" sz="2000" dirty="0">
+                <a:solidFill>
+                  <a:srgbClr val="000000"/>
+                </a:solidFill>
+                <a:cs typeface="Times New Roman" pitchFamily="16" charset="0"/>
+              </a:rPr>
+              <a:t>Conclusions</a:t>
+            </a:r>
+            <a:endParaRPr lang="en-IN" sz="2000" dirty="0">
+              <a:solidFill>
+                <a:srgbClr val="000000"/>
+              </a:solidFill>
+              <a:latin typeface="+mj-lt"/>
+              <a:cs typeface="Times New Roman" pitchFamily="16" charset="0"/>
+            </a:endParaRPr>
+          </a:p>
+          <a:p>
+            <a:pPr marL="342900" indent="-342900" algn="just" eaLnBrk="1" hangingPunct="1">
+              <a:lnSpc>
+                <a:spcPct val="150000"/>
+              </a:lnSpc>
+              <a:spcBef>
+                <a:spcPts val="600"/>
+              </a:spcBef>
+              <a:buFont typeface="Wingdings" panose="05000000000000000000" pitchFamily="2" charset="2"/>
+              <a:buChar char="q"/>
+              <a:tabLst>
+                <a:tab pos="911225" algn="l"/>
+                <a:tab pos="1825625" algn="l"/>
+                <a:tab pos="2740025" algn="l"/>
+                <a:tab pos="3654425" algn="l"/>
+                <a:tab pos="4568825" algn="l"/>
+                <a:tab pos="5483225" algn="l"/>
+                <a:tab pos="6397625" algn="l"/>
+                <a:tab pos="7312025" algn="l"/>
+                <a:tab pos="8226425" algn="l"/>
+                <a:tab pos="9140825" algn="l"/>
+                <a:tab pos="10055225" algn="l"/>
+              </a:tabLst>
+            </a:pPr>
+            <a:r>
+              <a:rPr lang="en-IN" sz="2000" dirty="0">
+                <a:solidFill>
+                  <a:srgbClr val="000000"/>
+                </a:solidFill>
+                <a:latin typeface="+mj-lt"/>
+                <a:cs typeface="Times New Roman" pitchFamily="16" charset="0"/>
+              </a:rPr>
+              <a:t>References</a:t>
+            </a:r>
+            <a:endParaRPr lang="en-IN" sz="2800" b="1" dirty="0">
+              <a:solidFill>
+                <a:srgbClr val="000000"/>
+              </a:solidFill>
+              <a:latin typeface="+mj-lt"/>
+              <a:cs typeface="Times New Roman" pitchFamily="16" charset="0"/>
+            </a:endParaRPr>
+          </a:p>
+          <a:p>
+            <a:pPr marL="342900" indent="-342900" algn="just" eaLnBrk="1" hangingPunct="1">
+              <a:lnSpc>
+                <a:spcPct val="150000"/>
+              </a:lnSpc>
+              <a:spcBef>
+                <a:spcPts val="600"/>
+              </a:spcBef>
+              <a:buFont typeface="Wingdings" panose="05000000000000000000" pitchFamily="2" charset="2"/>
+              <a:buChar char="q"/>
+              <a:tabLst>
+                <a:tab pos="911225" algn="l"/>
+                <a:tab pos="1825625" algn="l"/>
+                <a:tab pos="2740025" algn="l"/>
+                <a:tab pos="3654425" algn="l"/>
+                <a:tab pos="4568825" algn="l"/>
+                <a:tab pos="5483225" algn="l"/>
+                <a:tab pos="6397625" algn="l"/>
+                <a:tab pos="7312025" algn="l"/>
+                <a:tab pos="8226425" algn="l"/>
+                <a:tab pos="9140825" algn="l"/>
+                <a:tab pos="10055225" algn="l"/>
+              </a:tabLst>
+            </a:pPr>
+            <a:endParaRPr lang="en-IN" b="1" dirty="0">
+              <a:solidFill>
+                <a:srgbClr val="000000"/>
+              </a:solidFill>
+              <a:cs typeface="Times New Roman" pitchFamily="16" charset="0"/>
+            </a:endParaRPr>
+          </a:p>
+          <a:p>
+            <a:pPr algn="just" eaLnBrk="1" hangingPunct="1">
+              <a:lnSpc>
+                <a:spcPct val="150000"/>
+              </a:lnSpc>
+              <a:spcBef>
+                <a:spcPts val="600"/>
+              </a:spcBef>
+              <a:tabLst>
+                <a:tab pos="911225" algn="l"/>
+                <a:tab pos="1825625" algn="l"/>
+                <a:tab pos="2740025" algn="l"/>
+                <a:tab pos="3654425" algn="l"/>
+                <a:tab pos="4568825" algn="l"/>
+                <a:tab pos="5483225" algn="l"/>
+                <a:tab pos="6397625" algn="l"/>
+                <a:tab pos="7312025" algn="l"/>
+                <a:tab pos="8226425" algn="l"/>
+                <a:tab pos="9140825" algn="l"/>
+                <a:tab pos="10055225" algn="l"/>
+              </a:tabLst>
+            </a:pPr>
+            <a:endParaRPr lang="en-IN" b="1" dirty="0">
+              <a:solidFill>
+                <a:srgbClr val="000000"/>
+              </a:solidFill>
+              <a:cs typeface="Times New Roman" pitchFamily="16" charset="0"/>
+            </a:endParaRPr>
+          </a:p>
+          <a:p>
+            <a:pPr algn="just" eaLnBrk="1" hangingPunct="1">
+              <a:lnSpc>
+                <a:spcPct val="150000"/>
+              </a:lnSpc>
+              <a:spcBef>
+                <a:spcPts val="600"/>
+              </a:spcBef>
+              <a:tabLst>
+                <a:tab pos="911225" algn="l"/>
+                <a:tab pos="1825625" algn="l"/>
+                <a:tab pos="2740025" algn="l"/>
+                <a:tab pos="3654425" algn="l"/>
+                <a:tab pos="4568825" algn="l"/>
+                <a:tab pos="5483225" algn="l"/>
+                <a:tab pos="6397625" algn="l"/>
+                <a:tab pos="7312025" algn="l"/>
+                <a:tab pos="8226425" algn="l"/>
+                <a:tab pos="9140825" algn="l"/>
+                <a:tab pos="10055225" algn="l"/>
+              </a:tabLst>
+            </a:pPr>
+            <a:endParaRPr lang="en-IN" b="1" dirty="0">
+              <a:solidFill>
+                <a:srgbClr val="000000"/>
+              </a:solidFill>
+              <a:cs typeface="Times New Roman" pitchFamily="16" charset="0"/>
+            </a:endParaRPr>
+          </a:p>
+          <a:p>
+            <a:pPr algn="just" eaLnBrk="1" hangingPunct="1">
+              <a:lnSpc>
+                <a:spcPct val="150000"/>
+              </a:lnSpc>
+              <a:spcBef>
+                <a:spcPts val="600"/>
+              </a:spcBef>
+              <a:tabLst>
+                <a:tab pos="911225" algn="l"/>
+                <a:tab pos="1825625" algn="l"/>
+                <a:tab pos="2740025" algn="l"/>
+                <a:tab pos="3654425" algn="l"/>
+                <a:tab pos="4568825" algn="l"/>
+                <a:tab pos="5483225" algn="l"/>
+                <a:tab pos="6397625" algn="l"/>
+                <a:tab pos="7312025" algn="l"/>
+                <a:tab pos="8226425" algn="l"/>
+                <a:tab pos="9140825" algn="l"/>
+                <a:tab pos="10055225" algn="l"/>
+              </a:tabLst>
+            </a:pPr>
+            <a:endParaRPr lang="en-IN" b="1" dirty="0">
+              <a:solidFill>
+                <a:srgbClr val="000000"/>
+              </a:solidFill>
+              <a:cs typeface="Times New Roman" pitchFamily="16" charset="0"/>
+            </a:endParaRPr>
+          </a:p>
+          <a:p>
+            <a:pPr marL="341313" indent="-341313" algn="just" eaLnBrk="1" hangingPunct="1">
+              <a:lnSpc>
+                <a:spcPct val="150000"/>
+              </a:lnSpc>
+              <a:spcBef>
+                <a:spcPts val="600"/>
+              </a:spcBef>
+              <a:tabLst>
+                <a:tab pos="911225" algn="l"/>
+                <a:tab pos="1825625" algn="l"/>
+                <a:tab pos="2740025" algn="l"/>
+                <a:tab pos="3654425" algn="l"/>
+                <a:tab pos="4568825" algn="l"/>
+                <a:tab pos="5483225" algn="l"/>
+                <a:tab pos="6397625" algn="l"/>
+                <a:tab pos="7312025" algn="l"/>
+                <a:tab pos="8226425" algn="l"/>
+                <a:tab pos="9140825" algn="l"/>
+                <a:tab pos="10055225" algn="l"/>
+              </a:tabLst>
+            </a:pPr>
+            <a:endParaRPr lang="en-IN" b="1" dirty="0">
+              <a:solidFill>
+                <a:srgbClr val="000000"/>
+              </a:solidFill>
+              <a:cs typeface="Times New Roman" pitchFamily="16" charset="0"/>
+            </a:endParaRPr>
+          </a:p>
+        </p:txBody>
+      </p:sp>
+      <p:sp>
+        <p:nvSpPr>
+          <p:cNvPr id="4" name="TextBox 3"/>
+          <p:cNvSpPr txBox="1"/>
+          <p:nvPr/>
+        </p:nvSpPr>
+        <p:spPr>
+          <a:xfrm>
+            <a:off x="533400" y="762000"/>
+            <a:ext cx="1757212" cy="584775"/>
+          </a:xfrm>
+          <a:prstGeom prst="rect">
+            <a:avLst/>
+          </a:prstGeom>
+          <a:noFill/>
+        </p:spPr>
+        <p:txBody>
+          <a:bodyPr wrap="none" rtlCol="0">
+            <a:spAutoFit/>
+          </a:bodyPr>
+          <a:lstStyle/>
+          <a:p>
+            <a:pPr algn="just"/>
+            <a:r>
+              <a:rPr lang="en-US" sz="3200" b="1" dirty="0">
+                <a:solidFill>
+                  <a:srgbClr val="3333CC"/>
+                </a:solidFill>
+                <a:latin typeface="+mj-lt"/>
+                <a:ea typeface="+mj-ea"/>
+                <a:cs typeface="+mj-cs"/>
+              </a:rPr>
+              <a:t>Contents</a:t>
+            </a:r>
+          </a:p>
+        </p:txBody>
+      </p:sp>
+    </p:spTree>
+  </p:cSld>
+  <p:clrMapOvr>
+    <a:masterClrMapping/>
+  </p:clrMapOvr>
+  <p:transition spd="med"/>
+  <p:timing>
+    <p:tnLst>
+      <p:par>
+        <p:cTn id="1" dur="indefinite" restart="never" nodeType="tmRoot">
+          <p:childTnLst>
+            <p:seq concurrent="1" nextAc="seek">
+              <p:cTn id="2" dur="0" nodeType="mainSeq"/>
+              <p:prevCondLst>
+                <p:cond evt="onPrev" delay="0">
+                  <p:tgtEl>
+                    <p:sldTgt/>
+                  </p:tgtEl>
+                </p:cond>
+              </p:prevCondLst>
+              <p:nextCondLst>
+                <p:cond evt="onNext" delay="0">
+                  <p:tgtEl>
+                    <p:sldTgt/>
+                  </p:tgtEl>
+                </p:cond>
+              </p:nextCondLst>
+            </p:seq>
+          </p:childTnLst>
+        </p:cTn>
+      </p:par>
+    </p:tnLst>
+  </p:timing>
+</p:sld>
+</file>
+
+<file path=ppt/slides/slide20.xml><?xml version="1.0" encoding="utf-8"?>
 <p:sld xmlns:a="http://schemas.openxmlformats.org/drawingml/2006/main" xmlns:r="http://schemas.openxmlformats.org/officeDocument/2006/relationships" xmlns:p="http://schemas.openxmlformats.org/presentationml/2006/main">
   <p:cSld>
     <p:spTree>
@@ -10453,6 +10206,125 @@
     <p:extLst>
       <p:ext uri="{BB962C8B-B14F-4D97-AF65-F5344CB8AC3E}">
         <p14:creationId xmlns:p14="http://schemas.microsoft.com/office/powerpoint/2010/main" val="3706483857"/>
+      </p:ext>
+    </p:extLst>
+  </p:cSld>
+  <p:clrMapOvr>
+    <a:masterClrMapping/>
+  </p:clrMapOvr>
+</p:sld>
+</file>
+
+<file path=ppt/slides/slide21.xml><?xml version="1.0" encoding="utf-8"?>
+<p:sld xmlns:a="http://schemas.openxmlformats.org/drawingml/2006/main" xmlns:r="http://schemas.openxmlformats.org/officeDocument/2006/relationships" xmlns:p="http://schemas.openxmlformats.org/presentationml/2006/main">
+  <p:cSld>
+    <p:spTree>
+      <p:nvGrpSpPr>
+        <p:cNvPr id="1" name=""/>
+        <p:cNvGrpSpPr/>
+        <p:nvPr/>
+      </p:nvGrpSpPr>
+      <p:grpSpPr>
+        <a:xfrm>
+          <a:off x="0" y="0"/>
+          <a:ext cx="0" cy="0"/>
+          <a:chOff x="0" y="0"/>
+          <a:chExt cx="0" cy="0"/>
+        </a:xfrm>
+      </p:grpSpPr>
+      <p:sp>
+        <p:nvSpPr>
+          <p:cNvPr id="2" name="Title 1"/>
+          <p:cNvSpPr>
+            <a:spLocks noGrp="1"/>
+          </p:cNvSpPr>
+          <p:nvPr>
+            <p:ph type="title"/>
+          </p:nvPr>
+        </p:nvSpPr>
+        <p:spPr>
+          <a:xfrm>
+            <a:off x="533400" y="762000"/>
+            <a:ext cx="4265613" cy="579437"/>
+          </a:xfrm>
+        </p:spPr>
+        <p:txBody>
+          <a:bodyPr/>
+          <a:lstStyle/>
+          <a:p>
+            <a:pPr algn="l"/>
+            <a:r>
+              <a:rPr lang="en-US" dirty="0"/>
+              <a:t>Suboptimal Algorithms</a:t>
+            </a:r>
+          </a:p>
+        </p:txBody>
+      </p:sp>
+      <p:sp>
+        <p:nvSpPr>
+          <p:cNvPr id="3" name="Content Placeholder 2"/>
+          <p:cNvSpPr>
+            <a:spLocks noGrp="1"/>
+          </p:cNvSpPr>
+          <p:nvPr>
+            <p:ph idx="1"/>
+          </p:nvPr>
+        </p:nvSpPr>
+        <p:spPr>
+          <a:xfrm>
+            <a:off x="533400" y="1371600"/>
+            <a:ext cx="8610600" cy="4724400"/>
+          </a:xfrm>
+        </p:spPr>
+        <p:txBody>
+          <a:bodyPr/>
+          <a:lstStyle/>
+          <a:p>
+            <a:pPr marL="0" indent="0" algn="just"/>
+            <a:r>
+              <a:rPr lang="en-US" sz="2400" dirty="0">
+                <a:solidFill>
+                  <a:schemeClr val="tx1"/>
+                </a:solidFill>
+              </a:rPr>
+              <a:t> </a:t>
+            </a:r>
+          </a:p>
+        </p:txBody>
+      </p:sp>
+      <p:pic>
+        <p:nvPicPr>
+          <p:cNvPr id="9" name="Picture 8">
+            <a:extLst>
+              <a:ext uri="{FF2B5EF4-FFF2-40B4-BE49-F238E27FC236}">
+                <a16:creationId xmlns:a16="http://schemas.microsoft.com/office/drawing/2014/main" id="{02090EF2-DE5A-4AF7-A0F8-FAC09F0B98CC}"/>
+              </a:ext>
+            </a:extLst>
+          </p:cNvPr>
+          <p:cNvPicPr>
+            <a:picLocks noChangeAspect="1"/>
+          </p:cNvPicPr>
+          <p:nvPr/>
+        </p:nvPicPr>
+        <p:blipFill rotWithShape="1">
+          <a:blip r:embed="rId2"/>
+          <a:srcRect t="54444"/>
+          <a:stretch/>
+        </p:blipFill>
+        <p:spPr>
+          <a:xfrm>
+            <a:off x="533400" y="1341436"/>
+            <a:ext cx="6245088" cy="4525963"/>
+          </a:xfrm>
+          <a:prstGeom prst="rect">
+            <a:avLst/>
+          </a:prstGeom>
+        </p:spPr>
+      </p:pic>
+    </p:spTree>
+    <p:extLst>
+      <p:ext uri="{BB962C8B-B14F-4D97-AF65-F5344CB8AC3E}">
+        <p14:creationId xmlns:p14="http://schemas.microsoft.com/office/powerpoint/2010/main" val="3734888670"/>
       </p:ext>
     </p:extLst>
   </p:cSld>
@@ -10481,7 +10353,13 @@
       </p:grpSpPr>
       <p:sp>
         <p:nvSpPr>
-          <p:cNvPr id="2" name="Title 1"/>
+          <p:cNvPr id="2" name="Title 1">
+            <a:extLst>
+              <a:ext uri="{FF2B5EF4-FFF2-40B4-BE49-F238E27FC236}">
+                <a16:creationId xmlns:a16="http://schemas.microsoft.com/office/drawing/2014/main" id="{C8AD9F1B-3684-44E2-91AE-76BF839640F4}"/>
+              </a:ext>
+            </a:extLst>
+          </p:cNvPr>
           <p:cNvSpPr>
             <a:spLocks noGrp="1"/>
           </p:cNvSpPr>
@@ -10489,62 +10367,26 @@
             <p:ph type="title"/>
           </p:nvPr>
         </p:nvSpPr>
-        <p:spPr>
-          <a:xfrm>
-            <a:off x="533400" y="762000"/>
-            <a:ext cx="4265613" cy="579437"/>
-          </a:xfrm>
-        </p:spPr>
+        <p:spPr/>
         <p:txBody>
           <a:bodyPr/>
           <a:lstStyle/>
           <a:p>
-            <a:pPr algn="l"/>
+            <a:pPr algn="just"/>
             <a:r>
               <a:rPr lang="en-US" dirty="0"/>
-              <a:t>Suboptimal Algorithms</a:t>
-            </a:r>
-          </a:p>
-        </p:txBody>
-      </p:sp>
-      <p:sp>
-        <p:nvSpPr>
-          <p:cNvPr id="3" name="Content Placeholder 2"/>
-          <p:cNvSpPr>
-            <a:spLocks noGrp="1"/>
-          </p:cNvSpPr>
-          <p:nvPr>
-            <p:ph idx="1"/>
-          </p:nvPr>
-        </p:nvSpPr>
-        <p:spPr>
-          <a:xfrm>
-            <a:off x="533400" y="1371600"/>
-            <a:ext cx="8610600" cy="4724400"/>
-          </a:xfrm>
-        </p:spPr>
-        <p:txBody>
-          <a:bodyPr/>
-          <a:lstStyle/>
-          <a:p>
-            <a:pPr marL="0" indent="0" algn="just"/>
-            <a:r>
-              <a:rPr lang="en-US" sz="2400" dirty="0">
-                <a:solidFill>
-                  <a:schemeClr val="tx1"/>
-                </a:solidFill>
-              </a:rPr>
-              <a:t> </a:t>
-            </a:r>
+              <a:t>Outputs</a:t>
+            </a:r>
+            <a:endParaRPr lang="en-IN" dirty="0"/>
           </a:p>
         </p:txBody>
       </p:sp>
       <p:pic>
         <p:nvPicPr>
-          <p:cNvPr id="9" name="Picture 8">
+          <p:cNvPr id="7" name="Picture 6">
             <a:extLst>
               <a:ext uri="{FF2B5EF4-FFF2-40B4-BE49-F238E27FC236}">
-                <a16:creationId xmlns:a16="http://schemas.microsoft.com/office/drawing/2014/main" id="{02090EF2-DE5A-4AF7-A0F8-FAC09F0B98CC}"/>
+                <a16:creationId xmlns:a16="http://schemas.microsoft.com/office/drawing/2014/main" id="{05B55A8D-9B1A-4EF6-A2AB-79D1EB377203}"/>
               </a:ext>
             </a:extLst>
           </p:cNvPr>
@@ -10553,25 +10395,438 @@
           </p:cNvPicPr>
           <p:nvPr/>
         </p:nvPicPr>
-        <p:blipFill rotWithShape="1">
-          <a:blip r:embed="rId2"/>
-          <a:srcRect t="54444"/>
-          <a:stretch/>
+        <p:blipFill>
+          <a:blip r:embed="rId2">
+            <a:extLst>
+              <a:ext uri="{28A0092B-C50C-407E-A947-70E740481C1C}">
+                <a14:useLocalDpi xmlns:a14="http://schemas.microsoft.com/office/drawing/2010/main" val="0"/>
+              </a:ext>
+            </a:extLst>
+          </a:blip>
+          <a:stretch>
+            <a:fillRect/>
+          </a:stretch>
         </p:blipFill>
         <p:spPr>
           <a:xfrm>
-            <a:off x="533400" y="1341436"/>
-            <a:ext cx="6400800" cy="4754564"/>
+            <a:off x="685800" y="1447800"/>
+            <a:ext cx="8296422" cy="4672012"/>
           </a:xfrm>
           <a:prstGeom prst="rect">
             <a:avLst/>
           </a:prstGeom>
         </p:spPr>
       </p:pic>
+      <p:cxnSp>
+        <p:nvCxnSpPr>
+          <p:cNvPr id="12" name="Straight Arrow Connector 11">
+            <a:extLst>
+              <a:ext uri="{FF2B5EF4-FFF2-40B4-BE49-F238E27FC236}">
+                <a16:creationId xmlns:a16="http://schemas.microsoft.com/office/drawing/2014/main" id="{7ACC8732-3F65-40A7-8DEC-19B642B476F8}"/>
+              </a:ext>
+            </a:extLst>
+          </p:cNvPr>
+          <p:cNvCxnSpPr>
+            <a:cxnSpLocks/>
+          </p:cNvCxnSpPr>
+          <p:nvPr/>
+        </p:nvCxnSpPr>
+        <p:spPr bwMode="auto">
+          <a:xfrm flipH="1" flipV="1">
+            <a:off x="2895600" y="2057400"/>
+            <a:ext cx="228600" cy="304800"/>
+          </a:xfrm>
+          <a:prstGeom prst="straightConnector1">
+            <a:avLst/>
+          </a:prstGeom>
+          <a:ln>
+            <a:headEnd type="none" w="med" len="med"/>
+            <a:tailEnd type="triangle"/>
+          </a:ln>
+        </p:spPr>
+        <p:style>
+          <a:lnRef idx="1">
+            <a:schemeClr val="dk1"/>
+          </a:lnRef>
+          <a:fillRef idx="0">
+            <a:schemeClr val="dk1"/>
+          </a:fillRef>
+          <a:effectRef idx="0">
+            <a:schemeClr val="dk1"/>
+          </a:effectRef>
+          <a:fontRef idx="minor">
+            <a:schemeClr val="tx1"/>
+          </a:fontRef>
+        </p:style>
+      </p:cxnSp>
+      <p:cxnSp>
+        <p:nvCxnSpPr>
+          <p:cNvPr id="14" name="Straight Arrow Connector 13">
+            <a:extLst>
+              <a:ext uri="{FF2B5EF4-FFF2-40B4-BE49-F238E27FC236}">
+                <a16:creationId xmlns:a16="http://schemas.microsoft.com/office/drawing/2014/main" id="{3596D61C-CC2F-49C0-8200-6502924DC5F7}"/>
+              </a:ext>
+            </a:extLst>
+          </p:cNvPr>
+          <p:cNvCxnSpPr>
+            <a:cxnSpLocks/>
+          </p:cNvCxnSpPr>
+          <p:nvPr/>
+        </p:nvCxnSpPr>
+        <p:spPr bwMode="auto">
+          <a:xfrm flipH="1" flipV="1">
+            <a:off x="3039208" y="3092324"/>
+            <a:ext cx="228600" cy="304800"/>
+          </a:xfrm>
+          <a:prstGeom prst="straightConnector1">
+            <a:avLst/>
+          </a:prstGeom>
+          <a:ln>
+            <a:headEnd type="none" w="med" len="med"/>
+            <a:tailEnd type="triangle"/>
+          </a:ln>
+        </p:spPr>
+        <p:style>
+          <a:lnRef idx="1">
+            <a:schemeClr val="dk1"/>
+          </a:lnRef>
+          <a:fillRef idx="0">
+            <a:schemeClr val="dk1"/>
+          </a:fillRef>
+          <a:effectRef idx="0">
+            <a:schemeClr val="dk1"/>
+          </a:effectRef>
+          <a:fontRef idx="minor">
+            <a:schemeClr val="tx1"/>
+          </a:fontRef>
+        </p:style>
+      </p:cxnSp>
+      <p:cxnSp>
+        <p:nvCxnSpPr>
+          <p:cNvPr id="15" name="Straight Arrow Connector 14">
+            <a:extLst>
+              <a:ext uri="{FF2B5EF4-FFF2-40B4-BE49-F238E27FC236}">
+                <a16:creationId xmlns:a16="http://schemas.microsoft.com/office/drawing/2014/main" id="{DE4EC85B-C170-4583-AEF6-50E78E9123FC}"/>
+              </a:ext>
+            </a:extLst>
+          </p:cNvPr>
+          <p:cNvCxnSpPr>
+            <a:cxnSpLocks/>
+          </p:cNvCxnSpPr>
+          <p:nvPr/>
+        </p:nvCxnSpPr>
+        <p:spPr bwMode="auto">
+          <a:xfrm flipH="1" flipV="1">
+            <a:off x="3175194" y="4112855"/>
+            <a:ext cx="228600" cy="304800"/>
+          </a:xfrm>
+          <a:prstGeom prst="straightConnector1">
+            <a:avLst/>
+          </a:prstGeom>
+          <a:ln>
+            <a:headEnd type="none" w="med" len="med"/>
+            <a:tailEnd type="triangle"/>
+          </a:ln>
+        </p:spPr>
+        <p:style>
+          <a:lnRef idx="1">
+            <a:schemeClr val="dk1"/>
+          </a:lnRef>
+          <a:fillRef idx="0">
+            <a:schemeClr val="dk1"/>
+          </a:fillRef>
+          <a:effectRef idx="0">
+            <a:schemeClr val="dk1"/>
+          </a:effectRef>
+          <a:fontRef idx="minor">
+            <a:schemeClr val="tx1"/>
+          </a:fontRef>
+        </p:style>
+      </p:cxnSp>
+      <p:cxnSp>
+        <p:nvCxnSpPr>
+          <p:cNvPr id="16" name="Straight Arrow Connector 15">
+            <a:extLst>
+              <a:ext uri="{FF2B5EF4-FFF2-40B4-BE49-F238E27FC236}">
+                <a16:creationId xmlns:a16="http://schemas.microsoft.com/office/drawing/2014/main" id="{415F957F-676F-40D2-8595-2519BF5EAA82}"/>
+              </a:ext>
+            </a:extLst>
+          </p:cNvPr>
+          <p:cNvCxnSpPr>
+            <a:cxnSpLocks/>
+          </p:cNvCxnSpPr>
+          <p:nvPr/>
+        </p:nvCxnSpPr>
+        <p:spPr bwMode="auto">
+          <a:xfrm flipH="1" flipV="1">
+            <a:off x="3250222" y="5148775"/>
+            <a:ext cx="217463" cy="322518"/>
+          </a:xfrm>
+          <a:prstGeom prst="straightConnector1">
+            <a:avLst/>
+          </a:prstGeom>
+          <a:ln>
+            <a:headEnd type="none" w="med" len="med"/>
+            <a:tailEnd type="triangle"/>
+          </a:ln>
+        </p:spPr>
+        <p:style>
+          <a:lnRef idx="1">
+            <a:schemeClr val="dk1"/>
+          </a:lnRef>
+          <a:fillRef idx="0">
+            <a:schemeClr val="dk1"/>
+          </a:fillRef>
+          <a:effectRef idx="0">
+            <a:schemeClr val="dk1"/>
+          </a:effectRef>
+          <a:fontRef idx="minor">
+            <a:schemeClr val="tx1"/>
+          </a:fontRef>
+        </p:style>
+      </p:cxnSp>
+      <p:sp>
+        <p:nvSpPr>
+          <p:cNvPr id="18" name="TextBox 17">
+            <a:extLst>
+              <a:ext uri="{FF2B5EF4-FFF2-40B4-BE49-F238E27FC236}">
+                <a16:creationId xmlns:a16="http://schemas.microsoft.com/office/drawing/2014/main" id="{1A778BB0-9169-443D-98E4-CE1705ECD3AB}"/>
+              </a:ext>
+            </a:extLst>
+          </p:cNvPr>
+          <p:cNvSpPr txBox="1"/>
+          <p:nvPr/>
+        </p:nvSpPr>
+        <p:spPr>
+          <a:xfrm>
+            <a:off x="3151162" y="2180492"/>
+            <a:ext cx="2030437" cy="400110"/>
+          </a:xfrm>
+          <a:prstGeom prst="rect">
+            <a:avLst/>
+          </a:prstGeom>
+          <a:noFill/>
+        </p:spPr>
+        <p:txBody>
+          <a:bodyPr wrap="square" rtlCol="0">
+            <a:spAutoFit/>
+          </a:bodyPr>
+          <a:lstStyle/>
+          <a:p>
+            <a:r>
+              <a:rPr lang="en-US" sz="2000" dirty="0">
+                <a:solidFill>
+                  <a:srgbClr val="00B050"/>
+                </a:solidFill>
+              </a:rPr>
+              <a:t>SNR = 30 dB</a:t>
+            </a:r>
+            <a:endParaRPr lang="en-IN" sz="2000" dirty="0">
+              <a:solidFill>
+                <a:srgbClr val="00B050"/>
+              </a:solidFill>
+            </a:endParaRPr>
+          </a:p>
+        </p:txBody>
+      </p:sp>
+      <p:sp>
+        <p:nvSpPr>
+          <p:cNvPr id="19" name="TextBox 18">
+            <a:extLst>
+              <a:ext uri="{FF2B5EF4-FFF2-40B4-BE49-F238E27FC236}">
+                <a16:creationId xmlns:a16="http://schemas.microsoft.com/office/drawing/2014/main" id="{F86614F6-9CFE-4CD5-AF4C-A74877917841}"/>
+              </a:ext>
+            </a:extLst>
+          </p:cNvPr>
+          <p:cNvSpPr txBox="1"/>
+          <p:nvPr/>
+        </p:nvSpPr>
+        <p:spPr>
+          <a:xfrm>
+            <a:off x="3209191" y="3216927"/>
+            <a:ext cx="2030437" cy="400110"/>
+          </a:xfrm>
+          <a:prstGeom prst="rect">
+            <a:avLst/>
+          </a:prstGeom>
+          <a:noFill/>
+        </p:spPr>
+        <p:txBody>
+          <a:bodyPr wrap="square" rtlCol="0">
+            <a:spAutoFit/>
+          </a:bodyPr>
+          <a:lstStyle/>
+          <a:p>
+            <a:r>
+              <a:rPr lang="en-US" sz="2000" dirty="0">
+                <a:solidFill>
+                  <a:srgbClr val="00B050"/>
+                </a:solidFill>
+              </a:rPr>
+              <a:t>SNR = 20 dB</a:t>
+            </a:r>
+            <a:endParaRPr lang="en-IN" sz="2000" dirty="0">
+              <a:solidFill>
+                <a:srgbClr val="00B050"/>
+              </a:solidFill>
+            </a:endParaRPr>
+          </a:p>
+        </p:txBody>
+      </p:sp>
+      <p:sp>
+        <p:nvSpPr>
+          <p:cNvPr id="20" name="TextBox 19">
+            <a:extLst>
+              <a:ext uri="{FF2B5EF4-FFF2-40B4-BE49-F238E27FC236}">
+                <a16:creationId xmlns:a16="http://schemas.microsoft.com/office/drawing/2014/main" id="{8986935A-16C6-41BC-896A-60D1DFBC173F}"/>
+              </a:ext>
+            </a:extLst>
+          </p:cNvPr>
+          <p:cNvSpPr txBox="1"/>
+          <p:nvPr/>
+        </p:nvSpPr>
+        <p:spPr>
+          <a:xfrm>
+            <a:off x="3385037" y="4280249"/>
+            <a:ext cx="2030437" cy="400110"/>
+          </a:xfrm>
+          <a:prstGeom prst="rect">
+            <a:avLst/>
+          </a:prstGeom>
+          <a:noFill/>
+        </p:spPr>
+        <p:txBody>
+          <a:bodyPr wrap="square" rtlCol="0">
+            <a:spAutoFit/>
+          </a:bodyPr>
+          <a:lstStyle/>
+          <a:p>
+            <a:r>
+              <a:rPr lang="en-US" sz="2000" dirty="0">
+                <a:solidFill>
+                  <a:srgbClr val="00B050"/>
+                </a:solidFill>
+              </a:rPr>
+              <a:t>SNR = 10 dB</a:t>
+            </a:r>
+            <a:endParaRPr lang="en-IN" sz="2000" dirty="0">
+              <a:solidFill>
+                <a:srgbClr val="00B050"/>
+              </a:solidFill>
+            </a:endParaRPr>
+          </a:p>
+        </p:txBody>
+      </p:sp>
+      <p:sp>
+        <p:nvSpPr>
+          <p:cNvPr id="21" name="TextBox 20">
+            <a:extLst>
+              <a:ext uri="{FF2B5EF4-FFF2-40B4-BE49-F238E27FC236}">
+                <a16:creationId xmlns:a16="http://schemas.microsoft.com/office/drawing/2014/main" id="{65EFF5BE-0BDA-4D4B-A95D-9DF4C4B3602F}"/>
+              </a:ext>
+            </a:extLst>
+          </p:cNvPr>
+          <p:cNvSpPr txBox="1"/>
+          <p:nvPr/>
+        </p:nvSpPr>
+        <p:spPr>
+          <a:xfrm>
+            <a:off x="3413172" y="5310034"/>
+            <a:ext cx="2030437" cy="400110"/>
+          </a:xfrm>
+          <a:prstGeom prst="rect">
+            <a:avLst/>
+          </a:prstGeom>
+          <a:noFill/>
+        </p:spPr>
+        <p:txBody>
+          <a:bodyPr wrap="square" rtlCol="0">
+            <a:spAutoFit/>
+          </a:bodyPr>
+          <a:lstStyle/>
+          <a:p>
+            <a:r>
+              <a:rPr lang="en-US" sz="2000" dirty="0">
+                <a:solidFill>
+                  <a:srgbClr val="00B050"/>
+                </a:solidFill>
+              </a:rPr>
+              <a:t>SNR = 0 dB</a:t>
+            </a:r>
+            <a:endParaRPr lang="en-IN" sz="2000" dirty="0">
+              <a:solidFill>
+                <a:srgbClr val="00B050"/>
+              </a:solidFill>
+            </a:endParaRPr>
+          </a:p>
+        </p:txBody>
+      </p:sp>
+      <p:sp>
+        <p:nvSpPr>
+          <p:cNvPr id="22" name="TextBox 21">
+            <a:extLst>
+              <a:ext uri="{FF2B5EF4-FFF2-40B4-BE49-F238E27FC236}">
+                <a16:creationId xmlns:a16="http://schemas.microsoft.com/office/drawing/2014/main" id="{186AFE01-7A0A-44A1-A7F3-B60FCF7F927B}"/>
+              </a:ext>
+            </a:extLst>
+          </p:cNvPr>
+          <p:cNvSpPr txBox="1"/>
+          <p:nvPr/>
+        </p:nvSpPr>
+        <p:spPr>
+          <a:xfrm>
+            <a:off x="6553200" y="2194559"/>
+            <a:ext cx="1903413" cy="400110"/>
+          </a:xfrm>
+          <a:prstGeom prst="rect">
+            <a:avLst/>
+          </a:prstGeom>
+          <a:ln>
+            <a:solidFill>
+              <a:schemeClr val="tx1"/>
+            </a:solidFill>
+          </a:ln>
+        </p:spPr>
+        <p:style>
+          <a:lnRef idx="2">
+            <a:schemeClr val="dk1"/>
+          </a:lnRef>
+          <a:fillRef idx="1">
+            <a:schemeClr val="lt1"/>
+          </a:fillRef>
+          <a:effectRef idx="0">
+            <a:schemeClr val="dk1"/>
+          </a:effectRef>
+          <a:fontRef idx="minor">
+            <a:schemeClr val="dk1"/>
+          </a:fontRef>
+        </p:style>
+        <p:txBody>
+          <a:bodyPr wrap="square" rtlCol="0">
+            <a:spAutoFit/>
+          </a:bodyPr>
+          <a:lstStyle/>
+          <a:p>
+            <a:r>
+              <a:rPr lang="en-US" sz="2000" dirty="0">
+                <a:solidFill>
+                  <a:srgbClr val="0070C0"/>
+                </a:solidFill>
+              </a:rPr>
+              <a:t>Nr = 2 , Nt  = 4</a:t>
+            </a:r>
+            <a:endParaRPr lang="en-IN" sz="2000" dirty="0">
+              <a:solidFill>
+                <a:srgbClr val="0070C0"/>
+              </a:solidFill>
+            </a:endParaRPr>
+          </a:p>
+        </p:txBody>
+      </p:sp>
     </p:spTree>
     <p:extLst>
       <p:ext uri="{BB962C8B-B14F-4D97-AF65-F5344CB8AC3E}">
-        <p14:creationId xmlns:p14="http://schemas.microsoft.com/office/powerpoint/2010/main" val="3734888670"/>
+        <p14:creationId xmlns:p14="http://schemas.microsoft.com/office/powerpoint/2010/main" val="124712022"/>
       </p:ext>
     </p:extLst>
   </p:cSld>
@@ -10630,10 +10885,10 @@
       </p:sp>
       <p:pic>
         <p:nvPicPr>
-          <p:cNvPr id="5" name="Picture 4">
+          <p:cNvPr id="3" name="Picture 2">
             <a:extLst>
               <a:ext uri="{FF2B5EF4-FFF2-40B4-BE49-F238E27FC236}">
-                <a16:creationId xmlns:a16="http://schemas.microsoft.com/office/drawing/2014/main" id="{0312E4C0-2346-4F69-9A63-F554CF3095F8}"/>
+                <a16:creationId xmlns:a16="http://schemas.microsoft.com/office/drawing/2014/main" id="{58A4C07C-CF3E-41AC-9565-10096CCE7BD5}"/>
               </a:ext>
             </a:extLst>
           </p:cNvPr>
@@ -10656,8 +10911,8 @@
         </p:blipFill>
         <p:spPr>
           <a:xfrm>
-            <a:off x="533400" y="1328511"/>
-            <a:ext cx="8610600" cy="5067824"/>
+            <a:off x="533400" y="1447800"/>
+            <a:ext cx="8534401" cy="4541136"/>
           </a:xfrm>
           <a:prstGeom prst="rect">
             <a:avLst/>
@@ -10666,10 +10921,10 @@
       </p:pic>
       <p:sp>
         <p:nvSpPr>
-          <p:cNvPr id="15" name="TextBox 14">
+          <p:cNvPr id="4" name="TextBox 3">
             <a:extLst>
               <a:ext uri="{FF2B5EF4-FFF2-40B4-BE49-F238E27FC236}">
-                <a16:creationId xmlns:a16="http://schemas.microsoft.com/office/drawing/2014/main" id="{A78EF6AC-D9D9-400C-92EE-CFBE85EFDE07}"/>
+                <a16:creationId xmlns:a16="http://schemas.microsoft.com/office/drawing/2014/main" id="{4A93730B-CC9E-4051-AA32-B8E035D0B677}"/>
               </a:ext>
             </a:extLst>
           </p:cNvPr>
@@ -10678,22 +10933,23 @@
         </p:nvSpPr>
         <p:spPr>
           <a:xfrm>
-            <a:off x="1981200" y="2362200"/>
-            <a:ext cx="1981200" cy="461665"/>
+            <a:off x="2855153" y="2057400"/>
+            <a:ext cx="3317047" cy="400110"/>
           </a:xfrm>
           <a:prstGeom prst="rect">
             <a:avLst/>
           </a:prstGeom>
+          <a:ln/>
         </p:spPr>
         <p:style>
           <a:lnRef idx="2">
-            <a:schemeClr val="dk1"/>
+            <a:schemeClr val="accent4"/>
           </a:lnRef>
           <a:fillRef idx="1">
             <a:schemeClr val="lt1"/>
           </a:fillRef>
           <a:effectRef idx="0">
-            <a:schemeClr val="dk1"/>
+            <a:schemeClr val="accent4"/>
           </a:effectRef>
           <a:fontRef idx="minor">
             <a:schemeClr val="dk1"/>
@@ -10706,344 +10962,25 @@
           <a:lstStyle/>
           <a:p>
             <a:r>
-              <a:rPr lang="en-IN" dirty="0">
+              <a:rPr lang="en-US" sz="2000" dirty="0">
                 <a:solidFill>
                   <a:srgbClr val="0070C0"/>
                 </a:solidFill>
               </a:rPr>
-              <a:t>Nt=4,Nr=2</a:t>
-            </a:r>
-          </a:p>
-        </p:txBody>
-      </p:sp>
-      <p:cxnSp>
-        <p:nvCxnSpPr>
-          <p:cNvPr id="16" name="Straight Arrow Connector 15">
-            <a:extLst>
-              <a:ext uri="{FF2B5EF4-FFF2-40B4-BE49-F238E27FC236}">
-                <a16:creationId xmlns:a16="http://schemas.microsoft.com/office/drawing/2014/main" id="{4D49FFC3-480E-44C1-B6A7-E43541589FE3}"/>
-              </a:ext>
-            </a:extLst>
-          </p:cNvPr>
-          <p:cNvCxnSpPr>
-            <a:cxnSpLocks/>
-          </p:cNvCxnSpPr>
-          <p:nvPr/>
-        </p:nvCxnSpPr>
-        <p:spPr bwMode="auto">
-          <a:xfrm flipH="1" flipV="1">
-            <a:off x="5009755" y="5147687"/>
-            <a:ext cx="343694" cy="418144"/>
-          </a:xfrm>
-          <a:prstGeom prst="straightConnector1">
-            <a:avLst/>
-          </a:prstGeom>
-          <a:ln>
-            <a:headEnd type="none" w="med" len="med"/>
-            <a:tailEnd type="triangle"/>
-          </a:ln>
-        </p:spPr>
-        <p:style>
-          <a:lnRef idx="1">
-            <a:schemeClr val="dk1"/>
-          </a:lnRef>
-          <a:fillRef idx="0">
-            <a:schemeClr val="dk1"/>
-          </a:fillRef>
-          <a:effectRef idx="0">
-            <a:schemeClr val="dk1"/>
-          </a:effectRef>
-          <a:fontRef idx="minor">
-            <a:schemeClr val="tx1"/>
-          </a:fontRef>
-        </p:style>
-      </p:cxnSp>
-      <p:cxnSp>
-        <p:nvCxnSpPr>
-          <p:cNvPr id="17" name="Straight Arrow Connector 16">
-            <a:extLst>
-              <a:ext uri="{FF2B5EF4-FFF2-40B4-BE49-F238E27FC236}">
-                <a16:creationId xmlns:a16="http://schemas.microsoft.com/office/drawing/2014/main" id="{2980E527-C85E-4865-B67A-D29A51BB80ED}"/>
-              </a:ext>
-            </a:extLst>
-          </p:cNvPr>
-          <p:cNvCxnSpPr>
-            <a:cxnSpLocks/>
-          </p:cNvCxnSpPr>
-          <p:nvPr/>
-        </p:nvCxnSpPr>
-        <p:spPr bwMode="auto">
-          <a:xfrm flipH="1" flipV="1">
-            <a:off x="5009755" y="4052637"/>
-            <a:ext cx="343694" cy="418144"/>
-          </a:xfrm>
-          <a:prstGeom prst="straightConnector1">
-            <a:avLst/>
-          </a:prstGeom>
-          <a:ln>
-            <a:headEnd type="none" w="med" len="med"/>
-            <a:tailEnd type="triangle"/>
-          </a:ln>
-        </p:spPr>
-        <p:style>
-          <a:lnRef idx="1">
-            <a:schemeClr val="dk1"/>
-          </a:lnRef>
-          <a:fillRef idx="0">
-            <a:schemeClr val="dk1"/>
-          </a:fillRef>
-          <a:effectRef idx="0">
-            <a:schemeClr val="dk1"/>
-          </a:effectRef>
-          <a:fontRef idx="minor">
-            <a:schemeClr val="tx1"/>
-          </a:fontRef>
-        </p:style>
-      </p:cxnSp>
-      <p:cxnSp>
-        <p:nvCxnSpPr>
-          <p:cNvPr id="18" name="Straight Arrow Connector 17">
-            <a:extLst>
-              <a:ext uri="{FF2B5EF4-FFF2-40B4-BE49-F238E27FC236}">
-                <a16:creationId xmlns:a16="http://schemas.microsoft.com/office/drawing/2014/main" id="{CB22324F-6CFB-49F1-8972-90B682ECA990}"/>
-              </a:ext>
-            </a:extLst>
-          </p:cNvPr>
-          <p:cNvCxnSpPr>
-            <a:cxnSpLocks/>
-          </p:cNvCxnSpPr>
-          <p:nvPr/>
-        </p:nvCxnSpPr>
-        <p:spPr bwMode="auto">
-          <a:xfrm flipH="1" flipV="1">
-            <a:off x="5009755" y="3107048"/>
-            <a:ext cx="343694" cy="418144"/>
-          </a:xfrm>
-          <a:prstGeom prst="straightConnector1">
-            <a:avLst/>
-          </a:prstGeom>
-          <a:ln>
-            <a:headEnd type="none" w="med" len="med"/>
-            <a:tailEnd type="triangle"/>
-          </a:ln>
-        </p:spPr>
-        <p:style>
-          <a:lnRef idx="1">
-            <a:schemeClr val="dk1"/>
-          </a:lnRef>
-          <a:fillRef idx="0">
-            <a:schemeClr val="dk1"/>
-          </a:fillRef>
-          <a:effectRef idx="0">
-            <a:schemeClr val="dk1"/>
-          </a:effectRef>
-          <a:fontRef idx="minor">
-            <a:schemeClr val="tx1"/>
-          </a:fontRef>
-        </p:style>
-      </p:cxnSp>
-      <p:cxnSp>
-        <p:nvCxnSpPr>
-          <p:cNvPr id="19" name="Straight Arrow Connector 18">
-            <a:extLst>
-              <a:ext uri="{FF2B5EF4-FFF2-40B4-BE49-F238E27FC236}">
-                <a16:creationId xmlns:a16="http://schemas.microsoft.com/office/drawing/2014/main" id="{00910CC3-317A-4B30-A4E6-4E4DCE7ACF93}"/>
-              </a:ext>
-            </a:extLst>
-          </p:cNvPr>
-          <p:cNvCxnSpPr>
-            <a:cxnSpLocks/>
-          </p:cNvCxnSpPr>
-          <p:nvPr/>
-        </p:nvCxnSpPr>
-        <p:spPr bwMode="auto">
-          <a:xfrm flipH="1" flipV="1">
-            <a:off x="5009755" y="1981200"/>
-            <a:ext cx="343694" cy="418144"/>
-          </a:xfrm>
-          <a:prstGeom prst="straightConnector1">
-            <a:avLst/>
-          </a:prstGeom>
-          <a:ln>
-            <a:headEnd type="none" w="med" len="med"/>
-            <a:tailEnd type="triangle"/>
-          </a:ln>
-        </p:spPr>
-        <p:style>
-          <a:lnRef idx="1">
-            <a:schemeClr val="dk1"/>
-          </a:lnRef>
-          <a:fillRef idx="0">
-            <a:schemeClr val="dk1"/>
-          </a:fillRef>
-          <a:effectRef idx="0">
-            <a:schemeClr val="dk1"/>
-          </a:effectRef>
-          <a:fontRef idx="minor">
-            <a:schemeClr val="tx1"/>
-          </a:fontRef>
-        </p:style>
-      </p:cxnSp>
-      <p:sp>
-        <p:nvSpPr>
-          <p:cNvPr id="20" name="TextBox 19">
-            <a:extLst>
-              <a:ext uri="{FF2B5EF4-FFF2-40B4-BE49-F238E27FC236}">
-                <a16:creationId xmlns:a16="http://schemas.microsoft.com/office/drawing/2014/main" id="{DF28C846-C941-4670-A837-D1CC25B2DFE7}"/>
-              </a:ext>
-            </a:extLst>
-          </p:cNvPr>
-          <p:cNvSpPr txBox="1"/>
-          <p:nvPr/>
-        </p:nvSpPr>
-        <p:spPr>
-          <a:xfrm>
-            <a:off x="5365172" y="5317584"/>
-            <a:ext cx="2209800" cy="461665"/>
-          </a:xfrm>
-          <a:prstGeom prst="rect">
-            <a:avLst/>
-          </a:prstGeom>
-          <a:noFill/>
-        </p:spPr>
-        <p:txBody>
-          <a:bodyPr wrap="square" rtlCol="0">
-            <a:spAutoFit/>
-          </a:bodyPr>
-          <a:lstStyle/>
-          <a:p>
-            <a:r>
-              <a:rPr lang="en-IN" dirty="0">
-                <a:solidFill>
-                  <a:srgbClr val="00B050"/>
-                </a:solidFill>
-              </a:rPr>
-              <a:t>SNR = 0 dB</a:t>
-            </a:r>
-          </a:p>
-        </p:txBody>
-      </p:sp>
-      <p:sp>
-        <p:nvSpPr>
-          <p:cNvPr id="21" name="TextBox 20">
-            <a:extLst>
-              <a:ext uri="{FF2B5EF4-FFF2-40B4-BE49-F238E27FC236}">
-                <a16:creationId xmlns:a16="http://schemas.microsoft.com/office/drawing/2014/main" id="{34AE778F-0140-4268-851B-8A1ED9C721D0}"/>
-              </a:ext>
-            </a:extLst>
-          </p:cNvPr>
-          <p:cNvSpPr txBox="1"/>
-          <p:nvPr/>
-        </p:nvSpPr>
-        <p:spPr>
-          <a:xfrm>
-            <a:off x="5353449" y="4261709"/>
-            <a:ext cx="2209800" cy="461665"/>
-          </a:xfrm>
-          <a:prstGeom prst="rect">
-            <a:avLst/>
-          </a:prstGeom>
-          <a:noFill/>
-        </p:spPr>
-        <p:txBody>
-          <a:bodyPr wrap="square" rtlCol="0">
-            <a:spAutoFit/>
-          </a:bodyPr>
-          <a:lstStyle/>
-          <a:p>
-            <a:r>
-              <a:rPr lang="en-IN" dirty="0">
-                <a:solidFill>
-                  <a:srgbClr val="00B050"/>
-                </a:solidFill>
-              </a:rPr>
-              <a:t>SNR = 10 dB</a:t>
-            </a:r>
-          </a:p>
-        </p:txBody>
-      </p:sp>
-      <p:sp>
-        <p:nvSpPr>
-          <p:cNvPr id="22" name="TextBox 21">
-            <a:extLst>
-              <a:ext uri="{FF2B5EF4-FFF2-40B4-BE49-F238E27FC236}">
-                <a16:creationId xmlns:a16="http://schemas.microsoft.com/office/drawing/2014/main" id="{EF7ACD9C-D35B-4A31-8DF4-24EBD6B83A90}"/>
-              </a:ext>
-            </a:extLst>
-          </p:cNvPr>
-          <p:cNvSpPr txBox="1"/>
-          <p:nvPr/>
-        </p:nvSpPr>
-        <p:spPr>
-          <a:xfrm>
-            <a:off x="5410200" y="3316120"/>
-            <a:ext cx="2209800" cy="461665"/>
-          </a:xfrm>
-          <a:prstGeom prst="rect">
-            <a:avLst/>
-          </a:prstGeom>
-          <a:noFill/>
-        </p:spPr>
-        <p:txBody>
-          <a:bodyPr wrap="square" rtlCol="0">
-            <a:spAutoFit/>
-          </a:bodyPr>
-          <a:lstStyle/>
-          <a:p>
-            <a:r>
-              <a:rPr lang="en-IN" dirty="0">
-                <a:solidFill>
-                  <a:srgbClr val="00B050"/>
-                </a:solidFill>
-              </a:rPr>
-              <a:t>SNR = 20 dB</a:t>
-            </a:r>
-          </a:p>
-        </p:txBody>
-      </p:sp>
-      <p:sp>
-        <p:nvSpPr>
-          <p:cNvPr id="26" name="TextBox 25">
-            <a:extLst>
-              <a:ext uri="{FF2B5EF4-FFF2-40B4-BE49-F238E27FC236}">
-                <a16:creationId xmlns:a16="http://schemas.microsoft.com/office/drawing/2014/main" id="{0BE7C497-4CBA-4561-92CF-09D48F8B5859}"/>
-              </a:ext>
-            </a:extLst>
-          </p:cNvPr>
-          <p:cNvSpPr txBox="1"/>
-          <p:nvPr/>
-        </p:nvSpPr>
-        <p:spPr>
-          <a:xfrm>
-            <a:off x="5410200" y="2190272"/>
-            <a:ext cx="2209800" cy="461665"/>
-          </a:xfrm>
-          <a:prstGeom prst="rect">
-            <a:avLst/>
-          </a:prstGeom>
-          <a:noFill/>
-        </p:spPr>
-        <p:txBody>
-          <a:bodyPr wrap="square" rtlCol="0">
-            <a:spAutoFit/>
-          </a:bodyPr>
-          <a:lstStyle/>
-          <a:p>
-            <a:r>
-              <a:rPr lang="en-IN" dirty="0">
-                <a:solidFill>
-                  <a:srgbClr val="00B050"/>
-                </a:solidFill>
-              </a:rPr>
-              <a:t>SNR = 30 dB</a:t>
-            </a:r>
+              <a:t>Nr = 2 , Nt = 4 , users = 5</a:t>
+            </a:r>
+            <a:endParaRPr lang="en-IN" sz="2000" dirty="0">
+              <a:solidFill>
+                <a:srgbClr val="0070C0"/>
+              </a:solidFill>
+            </a:endParaRPr>
           </a:p>
         </p:txBody>
       </p:sp>
     </p:spTree>
     <p:extLst>
       <p:ext uri="{BB962C8B-B14F-4D97-AF65-F5344CB8AC3E}">
-        <p14:creationId xmlns:p14="http://schemas.microsoft.com/office/powerpoint/2010/main" val="124712022"/>
+        <p14:creationId xmlns:p14="http://schemas.microsoft.com/office/powerpoint/2010/main" val="936217085"/>
       </p:ext>
     </p:extLst>
   </p:cSld>
@@ -11105,7 +11042,7 @@
           <p:cNvPr id="4" name="Picture 3">
             <a:extLst>
               <a:ext uri="{FF2B5EF4-FFF2-40B4-BE49-F238E27FC236}">
-                <a16:creationId xmlns:a16="http://schemas.microsoft.com/office/drawing/2014/main" id="{940FD19E-1156-4653-A8A5-050C1AD44965}"/>
+                <a16:creationId xmlns:a16="http://schemas.microsoft.com/office/drawing/2014/main" id="{275EE44E-6071-4296-950D-5A49BD6A6EC2}"/>
               </a:ext>
             </a:extLst>
           </p:cNvPr>
@@ -11128,8 +11065,8 @@
         </p:blipFill>
         <p:spPr>
           <a:xfrm>
-            <a:off x="533401" y="1317625"/>
-            <a:ext cx="8153400" cy="4930775"/>
+            <a:off x="1143000" y="1740623"/>
+            <a:ext cx="7086600" cy="4379189"/>
           </a:xfrm>
           <a:prstGeom prst="rect">
             <a:avLst/>
@@ -11138,10 +11075,10 @@
       </p:pic>
       <p:sp>
         <p:nvSpPr>
-          <p:cNvPr id="8" name="TextBox 7">
+          <p:cNvPr id="5" name="TextBox 4">
             <a:extLst>
               <a:ext uri="{FF2B5EF4-FFF2-40B4-BE49-F238E27FC236}">
-                <a16:creationId xmlns:a16="http://schemas.microsoft.com/office/drawing/2014/main" id="{42EB6399-C740-4614-ACE3-B3F8CBAE8C49}"/>
+                <a16:creationId xmlns:a16="http://schemas.microsoft.com/office/drawing/2014/main" id="{B2AFD5C6-8BA7-49C5-9368-D0B60CC4662A}"/>
               </a:ext>
             </a:extLst>
           </p:cNvPr>
@@ -11150,27 +11087,14 @@
         </p:nvSpPr>
         <p:spPr>
           <a:xfrm>
-            <a:off x="2952751" y="1897062"/>
-            <a:ext cx="3314700" cy="461665"/>
+            <a:off x="2590800" y="1278958"/>
+            <a:ext cx="3962400" cy="461665"/>
           </a:xfrm>
           <a:prstGeom prst="rect">
             <a:avLst/>
           </a:prstGeom>
-        </p:spPr>
-        <p:style>
-          <a:lnRef idx="2">
-            <a:schemeClr val="dk1"/>
-          </a:lnRef>
-          <a:fillRef idx="1">
-            <a:schemeClr val="lt1"/>
-          </a:fillRef>
-          <a:effectRef idx="0">
-            <a:schemeClr val="dk1"/>
-          </a:effectRef>
-          <a:fontRef idx="minor">
-            <a:schemeClr val="dk1"/>
-          </a:fontRef>
-        </p:style>
+          <a:noFill/>
+        </p:spPr>
         <p:txBody>
           <a:bodyPr wrap="square" rtlCol="0">
             <a:spAutoFit/>
@@ -11178,20 +11102,96 @@
           <a:lstStyle/>
           <a:p>
             <a:r>
-              <a:rPr lang="en-IN" dirty="0">
-                <a:solidFill>
-                  <a:srgbClr val="0070C0"/>
-                </a:solidFill>
-              </a:rPr>
-              <a:t>Nt=4,Nr=2,USERS=5</a:t>
-            </a:r>
+              <a:rPr lang="en-US" b="1" dirty="0">
+                <a:solidFill>
+                  <a:srgbClr val="FF0000"/>
+                </a:solidFill>
+              </a:rPr>
+              <a:t>Time Complexity Analysis</a:t>
+            </a:r>
+            <a:endParaRPr lang="en-IN" b="1" dirty="0">
+              <a:solidFill>
+                <a:srgbClr val="FF0000"/>
+              </a:solidFill>
+            </a:endParaRPr>
+          </a:p>
+        </p:txBody>
+      </p:sp>
+      <p:sp>
+        <p:nvSpPr>
+          <p:cNvPr id="6" name="Oval 5">
+            <a:extLst>
+              <a:ext uri="{FF2B5EF4-FFF2-40B4-BE49-F238E27FC236}">
+                <a16:creationId xmlns:a16="http://schemas.microsoft.com/office/drawing/2014/main" id="{B8F9374B-657A-4E21-B6BF-3125FD7E2852}"/>
+              </a:ext>
+            </a:extLst>
+          </p:cNvPr>
+          <p:cNvSpPr/>
+          <p:nvPr/>
+        </p:nvSpPr>
+        <p:spPr bwMode="auto">
+          <a:xfrm>
+            <a:off x="914400" y="2468562"/>
+            <a:ext cx="7315200" cy="461665"/>
+          </a:xfrm>
+          <a:prstGeom prst="ellipse">
+            <a:avLst/>
+          </a:prstGeom>
+          <a:noFill/>
+          <a:ln w="9525" cap="flat" cmpd="sng" algn="ctr">
+            <a:solidFill>
+              <a:srgbClr val="FF0000"/>
+            </a:solidFill>
+            <a:prstDash val="solid"/>
+            <a:round/>
+            <a:headEnd type="none" w="med" len="med"/>
+            <a:tailEnd type="none" w="med" len="med"/>
+          </a:ln>
+          <a:effectLst/>
+        </p:spPr>
+        <p:txBody>
+          <a:bodyPr vert="horz" wrap="square" lIns="91440" tIns="45720" rIns="91440" bIns="45720" numCol="1" rtlCol="0" anchor="t" anchorCtr="0" compatLnSpc="1">
+            <a:prstTxWarp prst="textNoShape">
+              <a:avLst/>
+            </a:prstTxWarp>
+          </a:bodyPr>
+          <a:lstStyle/>
+          <a:p>
+            <a:pPr marL="0" marR="0" indent="0" algn="l" defTabSz="449263" rtl="0" eaLnBrk="0" fontAlgn="base" latinLnBrk="0" hangingPunct="0">
+              <a:lnSpc>
+                <a:spcPct val="100000"/>
+              </a:lnSpc>
+              <a:spcBef>
+                <a:spcPct val="0"/>
+              </a:spcBef>
+              <a:spcAft>
+                <a:spcPct val="0"/>
+              </a:spcAft>
+              <a:buClr>
+                <a:srgbClr val="000000"/>
+              </a:buClr>
+              <a:buSzPct val="100000"/>
+              <a:buFont typeface="Times New Roman" pitchFamily="16" charset="0"/>
+              <a:buNone/>
+              <a:tabLst/>
+            </a:pPr>
+            <a:endParaRPr kumimoji="0" lang="en-IN" sz="2400" b="0" i="0" u="none" strike="noStrike" cap="none" normalizeH="0" baseline="0">
+              <a:ln>
+                <a:noFill/>
+              </a:ln>
+              <a:solidFill>
+                <a:schemeClr val="bg1"/>
+              </a:solidFill>
+              <a:effectLst/>
+              <a:latin typeface="Times New Roman" pitchFamily="16" charset="0"/>
+            </a:endParaRPr>
           </a:p>
         </p:txBody>
       </p:sp>
     </p:spTree>
     <p:extLst>
       <p:ext uri="{BB962C8B-B14F-4D97-AF65-F5344CB8AC3E}">
-        <p14:creationId xmlns:p14="http://schemas.microsoft.com/office/powerpoint/2010/main" val="936217085"/>
+        <p14:creationId xmlns:p14="http://schemas.microsoft.com/office/powerpoint/2010/main" val="3341857857"/>
       </p:ext>
     </p:extLst>
   </p:cSld>
@@ -11220,13 +11220,7 @@
       </p:grpSpPr>
       <p:sp>
         <p:nvSpPr>
-          <p:cNvPr id="2" name="Title 1">
-            <a:extLst>
-              <a:ext uri="{FF2B5EF4-FFF2-40B4-BE49-F238E27FC236}">
-                <a16:creationId xmlns:a16="http://schemas.microsoft.com/office/drawing/2014/main" id="{C8AD9F1B-3684-44E2-91AE-76BF839640F4}"/>
-              </a:ext>
-            </a:extLst>
-          </p:cNvPr>
+          <p:cNvPr id="2" name="Title 1"/>
           <p:cNvSpPr>
             <a:spLocks noGrp="1"/>
           </p:cNvSpPr>
@@ -11234,7 +11228,12 @@
             <p:ph type="title"/>
           </p:nvPr>
         </p:nvSpPr>
-        <p:spPr/>
+        <p:spPr>
+          <a:xfrm>
+            <a:off x="533400" y="762000"/>
+            <a:ext cx="2589213" cy="579437"/>
+          </a:xfrm>
+        </p:spPr>
         <p:txBody>
           <a:bodyPr/>
           <a:lstStyle/>
@@ -11242,106 +11241,169 @@
             <a:pPr algn="just"/>
             <a:r>
               <a:rPr lang="en-US" dirty="0"/>
-              <a:t>Outputs</a:t>
-            </a:r>
-            <a:endParaRPr lang="en-IN" dirty="0"/>
+              <a:t>Conclusions</a:t>
+            </a:r>
           </a:p>
         </p:txBody>
       </p:sp>
-      <p:pic>
-        <p:nvPicPr>
-          <p:cNvPr id="5" name="Picture 4">
-            <a:extLst>
-              <a:ext uri="{FF2B5EF4-FFF2-40B4-BE49-F238E27FC236}">
-                <a16:creationId xmlns:a16="http://schemas.microsoft.com/office/drawing/2014/main" id="{FB50A128-3A4D-4D58-8774-D2E21FAB4D80}"/>
-              </a:ext>
-            </a:extLst>
-          </p:cNvPr>
-          <p:cNvPicPr>
-            <a:picLocks noChangeAspect="1"/>
-          </p:cNvPicPr>
-          <p:nvPr/>
-        </p:nvPicPr>
-        <p:blipFill>
-          <a:blip r:embed="rId2">
-            <a:extLst>
-              <a:ext uri="{28A0092B-C50C-407E-A947-70E740481C1C}">
-                <a14:useLocalDpi xmlns:a14="http://schemas.microsoft.com/office/drawing/2010/main" val="0"/>
-              </a:ext>
-            </a:extLst>
-          </a:blip>
-          <a:stretch>
-            <a:fillRect/>
-          </a:stretch>
-        </p:blipFill>
+      <p:sp>
+        <p:nvSpPr>
+          <p:cNvPr id="3" name="Content Placeholder 2"/>
+          <p:cNvSpPr>
+            <a:spLocks noGrp="1"/>
+          </p:cNvSpPr>
+          <p:nvPr>
+            <p:ph idx="1"/>
+          </p:nvPr>
+        </p:nvSpPr>
         <p:spPr>
           <a:xfrm>
-            <a:off x="528710" y="1335210"/>
-            <a:ext cx="8615289" cy="4989390"/>
-          </a:xfrm>
-          <a:prstGeom prst="rect">
-            <a:avLst/>
-          </a:prstGeom>
-        </p:spPr>
-      </p:pic>
-      <p:sp>
-        <p:nvSpPr>
-          <p:cNvPr id="7" name="TextBox 6">
-            <a:extLst>
-              <a:ext uri="{FF2B5EF4-FFF2-40B4-BE49-F238E27FC236}">
-                <a16:creationId xmlns:a16="http://schemas.microsoft.com/office/drawing/2014/main" id="{9CA9D134-0B29-42D9-9F1C-B0528C85B865}"/>
-              </a:ext>
-            </a:extLst>
-          </p:cNvPr>
-          <p:cNvSpPr txBox="1"/>
-          <p:nvPr/>
-        </p:nvSpPr>
-        <p:spPr>
-          <a:xfrm>
-            <a:off x="3179004" y="1981200"/>
-            <a:ext cx="3314700" cy="461665"/>
-          </a:xfrm>
-          <a:prstGeom prst="rect">
-            <a:avLst/>
-          </a:prstGeom>
-        </p:spPr>
-        <p:style>
-          <a:lnRef idx="2">
-            <a:schemeClr val="dk1"/>
-          </a:lnRef>
-          <a:fillRef idx="1">
-            <a:schemeClr val="lt1"/>
-          </a:fillRef>
-          <a:effectRef idx="0">
-            <a:schemeClr val="dk1"/>
-          </a:effectRef>
-          <a:fontRef idx="minor">
-            <a:schemeClr val="dk1"/>
-          </a:fontRef>
-        </p:style>
+            <a:off x="685800" y="1371600"/>
+            <a:ext cx="8382000" cy="4953000"/>
+          </a:xfrm>
+        </p:spPr>
         <p:txBody>
-          <a:bodyPr wrap="square" rtlCol="0">
-            <a:spAutoFit/>
-          </a:bodyPr>
+          <a:bodyPr/>
           <a:lstStyle/>
           <a:p>
-            <a:r>
-              <a:rPr lang="en-IN" dirty="0">
-                <a:solidFill>
-                  <a:srgbClr val="0070C0"/>
-                </a:solidFill>
-              </a:rPr>
-              <a:t>Nt=4,Nr=2,USERS=10</a:t>
-            </a:r>
+            <a:pPr algn="just">
+              <a:lnSpc>
+                <a:spcPct val="150000"/>
+              </a:lnSpc>
+              <a:buFont typeface="Wingdings" pitchFamily="2" charset="2"/>
+              <a:buChar char="q"/>
+            </a:pPr>
+            <a:r>
+              <a:rPr lang="en-GB" sz="2400" dirty="0">
+                <a:solidFill>
+                  <a:schemeClr val="tx1"/>
+                </a:solidFill>
+              </a:rPr>
+              <a:t>The JURAS scheme enhances the </a:t>
+            </a:r>
+            <a:r>
+              <a:rPr lang="en-GB" sz="2400" b="1" dirty="0">
+                <a:solidFill>
+                  <a:schemeClr val="tx1"/>
+                </a:solidFill>
+              </a:rPr>
+              <a:t>sum capacity </a:t>
+            </a:r>
+            <a:r>
+              <a:rPr lang="en-GB" sz="2400" dirty="0">
+                <a:solidFill>
+                  <a:schemeClr val="tx1"/>
+                </a:solidFill>
+              </a:rPr>
+              <a:t>when the number of users increases.</a:t>
+            </a:r>
+          </a:p>
+          <a:p>
+            <a:pPr marL="0" indent="0" algn="just">
+              <a:lnSpc>
+                <a:spcPct val="150000"/>
+              </a:lnSpc>
+            </a:pPr>
+            <a:endParaRPr lang="en-GB" sz="2400" dirty="0">
+              <a:solidFill>
+                <a:schemeClr val="tx1"/>
+              </a:solidFill>
+            </a:endParaRPr>
+          </a:p>
+          <a:p>
+            <a:pPr algn="just">
+              <a:lnSpc>
+                <a:spcPct val="150000"/>
+              </a:lnSpc>
+              <a:buFont typeface="Wingdings" pitchFamily="2" charset="2"/>
+              <a:buChar char="q"/>
+            </a:pPr>
+            <a:r>
+              <a:rPr lang="en-GB" sz="2400" dirty="0">
+                <a:solidFill>
+                  <a:schemeClr val="tx1"/>
+                </a:solidFill>
+              </a:rPr>
+              <a:t>The JURAS scheme </a:t>
+            </a:r>
+            <a:r>
+              <a:rPr lang="en-GB" sz="2400" b="1" dirty="0">
+                <a:solidFill>
+                  <a:schemeClr val="tx1"/>
+                </a:solidFill>
+              </a:rPr>
+              <a:t>sum capacity</a:t>
+            </a:r>
+            <a:r>
+              <a:rPr lang="en-GB" sz="2400" dirty="0">
+                <a:solidFill>
+                  <a:schemeClr val="tx1"/>
+                </a:solidFill>
+              </a:rPr>
+              <a:t> is </a:t>
+            </a:r>
+            <a:r>
+              <a:rPr lang="en-GB" sz="2400" b="1" dirty="0">
+                <a:solidFill>
+                  <a:schemeClr val="tx1"/>
+                </a:solidFill>
+              </a:rPr>
+              <a:t>significant at high SNR.</a:t>
+            </a:r>
+          </a:p>
+          <a:p>
+            <a:pPr marL="0" indent="0" algn="just">
+              <a:lnSpc>
+                <a:spcPct val="150000"/>
+              </a:lnSpc>
+            </a:pPr>
+            <a:endParaRPr lang="en-US" sz="2400" dirty="0">
+              <a:solidFill>
+                <a:schemeClr val="tx1"/>
+              </a:solidFill>
+            </a:endParaRPr>
+          </a:p>
+          <a:p>
+            <a:pPr algn="just">
+              <a:lnSpc>
+                <a:spcPct val="150000"/>
+              </a:lnSpc>
+              <a:buFont typeface="Wingdings" pitchFamily="2" charset="2"/>
+              <a:buChar char="q"/>
+            </a:pPr>
+            <a:r>
+              <a:rPr lang="en-GB" sz="2400" dirty="0">
+                <a:solidFill>
+                  <a:schemeClr val="tx1"/>
+                </a:solidFill>
+              </a:rPr>
+              <a:t>The two JURAS suboptimal algorithms </a:t>
+            </a:r>
+            <a:r>
+              <a:rPr lang="en-GB" sz="2400" b="1" dirty="0">
+                <a:solidFill>
+                  <a:schemeClr val="tx1"/>
+                </a:solidFill>
+              </a:rPr>
+              <a:t>reduced the complexity of computation.</a:t>
+            </a:r>
+            <a:endParaRPr lang="en-US" sz="2400" b="1" dirty="0">
+              <a:solidFill>
+                <a:schemeClr val="tx1"/>
+              </a:solidFill>
+            </a:endParaRPr>
+          </a:p>
+          <a:p>
+            <a:pPr>
+              <a:lnSpc>
+                <a:spcPct val="150000"/>
+              </a:lnSpc>
+            </a:pPr>
+            <a:endParaRPr lang="en-US" dirty="0"/>
           </a:p>
         </p:txBody>
       </p:sp>
     </p:spTree>
-    <p:extLst>
-      <p:ext uri="{BB962C8B-B14F-4D97-AF65-F5344CB8AC3E}">
-        <p14:creationId xmlns:p14="http://schemas.microsoft.com/office/powerpoint/2010/main" val="4049494950"/>
-      </p:ext>
-    </p:extLst>
   </p:cSld>
   <p:clrMapOvr>
     <a:masterClrMapping/>
@@ -11368,13 +11430,7 @@
       </p:grpSpPr>
       <p:sp>
         <p:nvSpPr>
-          <p:cNvPr id="2" name="Title 1">
-            <a:extLst>
-              <a:ext uri="{FF2B5EF4-FFF2-40B4-BE49-F238E27FC236}">
-                <a16:creationId xmlns:a16="http://schemas.microsoft.com/office/drawing/2014/main" id="{C8AD9F1B-3684-44E2-91AE-76BF839640F4}"/>
-              </a:ext>
-            </a:extLst>
-          </p:cNvPr>
+          <p:cNvPr id="2" name="Title 1"/>
           <p:cNvSpPr>
             <a:spLocks noGrp="1"/>
           </p:cNvSpPr>
@@ -11382,7 +11438,12 @@
             <p:ph type="title"/>
           </p:nvPr>
         </p:nvSpPr>
-        <p:spPr/>
+        <p:spPr>
+          <a:xfrm>
+            <a:off x="533400" y="763587"/>
+            <a:ext cx="3427413" cy="579437"/>
+          </a:xfrm>
+        </p:spPr>
         <p:txBody>
           <a:bodyPr/>
           <a:lstStyle/>
@@ -11390,106 +11451,87 @@
             <a:pPr algn="just"/>
             <a:r>
               <a:rPr lang="en-US" dirty="0"/>
-              <a:t>Outputs</a:t>
-            </a:r>
-            <a:endParaRPr lang="en-IN" dirty="0"/>
+              <a:t>References</a:t>
+            </a:r>
           </a:p>
         </p:txBody>
       </p:sp>
-      <p:pic>
-        <p:nvPicPr>
-          <p:cNvPr id="6" name="Picture 5">
-            <a:extLst>
-              <a:ext uri="{FF2B5EF4-FFF2-40B4-BE49-F238E27FC236}">
-                <a16:creationId xmlns:a16="http://schemas.microsoft.com/office/drawing/2014/main" id="{E3BA5C17-FD08-46E3-AABC-2246A86D119E}"/>
-              </a:ext>
-            </a:extLst>
-          </p:cNvPr>
-          <p:cNvPicPr>
-            <a:picLocks noChangeAspect="1"/>
-          </p:cNvPicPr>
-          <p:nvPr/>
-        </p:nvPicPr>
-        <p:blipFill>
-          <a:blip r:embed="rId2">
-            <a:extLst>
-              <a:ext uri="{28A0092B-C50C-407E-A947-70E740481C1C}">
-                <a14:useLocalDpi xmlns:a14="http://schemas.microsoft.com/office/drawing/2010/main" val="0"/>
-              </a:ext>
-            </a:extLst>
-          </a:blip>
-          <a:stretch>
-            <a:fillRect/>
-          </a:stretch>
-        </p:blipFill>
+      <p:sp>
+        <p:nvSpPr>
+          <p:cNvPr id="3" name="Content Placeholder 2"/>
+          <p:cNvSpPr>
+            <a:spLocks noGrp="1"/>
+          </p:cNvSpPr>
+          <p:nvPr>
+            <p:ph idx="1"/>
+          </p:nvPr>
+        </p:nvSpPr>
         <p:spPr>
           <a:xfrm>
-            <a:off x="533400" y="1317625"/>
-            <a:ext cx="8610600" cy="5006975"/>
-          </a:xfrm>
-          <a:prstGeom prst="rect">
-            <a:avLst/>
-          </a:prstGeom>
-        </p:spPr>
-      </p:pic>
-      <p:sp>
-        <p:nvSpPr>
-          <p:cNvPr id="7" name="TextBox 6">
-            <a:extLst>
-              <a:ext uri="{FF2B5EF4-FFF2-40B4-BE49-F238E27FC236}">
-                <a16:creationId xmlns:a16="http://schemas.microsoft.com/office/drawing/2014/main" id="{95EB6FD8-A4B2-4B3F-B582-2FC1B3F5BACB}"/>
-              </a:ext>
-            </a:extLst>
-          </p:cNvPr>
-          <p:cNvSpPr txBox="1"/>
-          <p:nvPr/>
-        </p:nvSpPr>
-        <p:spPr>
-          <a:xfrm>
-            <a:off x="2438400" y="1915395"/>
-            <a:ext cx="3314700" cy="461665"/>
-          </a:xfrm>
-          <a:prstGeom prst="rect">
-            <a:avLst/>
-          </a:prstGeom>
-        </p:spPr>
-        <p:style>
-          <a:lnRef idx="2">
-            <a:schemeClr val="dk1"/>
-          </a:lnRef>
-          <a:fillRef idx="1">
-            <a:schemeClr val="lt1"/>
-          </a:fillRef>
-          <a:effectRef idx="0">
-            <a:schemeClr val="dk1"/>
-          </a:effectRef>
-          <a:fontRef idx="minor">
-            <a:schemeClr val="dk1"/>
-          </a:fontRef>
-        </p:style>
+            <a:off x="685800" y="1371600"/>
+            <a:ext cx="8458200" cy="4722813"/>
+          </a:xfrm>
+        </p:spPr>
         <p:txBody>
-          <a:bodyPr wrap="square" rtlCol="0">
-            <a:spAutoFit/>
-          </a:bodyPr>
+          <a:bodyPr/>
           <a:lstStyle/>
           <a:p>
-            <a:r>
-              <a:rPr lang="en-IN" dirty="0">
-                <a:solidFill>
-                  <a:srgbClr val="0070C0"/>
-                </a:solidFill>
-              </a:rPr>
-              <a:t>Nt=4,Nr=2,SNR = 0dB</a:t>
-            </a:r>
+            <a:pPr marL="457200" indent="-457200" algn="just">
+              <a:lnSpc>
+                <a:spcPct val="150000"/>
+              </a:lnSpc>
+              <a:buFont typeface="Wingdings" panose="05000000000000000000" pitchFamily="2" charset="2"/>
+              <a:buChar char="q"/>
+            </a:pPr>
+            <a:r>
+              <a:rPr lang="en-US" sz="2000" dirty="0">
+                <a:solidFill>
+                  <a:schemeClr val="tx1"/>
+                </a:solidFill>
+              </a:rPr>
+              <a:t>M. Sadek, A. Tarighat, and A. H. Sayed, "A Leakage-Based Precoding Scheme for Downlink Multi-User MIMO Channels," IEEE Transactions on Wireless Communications, vol. 6, no. 5, May 2007.</a:t>
+            </a:r>
+          </a:p>
+          <a:p>
+            <a:pPr marL="457200" indent="-457200" algn="just">
+              <a:lnSpc>
+                <a:spcPct val="150000"/>
+              </a:lnSpc>
+              <a:buFont typeface="Wingdings" panose="05000000000000000000" pitchFamily="2" charset="2"/>
+              <a:buChar char="q"/>
+            </a:pPr>
+            <a:r>
+              <a:rPr lang="en-US" sz="2000" dirty="0">
+                <a:solidFill>
+                  <a:schemeClr val="tx1"/>
+                </a:solidFill>
+              </a:rPr>
+              <a:t>M. Sadek, A. Tarighat, and A. H. Sayed, "Active Antenna Selection in Multiuser MIMO Communications," IEEE Transactions on Signal Processing, vol. 55, no. 4, pp. 1498 - 1510, Apr 2007.</a:t>
+            </a:r>
+          </a:p>
+          <a:p>
+            <a:pPr marL="457200" indent="-457200" algn="just">
+              <a:lnSpc>
+                <a:spcPct val="150000"/>
+              </a:lnSpc>
+              <a:buFont typeface="Wingdings" panose="05000000000000000000" pitchFamily="2" charset="2"/>
+              <a:buChar char="q"/>
+            </a:pPr>
+            <a:r>
+              <a:rPr lang="en-IN" sz="2000" dirty="0">
+                <a:solidFill>
+                  <a:schemeClr val="tx1"/>
+                </a:solidFill>
+              </a:rPr>
+              <a:t>M. Costa, "Writing on Dirty Paper," IEEE Transactions on Information Theory, vol. 29, no. 3, pp. 439-441, May 1983.</a:t>
+            </a:r>
+          </a:p>
+          <a:p>
+            <a:endParaRPr lang="en-US" dirty="0"/>
           </a:p>
         </p:txBody>
       </p:sp>
     </p:spTree>
-    <p:extLst>
-      <p:ext uri="{BB962C8B-B14F-4D97-AF65-F5344CB8AC3E}">
-        <p14:creationId xmlns:p14="http://schemas.microsoft.com/office/powerpoint/2010/main" val="3400219772"/>
-      </p:ext>
-    </p:extLst>
   </p:cSld>
   <p:clrMapOvr>
     <a:masterClrMapping/>
@@ -11516,13 +11558,7 @@
       </p:grpSpPr>
       <p:sp>
         <p:nvSpPr>
-          <p:cNvPr id="2" name="Title 1">
-            <a:extLst>
-              <a:ext uri="{FF2B5EF4-FFF2-40B4-BE49-F238E27FC236}">
-                <a16:creationId xmlns:a16="http://schemas.microsoft.com/office/drawing/2014/main" id="{C8AD9F1B-3684-44E2-91AE-76BF839640F4}"/>
-              </a:ext>
-            </a:extLst>
-          </p:cNvPr>
+          <p:cNvPr id="2" name="Title 1"/>
           <p:cNvSpPr>
             <a:spLocks noGrp="1"/>
           </p:cNvSpPr>
@@ -11530,7 +11566,12 @@
             <p:ph type="title"/>
           </p:nvPr>
         </p:nvSpPr>
-        <p:spPr/>
+        <p:spPr>
+          <a:xfrm>
+            <a:off x="533400" y="763587"/>
+            <a:ext cx="3427413" cy="579437"/>
+          </a:xfrm>
+        </p:spPr>
         <p:txBody>
           <a:bodyPr/>
           <a:lstStyle/>
@@ -11538,96 +11579,70 @@
             <a:pPr algn="just"/>
             <a:r>
               <a:rPr lang="en-US" dirty="0"/>
-              <a:t>Outputs</a:t>
-            </a:r>
-            <a:endParaRPr lang="en-IN" dirty="0"/>
+              <a:t>References</a:t>
+            </a:r>
           </a:p>
         </p:txBody>
       </p:sp>
-      <p:pic>
-        <p:nvPicPr>
-          <p:cNvPr id="6" name="Picture 5">
-            <a:extLst>
-              <a:ext uri="{FF2B5EF4-FFF2-40B4-BE49-F238E27FC236}">
-                <a16:creationId xmlns:a16="http://schemas.microsoft.com/office/drawing/2014/main" id="{8C8FC104-0B6B-4769-A2EB-313B5C2BA17E}"/>
-              </a:ext>
-            </a:extLst>
-          </p:cNvPr>
-          <p:cNvPicPr>
-            <a:picLocks noChangeAspect="1"/>
-          </p:cNvPicPr>
-          <p:nvPr/>
-        </p:nvPicPr>
-        <p:blipFill>
-          <a:blip r:embed="rId2">
-            <a:extLst>
-              <a:ext uri="{28A0092B-C50C-407E-A947-70E740481C1C}">
-                <a14:useLocalDpi xmlns:a14="http://schemas.microsoft.com/office/drawing/2010/main" val="0"/>
-              </a:ext>
-            </a:extLst>
-          </a:blip>
-          <a:stretch>
-            <a:fillRect/>
-          </a:stretch>
-        </p:blipFill>
+      <p:sp>
+        <p:nvSpPr>
+          <p:cNvPr id="3" name="Content Placeholder 2"/>
+          <p:cNvSpPr>
+            <a:spLocks noGrp="1"/>
+          </p:cNvSpPr>
+          <p:nvPr>
+            <p:ph idx="1"/>
+          </p:nvPr>
+        </p:nvSpPr>
         <p:spPr>
           <a:xfrm>
-            <a:off x="533400" y="1317625"/>
-            <a:ext cx="8610600" cy="5006975"/>
-          </a:xfrm>
-          <a:prstGeom prst="rect">
-            <a:avLst/>
-          </a:prstGeom>
-        </p:spPr>
-      </p:pic>
-      <p:sp>
-        <p:nvSpPr>
-          <p:cNvPr id="7" name="TextBox 6">
-            <a:extLst>
-              <a:ext uri="{FF2B5EF4-FFF2-40B4-BE49-F238E27FC236}">
-                <a16:creationId xmlns:a16="http://schemas.microsoft.com/office/drawing/2014/main" id="{32C7FE64-73EB-4836-8985-3A193BD0128A}"/>
-              </a:ext>
-            </a:extLst>
-          </p:cNvPr>
-          <p:cNvSpPr txBox="1"/>
-          <p:nvPr/>
-        </p:nvSpPr>
-        <p:spPr>
-          <a:xfrm>
-            <a:off x="2590800" y="1897062"/>
-            <a:ext cx="3314700" cy="461665"/>
-          </a:xfrm>
-          <a:prstGeom prst="rect">
-            <a:avLst/>
-          </a:prstGeom>
-        </p:spPr>
-        <p:style>
-          <a:lnRef idx="2">
-            <a:schemeClr val="dk1"/>
-          </a:lnRef>
-          <a:fillRef idx="1">
-            <a:schemeClr val="lt1"/>
-          </a:fillRef>
-          <a:effectRef idx="0">
-            <a:schemeClr val="dk1"/>
-          </a:effectRef>
-          <a:fontRef idx="minor">
-            <a:schemeClr val="dk1"/>
-          </a:fontRef>
-        </p:style>
+            <a:off x="685800" y="1371600"/>
+            <a:ext cx="8382000" cy="4876800"/>
+          </a:xfrm>
+        </p:spPr>
         <p:txBody>
-          <a:bodyPr wrap="square" rtlCol="0">
-            <a:spAutoFit/>
-          </a:bodyPr>
+          <a:bodyPr/>
           <a:lstStyle/>
           <a:p>
-            <a:r>
-              <a:rPr lang="en-IN" dirty="0">
-                <a:solidFill>
-                  <a:srgbClr val="0070C0"/>
-                </a:solidFill>
-              </a:rPr>
-              <a:t>Nt=4,Nr=2,SNR =30dB </a:t>
+            <a:pPr marL="457200" indent="-457200" algn="just">
+              <a:lnSpc>
+                <a:spcPct val="150000"/>
+              </a:lnSpc>
+              <a:buFont typeface="Wingdings" panose="05000000000000000000" pitchFamily="2" charset="2"/>
+              <a:buChar char="q"/>
+            </a:pPr>
+            <a:r>
+              <a:rPr lang="en-US" sz="2000" dirty="0">
+                <a:solidFill>
+                  <a:schemeClr val="tx1"/>
+                </a:solidFill>
+              </a:rPr>
+              <a:t>G. Caire and S. S. (Shitz), "On the Achievable Throughput of a Multiantenna Gaussian Broadcast Channel," IEEE Transactions on Information Theory, vol. 49, no. 7, pp. 1691-1706, Jul 2003.</a:t>
+            </a:r>
+          </a:p>
+          <a:p>
+            <a:pPr marL="457200" indent="-457200" algn="just">
+              <a:lnSpc>
+                <a:spcPct val="150000"/>
+              </a:lnSpc>
+              <a:buFont typeface="Wingdings" panose="05000000000000000000" pitchFamily="2" charset="2"/>
+              <a:buChar char="q"/>
+            </a:pPr>
+            <a:r>
+              <a:rPr lang="en-US" sz="2000" dirty="0">
+                <a:solidFill>
+                  <a:schemeClr val="tx1"/>
+                </a:solidFill>
+              </a:rPr>
+              <a:t>Q. H. Spencer, A. L. Swindlehurst, and M. Haardt, "Zero-Forcing methods for Downlink Spatial Multiplexing in Multiuser MIMO channels," IEEE Transactions on Signal Processing, vol. 52, no. 2, pp. 461-471, Feb 2004</a:t>
+            </a:r>
+            <a:r>
+              <a:rPr lang="en-US" sz="2000" b="1" dirty="0">
+                <a:solidFill>
+                  <a:schemeClr val="tx1"/>
+                </a:solidFill>
+              </a:rPr>
+              <a:t>.</a:t>
             </a:r>
           </a:p>
         </p:txBody>
@@ -11635,7 +11650,7 @@
     </p:spTree>
     <p:extLst>
       <p:ext uri="{BB962C8B-B14F-4D97-AF65-F5344CB8AC3E}">
-        <p14:creationId xmlns:p14="http://schemas.microsoft.com/office/powerpoint/2010/main" val="3197756981"/>
+        <p14:creationId xmlns:p14="http://schemas.microsoft.com/office/powerpoint/2010/main" val="1992499214"/>
       </p:ext>
     </p:extLst>
   </p:cSld>
@@ -11664,10 +11679,10 @@
       </p:grpSpPr>
       <p:sp>
         <p:nvSpPr>
-          <p:cNvPr id="2" name="Title 1">
+          <p:cNvPr id="3" name="Content Placeholder 2">
             <a:extLst>
               <a:ext uri="{FF2B5EF4-FFF2-40B4-BE49-F238E27FC236}">
-                <a16:creationId xmlns:a16="http://schemas.microsoft.com/office/drawing/2014/main" id="{C8AD9F1B-3684-44E2-91AE-76BF839640F4}"/>
+                <a16:creationId xmlns:a16="http://schemas.microsoft.com/office/drawing/2014/main" id="{90D03541-7F4B-49E9-9605-FA18B604C9F6}"/>
               </a:ext>
             </a:extLst>
           </p:cNvPr>
@@ -11675,263 +11690,59 @@
             <a:spLocks noGrp="1"/>
           </p:cNvSpPr>
           <p:nvPr>
-            <p:ph type="title"/>
+            <p:ph idx="1"/>
           </p:nvPr>
         </p:nvSpPr>
-        <p:spPr/>
+        <p:spPr>
+          <a:xfrm>
+            <a:off x="685800" y="1371600"/>
+            <a:ext cx="8458200" cy="4722813"/>
+          </a:xfrm>
+        </p:spPr>
         <p:txBody>
           <a:bodyPr/>
           <a:lstStyle/>
           <a:p>
+            <a:r>
+              <a:rPr lang="en-IN" sz="8800" dirty="0">
+                <a:solidFill>
+                  <a:schemeClr val="accent2">
+                    <a:lumMod val="75000"/>
+                  </a:schemeClr>
+                </a:solidFill>
+              </a:rPr>
+              <a:t>     </a:t>
+            </a:r>
+          </a:p>
+          <a:p>
             <a:pPr algn="just"/>
             <a:r>
-              <a:rPr lang="en-US" dirty="0"/>
-              <a:t>Outputs</a:t>
-            </a:r>
+              <a:rPr lang="en-IN" sz="8800" dirty="0">
+                <a:solidFill>
+                  <a:schemeClr val="accent2">
+                    <a:lumMod val="75000"/>
+                  </a:schemeClr>
+                </a:solidFill>
+              </a:rPr>
+              <a:t>    Thank You</a:t>
+            </a:r>
+            <a:endParaRPr lang="en-US" sz="8800" dirty="0">
+              <a:solidFill>
+                <a:schemeClr val="accent2">
+                  <a:lumMod val="75000"/>
+                </a:schemeClr>
+              </a:solidFill>
+            </a:endParaRPr>
+          </a:p>
+          <a:p>
             <a:endParaRPr lang="en-IN" dirty="0"/>
-          </a:p>
-        </p:txBody>
-      </p:sp>
-      <p:pic>
-        <p:nvPicPr>
-          <p:cNvPr id="6" name="Picture 5">
-            <a:extLst>
-              <a:ext uri="{FF2B5EF4-FFF2-40B4-BE49-F238E27FC236}">
-                <a16:creationId xmlns:a16="http://schemas.microsoft.com/office/drawing/2014/main" id="{D8181EE4-5A9D-4858-80B5-81529EABB6B8}"/>
-              </a:ext>
-            </a:extLst>
-          </p:cNvPr>
-          <p:cNvPicPr>
-            <a:picLocks noChangeAspect="1"/>
-          </p:cNvPicPr>
-          <p:nvPr/>
-        </p:nvPicPr>
-        <p:blipFill>
-          <a:blip r:embed="rId2">
-            <a:extLst>
-              <a:ext uri="{28A0092B-C50C-407E-A947-70E740481C1C}">
-                <a14:useLocalDpi xmlns:a14="http://schemas.microsoft.com/office/drawing/2010/main" val="0"/>
-              </a:ext>
-            </a:extLst>
-          </a:blip>
-          <a:stretch>
-            <a:fillRect/>
-          </a:stretch>
-        </p:blipFill>
-        <p:spPr>
-          <a:xfrm>
-            <a:off x="533400" y="1317625"/>
-            <a:ext cx="8610600" cy="5006975"/>
-          </a:xfrm>
-          <a:prstGeom prst="rect">
-            <a:avLst/>
-          </a:prstGeom>
-        </p:spPr>
-      </p:pic>
-      <p:sp>
-        <p:nvSpPr>
-          <p:cNvPr id="9" name="TextBox 8">
-            <a:extLst>
-              <a:ext uri="{FF2B5EF4-FFF2-40B4-BE49-F238E27FC236}">
-                <a16:creationId xmlns:a16="http://schemas.microsoft.com/office/drawing/2014/main" id="{A29D4CB1-B640-4197-A0A0-9A59DABB61C7}"/>
-              </a:ext>
-            </a:extLst>
-          </p:cNvPr>
-          <p:cNvSpPr txBox="1"/>
-          <p:nvPr/>
-        </p:nvSpPr>
-        <p:spPr>
-          <a:xfrm>
-            <a:off x="3181350" y="2967335"/>
-            <a:ext cx="3314700" cy="461665"/>
-          </a:xfrm>
-          <a:prstGeom prst="rect">
-            <a:avLst/>
-          </a:prstGeom>
-        </p:spPr>
-        <p:style>
-          <a:lnRef idx="2">
-            <a:schemeClr val="dk1"/>
-          </a:lnRef>
-          <a:fillRef idx="1">
-            <a:schemeClr val="lt1"/>
-          </a:fillRef>
-          <a:effectRef idx="0">
-            <a:schemeClr val="dk1"/>
-          </a:effectRef>
-          <a:fontRef idx="minor">
-            <a:schemeClr val="dk1"/>
-          </a:fontRef>
-        </p:style>
-        <p:txBody>
-          <a:bodyPr wrap="square" rtlCol="0">
-            <a:spAutoFit/>
-          </a:bodyPr>
-          <a:lstStyle/>
-          <a:p>
-            <a:r>
-              <a:rPr lang="en-IN" dirty="0">
-                <a:solidFill>
-                  <a:srgbClr val="0070C0"/>
-                </a:solidFill>
-              </a:rPr>
-              <a:t>Nt=4,Nr=2,USERS = 5</a:t>
-            </a:r>
           </a:p>
         </p:txBody>
       </p:sp>
     </p:spTree>
     <p:extLst>
       <p:ext uri="{BB962C8B-B14F-4D97-AF65-F5344CB8AC3E}">
-        <p14:creationId xmlns:p14="http://schemas.microsoft.com/office/powerpoint/2010/main" val="1209523706"/>
-      </p:ext>
-    </p:extLst>
-  </p:cSld>
-  <p:clrMapOvr>
-    <a:masterClrMapping/>
-  </p:clrMapOvr>
-</p:sld>
-</file>
-
-<file path=ppt/slides/slide29.xml><?xml version="1.0" encoding="utf-8"?>
-<p:sld xmlns:a="http://schemas.openxmlformats.org/drawingml/2006/main" xmlns:r="http://schemas.openxmlformats.org/officeDocument/2006/relationships" xmlns:p="http://schemas.openxmlformats.org/presentationml/2006/main">
-  <p:cSld>
-    <p:spTree>
-      <p:nvGrpSpPr>
-        <p:cNvPr id="1" name=""/>
-        <p:cNvGrpSpPr/>
-        <p:nvPr/>
-      </p:nvGrpSpPr>
-      <p:grpSpPr>
-        <a:xfrm>
-          <a:off x="0" y="0"/>
-          <a:ext cx="0" cy="0"/>
-          <a:chOff x="0" y="0"/>
-          <a:chExt cx="0" cy="0"/>
-        </a:xfrm>
-      </p:grpSpPr>
-      <p:sp>
-        <p:nvSpPr>
-          <p:cNvPr id="2" name="Title 1">
-            <a:extLst>
-              <a:ext uri="{FF2B5EF4-FFF2-40B4-BE49-F238E27FC236}">
-                <a16:creationId xmlns:a16="http://schemas.microsoft.com/office/drawing/2014/main" id="{C8AD9F1B-3684-44E2-91AE-76BF839640F4}"/>
-              </a:ext>
-            </a:extLst>
-          </p:cNvPr>
-          <p:cNvSpPr>
-            <a:spLocks noGrp="1"/>
-          </p:cNvSpPr>
-          <p:nvPr>
-            <p:ph type="title"/>
-          </p:nvPr>
-        </p:nvSpPr>
-        <p:spPr/>
-        <p:txBody>
-          <a:bodyPr/>
-          <a:lstStyle/>
-          <a:p>
-            <a:pPr algn="just"/>
-            <a:r>
-              <a:rPr lang="en-US" dirty="0"/>
-              <a:t>Outputs</a:t>
-            </a:r>
-            <a:endParaRPr lang="en-IN" dirty="0"/>
-          </a:p>
-        </p:txBody>
-      </p:sp>
-      <p:pic>
-        <p:nvPicPr>
-          <p:cNvPr id="6" name="Picture 5">
-            <a:extLst>
-              <a:ext uri="{FF2B5EF4-FFF2-40B4-BE49-F238E27FC236}">
-                <a16:creationId xmlns:a16="http://schemas.microsoft.com/office/drawing/2014/main" id="{28014519-B68B-4308-83F5-9E7DF21E13E6}"/>
-              </a:ext>
-            </a:extLst>
-          </p:cNvPr>
-          <p:cNvPicPr>
-            <a:picLocks noChangeAspect="1"/>
-          </p:cNvPicPr>
-          <p:nvPr/>
-        </p:nvPicPr>
-        <p:blipFill>
-          <a:blip r:embed="rId2">
-            <a:extLst>
-              <a:ext uri="{28A0092B-C50C-407E-A947-70E740481C1C}">
-                <a14:useLocalDpi xmlns:a14="http://schemas.microsoft.com/office/drawing/2010/main" val="0"/>
-              </a:ext>
-            </a:extLst>
-          </a:blip>
-          <a:stretch>
-            <a:fillRect/>
-          </a:stretch>
-        </p:blipFill>
-        <p:spPr>
-          <a:xfrm>
-            <a:off x="533400" y="1317625"/>
-            <a:ext cx="8610600" cy="5006975"/>
-          </a:xfrm>
-          <a:prstGeom prst="rect">
-            <a:avLst/>
-          </a:prstGeom>
-        </p:spPr>
-      </p:pic>
-      <p:sp>
-        <p:nvSpPr>
-          <p:cNvPr id="7" name="TextBox 6">
-            <a:extLst>
-              <a:ext uri="{FF2B5EF4-FFF2-40B4-BE49-F238E27FC236}">
-                <a16:creationId xmlns:a16="http://schemas.microsoft.com/office/drawing/2014/main" id="{AA1D83FE-6681-4674-A662-8E0567C6B9CC}"/>
-              </a:ext>
-            </a:extLst>
-          </p:cNvPr>
-          <p:cNvSpPr txBox="1"/>
-          <p:nvPr/>
-        </p:nvSpPr>
-        <p:spPr>
-          <a:xfrm>
-            <a:off x="3181350" y="2667000"/>
-            <a:ext cx="3314700" cy="461665"/>
-          </a:xfrm>
-          <a:prstGeom prst="rect">
-            <a:avLst/>
-          </a:prstGeom>
-        </p:spPr>
-        <p:style>
-          <a:lnRef idx="2">
-            <a:schemeClr val="dk1"/>
-          </a:lnRef>
-          <a:fillRef idx="1">
-            <a:schemeClr val="lt1"/>
-          </a:fillRef>
-          <a:effectRef idx="0">
-            <a:schemeClr val="dk1"/>
-          </a:effectRef>
-          <a:fontRef idx="minor">
-            <a:schemeClr val="dk1"/>
-          </a:fontRef>
-        </p:style>
-        <p:txBody>
-          <a:bodyPr wrap="square" rtlCol="0">
-            <a:spAutoFit/>
-          </a:bodyPr>
-          <a:lstStyle/>
-          <a:p>
-            <a:r>
-              <a:rPr lang="en-IN" dirty="0">
-                <a:solidFill>
-                  <a:srgbClr val="0070C0"/>
-                </a:solidFill>
-              </a:rPr>
-              <a:t>Nt=4,Nr=2,USERS = 10</a:t>
-            </a:r>
-          </a:p>
-        </p:txBody>
-      </p:sp>
-    </p:spTree>
-    <p:extLst>
-      <p:ext uri="{BB962C8B-B14F-4D97-AF65-F5344CB8AC3E}">
-        <p14:creationId xmlns:p14="http://schemas.microsoft.com/office/powerpoint/2010/main" val="358698578"/>
+        <p14:creationId xmlns:p14="http://schemas.microsoft.com/office/powerpoint/2010/main" val="3746131391"/>
       </p:ext>
     </p:extLst>
   </p:cSld>
@@ -12107,577 +11918,6 @@
 </p:sld>
 </file>
 
-<file path=ppt/slides/slide30.xml><?xml version="1.0" encoding="utf-8"?>
-<p:sld xmlns:a="http://schemas.openxmlformats.org/drawingml/2006/main" xmlns:r="http://schemas.openxmlformats.org/officeDocument/2006/relationships" xmlns:p="http://schemas.openxmlformats.org/presentationml/2006/main">
-  <p:cSld>
-    <p:spTree>
-      <p:nvGrpSpPr>
-        <p:cNvPr id="1" name=""/>
-        <p:cNvGrpSpPr/>
-        <p:nvPr/>
-      </p:nvGrpSpPr>
-      <p:grpSpPr>
-        <a:xfrm>
-          <a:off x="0" y="0"/>
-          <a:ext cx="0" cy="0"/>
-          <a:chOff x="0" y="0"/>
-          <a:chExt cx="0" cy="0"/>
-        </a:xfrm>
-      </p:grpSpPr>
-      <p:sp>
-        <p:nvSpPr>
-          <p:cNvPr id="2" name="Title 1"/>
-          <p:cNvSpPr>
-            <a:spLocks noGrp="1"/>
-          </p:cNvSpPr>
-          <p:nvPr>
-            <p:ph type="title"/>
-          </p:nvPr>
-        </p:nvSpPr>
-        <p:spPr>
-          <a:xfrm>
-            <a:off x="533400" y="762000"/>
-            <a:ext cx="2589213" cy="579437"/>
-          </a:xfrm>
-        </p:spPr>
-        <p:txBody>
-          <a:bodyPr/>
-          <a:lstStyle/>
-          <a:p>
-            <a:pPr algn="just"/>
-            <a:r>
-              <a:rPr lang="en-US" dirty="0"/>
-              <a:t>Conclusions</a:t>
-            </a:r>
-          </a:p>
-        </p:txBody>
-      </p:sp>
-      <p:sp>
-        <p:nvSpPr>
-          <p:cNvPr id="3" name="Content Placeholder 2"/>
-          <p:cNvSpPr>
-            <a:spLocks noGrp="1"/>
-          </p:cNvSpPr>
-          <p:nvPr>
-            <p:ph idx="1"/>
-          </p:nvPr>
-        </p:nvSpPr>
-        <p:spPr>
-          <a:xfrm>
-            <a:off x="533400" y="1160046"/>
-            <a:ext cx="8534400" cy="4983163"/>
-          </a:xfrm>
-        </p:spPr>
-        <p:txBody>
-          <a:bodyPr/>
-          <a:lstStyle/>
-          <a:p>
-            <a:pPr algn="just">
-              <a:lnSpc>
-                <a:spcPct val="150000"/>
-              </a:lnSpc>
-              <a:buFont typeface="Wingdings" pitchFamily="2" charset="2"/>
-              <a:buChar char="q"/>
-            </a:pPr>
-            <a:r>
-              <a:rPr lang="en-GB" sz="2400" dirty="0">
-                <a:solidFill>
-                  <a:schemeClr val="tx1"/>
-                </a:solidFill>
-              </a:rPr>
-              <a:t>The JURAS scheme enhances the </a:t>
-            </a:r>
-            <a:r>
-              <a:rPr lang="en-GB" sz="2400" b="1" dirty="0">
-                <a:solidFill>
-                  <a:schemeClr val="tx1"/>
-                </a:solidFill>
-              </a:rPr>
-              <a:t>sum capacity </a:t>
-            </a:r>
-            <a:r>
-              <a:rPr lang="en-GB" sz="2400" dirty="0">
-                <a:solidFill>
-                  <a:schemeClr val="tx1"/>
-                </a:solidFill>
-              </a:rPr>
-              <a:t>when the number of users increases.</a:t>
-            </a:r>
-          </a:p>
-          <a:p>
-            <a:pPr algn="just">
-              <a:lnSpc>
-                <a:spcPct val="150000"/>
-              </a:lnSpc>
-              <a:buFont typeface="Wingdings" pitchFamily="2" charset="2"/>
-              <a:buChar char="q"/>
-            </a:pPr>
-            <a:endParaRPr lang="en-GB" sz="2400" dirty="0">
-              <a:solidFill>
-                <a:schemeClr val="tx1"/>
-              </a:solidFill>
-            </a:endParaRPr>
-          </a:p>
-          <a:p>
-            <a:pPr algn="just">
-              <a:lnSpc>
-                <a:spcPct val="150000"/>
-              </a:lnSpc>
-              <a:buFont typeface="Wingdings" pitchFamily="2" charset="2"/>
-              <a:buChar char="q"/>
-            </a:pPr>
-            <a:r>
-              <a:rPr lang="en-GB" sz="2400" dirty="0">
-                <a:solidFill>
-                  <a:schemeClr val="tx1"/>
-                </a:solidFill>
-              </a:rPr>
-              <a:t>The JURAS scheme </a:t>
-            </a:r>
-            <a:r>
-              <a:rPr lang="en-GB" sz="2400" b="1" dirty="0">
-                <a:solidFill>
-                  <a:schemeClr val="tx1"/>
-                </a:solidFill>
-              </a:rPr>
-              <a:t>sum capacity</a:t>
-            </a:r>
-            <a:r>
-              <a:rPr lang="en-GB" sz="2400" dirty="0">
-                <a:solidFill>
-                  <a:schemeClr val="tx1"/>
-                </a:solidFill>
-              </a:rPr>
-              <a:t> is </a:t>
-            </a:r>
-            <a:r>
-              <a:rPr lang="en-GB" sz="2400" b="1" dirty="0">
-                <a:solidFill>
-                  <a:schemeClr val="tx1"/>
-                </a:solidFill>
-              </a:rPr>
-              <a:t>significant at high SNR where SA1 has somewhat lower capacity than SA2.</a:t>
-            </a:r>
-          </a:p>
-          <a:p>
-            <a:pPr algn="just">
-              <a:lnSpc>
-                <a:spcPct val="150000"/>
-              </a:lnSpc>
-              <a:buFont typeface="Wingdings" pitchFamily="2" charset="2"/>
-              <a:buChar char="q"/>
-            </a:pPr>
-            <a:endParaRPr lang="en-US" sz="2400" dirty="0">
-              <a:solidFill>
-                <a:schemeClr val="tx1"/>
-              </a:solidFill>
-            </a:endParaRPr>
-          </a:p>
-          <a:p>
-            <a:pPr algn="just">
-              <a:lnSpc>
-                <a:spcPct val="150000"/>
-              </a:lnSpc>
-              <a:buFont typeface="Wingdings" pitchFamily="2" charset="2"/>
-              <a:buChar char="q"/>
-            </a:pPr>
-            <a:r>
-              <a:rPr lang="en-GB" sz="2400" dirty="0">
-                <a:solidFill>
-                  <a:schemeClr val="tx1"/>
-                </a:solidFill>
-              </a:rPr>
-              <a:t>The two algorithms </a:t>
-            </a:r>
-            <a:r>
-              <a:rPr lang="en-GB" sz="2400" b="1" dirty="0">
-                <a:solidFill>
-                  <a:schemeClr val="tx1"/>
-                </a:solidFill>
-              </a:rPr>
-              <a:t>reduced the complexity of computation </a:t>
-            </a:r>
-            <a:r>
-              <a:rPr lang="en-GB" sz="2400" dirty="0">
-                <a:solidFill>
-                  <a:schemeClr val="tx1"/>
-                </a:solidFill>
-              </a:rPr>
-              <a:t>where</a:t>
-            </a:r>
-            <a:r>
-              <a:rPr lang="en-GB" sz="2400" b="1" dirty="0">
-                <a:solidFill>
-                  <a:schemeClr val="tx1"/>
-                </a:solidFill>
-              </a:rPr>
-              <a:t> SA1 has somewhat lower complexity than SA2.</a:t>
-            </a:r>
-            <a:endParaRPr lang="en-US" sz="2400" b="1" dirty="0">
-              <a:solidFill>
-                <a:schemeClr val="tx1"/>
-              </a:solidFill>
-            </a:endParaRPr>
-          </a:p>
-          <a:p>
-            <a:pPr>
-              <a:lnSpc>
-                <a:spcPct val="150000"/>
-              </a:lnSpc>
-            </a:pPr>
-            <a:endParaRPr lang="en-US" dirty="0"/>
-          </a:p>
-        </p:txBody>
-      </p:sp>
-    </p:spTree>
-  </p:cSld>
-  <p:clrMapOvr>
-    <a:masterClrMapping/>
-  </p:clrMapOvr>
-</p:sld>
-</file>
-
-<file path=ppt/slides/slide31.xml><?xml version="1.0" encoding="utf-8"?>
-<p:sld xmlns:a="http://schemas.openxmlformats.org/drawingml/2006/main" xmlns:r="http://schemas.openxmlformats.org/officeDocument/2006/relationships" xmlns:p="http://schemas.openxmlformats.org/presentationml/2006/main">
-  <p:cSld>
-    <p:spTree>
-      <p:nvGrpSpPr>
-        <p:cNvPr id="1" name=""/>
-        <p:cNvGrpSpPr/>
-        <p:nvPr/>
-      </p:nvGrpSpPr>
-      <p:grpSpPr>
-        <a:xfrm>
-          <a:off x="0" y="0"/>
-          <a:ext cx="0" cy="0"/>
-          <a:chOff x="0" y="0"/>
-          <a:chExt cx="0" cy="0"/>
-        </a:xfrm>
-      </p:grpSpPr>
-      <p:sp>
-        <p:nvSpPr>
-          <p:cNvPr id="2" name="Title 1"/>
-          <p:cNvSpPr>
-            <a:spLocks noGrp="1"/>
-          </p:cNvSpPr>
-          <p:nvPr>
-            <p:ph type="title"/>
-          </p:nvPr>
-        </p:nvSpPr>
-        <p:spPr>
-          <a:xfrm>
-            <a:off x="533400" y="763587"/>
-            <a:ext cx="3427413" cy="579437"/>
-          </a:xfrm>
-        </p:spPr>
-        <p:txBody>
-          <a:bodyPr/>
-          <a:lstStyle/>
-          <a:p>
-            <a:pPr algn="just"/>
-            <a:r>
-              <a:rPr lang="en-US" dirty="0"/>
-              <a:t>References</a:t>
-            </a:r>
-          </a:p>
-        </p:txBody>
-      </p:sp>
-      <p:sp>
-        <p:nvSpPr>
-          <p:cNvPr id="3" name="Content Placeholder 2"/>
-          <p:cNvSpPr>
-            <a:spLocks noGrp="1"/>
-          </p:cNvSpPr>
-          <p:nvPr>
-            <p:ph idx="1"/>
-          </p:nvPr>
-        </p:nvSpPr>
-        <p:spPr>
-          <a:xfrm>
-            <a:off x="685800" y="1371600"/>
-            <a:ext cx="8458200" cy="4722813"/>
-          </a:xfrm>
-        </p:spPr>
-        <p:txBody>
-          <a:bodyPr/>
-          <a:lstStyle/>
-          <a:p>
-            <a:pPr marL="457200" indent="-457200" algn="just">
-              <a:lnSpc>
-                <a:spcPct val="150000"/>
-              </a:lnSpc>
-              <a:buFont typeface="Wingdings" panose="05000000000000000000" pitchFamily="2" charset="2"/>
-              <a:buChar char="q"/>
-            </a:pPr>
-            <a:r>
-              <a:rPr lang="en-US" sz="2000" dirty="0">
-                <a:solidFill>
-                  <a:schemeClr val="tx1"/>
-                </a:solidFill>
-              </a:rPr>
-              <a:t>M. Sadek, A. Tarighat, and A. H. Sayed, "A Leakage-Based Precoding Scheme for Downlink Multi-User MIMO Channels," IEEE Transactions on Wireless Communications, vol. 6, no. 5, May 2007.</a:t>
-            </a:r>
-          </a:p>
-          <a:p>
-            <a:pPr marL="457200" indent="-457200" algn="just">
-              <a:lnSpc>
-                <a:spcPct val="150000"/>
-              </a:lnSpc>
-              <a:buFont typeface="Wingdings" panose="05000000000000000000" pitchFamily="2" charset="2"/>
-              <a:buChar char="q"/>
-            </a:pPr>
-            <a:r>
-              <a:rPr lang="en-US" sz="2000" dirty="0">
-                <a:solidFill>
-                  <a:schemeClr val="tx1"/>
-                </a:solidFill>
-              </a:rPr>
-              <a:t>M. Sadek, A. Tarighat, and A. H. Sayed, "Active Antenna Selection in Multiuser MIMO Communications," IEEE Transactions on Signal Processing, vol. 55, no. 4, pp. 1498 - 1510, Apr 2007.</a:t>
-            </a:r>
-          </a:p>
-          <a:p>
-            <a:pPr marL="457200" indent="-457200" algn="just">
-              <a:lnSpc>
-                <a:spcPct val="150000"/>
-              </a:lnSpc>
-              <a:buFont typeface="Wingdings" panose="05000000000000000000" pitchFamily="2" charset="2"/>
-              <a:buChar char="q"/>
-            </a:pPr>
-            <a:r>
-              <a:rPr lang="en-IN" sz="2000" dirty="0">
-                <a:solidFill>
-                  <a:schemeClr val="tx1"/>
-                </a:solidFill>
-              </a:rPr>
-              <a:t>M. Costa, "Writing on Dirty Paper," IEEE Transactions on Information Theory, vol. 29, no. 3, pp. 439-441, May 1983.</a:t>
-            </a:r>
-          </a:p>
-          <a:p>
-            <a:endParaRPr lang="en-US" dirty="0"/>
-          </a:p>
-        </p:txBody>
-      </p:sp>
-    </p:spTree>
-  </p:cSld>
-  <p:clrMapOvr>
-    <a:masterClrMapping/>
-  </p:clrMapOvr>
-</p:sld>
-</file>
-
-<file path=ppt/slides/slide32.xml><?xml version="1.0" encoding="utf-8"?>
-<p:sld xmlns:a="http://schemas.openxmlformats.org/drawingml/2006/main" xmlns:r="http://schemas.openxmlformats.org/officeDocument/2006/relationships" xmlns:p="http://schemas.openxmlformats.org/presentationml/2006/main">
-  <p:cSld>
-    <p:spTree>
-      <p:nvGrpSpPr>
-        <p:cNvPr id="1" name=""/>
-        <p:cNvGrpSpPr/>
-        <p:nvPr/>
-      </p:nvGrpSpPr>
-      <p:grpSpPr>
-        <a:xfrm>
-          <a:off x="0" y="0"/>
-          <a:ext cx="0" cy="0"/>
-          <a:chOff x="0" y="0"/>
-          <a:chExt cx="0" cy="0"/>
-        </a:xfrm>
-      </p:grpSpPr>
-      <p:sp>
-        <p:nvSpPr>
-          <p:cNvPr id="2" name="Title 1"/>
-          <p:cNvSpPr>
-            <a:spLocks noGrp="1"/>
-          </p:cNvSpPr>
-          <p:nvPr>
-            <p:ph type="title"/>
-          </p:nvPr>
-        </p:nvSpPr>
-        <p:spPr>
-          <a:xfrm>
-            <a:off x="533400" y="763587"/>
-            <a:ext cx="3427413" cy="579437"/>
-          </a:xfrm>
-        </p:spPr>
-        <p:txBody>
-          <a:bodyPr/>
-          <a:lstStyle/>
-          <a:p>
-            <a:pPr algn="just"/>
-            <a:r>
-              <a:rPr lang="en-US" dirty="0"/>
-              <a:t>References</a:t>
-            </a:r>
-          </a:p>
-        </p:txBody>
-      </p:sp>
-      <p:sp>
-        <p:nvSpPr>
-          <p:cNvPr id="3" name="Content Placeholder 2"/>
-          <p:cNvSpPr>
-            <a:spLocks noGrp="1"/>
-          </p:cNvSpPr>
-          <p:nvPr>
-            <p:ph idx="1"/>
-          </p:nvPr>
-        </p:nvSpPr>
-        <p:spPr>
-          <a:xfrm>
-            <a:off x="685800" y="1371600"/>
-            <a:ext cx="8382000" cy="4876800"/>
-          </a:xfrm>
-        </p:spPr>
-        <p:txBody>
-          <a:bodyPr/>
-          <a:lstStyle/>
-          <a:p>
-            <a:pPr marL="457200" indent="-457200" algn="just">
-              <a:lnSpc>
-                <a:spcPct val="150000"/>
-              </a:lnSpc>
-              <a:buFont typeface="Wingdings" panose="05000000000000000000" pitchFamily="2" charset="2"/>
-              <a:buChar char="q"/>
-            </a:pPr>
-            <a:r>
-              <a:rPr lang="en-US" sz="2000" dirty="0">
-                <a:solidFill>
-                  <a:schemeClr val="tx1"/>
-                </a:solidFill>
-              </a:rPr>
-              <a:t>G. Caire and S. S. (Shitz), "On the Achievable Throughput of a Multiantenna Gaussian Broadcast Channel," IEEE Transactions on Information Theory, vol. 49, no. 7, pp. 1691-1706, Jul 2003.</a:t>
-            </a:r>
-          </a:p>
-          <a:p>
-            <a:pPr marL="457200" indent="-457200" algn="just">
-              <a:lnSpc>
-                <a:spcPct val="150000"/>
-              </a:lnSpc>
-              <a:buFont typeface="Wingdings" panose="05000000000000000000" pitchFamily="2" charset="2"/>
-              <a:buChar char="q"/>
-            </a:pPr>
-            <a:r>
-              <a:rPr lang="en-US" sz="2000" dirty="0">
-                <a:solidFill>
-                  <a:schemeClr val="tx1"/>
-                </a:solidFill>
-              </a:rPr>
-              <a:t>Q. H. Spencer, A. L. Swindlehurst, and M. Haardt, "Zero-Forcing methods for Downlink Spatial Multiplexing in Multiuser MIMO channels," IEEE Transactions on Signal Processing, vol. 52, no. 2, pp. 461-471, Feb 2004</a:t>
-            </a:r>
-            <a:r>
-              <a:rPr lang="en-US" sz="2000" b="1" dirty="0">
-                <a:solidFill>
-                  <a:schemeClr val="tx1"/>
-                </a:solidFill>
-              </a:rPr>
-              <a:t>.</a:t>
-            </a:r>
-          </a:p>
-        </p:txBody>
-      </p:sp>
-    </p:spTree>
-    <p:extLst>
-      <p:ext uri="{BB962C8B-B14F-4D97-AF65-F5344CB8AC3E}">
-        <p14:creationId xmlns:p14="http://schemas.microsoft.com/office/powerpoint/2010/main" val="1992499214"/>
-      </p:ext>
-    </p:extLst>
-  </p:cSld>
-  <p:clrMapOvr>
-    <a:masterClrMapping/>
-  </p:clrMapOvr>
-</p:sld>
-</file>
-
-<file path=ppt/slides/slide33.xml><?xml version="1.0" encoding="utf-8"?>
-<p:sld xmlns:a="http://schemas.openxmlformats.org/drawingml/2006/main" xmlns:r="http://schemas.openxmlformats.org/officeDocument/2006/relationships" xmlns:p="http://schemas.openxmlformats.org/presentationml/2006/main">
-  <p:cSld>
-    <p:spTree>
-      <p:nvGrpSpPr>
-        <p:cNvPr id="1" name=""/>
-        <p:cNvGrpSpPr/>
-        <p:nvPr/>
-      </p:nvGrpSpPr>
-      <p:grpSpPr>
-        <a:xfrm>
-          <a:off x="0" y="0"/>
-          <a:ext cx="0" cy="0"/>
-          <a:chOff x="0" y="0"/>
-          <a:chExt cx="0" cy="0"/>
-        </a:xfrm>
-      </p:grpSpPr>
-      <p:sp>
-        <p:nvSpPr>
-          <p:cNvPr id="3" name="Content Placeholder 2">
-            <a:extLst>
-              <a:ext uri="{FF2B5EF4-FFF2-40B4-BE49-F238E27FC236}">
-                <a16:creationId xmlns:a16="http://schemas.microsoft.com/office/drawing/2014/main" id="{90D03541-7F4B-49E9-9605-FA18B604C9F6}"/>
-              </a:ext>
-            </a:extLst>
-          </p:cNvPr>
-          <p:cNvSpPr>
-            <a:spLocks noGrp="1"/>
-          </p:cNvSpPr>
-          <p:nvPr>
-            <p:ph idx="1"/>
-          </p:nvPr>
-        </p:nvSpPr>
-        <p:spPr>
-          <a:xfrm>
-            <a:off x="685800" y="1371600"/>
-            <a:ext cx="8458200" cy="4722813"/>
-          </a:xfrm>
-        </p:spPr>
-        <p:txBody>
-          <a:bodyPr/>
-          <a:lstStyle/>
-          <a:p>
-            <a:r>
-              <a:rPr lang="en-IN" sz="8800" dirty="0">
-                <a:solidFill>
-                  <a:schemeClr val="accent2">
-                    <a:lumMod val="75000"/>
-                  </a:schemeClr>
-                </a:solidFill>
-              </a:rPr>
-              <a:t>     </a:t>
-            </a:r>
-          </a:p>
-          <a:p>
-            <a:pPr algn="just"/>
-            <a:r>
-              <a:rPr lang="en-IN" sz="8800" dirty="0">
-                <a:solidFill>
-                  <a:schemeClr val="accent2">
-                    <a:lumMod val="75000"/>
-                  </a:schemeClr>
-                </a:solidFill>
-              </a:rPr>
-              <a:t>    Thank You</a:t>
-            </a:r>
-            <a:endParaRPr lang="en-US" sz="8800" dirty="0">
-              <a:solidFill>
-                <a:schemeClr val="accent2">
-                  <a:lumMod val="75000"/>
-                </a:schemeClr>
-              </a:solidFill>
-            </a:endParaRPr>
-          </a:p>
-          <a:p>
-            <a:endParaRPr lang="en-IN" dirty="0"/>
-          </a:p>
-        </p:txBody>
-      </p:sp>
-    </p:spTree>
-    <p:extLst>
-      <p:ext uri="{BB962C8B-B14F-4D97-AF65-F5344CB8AC3E}">
-        <p14:creationId xmlns:p14="http://schemas.microsoft.com/office/powerpoint/2010/main" val="3746131391"/>
-      </p:ext>
-    </p:extLst>
-  </p:cSld>
-  <p:clrMapOvr>
-    <a:masterClrMapping/>
-  </p:clrMapOvr>
-</p:sld>
-</file>
-
 <file path=ppt/slides/slide4.xml><?xml version="1.0" encoding="utf-8"?>
 <p:sld xmlns:a="http://schemas.openxmlformats.org/drawingml/2006/main" xmlns:r="http://schemas.openxmlformats.org/officeDocument/2006/relationships" xmlns:p="http://schemas.openxmlformats.org/presentationml/2006/main">
   <p:cSld>
@@ -13328,7 +12568,6 @@
           <a:bodyPr/>
           <a:lstStyle/>
           <a:p>
-            <a:pPr algn="ctr"/>
             <a:endParaRPr lang="en-US" dirty="0">
               <a:solidFill>
                 <a:schemeClr val="tx1"/>
@@ -18615,16 +17854,10 @@
               <a:rPr lang="en-IN" altLang="en-US" sz="2400" dirty="0">
                 <a:cs typeface="Times New Roman" panose="02020603050405020304" pitchFamily="18" charset="0"/>
               </a:rPr>
-              <a:t>The Base Station has </a:t>
-            </a:r>
-            <a:r>
-              <a:rPr lang="en-IN" altLang="en-US" sz="2400" i="1" dirty="0">
-                <a:cs typeface="Times New Roman" panose="02020603050405020304" pitchFamily="18" charset="0"/>
-              </a:rPr>
-              <a:t>N</a:t>
-            </a:r>
-            <a:r>
-              <a:rPr lang="en-IN" altLang="en-US" sz="2400" i="1" baseline="-25000" dirty="0">
+              <a:t>The Base Station has N</a:t>
+            </a:r>
+            <a:r>
+              <a:rPr lang="en-IN" altLang="en-US" sz="2400" baseline="-25000" dirty="0">
                 <a:cs typeface="Times New Roman" panose="02020603050405020304" pitchFamily="18" charset="0"/>
               </a:rPr>
               <a:t>t</a:t>
@@ -18636,22 +17869,16 @@
               <a:t> number of transmitting antennas whereas there are </a:t>
             </a:r>
             <a:r>
-              <a:rPr lang="en-IN" altLang="en-US" sz="2400" i="1" dirty="0">
-                <a:cs typeface="Times New Roman" panose="02020603050405020304" pitchFamily="18" charset="0"/>
-              </a:rPr>
-              <a:t>K</a:t>
-            </a:r>
-            <a:r>
               <a:rPr lang="en-IN" altLang="en-US" sz="2400" b="1" dirty="0">
                 <a:cs typeface="Times New Roman" panose="02020603050405020304" pitchFamily="18" charset="0"/>
               </a:rPr>
-              <a:t> </a:t>
+              <a:t>K users</a:t>
             </a:r>
             <a:r>
               <a:rPr lang="en-IN" altLang="en-US" sz="2400" dirty="0">
                 <a:cs typeface="Times New Roman" panose="02020603050405020304" pitchFamily="18" charset="0"/>
               </a:rPr>
-              <a:t>users having </a:t>
+              <a:t> having </a:t>
             </a:r>
             <a:r>
               <a:rPr lang="en-IN" altLang="en-US" sz="2400" b="1" dirty="0">

--- a/21010.pptx
+++ b/21010.pptx
@@ -5,12 +5,12 @@
     <p:sldMasterId id="2147483648" r:id="rId1"/>
   </p:sldMasterIdLst>
   <p:notesMasterIdLst>
-    <p:notesMasterId r:id="rId30"/>
+    <p:notesMasterId r:id="rId35"/>
   </p:notesMasterIdLst>
   <p:sldIdLst>
-    <p:sldId id="256" r:id="rId2"/>
-    <p:sldId id="257" r:id="rId3"/>
-    <p:sldId id="258" r:id="rId4"/>
+    <p:sldId id="259" r:id="rId2"/>
+    <p:sldId id="260" r:id="rId3"/>
+    <p:sldId id="261" r:id="rId4"/>
     <p:sldId id="308" r:id="rId5"/>
     <p:sldId id="309" r:id="rId6"/>
     <p:sldId id="310" r:id="rId7"/>
@@ -18,24 +18,29 @@
     <p:sldId id="312" r:id="rId9"/>
     <p:sldId id="313" r:id="rId10"/>
     <p:sldId id="314" r:id="rId11"/>
-    <p:sldId id="315" r:id="rId12"/>
-    <p:sldId id="316" r:id="rId13"/>
-    <p:sldId id="317" r:id="rId14"/>
-    <p:sldId id="318" r:id="rId15"/>
-    <p:sldId id="319" r:id="rId16"/>
-    <p:sldId id="320" r:id="rId17"/>
-    <p:sldId id="321" r:id="rId18"/>
-    <p:sldId id="322" r:id="rId19"/>
-    <p:sldId id="323" r:id="rId20"/>
-    <p:sldId id="324" r:id="rId21"/>
-    <p:sldId id="325" r:id="rId22"/>
-    <p:sldId id="326" r:id="rId23"/>
-    <p:sldId id="327" r:id="rId24"/>
-    <p:sldId id="302" r:id="rId25"/>
-    <p:sldId id="328" r:id="rId26"/>
-    <p:sldId id="329" r:id="rId27"/>
-    <p:sldId id="330" r:id="rId28"/>
-    <p:sldId id="331" r:id="rId29"/>
+    <p:sldId id="337" r:id="rId12"/>
+    <p:sldId id="315" r:id="rId13"/>
+    <p:sldId id="316" r:id="rId14"/>
+    <p:sldId id="317" r:id="rId15"/>
+    <p:sldId id="318" r:id="rId16"/>
+    <p:sldId id="319" r:id="rId17"/>
+    <p:sldId id="320" r:id="rId18"/>
+    <p:sldId id="321" r:id="rId19"/>
+    <p:sldId id="322" r:id="rId20"/>
+    <p:sldId id="323" r:id="rId21"/>
+    <p:sldId id="324" r:id="rId22"/>
+    <p:sldId id="325" r:id="rId23"/>
+    <p:sldId id="326" r:id="rId24"/>
+    <p:sldId id="327" r:id="rId25"/>
+    <p:sldId id="336" r:id="rId26"/>
+    <p:sldId id="335" r:id="rId27"/>
+    <p:sldId id="334" r:id="rId28"/>
+    <p:sldId id="333" r:id="rId29"/>
+    <p:sldId id="332" r:id="rId30"/>
+    <p:sldId id="328" r:id="rId31"/>
+    <p:sldId id="329" r:id="rId32"/>
+    <p:sldId id="330" r:id="rId33"/>
+    <p:sldId id="331" r:id="rId34"/>
   </p:sldIdLst>
   <p:sldSz cx="9144000" cy="6858000" type="screen4x3"/>
   <p:notesSz cx="6858000" cy="9144000"/>
@@ -1707,7 +1712,7 @@
             <a:fld id="{90173F01-018E-44DD-8CA5-61626393428E}" type="slidenum">
               <a:rPr lang="en-US" smtClean="0"/>
               <a:pPr/>
-              <a:t>16</a:t>
+              <a:t>17</a:t>
             </a:fld>
             <a:endParaRPr lang="en-US"/>
           </a:p>
@@ -4094,7 +4099,7 @@
         </p:nvSpPr>
         <p:spPr bwMode="auto">
           <a:xfrm>
-            <a:off x="8001000" y="6324600"/>
+            <a:off x="8191500" y="6324600"/>
             <a:ext cx="990600" cy="533400"/>
           </a:xfrm>
           <a:prstGeom prst="rect">
@@ -4330,7 +4335,7 @@
         <p:spPr bwMode="auto">
           <a:xfrm>
             <a:off x="238125" y="228600"/>
-            <a:ext cx="5088999" cy="371513"/>
+            <a:ext cx="6068049" cy="371513"/>
           </a:xfrm>
           <a:prstGeom prst="rect">
             <a:avLst/>
@@ -4378,7 +4383,7 @@
                 <a:ea typeface="DejaVu Sans" charset="0"/>
                 <a:cs typeface="DejaVu Sans" charset="0"/>
               </a:rPr>
-              <a:t>B.TECH  PRE-FINAL PRESENTATION 2020-21</a:t>
+              <a:t>B.TECH  MAJOR PROJECT  PRESENTATION 2020-21</a:t>
             </a:r>
           </a:p>
         </p:txBody>
@@ -4393,8 +4398,8 @@
         </p:nvSpPr>
         <p:spPr bwMode="auto">
           <a:xfrm>
-            <a:off x="533400" y="6400800"/>
-            <a:ext cx="7772400" cy="371513"/>
+            <a:off x="527050" y="6438494"/>
+            <a:ext cx="8921749" cy="371513"/>
           </a:xfrm>
           <a:prstGeom prst="rect">
             <a:avLst/>
@@ -4434,7 +4439,7 @@
               </a:tabLst>
             </a:pPr>
             <a:r>
-              <a:rPr lang="en-US" sz="1800" dirty="0" err="1">
+              <a:rPr lang="en-US" sz="1800" dirty="0">
                 <a:solidFill>
                   <a:srgbClr val="FF0000"/>
                 </a:solidFill>
@@ -4442,18 +4447,7 @@
                 <a:ea typeface="DejaVu Sans" charset="0"/>
                 <a:cs typeface="DejaVu Sans" charset="0"/>
               </a:rPr>
-              <a:t>Kabyashree</a:t>
-            </a:r>
-            <a:r>
-              <a:rPr lang="en-US" sz="1800" dirty="0">
-                <a:solidFill>
-                  <a:srgbClr val="FF0000"/>
-                </a:solidFill>
-                <a:latin typeface="Arial" charset="0"/>
-                <a:ea typeface="DejaVu Sans" charset="0"/>
-                <a:cs typeface="DejaVu Sans" charset="0"/>
-              </a:rPr>
-              <a:t> (Roll#ECE201711588) &amp; Navneet Nipu (Roll#ECE201710518)</a:t>
+              <a:t>KABYASHREE (ECE#201711588) &amp; NAVNEET NIPU(ECE#201710518)</a:t>
             </a:r>
           </a:p>
         </p:txBody>
@@ -5450,7 +5444,7 @@
           </a:bodyPr>
           <a:lstStyle/>
           <a:p>
-            <a:pPr algn="just">
+            <a:pPr algn="ctr">
               <a:spcBef>
                 <a:spcPts val="500"/>
               </a:spcBef>
@@ -5495,8 +5489,8 @@
         </p:nvSpPr>
         <p:spPr bwMode="auto">
           <a:xfrm>
-            <a:off x="3276600" y="5326707"/>
-            <a:ext cx="2590800" cy="945357"/>
+            <a:off x="3352799" y="5326707"/>
+            <a:ext cx="3581401" cy="945357"/>
           </a:xfrm>
           <a:prstGeom prst="rect">
             <a:avLst/>
@@ -5514,7 +5508,7 @@
           <a:bodyPr/>
           <a:lstStyle/>
           <a:p>
-            <a:pPr algn="just">
+            <a:pPr algn="ctr">
               <a:spcBef>
                 <a:spcPts val="500"/>
               </a:spcBef>
@@ -5548,7 +5542,7 @@
             </a:r>
           </a:p>
           <a:p>
-            <a:pPr algn="just">
+            <a:pPr algn="ctr">
               <a:spcBef>
                 <a:spcPts val="500"/>
               </a:spcBef>
@@ -5578,7 +5572,27 @@
                 <a:ea typeface="DejaVu Sans" charset="0"/>
                 <a:cs typeface="DejaVu Sans" charset="0"/>
               </a:rPr>
-              <a:t>Mr. Swadhin Mishra </a:t>
+              <a:t>Mr. </a:t>
+            </a:r>
+            <a:r>
+              <a:rPr lang="en-US" sz="2000" b="1" dirty="0" err="1">
+                <a:solidFill>
+                  <a:srgbClr val="0000FF"/>
+                </a:solidFill>
+                <a:ea typeface="DejaVu Sans" charset="0"/>
+                <a:cs typeface="DejaVu Sans" charset="0"/>
+              </a:rPr>
+              <a:t>Swadhin</a:t>
+            </a:r>
+            <a:r>
+              <a:rPr lang="en-US" sz="2000" b="1" dirty="0">
+                <a:solidFill>
+                  <a:srgbClr val="0000FF"/>
+                </a:solidFill>
+                <a:ea typeface="DejaVu Sans" charset="0"/>
+                <a:cs typeface="DejaVu Sans" charset="0"/>
+              </a:rPr>
+              <a:t> Kumar Mishra </a:t>
             </a:r>
           </a:p>
           <a:p>
@@ -5790,6 +5804,15 @@
               </a:rPr>
               <a:t>which is being implemented in this project using two suboptimal algorithms.</a:t>
             </a:r>
+          </a:p>
+          <a:p>
+            <a:pPr algn="just">
+              <a:lnSpc>
+                <a:spcPct val="150000"/>
+              </a:lnSpc>
+              <a:buFont typeface="Wingdings" panose="05000000000000000000" pitchFamily="2" charset="2"/>
+              <a:buChar char="q"/>
+            </a:pPr>
             <a:endParaRPr lang="en-GB" sz="2400" b="1" dirty="0">
               <a:solidFill>
                 <a:schemeClr val="tx1"/>
@@ -5805,7 +5828,7 @@
               <a:buChar char="q"/>
             </a:pPr>
             <a:r>
-              <a:rPr lang="en-GB" sz="2000" b="1" dirty="0">
+              <a:rPr lang="en-GB" sz="2400" b="1" dirty="0">
                 <a:solidFill>
                   <a:schemeClr val="tx1"/>
                 </a:solidFill>
@@ -5813,7 +5836,7 @@
               <a:t>Suboptimal algorithm-1 </a:t>
             </a:r>
             <a:r>
-              <a:rPr lang="en-GB" sz="2000" dirty="0">
+              <a:rPr lang="en-GB" sz="2400" dirty="0">
                 <a:solidFill>
                   <a:schemeClr val="tx1"/>
                 </a:solidFill>
@@ -5821,7 +5844,7 @@
               <a:t>works by updating the user’s precoding matrices and evaluate sum capacity(</a:t>
             </a:r>
             <a:r>
-              <a:rPr lang="en-GB" sz="2000" b="1" dirty="0">
+              <a:rPr lang="en-GB" sz="2400" b="1" dirty="0">
                 <a:solidFill>
                   <a:schemeClr val="tx1"/>
                 </a:solidFill>
@@ -5829,7 +5852,7 @@
               <a:t>time</a:t>
             </a:r>
             <a:r>
-              <a:rPr lang="en-GB" sz="2000" dirty="0">
+              <a:rPr lang="en-GB" sz="2400" dirty="0">
                 <a:solidFill>
                   <a:schemeClr val="tx1"/>
                 </a:solidFill>
@@ -5837,100 +5860,24 @@
               <a:t> </a:t>
             </a:r>
             <a:r>
-              <a:rPr lang="en-GB" sz="2000" b="1" dirty="0">
+              <a:rPr lang="en-GB" sz="2400" b="1" dirty="0">
                 <a:solidFill>
                   <a:schemeClr val="tx1"/>
                 </a:solidFill>
               </a:rPr>
-              <a:t>complexity is somewhat more</a:t>
-            </a:r>
-            <a:r>
-              <a:rPr lang="en-GB" sz="2000" dirty="0">
+              <a:t>complexity is somewhat less</a:t>
+            </a:r>
+            <a:r>
+              <a:rPr lang="en-GB" sz="2400" dirty="0">
                 <a:solidFill>
                   <a:schemeClr val="tx1"/>
                 </a:solidFill>
               </a:rPr>
               <a:t>).</a:t>
             </a:r>
-            <a:endParaRPr lang="en-GB" sz="2000" dirty="0">
+            <a:endParaRPr lang="en-GB" sz="2400" dirty="0">
               <a:solidFill>
                 <a:srgbClr val="C00000"/>
-              </a:solidFill>
-            </a:endParaRPr>
-          </a:p>
-          <a:p>
-            <a:pPr marL="457200" indent="-457200" algn="just">
-              <a:lnSpc>
-                <a:spcPct val="150000"/>
-              </a:lnSpc>
-              <a:buFont typeface="Wingdings" panose="05000000000000000000" pitchFamily="2" charset="2"/>
-              <a:buChar char="q"/>
-            </a:pPr>
-            <a:r>
-              <a:rPr lang="en-GB" sz="2000" b="1" dirty="0">
-                <a:solidFill>
-                  <a:schemeClr val="tx1"/>
-                </a:solidFill>
-              </a:rPr>
-              <a:t>Suboptimal algorithm-2  </a:t>
-            </a:r>
-            <a:r>
-              <a:rPr lang="en-GB" sz="2000" dirty="0">
-                <a:solidFill>
-                  <a:schemeClr val="tx1"/>
-                </a:solidFill>
-              </a:rPr>
-              <a:t>works by considering each receiving antenna as a single user during user selection process and then computes the precoding matrices used for data transmission (</a:t>
-            </a:r>
-            <a:r>
-              <a:rPr lang="en-GB" sz="2000" b="1" dirty="0">
-                <a:solidFill>
-                  <a:schemeClr val="tx1"/>
-                </a:solidFill>
-              </a:rPr>
-              <a:t>time</a:t>
-            </a:r>
-            <a:r>
-              <a:rPr lang="en-GB" sz="2000" dirty="0">
-                <a:solidFill>
-                  <a:schemeClr val="tx1"/>
-                </a:solidFill>
-              </a:rPr>
-              <a:t> </a:t>
-            </a:r>
-            <a:r>
-              <a:rPr lang="en-GB" sz="2000" b="1" dirty="0">
-                <a:solidFill>
-                  <a:schemeClr val="tx1"/>
-                </a:solidFill>
-              </a:rPr>
-              <a:t>complexity is reduced </a:t>
-            </a:r>
-            <a:r>
-              <a:rPr lang="en-GB" sz="2000" dirty="0">
-                <a:solidFill>
-                  <a:schemeClr val="tx1"/>
-                </a:solidFill>
-              </a:rPr>
-              <a:t>) .</a:t>
-            </a:r>
-            <a:endParaRPr lang="en-US" sz="2000" dirty="0">
-              <a:solidFill>
-                <a:schemeClr val="tx1"/>
-              </a:solidFill>
-            </a:endParaRPr>
-          </a:p>
-          <a:p>
-            <a:pPr algn="just">
-              <a:lnSpc>
-                <a:spcPct val="150000"/>
-              </a:lnSpc>
-              <a:buFont typeface="Wingdings" panose="05000000000000000000" pitchFamily="2" charset="2"/>
-              <a:buChar char="q"/>
-            </a:pPr>
-            <a:endParaRPr lang="en-GB" sz="2000" dirty="0">
-              <a:solidFill>
-                <a:schemeClr val="tx1"/>
               </a:solidFill>
             </a:endParaRPr>
           </a:p>
@@ -5974,7 +5921,7 @@
         <p:spPr>
           <a:xfrm>
             <a:off x="533400" y="762000"/>
-            <a:ext cx="4265613" cy="579437"/>
+            <a:ext cx="6856413" cy="579437"/>
           </a:xfrm>
         </p:spPr>
         <p:txBody>
@@ -5984,7 +5931,7 @@
             <a:pPr algn="just"/>
             <a:r>
               <a:rPr lang="en-US" dirty="0"/>
-              <a:t>Suboptimal Algorithms</a:t>
+              <a:t>JURAS Scheme for MU-MIMO</a:t>
             </a:r>
           </a:p>
         </p:txBody>
@@ -6001,29 +5948,15 @@
         </p:nvSpPr>
         <p:spPr>
           <a:xfrm>
-            <a:off x="565688" y="1371600"/>
-            <a:ext cx="8578312" cy="4724400"/>
+            <a:off x="533400" y="1371600"/>
+            <a:ext cx="8458200" cy="4722813"/>
           </a:xfrm>
         </p:spPr>
         <p:txBody>
           <a:bodyPr/>
           <a:lstStyle/>
           <a:p>
-            <a:pPr marL="514350" indent="-514350" algn="ctr">
-              <a:buFont typeface="+mj-lt"/>
-              <a:buAutoNum type="arabicPeriod"/>
-            </a:pPr>
-            <a:r>
-              <a:rPr lang="en-US" sz="2400" b="1" dirty="0">
-                <a:solidFill>
-                  <a:schemeClr val="tx1"/>
-                </a:solidFill>
-              </a:rPr>
-              <a:t>Suboptimal algorithm 1</a:t>
-            </a:r>
-          </a:p>
-          <a:p>
-            <a:pPr algn="just">
+            <a:pPr marL="457200" indent="-457200" algn="just">
               <a:lnSpc>
                 <a:spcPct val="150000"/>
               </a:lnSpc>
@@ -6031,58 +5964,67 @@
               <a:buChar char="q"/>
             </a:pPr>
             <a:r>
-              <a:rPr lang="en-IN" sz="2400" dirty="0">
+              <a:rPr lang="en-GB" sz="2400" b="1" dirty="0">
                 <a:solidFill>
                   <a:schemeClr val="tx1"/>
                 </a:solidFill>
               </a:rPr>
-              <a:t>This suboptimal algorithm can be divided into two phases. The </a:t>
-            </a:r>
-            <a:r>
-              <a:rPr lang="en-IN" sz="2400" b="1" dirty="0">
+              <a:t>Suboptimal algorithm-2  </a:t>
+            </a:r>
+            <a:r>
+              <a:rPr lang="en-GB" sz="2400" dirty="0">
                 <a:solidFill>
                   <a:schemeClr val="tx1"/>
                 </a:solidFill>
               </a:rPr>
-              <a:t>first phase </a:t>
-            </a:r>
-            <a:r>
-              <a:rPr lang="en-IN" sz="2400" dirty="0">
+              <a:t>works by considering each receiving antenna as a single user during user selection process and then computes the precoding matrices used for data transmission (</a:t>
+            </a:r>
+            <a:r>
+              <a:rPr lang="en-GB" sz="2400" b="1" dirty="0">
                 <a:solidFill>
                   <a:schemeClr val="tx1"/>
                 </a:solidFill>
               </a:rPr>
-              <a:t>extends the ideas of the </a:t>
-            </a:r>
-            <a:r>
-              <a:rPr lang="en-IN" sz="2400" b="1" dirty="0">
+              <a:t>time</a:t>
+            </a:r>
+            <a:r>
+              <a:rPr lang="en-GB" sz="2400" dirty="0">
                 <a:solidFill>
                   <a:schemeClr val="tx1"/>
                 </a:solidFill>
               </a:rPr>
-              <a:t>capacity-based iterative user selection algorithm.</a:t>
-            </a:r>
-          </a:p>
-          <a:p>
-            <a:pPr algn="just">
-              <a:lnSpc>
-                <a:spcPct val="150000"/>
-              </a:lnSpc>
-              <a:buFont typeface="Wingdings" panose="05000000000000000000" pitchFamily="2" charset="2"/>
-              <a:buChar char="q"/>
-            </a:pPr>
-            <a:r>
-              <a:rPr lang="en-IN" sz="2400" dirty="0">
+              <a:t> </a:t>
+            </a:r>
+            <a:r>
+              <a:rPr lang="en-GB" sz="2400" b="1" dirty="0">
                 <a:solidFill>
                   <a:schemeClr val="tx1"/>
                 </a:solidFill>
               </a:rPr>
-              <a:t>It selects a receive antenna with the highest capacity. Then, from the remaining unselected antennas, it finds the next receive antenna providing the largest sum capacity.</a:t>
-            </a:r>
+              <a:t>complexity is more </a:t>
+            </a:r>
+            <a:r>
+              <a:rPr lang="en-GB" sz="2400" dirty="0">
+                <a:solidFill>
+                  <a:schemeClr val="tx1"/>
+                </a:solidFill>
+              </a:rPr>
+              <a:t>) .</a:t>
+            </a:r>
+            <a:endParaRPr lang="en-US" sz="2400" dirty="0">
+              <a:solidFill>
+                <a:schemeClr val="tx1"/>
+              </a:solidFill>
+            </a:endParaRPr>
           </a:p>
         </p:txBody>
       </p:sp>
     </p:spTree>
+    <p:extLst>
+      <p:ext uri="{BB962C8B-B14F-4D97-AF65-F5344CB8AC3E}">
+        <p14:creationId xmlns:p14="http://schemas.microsoft.com/office/powerpoint/2010/main" val="1913277896"/>
+      </p:ext>
+    </p:extLst>
   </p:cSld>
   <p:clrMapOvr>
     <a:masterClrMapping/>
@@ -6155,6 +6097,20 @@
           <a:bodyPr/>
           <a:lstStyle/>
           <a:p>
+            <a:pPr marL="514350" indent="-514350" algn="ctr">
+              <a:buFont typeface="+mj-lt"/>
+              <a:buAutoNum type="arabicPeriod"/>
+            </a:pPr>
+            <a:r>
+              <a:rPr lang="en-US" sz="2400" b="1" dirty="0">
+                <a:solidFill>
+                  <a:schemeClr val="tx1"/>
+                </a:solidFill>
+              </a:rPr>
+              <a:t>Suboptimal algorithm 1</a:t>
+            </a:r>
+          </a:p>
+          <a:p>
             <a:pPr algn="just">
               <a:lnSpc>
                 <a:spcPct val="150000"/>
@@ -6168,7 +6124,7 @@
                   <a:schemeClr val="tx1"/>
                 </a:solidFill>
               </a:rPr>
-              <a:t>This phase terminates when the </a:t>
+              <a:t>This suboptimal algorithm can be divided into two phases. The </a:t>
             </a:r>
             <a:r>
               <a:rPr lang="en-IN" sz="2400" b="1" dirty="0">
@@ -6176,7 +6132,7 @@
                   <a:schemeClr val="tx1"/>
                 </a:solidFill>
               </a:rPr>
-              <a:t>sum capacity would reduce as a result of adding one more receive antenna </a:t>
+              <a:t>first phase </a:t>
             </a:r>
             <a:r>
               <a:rPr lang="en-IN" sz="2400" dirty="0">
@@ -6184,7 +6140,15 @@
                   <a:schemeClr val="tx1"/>
                 </a:solidFill>
               </a:rPr>
-              <a:t>(equivalent to one more data stream).</a:t>
+              <a:t>extends the ideas of the </a:t>
+            </a:r>
+            <a:r>
+              <a:rPr lang="en-IN" sz="2400" b="1" dirty="0">
+                <a:solidFill>
+                  <a:schemeClr val="tx1"/>
+                </a:solidFill>
+              </a:rPr>
+              <a:t>capacity-based iterative user selection algorithm.</a:t>
             </a:r>
           </a:p>
           <a:p>
@@ -6201,50 +6165,12 @@
                   <a:schemeClr val="tx1"/>
                 </a:solidFill>
               </a:rPr>
-              <a:t>In the </a:t>
-            </a:r>
-            <a:r>
-              <a:rPr lang="en-IN" sz="2400" b="1" dirty="0">
-                <a:solidFill>
-                  <a:schemeClr val="tx1"/>
-                </a:solidFill>
-              </a:rPr>
-              <a:t>second phase</a:t>
-            </a:r>
-            <a:r>
-              <a:rPr lang="en-IN" sz="2400" dirty="0">
-                <a:solidFill>
-                  <a:schemeClr val="tx1"/>
-                </a:solidFill>
-              </a:rPr>
-              <a:t>, the algorithm researches the remaining unselected antennas of the selected users without increasing the number of allocated data streams. </a:t>
-            </a:r>
-          </a:p>
-          <a:p>
-            <a:pPr algn="just">
-              <a:lnSpc>
-                <a:spcPct val="150000"/>
-              </a:lnSpc>
-              <a:buFont typeface="Wingdings" panose="05000000000000000000" pitchFamily="2" charset="2"/>
-              <a:buChar char="q"/>
-            </a:pPr>
-            <a:r>
-              <a:rPr lang="en-IN" sz="2400" dirty="0">
-                <a:solidFill>
-                  <a:schemeClr val="tx1"/>
-                </a:solidFill>
-              </a:rPr>
-              <a:t>The algorithm terminates when no extra sum capacity is achieved by the receive beamforming.</a:t>
+              <a:t>It selects a receive antenna with the highest capacity. Then, from the remaining unselected antennas, it finds the next receive antenna providing the largest sum capacity.</a:t>
             </a:r>
           </a:p>
         </p:txBody>
       </p:sp>
     </p:spTree>
-    <p:extLst>
-      <p:ext uri="{BB962C8B-B14F-4D97-AF65-F5344CB8AC3E}">
-        <p14:creationId xmlns:p14="http://schemas.microsoft.com/office/powerpoint/2010/main" val="3257796676"/>
-      </p:ext>
-    </p:extLst>
   </p:cSld>
   <p:clrMapOvr>
     <a:masterClrMapping/>
@@ -6297,6 +6223,168 @@
           </a:p>
         </p:txBody>
       </p:sp>
+      <p:sp>
+        <p:nvSpPr>
+          <p:cNvPr id="3" name="Content Placeholder 2"/>
+          <p:cNvSpPr>
+            <a:spLocks noGrp="1"/>
+          </p:cNvSpPr>
+          <p:nvPr>
+            <p:ph idx="1"/>
+          </p:nvPr>
+        </p:nvSpPr>
+        <p:spPr>
+          <a:xfrm>
+            <a:off x="565688" y="1371600"/>
+            <a:ext cx="8578312" cy="4724400"/>
+          </a:xfrm>
+        </p:spPr>
+        <p:txBody>
+          <a:bodyPr/>
+          <a:lstStyle/>
+          <a:p>
+            <a:pPr algn="just">
+              <a:lnSpc>
+                <a:spcPct val="150000"/>
+              </a:lnSpc>
+              <a:buFont typeface="Wingdings" panose="05000000000000000000" pitchFamily="2" charset="2"/>
+              <a:buChar char="q"/>
+            </a:pPr>
+            <a:r>
+              <a:rPr lang="en-IN" sz="2400" dirty="0">
+                <a:solidFill>
+                  <a:schemeClr val="tx1"/>
+                </a:solidFill>
+              </a:rPr>
+              <a:t>This phase terminates when the </a:t>
+            </a:r>
+            <a:r>
+              <a:rPr lang="en-IN" sz="2400" b="1" dirty="0">
+                <a:solidFill>
+                  <a:schemeClr val="tx1"/>
+                </a:solidFill>
+              </a:rPr>
+              <a:t>sum capacity would reduce as a result of adding one more receive antenna </a:t>
+            </a:r>
+            <a:r>
+              <a:rPr lang="en-IN" sz="2400" dirty="0">
+                <a:solidFill>
+                  <a:schemeClr val="tx1"/>
+                </a:solidFill>
+              </a:rPr>
+              <a:t>(equivalent to one more data stream).</a:t>
+            </a:r>
+          </a:p>
+          <a:p>
+            <a:pPr algn="just">
+              <a:lnSpc>
+                <a:spcPct val="150000"/>
+              </a:lnSpc>
+              <a:buFont typeface="Wingdings" panose="05000000000000000000" pitchFamily="2" charset="2"/>
+              <a:buChar char="q"/>
+            </a:pPr>
+            <a:r>
+              <a:rPr lang="en-IN" sz="2400" dirty="0">
+                <a:solidFill>
+                  <a:schemeClr val="tx1"/>
+                </a:solidFill>
+              </a:rPr>
+              <a:t>In the </a:t>
+            </a:r>
+            <a:r>
+              <a:rPr lang="en-IN" sz="2400" b="1" dirty="0">
+                <a:solidFill>
+                  <a:schemeClr val="tx1"/>
+                </a:solidFill>
+              </a:rPr>
+              <a:t>second phase</a:t>
+            </a:r>
+            <a:r>
+              <a:rPr lang="en-IN" sz="2400" dirty="0">
+                <a:solidFill>
+                  <a:schemeClr val="tx1"/>
+                </a:solidFill>
+              </a:rPr>
+              <a:t>, the algorithm researches the remaining unselected antennas of the selected users without increasing the number of allocated data streams. </a:t>
+            </a:r>
+          </a:p>
+          <a:p>
+            <a:pPr algn="just">
+              <a:lnSpc>
+                <a:spcPct val="150000"/>
+              </a:lnSpc>
+              <a:buFont typeface="Wingdings" panose="05000000000000000000" pitchFamily="2" charset="2"/>
+              <a:buChar char="q"/>
+            </a:pPr>
+            <a:r>
+              <a:rPr lang="en-IN" sz="2400" dirty="0">
+                <a:solidFill>
+                  <a:schemeClr val="tx1"/>
+                </a:solidFill>
+              </a:rPr>
+              <a:t>The algorithm terminates when no extra sum capacity is achieved by the receive beamforming.</a:t>
+            </a:r>
+          </a:p>
+        </p:txBody>
+      </p:sp>
+    </p:spTree>
+    <p:extLst>
+      <p:ext uri="{BB962C8B-B14F-4D97-AF65-F5344CB8AC3E}">
+        <p14:creationId xmlns:p14="http://schemas.microsoft.com/office/powerpoint/2010/main" val="3257796676"/>
+      </p:ext>
+    </p:extLst>
+  </p:cSld>
+  <p:clrMapOvr>
+    <a:masterClrMapping/>
+  </p:clrMapOvr>
+</p:sld>
+</file>
+
+<file path=ppt/slides/slide14.xml><?xml version="1.0" encoding="utf-8"?>
+<p:sld xmlns:a="http://schemas.openxmlformats.org/drawingml/2006/main" xmlns:r="http://schemas.openxmlformats.org/officeDocument/2006/relationships" xmlns:p="http://schemas.openxmlformats.org/presentationml/2006/main">
+  <p:cSld>
+    <p:spTree>
+      <p:nvGrpSpPr>
+        <p:cNvPr id="1" name=""/>
+        <p:cNvGrpSpPr/>
+        <p:nvPr/>
+      </p:nvGrpSpPr>
+      <p:grpSpPr>
+        <a:xfrm>
+          <a:off x="0" y="0"/>
+          <a:ext cx="0" cy="0"/>
+          <a:chOff x="0" y="0"/>
+          <a:chExt cx="0" cy="0"/>
+        </a:xfrm>
+      </p:grpSpPr>
+      <p:sp>
+        <p:nvSpPr>
+          <p:cNvPr id="2" name="Title 1"/>
+          <p:cNvSpPr>
+            <a:spLocks noGrp="1"/>
+          </p:cNvSpPr>
+          <p:nvPr>
+            <p:ph type="title"/>
+          </p:nvPr>
+        </p:nvSpPr>
+        <p:spPr>
+          <a:xfrm>
+            <a:off x="533400" y="762000"/>
+            <a:ext cx="4265613" cy="579437"/>
+          </a:xfrm>
+        </p:spPr>
+        <p:txBody>
+          <a:bodyPr/>
+          <a:lstStyle/>
+          <a:p>
+            <a:pPr algn="just"/>
+            <a:r>
+              <a:rPr lang="en-US" dirty="0"/>
+              <a:t>Suboptimal Algorithms</a:t>
+            </a:r>
+          </a:p>
+        </p:txBody>
+      </p:sp>
       <mc:AlternateContent xmlns:mc="http://schemas.openxmlformats.org/markup-compatibility/2006" xmlns:a14="http://schemas.microsoft.com/office/drawing/2010/main">
         <mc:Choice Requires="a14">
           <p:sp>
@@ -6311,8 +6399,8 @@
             </p:nvSpPr>
             <p:spPr>
               <a:xfrm>
-                <a:off x="565688" y="1371600"/>
-                <a:ext cx="8578312" cy="4724400"/>
+                <a:off x="565688" y="1219200"/>
+                <a:ext cx="8578312" cy="5029200"/>
               </a:xfrm>
             </p:spPr>
             <p:txBody>
@@ -7231,7 +7319,88 @@
                       <a:schemeClr val="tx1"/>
                     </a:solidFill>
                   </a:rPr>
-                  <a:t>The complexity of the suboptimal algorithm 1 is more .</a:t>
+                  <a:t>The </a:t>
+                </a:r>
+                <a:r>
+                  <a:rPr lang="en-US" sz="2400" b="1" dirty="0">
+                    <a:solidFill>
+                      <a:schemeClr val="tx1"/>
+                    </a:solidFill>
+                  </a:rPr>
+                  <a:t>complexity</a:t>
+                </a:r>
+                <a:r>
+                  <a:rPr lang="en-US" sz="2400" dirty="0">
+                    <a:solidFill>
+                      <a:schemeClr val="tx1"/>
+                    </a:solidFill>
+                  </a:rPr>
+                  <a:t> of the </a:t>
+                </a:r>
+                <a:r>
+                  <a:rPr lang="en-US" sz="2400" b="1" dirty="0">
+                    <a:solidFill>
+                      <a:schemeClr val="tx1"/>
+                    </a:solidFill>
+                  </a:rPr>
+                  <a:t>suboptimal algorithm 1 is less </a:t>
+                </a:r>
+                <a:r>
+                  <a:rPr lang="en-US" sz="2400" dirty="0">
+                    <a:solidFill>
+                      <a:schemeClr val="tx1"/>
+                    </a:solidFill>
+                  </a:rPr>
+                  <a:t>.</a:t>
+                </a:r>
+              </a:p>
+              <a:p>
+                <a:pPr algn="just">
+                  <a:lnSpc>
+                    <a:spcPct val="150000"/>
+                  </a:lnSpc>
+                  <a:buFont typeface="Wingdings" panose="05000000000000000000" pitchFamily="2" charset="2"/>
+                  <a:buChar char="q"/>
+                </a:pPr>
+                <a:r>
+                  <a:rPr lang="en-US" sz="2400" dirty="0">
+                    <a:solidFill>
+                      <a:schemeClr val="tx1"/>
+                    </a:solidFill>
+                  </a:rPr>
+                  <a:t>The </a:t>
+                </a:r>
+                <a:r>
+                  <a:rPr lang="en-US" sz="2400" b="1" dirty="0">
+                    <a:solidFill>
+                      <a:schemeClr val="tx1"/>
+                    </a:solidFill>
+                  </a:rPr>
+                  <a:t>sum capacity </a:t>
+                </a:r>
+                <a:r>
+                  <a:rPr lang="en-US" sz="2400" dirty="0">
+                    <a:solidFill>
+                      <a:schemeClr val="tx1"/>
+                    </a:solidFill>
+                  </a:rPr>
+                  <a:t>is also </a:t>
+                </a:r>
+                <a:r>
+                  <a:rPr lang="en-US" sz="2400" b="1" dirty="0">
+                    <a:solidFill>
+                      <a:schemeClr val="tx1"/>
+                    </a:solidFill>
+                  </a:rPr>
+                  <a:t>less than suboptimal algorithm 2</a:t>
+                </a:r>
+                <a:r>
+                  <a:rPr lang="en-US" sz="2400" dirty="0">
+                    <a:solidFill>
+                      <a:schemeClr val="tx1"/>
+                    </a:solidFill>
+                  </a:rPr>
+                  <a:t>.</a:t>
                 </a:r>
               </a:p>
             </p:txBody>
@@ -7250,13 +7419,13 @@
             </p:nvSpPr>
             <p:spPr>
               <a:xfrm>
-                <a:off x="565688" y="1371600"/>
-                <a:ext cx="8578312" cy="4724400"/>
+                <a:off x="565688" y="1219200"/>
+                <a:ext cx="8578312" cy="5029200"/>
               </a:xfrm>
               <a:blipFill>
                 <a:blip r:embed="rId2"/>
                 <a:stretch>
-                  <a:fillRect l="-995" r="-1137"/>
+                  <a:fillRect l="-995" r="-1137" b="-3879"/>
                 </a:stretch>
               </a:blipFill>
             </p:spPr>
@@ -7288,7 +7457,7 @@
 </p:sld>
 </file>
 
-<file path=ppt/slides/slide14.xml><?xml version="1.0" encoding="utf-8"?>
+<file path=ppt/slides/slide15.xml><?xml version="1.0" encoding="utf-8"?>
 <p:sld xmlns:a="http://schemas.openxmlformats.org/drawingml/2006/main" xmlns:r="http://schemas.openxmlformats.org/officeDocument/2006/relationships" xmlns:p="http://schemas.openxmlformats.org/presentationml/2006/main">
   <p:cSld>
     <p:spTree>
@@ -7439,7 +7608,7 @@
 </p:sld>
 </file>
 
-<file path=ppt/slides/slide15.xml><?xml version="1.0" encoding="utf-8"?>
+<file path=ppt/slides/slide16.xml><?xml version="1.0" encoding="utf-8"?>
 <p:sld xmlns:a="http://schemas.openxmlformats.org/drawingml/2006/main" xmlns:r="http://schemas.openxmlformats.org/officeDocument/2006/relationships" xmlns:p="http://schemas.openxmlformats.org/presentationml/2006/main">
   <p:cSld>
     <p:spTree>
@@ -7558,7 +7727,7 @@
 </p:sld>
 </file>
 
-<file path=ppt/slides/slide16.xml><?xml version="1.0" encoding="utf-8"?>
+<file path=ppt/slides/slide17.xml><?xml version="1.0" encoding="utf-8"?>
 <p:sld xmlns:a="http://schemas.openxmlformats.org/drawingml/2006/main" xmlns:r="http://schemas.openxmlformats.org/officeDocument/2006/relationships" xmlns:p="http://schemas.openxmlformats.org/presentationml/2006/main">
   <p:cSld>
     <p:spTree>
@@ -8293,173 +8462,6 @@
 </p:sld>
 </file>
 
-<file path=ppt/slides/slide17.xml><?xml version="1.0" encoding="utf-8"?>
-<p:sld xmlns:a="http://schemas.openxmlformats.org/drawingml/2006/main" xmlns:r="http://schemas.openxmlformats.org/officeDocument/2006/relationships" xmlns:p="http://schemas.openxmlformats.org/presentationml/2006/main">
-  <p:cSld>
-    <p:spTree>
-      <p:nvGrpSpPr>
-        <p:cNvPr id="1" name=""/>
-        <p:cNvGrpSpPr/>
-        <p:nvPr/>
-      </p:nvGrpSpPr>
-      <p:grpSpPr>
-        <a:xfrm>
-          <a:off x="0" y="0"/>
-          <a:ext cx="0" cy="0"/>
-          <a:chOff x="0" y="0"/>
-          <a:chExt cx="0" cy="0"/>
-        </a:xfrm>
-      </p:grpSpPr>
-      <p:sp>
-        <p:nvSpPr>
-          <p:cNvPr id="2" name="Title 1"/>
-          <p:cNvSpPr>
-            <a:spLocks noGrp="1"/>
-          </p:cNvSpPr>
-          <p:nvPr>
-            <p:ph type="title"/>
-          </p:nvPr>
-        </p:nvSpPr>
-        <p:spPr>
-          <a:xfrm>
-            <a:off x="533400" y="762000"/>
-            <a:ext cx="4265613" cy="579437"/>
-          </a:xfrm>
-        </p:spPr>
-        <p:txBody>
-          <a:bodyPr/>
-          <a:lstStyle/>
-          <a:p>
-            <a:pPr algn="l"/>
-            <a:r>
-              <a:rPr lang="en-US" dirty="0"/>
-              <a:t>Suboptimal Algorithms</a:t>
-            </a:r>
-          </a:p>
-        </p:txBody>
-      </p:sp>
-      <p:sp>
-        <p:nvSpPr>
-          <p:cNvPr id="3" name="Content Placeholder 2"/>
-          <p:cNvSpPr>
-            <a:spLocks noGrp="1"/>
-          </p:cNvSpPr>
-          <p:nvPr>
-            <p:ph idx="1"/>
-          </p:nvPr>
-        </p:nvSpPr>
-        <p:spPr>
-          <a:xfrm>
-            <a:off x="496019" y="1373187"/>
-            <a:ext cx="8763000" cy="4722813"/>
-          </a:xfrm>
-        </p:spPr>
-        <p:txBody>
-          <a:bodyPr/>
-          <a:lstStyle/>
-          <a:p>
-            <a:pPr marL="514350" indent="-514350" algn="ctr">
-              <a:buFont typeface="+mj-lt"/>
-              <a:buAutoNum type="arabicPeriod" startAt="2"/>
-            </a:pPr>
-            <a:r>
-              <a:rPr lang="en-US" sz="2400" b="1" dirty="0">
-                <a:solidFill>
-                  <a:schemeClr val="tx1"/>
-                </a:solidFill>
-              </a:rPr>
-              <a:t>Suboptimal algorithm 2</a:t>
-            </a:r>
-          </a:p>
-          <a:p>
-            <a:pPr marL="514350" indent="-514350">
-              <a:lnSpc>
-                <a:spcPct val="150000"/>
-              </a:lnSpc>
-              <a:buFont typeface="Wingdings" panose="05000000000000000000" pitchFamily="2" charset="2"/>
-              <a:buChar char="q"/>
-            </a:pPr>
-            <a:r>
-              <a:rPr lang="en-IN" sz="2400" dirty="0">
-                <a:solidFill>
-                  <a:schemeClr val="tx1"/>
-                </a:solidFill>
-              </a:rPr>
-              <a:t>It is seen that the </a:t>
-            </a:r>
-            <a:r>
-              <a:rPr lang="en-IN" sz="2400" b="1" dirty="0">
-                <a:solidFill>
-                  <a:schemeClr val="tx1"/>
-                </a:solidFill>
-              </a:rPr>
-              <a:t>main computational burden of SA1 </a:t>
-            </a:r>
-            <a:r>
-              <a:rPr lang="en-IN" sz="2400" dirty="0">
-                <a:solidFill>
-                  <a:schemeClr val="tx1"/>
-                </a:solidFill>
-              </a:rPr>
-              <a:t>focuses on </a:t>
-            </a:r>
-            <a:r>
-              <a:rPr lang="en-IN" sz="2400" b="1" dirty="0">
-                <a:solidFill>
-                  <a:schemeClr val="tx1"/>
-                </a:solidFill>
-              </a:rPr>
-              <a:t>updating users’ precoding matrices and evaluating the sum capacity</a:t>
-            </a:r>
-            <a:r>
-              <a:rPr lang="en-IN" sz="2400" dirty="0">
-                <a:solidFill>
-                  <a:schemeClr val="tx1"/>
-                </a:solidFill>
-              </a:rPr>
-              <a:t>.</a:t>
-            </a:r>
-          </a:p>
-          <a:p>
-            <a:pPr marL="514350" indent="-514350">
-              <a:lnSpc>
-                <a:spcPct val="150000"/>
-              </a:lnSpc>
-              <a:buFont typeface="Wingdings" panose="05000000000000000000" pitchFamily="2" charset="2"/>
-              <a:buChar char="q"/>
-            </a:pPr>
-            <a:r>
-              <a:rPr lang="en-IN" sz="2400" dirty="0">
-                <a:solidFill>
-                  <a:schemeClr val="tx1"/>
-                </a:solidFill>
-              </a:rPr>
-              <a:t>Thus, the algorithm is only required to compute the beamforming vector of </a:t>
-            </a:r>
-            <a:r>
-              <a:rPr lang="en-IN" sz="2400" b="1" dirty="0">
-                <a:solidFill>
-                  <a:schemeClr val="tx1"/>
-                </a:solidFill>
-              </a:rPr>
-              <a:t>the candidate antenna without updating the precoding matrices of the selected ones.</a:t>
-            </a:r>
-          </a:p>
-        </p:txBody>
-      </p:sp>
-    </p:spTree>
-    <p:extLst>
-      <p:ext uri="{BB962C8B-B14F-4D97-AF65-F5344CB8AC3E}">
-        <p14:creationId xmlns:p14="http://schemas.microsoft.com/office/powerpoint/2010/main" val="2284667163"/>
-      </p:ext>
-    </p:extLst>
-  </p:cSld>
-  <p:clrMapOvr>
-    <a:masterClrMapping/>
-  </p:clrMapOvr>
-</p:sld>
-</file>
-
 <file path=ppt/slides/slide18.xml><?xml version="1.0" encoding="utf-8"?>
 <p:sld xmlns:a="http://schemas.openxmlformats.org/drawingml/2006/main" xmlns:r="http://schemas.openxmlformats.org/officeDocument/2006/relationships" xmlns:p="http://schemas.openxmlformats.org/presentationml/2006/main">
   <p:cSld>
@@ -8517,15 +8519,29 @@
         </p:nvSpPr>
         <p:spPr>
           <a:xfrm>
-            <a:off x="533400" y="1371600"/>
-            <a:ext cx="8610600" cy="4722813"/>
+            <a:off x="496019" y="1373187"/>
+            <a:ext cx="8647981" cy="4722813"/>
           </a:xfrm>
         </p:spPr>
         <p:txBody>
           <a:bodyPr/>
           <a:lstStyle/>
           <a:p>
-            <a:pPr marL="514350" indent="-514350">
+            <a:pPr marL="514350" indent="-514350" algn="ctr">
+              <a:buFont typeface="+mj-lt"/>
+              <a:buAutoNum type="arabicPeriod" startAt="2"/>
+            </a:pPr>
+            <a:r>
+              <a:rPr lang="en-US" sz="2400" b="1" dirty="0">
+                <a:solidFill>
+                  <a:schemeClr val="tx1"/>
+                </a:solidFill>
+              </a:rPr>
+              <a:t>Suboptimal algorithm 2</a:t>
+            </a:r>
+          </a:p>
+          <a:p>
+            <a:pPr marL="514350" indent="-514350" algn="just">
               <a:lnSpc>
                 <a:spcPct val="150000"/>
               </a:lnSpc>
@@ -8538,7 +8554,7 @@
                   <a:schemeClr val="tx1"/>
                 </a:solidFill>
               </a:rPr>
-              <a:t>Treating each receive antenna as an individual user provides </a:t>
+              <a:t>It is seen that the </a:t>
             </a:r>
             <a:r>
               <a:rPr lang="en-IN" sz="2400" b="1" dirty="0">
@@ -8546,7 +8562,7 @@
                   <a:schemeClr val="tx1"/>
                 </a:solidFill>
               </a:rPr>
-              <a:t>more robustness to the errors </a:t>
+              <a:t>main computational burden of SA1 </a:t>
             </a:r>
             <a:r>
               <a:rPr lang="en-IN" sz="2400" dirty="0">
@@ -8554,11 +8570,27 @@
                   <a:schemeClr val="tx1"/>
                 </a:solidFill>
               </a:rPr>
-              <a:t>from outdated precoding matrices than considering multiple antennas at each user.</a:t>
-            </a:r>
-          </a:p>
-          <a:p>
-            <a:pPr marL="514350" indent="-514350">
+              <a:t>focuses on </a:t>
+            </a:r>
+            <a:r>
+              <a:rPr lang="en-IN" sz="2400" b="1" dirty="0">
+                <a:solidFill>
+                  <a:schemeClr val="tx1"/>
+                </a:solidFill>
+              </a:rPr>
+              <a:t>updating users’ precoding matrices and evaluating the sum capacity</a:t>
+            </a:r>
+            <a:r>
+              <a:rPr lang="en-IN" sz="2400" dirty="0">
+                <a:solidFill>
+                  <a:schemeClr val="tx1"/>
+                </a:solidFill>
+              </a:rPr>
+              <a:t>.</a:t>
+            </a:r>
+          </a:p>
+          <a:p>
+            <a:pPr marL="514350" indent="-514350" algn="just">
               <a:lnSpc>
                 <a:spcPct val="150000"/>
               </a:lnSpc>
@@ -8571,7 +8603,7 @@
                   <a:schemeClr val="tx1"/>
                 </a:solidFill>
               </a:rPr>
-              <a:t>By treating each antenna as a separate user, no receive beamforming can be exploited. Thus, procedures in the second phase are excluded from SA2 and </a:t>
+              <a:t>Thus, the algorithm is only required to compute the beamforming vector of </a:t>
             </a:r>
             <a:r>
               <a:rPr lang="en-IN" sz="2400" b="1" dirty="0">
@@ -8579,7 +8611,7 @@
                   <a:schemeClr val="tx1"/>
                 </a:solidFill>
               </a:rPr>
-              <a:t>the number of data streams is always equal to the number of selected antennas.</a:t>
+              <a:t>the candidate antenna without updating the precoding matrices of the selected ones.</a:t>
             </a:r>
           </a:p>
         </p:txBody>
@@ -8587,7 +8619,7 @@
     </p:spTree>
     <p:extLst>
       <p:ext uri="{BB962C8B-B14F-4D97-AF65-F5344CB8AC3E}">
-        <p14:creationId xmlns:p14="http://schemas.microsoft.com/office/powerpoint/2010/main" val="4249425202"/>
+        <p14:creationId xmlns:p14="http://schemas.microsoft.com/office/powerpoint/2010/main" val="2284667163"/>
       </p:ext>
     </p:extLst>
   </p:cSld>
@@ -8642,8 +8674,758 @@
           </a:p>
         </p:txBody>
       </p:sp>
-      <mc:AlternateContent xmlns:mc="http://schemas.openxmlformats.org/markup-compatibility/2006">
-        <mc:Choice xmlns:a14="http://schemas.microsoft.com/office/drawing/2010/main" Requires="a14">
+      <p:sp>
+        <p:nvSpPr>
+          <p:cNvPr id="3" name="Content Placeholder 2"/>
+          <p:cNvSpPr>
+            <a:spLocks noGrp="1"/>
+          </p:cNvSpPr>
+          <p:nvPr>
+            <p:ph idx="1"/>
+          </p:nvPr>
+        </p:nvSpPr>
+        <p:spPr>
+          <a:xfrm>
+            <a:off x="533400" y="1371600"/>
+            <a:ext cx="8610600" cy="4722813"/>
+          </a:xfrm>
+        </p:spPr>
+        <p:txBody>
+          <a:bodyPr/>
+          <a:lstStyle/>
+          <a:p>
+            <a:pPr marL="514350" indent="-514350" algn="just">
+              <a:lnSpc>
+                <a:spcPct val="150000"/>
+              </a:lnSpc>
+              <a:buFont typeface="Wingdings" panose="05000000000000000000" pitchFamily="2" charset="2"/>
+              <a:buChar char="q"/>
+            </a:pPr>
+            <a:r>
+              <a:rPr lang="en-IN" sz="2400" dirty="0">
+                <a:solidFill>
+                  <a:schemeClr val="tx1"/>
+                </a:solidFill>
+              </a:rPr>
+              <a:t>Treating each receive antenna as an individual user provides </a:t>
+            </a:r>
+            <a:r>
+              <a:rPr lang="en-IN" sz="2400" b="1" dirty="0">
+                <a:solidFill>
+                  <a:schemeClr val="tx1"/>
+                </a:solidFill>
+              </a:rPr>
+              <a:t>more robustness to the errors </a:t>
+            </a:r>
+            <a:r>
+              <a:rPr lang="en-IN" sz="2400" dirty="0">
+                <a:solidFill>
+                  <a:schemeClr val="tx1"/>
+                </a:solidFill>
+              </a:rPr>
+              <a:t>from outdated precoding matrices than considering multiple antennas at each user.</a:t>
+            </a:r>
+          </a:p>
+          <a:p>
+            <a:pPr marL="514350" indent="-514350" algn="just">
+              <a:lnSpc>
+                <a:spcPct val="150000"/>
+              </a:lnSpc>
+              <a:buFont typeface="Wingdings" panose="05000000000000000000" pitchFamily="2" charset="2"/>
+              <a:buChar char="q"/>
+            </a:pPr>
+            <a:r>
+              <a:rPr lang="en-IN" sz="2400" dirty="0">
+                <a:solidFill>
+                  <a:schemeClr val="tx1"/>
+                </a:solidFill>
+              </a:rPr>
+              <a:t>By treating each antenna as a separate user, no receive beamforming can be exploited. Thus, procedures in the second phase are excluded from SA2 and </a:t>
+            </a:r>
+            <a:r>
+              <a:rPr lang="en-IN" sz="2400" b="1" dirty="0">
+                <a:solidFill>
+                  <a:schemeClr val="tx1"/>
+                </a:solidFill>
+              </a:rPr>
+              <a:t>the number of data streams is always equal to the number of selected antennas.</a:t>
+            </a:r>
+          </a:p>
+        </p:txBody>
+      </p:sp>
+    </p:spTree>
+    <p:extLst>
+      <p:ext uri="{BB962C8B-B14F-4D97-AF65-F5344CB8AC3E}">
+        <p14:creationId xmlns:p14="http://schemas.microsoft.com/office/powerpoint/2010/main" val="4249425202"/>
+      </p:ext>
+    </p:extLst>
+  </p:cSld>
+  <p:clrMapOvr>
+    <a:masterClrMapping/>
+  </p:clrMapOvr>
+</p:sld>
+</file>
+
+<file path=ppt/slides/slide2.xml><?xml version="1.0" encoding="utf-8"?>
+<p:sld xmlns:a="http://schemas.openxmlformats.org/drawingml/2006/main" xmlns:r="http://schemas.openxmlformats.org/officeDocument/2006/relationships" xmlns:p="http://schemas.openxmlformats.org/presentationml/2006/main">
+  <p:cSld>
+    <p:spTree>
+      <p:nvGrpSpPr>
+        <p:cNvPr id="1" name=""/>
+        <p:cNvGrpSpPr/>
+        <p:nvPr/>
+      </p:nvGrpSpPr>
+      <p:grpSpPr>
+        <a:xfrm>
+          <a:off x="0" y="0"/>
+          <a:ext cx="0" cy="0"/>
+          <a:chOff x="0" y="0"/>
+          <a:chExt cx="0" cy="0"/>
+        </a:xfrm>
+      </p:grpSpPr>
+      <p:sp>
+        <p:nvSpPr>
+          <p:cNvPr id="4097" name="Text Box 1"/>
+          <p:cNvSpPr txBox="1">
+            <a:spLocks noChangeArrowheads="1"/>
+          </p:cNvSpPr>
+          <p:nvPr/>
+        </p:nvSpPr>
+        <p:spPr bwMode="auto">
+          <a:xfrm>
+            <a:off x="533400" y="739775"/>
+            <a:ext cx="7924800" cy="579438"/>
+          </a:xfrm>
+          <a:prstGeom prst="rect">
+            <a:avLst/>
+          </a:prstGeom>
+          <a:noFill/>
+          <a:ln w="9525" cap="flat">
+            <a:noFill/>
+            <a:round/>
+            <a:headEnd/>
+            <a:tailEnd/>
+          </a:ln>
+          <a:effectLst/>
+        </p:spPr>
+        <p:txBody>
+          <a:bodyPr anchor="ctr"/>
+          <a:lstStyle/>
+          <a:p>
+            <a:pPr algn="just" eaLnBrk="1" hangingPunct="1">
+              <a:buClrTx/>
+              <a:buFontTx/>
+              <a:buNone/>
+              <a:tabLst>
+                <a:tab pos="0" algn="l"/>
+                <a:tab pos="914400" algn="l"/>
+                <a:tab pos="1828800" algn="l"/>
+                <a:tab pos="2743200" algn="l"/>
+                <a:tab pos="3657600" algn="l"/>
+                <a:tab pos="4572000" algn="l"/>
+                <a:tab pos="5486400" algn="l"/>
+                <a:tab pos="6400800" algn="l"/>
+                <a:tab pos="7315200" algn="l"/>
+                <a:tab pos="8229600" algn="l"/>
+                <a:tab pos="9144000" algn="l"/>
+                <a:tab pos="10058400" algn="l"/>
+              </a:tabLst>
+            </a:pPr>
+            <a:endParaRPr lang="en-US" sz="3200" b="1" dirty="0">
+              <a:solidFill>
+                <a:srgbClr val="3333CC"/>
+              </a:solidFill>
+              <a:ea typeface="DejaVu Sans" charset="0"/>
+              <a:cs typeface="DejaVu Sans" charset="0"/>
+            </a:endParaRPr>
+          </a:p>
+        </p:txBody>
+      </p:sp>
+      <p:sp>
+        <p:nvSpPr>
+          <p:cNvPr id="4098" name="Text Box 2"/>
+          <p:cNvSpPr txBox="1">
+            <a:spLocks noChangeArrowheads="1"/>
+          </p:cNvSpPr>
+          <p:nvPr/>
+        </p:nvSpPr>
+        <p:spPr bwMode="auto">
+          <a:xfrm>
+            <a:off x="685800" y="1369000"/>
+            <a:ext cx="8305800" cy="5005387"/>
+          </a:xfrm>
+          <a:prstGeom prst="rect">
+            <a:avLst/>
+          </a:prstGeom>
+          <a:noFill/>
+          <a:ln w="9525" cap="flat">
+            <a:noFill/>
+            <a:round/>
+            <a:headEnd/>
+            <a:tailEnd/>
+          </a:ln>
+          <a:effectLst/>
+        </p:spPr>
+        <p:txBody>
+          <a:bodyPr/>
+          <a:lstStyle/>
+          <a:p>
+            <a:pPr marL="342900" indent="-342900" algn="just" eaLnBrk="1" hangingPunct="1">
+              <a:lnSpc>
+                <a:spcPct val="150000"/>
+              </a:lnSpc>
+              <a:spcBef>
+                <a:spcPts val="600"/>
+              </a:spcBef>
+              <a:buFont typeface="Wingdings" panose="05000000000000000000" pitchFamily="2" charset="2"/>
+              <a:buChar char="q"/>
+              <a:tabLst>
+                <a:tab pos="911225" algn="l"/>
+                <a:tab pos="1825625" algn="l"/>
+                <a:tab pos="2740025" algn="l"/>
+                <a:tab pos="3654425" algn="l"/>
+                <a:tab pos="4568825" algn="l"/>
+                <a:tab pos="5483225" algn="l"/>
+                <a:tab pos="6397625" algn="l"/>
+                <a:tab pos="7312025" algn="l"/>
+                <a:tab pos="8226425" algn="l"/>
+                <a:tab pos="9140825" algn="l"/>
+                <a:tab pos="10055225" algn="l"/>
+              </a:tabLst>
+            </a:pPr>
+            <a:r>
+              <a:rPr lang="en-IN" sz="2000" dirty="0">
+                <a:solidFill>
+                  <a:srgbClr val="000000"/>
+                </a:solidFill>
+                <a:cs typeface="Times New Roman" pitchFamily="16" charset="0"/>
+              </a:rPr>
+              <a:t>Aims/Objectives</a:t>
+            </a:r>
+          </a:p>
+          <a:p>
+            <a:pPr marL="342900" indent="-342900" algn="just" eaLnBrk="1" hangingPunct="1">
+              <a:lnSpc>
+                <a:spcPct val="150000"/>
+              </a:lnSpc>
+              <a:spcBef>
+                <a:spcPts val="600"/>
+              </a:spcBef>
+              <a:buFont typeface="Wingdings" panose="05000000000000000000" pitchFamily="2" charset="2"/>
+              <a:buChar char="q"/>
+              <a:tabLst>
+                <a:tab pos="911225" algn="l"/>
+                <a:tab pos="1825625" algn="l"/>
+                <a:tab pos="2740025" algn="l"/>
+                <a:tab pos="3654425" algn="l"/>
+                <a:tab pos="4568825" algn="l"/>
+                <a:tab pos="5483225" algn="l"/>
+                <a:tab pos="6397625" algn="l"/>
+                <a:tab pos="7312025" algn="l"/>
+                <a:tab pos="8226425" algn="l"/>
+                <a:tab pos="9140825" algn="l"/>
+                <a:tab pos="10055225" algn="l"/>
+              </a:tabLst>
+            </a:pPr>
+            <a:r>
+              <a:rPr lang="en-IN" sz="2000" dirty="0">
+                <a:solidFill>
+                  <a:srgbClr val="000000"/>
+                </a:solidFill>
+                <a:cs typeface="Times New Roman" pitchFamily="16" charset="0"/>
+              </a:rPr>
+              <a:t>Introduction</a:t>
+            </a:r>
+          </a:p>
+          <a:p>
+            <a:pPr marL="342900" indent="-342900" algn="just" eaLnBrk="1" hangingPunct="1">
+              <a:lnSpc>
+                <a:spcPct val="150000"/>
+              </a:lnSpc>
+              <a:spcBef>
+                <a:spcPts val="600"/>
+              </a:spcBef>
+              <a:buFont typeface="Wingdings" panose="05000000000000000000" pitchFamily="2" charset="2"/>
+              <a:buChar char="q"/>
+              <a:tabLst>
+                <a:tab pos="911225" algn="l"/>
+                <a:tab pos="1825625" algn="l"/>
+                <a:tab pos="2740025" algn="l"/>
+                <a:tab pos="3654425" algn="l"/>
+                <a:tab pos="4568825" algn="l"/>
+                <a:tab pos="5483225" algn="l"/>
+                <a:tab pos="6397625" algn="l"/>
+                <a:tab pos="7312025" algn="l"/>
+                <a:tab pos="8226425" algn="l"/>
+                <a:tab pos="9140825" algn="l"/>
+                <a:tab pos="10055225" algn="l"/>
+              </a:tabLst>
+            </a:pPr>
+            <a:r>
+              <a:rPr lang="en-IN" sz="2000" dirty="0">
+                <a:solidFill>
+                  <a:srgbClr val="000000"/>
+                </a:solidFill>
+                <a:cs typeface="Times New Roman" pitchFamily="16" charset="0"/>
+              </a:rPr>
+              <a:t>System Model</a:t>
+            </a:r>
+          </a:p>
+          <a:p>
+            <a:pPr marL="342900" indent="-342900" algn="just" eaLnBrk="1" hangingPunct="1">
+              <a:lnSpc>
+                <a:spcPct val="150000"/>
+              </a:lnSpc>
+              <a:spcBef>
+                <a:spcPts val="600"/>
+              </a:spcBef>
+              <a:buFont typeface="Wingdings" panose="05000000000000000000" pitchFamily="2" charset="2"/>
+              <a:buChar char="q"/>
+              <a:tabLst>
+                <a:tab pos="911225" algn="l"/>
+                <a:tab pos="1825625" algn="l"/>
+                <a:tab pos="2740025" algn="l"/>
+                <a:tab pos="3654425" algn="l"/>
+                <a:tab pos="4568825" algn="l"/>
+                <a:tab pos="5483225" algn="l"/>
+                <a:tab pos="6397625" algn="l"/>
+                <a:tab pos="7312025" algn="l"/>
+                <a:tab pos="8226425" algn="l"/>
+                <a:tab pos="9140825" algn="l"/>
+                <a:tab pos="10055225" algn="l"/>
+              </a:tabLst>
+            </a:pPr>
+            <a:r>
+              <a:rPr lang="en-IN" sz="2000" dirty="0">
+                <a:solidFill>
+                  <a:srgbClr val="000000"/>
+                </a:solidFill>
+                <a:cs typeface="Times New Roman" pitchFamily="16" charset="0"/>
+              </a:rPr>
+              <a:t>JURAS Scheme for MU-MIMO</a:t>
+            </a:r>
+          </a:p>
+          <a:p>
+            <a:pPr marL="342900" indent="-342900" algn="just" eaLnBrk="1" hangingPunct="1">
+              <a:lnSpc>
+                <a:spcPct val="150000"/>
+              </a:lnSpc>
+              <a:spcBef>
+                <a:spcPts val="600"/>
+              </a:spcBef>
+              <a:buFont typeface="Wingdings" panose="05000000000000000000" pitchFamily="2" charset="2"/>
+              <a:buChar char="q"/>
+              <a:tabLst>
+                <a:tab pos="911225" algn="l"/>
+                <a:tab pos="1825625" algn="l"/>
+                <a:tab pos="2740025" algn="l"/>
+                <a:tab pos="3654425" algn="l"/>
+                <a:tab pos="4568825" algn="l"/>
+                <a:tab pos="5483225" algn="l"/>
+                <a:tab pos="6397625" algn="l"/>
+                <a:tab pos="7312025" algn="l"/>
+                <a:tab pos="8226425" algn="l"/>
+                <a:tab pos="9140825" algn="l"/>
+                <a:tab pos="10055225" algn="l"/>
+              </a:tabLst>
+            </a:pPr>
+            <a:r>
+              <a:rPr lang="en-IN" sz="2000" dirty="0">
+                <a:solidFill>
+                  <a:srgbClr val="000000"/>
+                </a:solidFill>
+                <a:cs typeface="Times New Roman" pitchFamily="16" charset="0"/>
+              </a:rPr>
+              <a:t>Suboptimal  Algorithms</a:t>
+            </a:r>
+          </a:p>
+          <a:p>
+            <a:pPr marL="342900" indent="-342900" algn="just" eaLnBrk="1" hangingPunct="1">
+              <a:lnSpc>
+                <a:spcPct val="150000"/>
+              </a:lnSpc>
+              <a:spcBef>
+                <a:spcPts val="600"/>
+              </a:spcBef>
+              <a:buFont typeface="Wingdings" panose="05000000000000000000" pitchFamily="2" charset="2"/>
+              <a:buChar char="q"/>
+              <a:tabLst>
+                <a:tab pos="911225" algn="l"/>
+                <a:tab pos="1825625" algn="l"/>
+                <a:tab pos="2740025" algn="l"/>
+                <a:tab pos="3654425" algn="l"/>
+                <a:tab pos="4568825" algn="l"/>
+                <a:tab pos="5483225" algn="l"/>
+                <a:tab pos="6397625" algn="l"/>
+                <a:tab pos="7312025" algn="l"/>
+                <a:tab pos="8226425" algn="l"/>
+                <a:tab pos="9140825" algn="l"/>
+                <a:tab pos="10055225" algn="l"/>
+              </a:tabLst>
+            </a:pPr>
+            <a:r>
+              <a:rPr lang="en-IN" sz="2000" dirty="0">
+                <a:solidFill>
+                  <a:srgbClr val="000000"/>
+                </a:solidFill>
+                <a:latin typeface="+mj-lt"/>
+                <a:cs typeface="Times New Roman" pitchFamily="16" charset="0"/>
+              </a:rPr>
+              <a:t>Outputs</a:t>
+            </a:r>
+          </a:p>
+          <a:p>
+            <a:pPr marL="342900" indent="-342900" algn="just" eaLnBrk="1" hangingPunct="1">
+              <a:lnSpc>
+                <a:spcPct val="150000"/>
+              </a:lnSpc>
+              <a:spcBef>
+                <a:spcPts val="600"/>
+              </a:spcBef>
+              <a:buFont typeface="Wingdings" panose="05000000000000000000" pitchFamily="2" charset="2"/>
+              <a:buChar char="q"/>
+              <a:tabLst>
+                <a:tab pos="911225" algn="l"/>
+                <a:tab pos="1825625" algn="l"/>
+                <a:tab pos="2740025" algn="l"/>
+                <a:tab pos="3654425" algn="l"/>
+                <a:tab pos="4568825" algn="l"/>
+                <a:tab pos="5483225" algn="l"/>
+                <a:tab pos="6397625" algn="l"/>
+                <a:tab pos="7312025" algn="l"/>
+                <a:tab pos="8226425" algn="l"/>
+                <a:tab pos="9140825" algn="l"/>
+                <a:tab pos="10055225" algn="l"/>
+              </a:tabLst>
+            </a:pPr>
+            <a:r>
+              <a:rPr lang="en-IN" sz="2000" dirty="0">
+                <a:solidFill>
+                  <a:srgbClr val="000000"/>
+                </a:solidFill>
+                <a:cs typeface="Times New Roman" pitchFamily="16" charset="0"/>
+              </a:rPr>
+              <a:t>Conclusions</a:t>
+            </a:r>
+            <a:endParaRPr lang="en-IN" sz="2000" dirty="0">
+              <a:solidFill>
+                <a:srgbClr val="000000"/>
+              </a:solidFill>
+              <a:latin typeface="+mj-lt"/>
+              <a:cs typeface="Times New Roman" pitchFamily="16" charset="0"/>
+            </a:endParaRPr>
+          </a:p>
+          <a:p>
+            <a:pPr marL="342900" indent="-342900" algn="just" eaLnBrk="1" hangingPunct="1">
+              <a:lnSpc>
+                <a:spcPct val="150000"/>
+              </a:lnSpc>
+              <a:spcBef>
+                <a:spcPts val="600"/>
+              </a:spcBef>
+              <a:buFont typeface="Wingdings" panose="05000000000000000000" pitchFamily="2" charset="2"/>
+              <a:buChar char="q"/>
+              <a:tabLst>
+                <a:tab pos="911225" algn="l"/>
+                <a:tab pos="1825625" algn="l"/>
+                <a:tab pos="2740025" algn="l"/>
+                <a:tab pos="3654425" algn="l"/>
+                <a:tab pos="4568825" algn="l"/>
+                <a:tab pos="5483225" algn="l"/>
+                <a:tab pos="6397625" algn="l"/>
+                <a:tab pos="7312025" algn="l"/>
+                <a:tab pos="8226425" algn="l"/>
+                <a:tab pos="9140825" algn="l"/>
+                <a:tab pos="10055225" algn="l"/>
+              </a:tabLst>
+            </a:pPr>
+            <a:r>
+              <a:rPr lang="en-IN" sz="2000" dirty="0">
+                <a:solidFill>
+                  <a:srgbClr val="000000"/>
+                </a:solidFill>
+                <a:latin typeface="+mj-lt"/>
+                <a:cs typeface="Times New Roman" pitchFamily="16" charset="0"/>
+              </a:rPr>
+              <a:t>References</a:t>
+            </a:r>
+            <a:endParaRPr lang="en-IN" sz="2800" b="1" dirty="0">
+              <a:solidFill>
+                <a:srgbClr val="000000"/>
+              </a:solidFill>
+              <a:latin typeface="+mj-lt"/>
+              <a:cs typeface="Times New Roman" pitchFamily="16" charset="0"/>
+            </a:endParaRPr>
+          </a:p>
+          <a:p>
+            <a:pPr marL="342900" indent="-342900" algn="just" eaLnBrk="1" hangingPunct="1">
+              <a:lnSpc>
+                <a:spcPct val="150000"/>
+              </a:lnSpc>
+              <a:spcBef>
+                <a:spcPts val="600"/>
+              </a:spcBef>
+              <a:buFont typeface="Wingdings" panose="05000000000000000000" pitchFamily="2" charset="2"/>
+              <a:buChar char="q"/>
+              <a:tabLst>
+                <a:tab pos="911225" algn="l"/>
+                <a:tab pos="1825625" algn="l"/>
+                <a:tab pos="2740025" algn="l"/>
+                <a:tab pos="3654425" algn="l"/>
+                <a:tab pos="4568825" algn="l"/>
+                <a:tab pos="5483225" algn="l"/>
+                <a:tab pos="6397625" algn="l"/>
+                <a:tab pos="7312025" algn="l"/>
+                <a:tab pos="8226425" algn="l"/>
+                <a:tab pos="9140825" algn="l"/>
+                <a:tab pos="10055225" algn="l"/>
+              </a:tabLst>
+            </a:pPr>
+            <a:endParaRPr lang="en-IN" b="1" dirty="0">
+              <a:solidFill>
+                <a:srgbClr val="000000"/>
+              </a:solidFill>
+              <a:cs typeface="Times New Roman" pitchFamily="16" charset="0"/>
+            </a:endParaRPr>
+          </a:p>
+          <a:p>
+            <a:pPr algn="just" eaLnBrk="1" hangingPunct="1">
+              <a:lnSpc>
+                <a:spcPct val="150000"/>
+              </a:lnSpc>
+              <a:spcBef>
+                <a:spcPts val="600"/>
+              </a:spcBef>
+              <a:tabLst>
+                <a:tab pos="911225" algn="l"/>
+                <a:tab pos="1825625" algn="l"/>
+                <a:tab pos="2740025" algn="l"/>
+                <a:tab pos="3654425" algn="l"/>
+                <a:tab pos="4568825" algn="l"/>
+                <a:tab pos="5483225" algn="l"/>
+                <a:tab pos="6397625" algn="l"/>
+                <a:tab pos="7312025" algn="l"/>
+                <a:tab pos="8226425" algn="l"/>
+                <a:tab pos="9140825" algn="l"/>
+                <a:tab pos="10055225" algn="l"/>
+              </a:tabLst>
+            </a:pPr>
+            <a:endParaRPr lang="en-IN" b="1" dirty="0">
+              <a:solidFill>
+                <a:srgbClr val="000000"/>
+              </a:solidFill>
+              <a:cs typeface="Times New Roman" pitchFamily="16" charset="0"/>
+            </a:endParaRPr>
+          </a:p>
+          <a:p>
+            <a:pPr algn="just" eaLnBrk="1" hangingPunct="1">
+              <a:lnSpc>
+                <a:spcPct val="150000"/>
+              </a:lnSpc>
+              <a:spcBef>
+                <a:spcPts val="600"/>
+              </a:spcBef>
+              <a:tabLst>
+                <a:tab pos="911225" algn="l"/>
+                <a:tab pos="1825625" algn="l"/>
+                <a:tab pos="2740025" algn="l"/>
+                <a:tab pos="3654425" algn="l"/>
+                <a:tab pos="4568825" algn="l"/>
+                <a:tab pos="5483225" algn="l"/>
+                <a:tab pos="6397625" algn="l"/>
+                <a:tab pos="7312025" algn="l"/>
+                <a:tab pos="8226425" algn="l"/>
+                <a:tab pos="9140825" algn="l"/>
+                <a:tab pos="10055225" algn="l"/>
+              </a:tabLst>
+            </a:pPr>
+            <a:endParaRPr lang="en-IN" b="1" dirty="0">
+              <a:solidFill>
+                <a:srgbClr val="000000"/>
+              </a:solidFill>
+              <a:cs typeface="Times New Roman" pitchFamily="16" charset="0"/>
+            </a:endParaRPr>
+          </a:p>
+          <a:p>
+            <a:pPr algn="just" eaLnBrk="1" hangingPunct="1">
+              <a:lnSpc>
+                <a:spcPct val="150000"/>
+              </a:lnSpc>
+              <a:spcBef>
+                <a:spcPts val="600"/>
+              </a:spcBef>
+              <a:tabLst>
+                <a:tab pos="911225" algn="l"/>
+                <a:tab pos="1825625" algn="l"/>
+                <a:tab pos="2740025" algn="l"/>
+                <a:tab pos="3654425" algn="l"/>
+                <a:tab pos="4568825" algn="l"/>
+                <a:tab pos="5483225" algn="l"/>
+                <a:tab pos="6397625" algn="l"/>
+                <a:tab pos="7312025" algn="l"/>
+                <a:tab pos="8226425" algn="l"/>
+                <a:tab pos="9140825" algn="l"/>
+                <a:tab pos="10055225" algn="l"/>
+              </a:tabLst>
+            </a:pPr>
+            <a:endParaRPr lang="en-IN" b="1" dirty="0">
+              <a:solidFill>
+                <a:srgbClr val="000000"/>
+              </a:solidFill>
+              <a:cs typeface="Times New Roman" pitchFamily="16" charset="0"/>
+            </a:endParaRPr>
+          </a:p>
+          <a:p>
+            <a:pPr marL="341313" indent="-341313" algn="just" eaLnBrk="1" hangingPunct="1">
+              <a:lnSpc>
+                <a:spcPct val="150000"/>
+              </a:lnSpc>
+              <a:spcBef>
+                <a:spcPts val="600"/>
+              </a:spcBef>
+              <a:tabLst>
+                <a:tab pos="911225" algn="l"/>
+                <a:tab pos="1825625" algn="l"/>
+                <a:tab pos="2740025" algn="l"/>
+                <a:tab pos="3654425" algn="l"/>
+                <a:tab pos="4568825" algn="l"/>
+                <a:tab pos="5483225" algn="l"/>
+                <a:tab pos="6397625" algn="l"/>
+                <a:tab pos="7312025" algn="l"/>
+                <a:tab pos="8226425" algn="l"/>
+                <a:tab pos="9140825" algn="l"/>
+                <a:tab pos="10055225" algn="l"/>
+              </a:tabLst>
+            </a:pPr>
+            <a:endParaRPr lang="en-IN" b="1" dirty="0">
+              <a:solidFill>
+                <a:srgbClr val="000000"/>
+              </a:solidFill>
+              <a:cs typeface="Times New Roman" pitchFamily="16" charset="0"/>
+            </a:endParaRPr>
+          </a:p>
+        </p:txBody>
+      </p:sp>
+      <p:sp>
+        <p:nvSpPr>
+          <p:cNvPr id="4" name="TextBox 3"/>
+          <p:cNvSpPr txBox="1"/>
+          <p:nvPr/>
+        </p:nvSpPr>
+        <p:spPr>
+          <a:xfrm>
+            <a:off x="533400" y="762000"/>
+            <a:ext cx="1757212" cy="584775"/>
+          </a:xfrm>
+          <a:prstGeom prst="rect">
+            <a:avLst/>
+          </a:prstGeom>
+          <a:noFill/>
+        </p:spPr>
+        <p:txBody>
+          <a:bodyPr wrap="none" rtlCol="0">
+            <a:spAutoFit/>
+          </a:bodyPr>
+          <a:lstStyle/>
+          <a:p>
+            <a:pPr algn="just"/>
+            <a:r>
+              <a:rPr lang="en-US" sz="3200" b="1" dirty="0">
+                <a:solidFill>
+                  <a:srgbClr val="3333CC"/>
+                </a:solidFill>
+                <a:latin typeface="+mj-lt"/>
+                <a:ea typeface="+mj-ea"/>
+                <a:cs typeface="+mj-cs"/>
+              </a:rPr>
+              <a:t>Contents</a:t>
+            </a:r>
+          </a:p>
+        </p:txBody>
+      </p:sp>
+    </p:spTree>
+  </p:cSld>
+  <p:clrMapOvr>
+    <a:masterClrMapping/>
+  </p:clrMapOvr>
+  <p:transition spd="med"/>
+  <p:timing>
+    <p:tnLst>
+      <p:par>
+        <p:cTn id="1" dur="indefinite" restart="never" nodeType="tmRoot">
+          <p:childTnLst>
+            <p:seq concurrent="1" nextAc="seek">
+              <p:cTn id="2" dur="0" nodeType="mainSeq"/>
+              <p:prevCondLst>
+                <p:cond evt="onPrev" delay="0">
+                  <p:tgtEl>
+                    <p:sldTgt/>
+                  </p:tgtEl>
+                </p:cond>
+              </p:prevCondLst>
+              <p:nextCondLst>
+                <p:cond evt="onNext" delay="0">
+                  <p:tgtEl>
+                    <p:sldTgt/>
+                  </p:tgtEl>
+                </p:cond>
+              </p:nextCondLst>
+            </p:seq>
+          </p:childTnLst>
+        </p:cTn>
+      </p:par>
+    </p:tnLst>
+  </p:timing>
+</p:sld>
+</file>
+
+<file path=ppt/slides/slide20.xml><?xml version="1.0" encoding="utf-8"?>
+<p:sld xmlns:a="http://schemas.openxmlformats.org/drawingml/2006/main" xmlns:r="http://schemas.openxmlformats.org/officeDocument/2006/relationships" xmlns:p="http://schemas.openxmlformats.org/presentationml/2006/main">
+  <p:cSld>
+    <p:spTree>
+      <p:nvGrpSpPr>
+        <p:cNvPr id="1" name=""/>
+        <p:cNvGrpSpPr/>
+        <p:nvPr/>
+      </p:nvGrpSpPr>
+      <p:grpSpPr>
+        <a:xfrm>
+          <a:off x="0" y="0"/>
+          <a:ext cx="0" cy="0"/>
+          <a:chOff x="0" y="0"/>
+          <a:chExt cx="0" cy="0"/>
+        </a:xfrm>
+      </p:grpSpPr>
+      <p:sp>
+        <p:nvSpPr>
+          <p:cNvPr id="2" name="Title 1"/>
+          <p:cNvSpPr>
+            <a:spLocks noGrp="1"/>
+          </p:cNvSpPr>
+          <p:nvPr>
+            <p:ph type="title"/>
+          </p:nvPr>
+        </p:nvSpPr>
+        <p:spPr>
+          <a:xfrm>
+            <a:off x="533400" y="762000"/>
+            <a:ext cx="4265613" cy="579437"/>
+          </a:xfrm>
+        </p:spPr>
+        <p:txBody>
+          <a:bodyPr/>
+          <a:lstStyle/>
+          <a:p>
+            <a:pPr algn="l"/>
+            <a:r>
+              <a:rPr lang="en-US" dirty="0"/>
+              <a:t>Suboptimal Algorithms</a:t>
+            </a:r>
+          </a:p>
+        </p:txBody>
+      </p:sp>
+      <mc:AlternateContent xmlns:mc="http://schemas.openxmlformats.org/markup-compatibility/2006" xmlns:a14="http://schemas.microsoft.com/office/drawing/2010/main">
+        <mc:Choice Requires="a14">
           <p:sp>
             <p:nvSpPr>
               <p:cNvPr id="3" name="Content Placeholder 2"/>
@@ -8657,7 +9439,7 @@
             <p:spPr>
               <a:xfrm>
                 <a:off x="533400" y="1371600"/>
-                <a:ext cx="8568397" cy="4722813"/>
+                <a:ext cx="8568397" cy="4876800"/>
               </a:xfrm>
             </p:spPr>
             <p:txBody>
@@ -9414,13 +10196,91 @@
                       <a:schemeClr val="tx1"/>
                     </a:solidFill>
                   </a:rPr>
-                  <a:t>The complexity of the suboptimal algorithm 2 is less. </a:t>
+                  <a:t>The </a:t>
+                </a:r>
+                <a:r>
+                  <a:rPr lang="en-US" sz="2400" b="1" dirty="0">
+                    <a:solidFill>
+                      <a:schemeClr val="tx1"/>
+                    </a:solidFill>
+                  </a:rPr>
+                  <a:t>complexity</a:t>
+                </a:r>
+                <a:r>
+                  <a:rPr lang="en-US" sz="2400" dirty="0">
+                    <a:solidFill>
+                      <a:schemeClr val="tx1"/>
+                    </a:solidFill>
+                  </a:rPr>
+                  <a:t> of the </a:t>
+                </a:r>
+                <a:r>
+                  <a:rPr lang="en-US" sz="2400" b="1" dirty="0">
+                    <a:solidFill>
+                      <a:schemeClr val="tx1"/>
+                    </a:solidFill>
+                  </a:rPr>
+                  <a:t>suboptimal algorithm 2 is more</a:t>
+                </a:r>
+                <a:r>
+                  <a:rPr lang="en-US" sz="2400" dirty="0">
+                    <a:solidFill>
+                      <a:schemeClr val="tx1"/>
+                    </a:solidFill>
+                  </a:rPr>
+                  <a:t>. </a:t>
+                </a:r>
+              </a:p>
+              <a:p>
+                <a:pPr marL="514350" indent="-514350" algn="just">
+                  <a:buFont typeface="Wingdings" panose="05000000000000000000" pitchFamily="2" charset="2"/>
+                  <a:buChar char="q"/>
+                </a:pPr>
+                <a:r>
+                  <a:rPr lang="en-US" sz="2400" dirty="0">
+                    <a:solidFill>
+                      <a:schemeClr val="tx1"/>
+                    </a:solidFill>
+                  </a:rPr>
+                  <a:t>The </a:t>
+                </a:r>
+                <a:r>
+                  <a:rPr lang="en-US" sz="2400" b="1" dirty="0">
+                    <a:solidFill>
+                      <a:schemeClr val="tx1"/>
+                    </a:solidFill>
+                  </a:rPr>
+                  <a:t>sum capacity </a:t>
+                </a:r>
+                <a:r>
+                  <a:rPr lang="en-US" sz="2400" dirty="0">
+                    <a:solidFill>
+                      <a:schemeClr val="tx1"/>
+                    </a:solidFill>
+                  </a:rPr>
+                  <a:t>is also </a:t>
+                </a:r>
+                <a:r>
+                  <a:rPr lang="en-US" sz="2400" b="1" dirty="0">
+                    <a:solidFill>
+                      <a:schemeClr val="tx1"/>
+                    </a:solidFill>
+                  </a:rPr>
+                  <a:t>more than suboptimal algorithm 1</a:t>
+                </a:r>
+                <a:r>
+                  <a:rPr lang="en-US" sz="2400" dirty="0">
+                    <a:solidFill>
+                      <a:schemeClr val="tx1"/>
+                    </a:solidFill>
+                  </a:rPr>
+                  <a:t>.</a:t>
                 </a:r>
               </a:p>
             </p:txBody>
           </p:sp>
         </mc:Choice>
-        <mc:Fallback>
+        <mc:Fallback xmlns="">
           <p:sp>
             <p:nvSpPr>
               <p:cNvPr id="3" name="Content Placeholder 2"/>
@@ -9434,12 +10294,12 @@
             <p:spPr>
               <a:xfrm>
                 <a:off x="533400" y="1371600"/>
-                <a:ext cx="8568397" cy="4722813"/>
+                <a:ext cx="8568397" cy="4876800"/>
               </a:xfrm>
               <a:blipFill>
                 <a:blip r:embed="rId2"/>
                 <a:stretch>
-                  <a:fillRect l="-996" t="-1032" r="-1139"/>
+                  <a:fillRect l="-996" t="-1000" r="-1139"/>
                 </a:stretch>
               </a:blipFill>
             </p:spPr>
@@ -9471,620 +10331,7 @@
 </p:sld>
 </file>
 
-<file path=ppt/slides/slide2.xml><?xml version="1.0" encoding="utf-8"?>
-<p:sld xmlns:a="http://schemas.openxmlformats.org/drawingml/2006/main" xmlns:r="http://schemas.openxmlformats.org/officeDocument/2006/relationships" xmlns:p="http://schemas.openxmlformats.org/presentationml/2006/main">
-  <p:cSld>
-    <p:spTree>
-      <p:nvGrpSpPr>
-        <p:cNvPr id="1" name=""/>
-        <p:cNvGrpSpPr/>
-        <p:nvPr/>
-      </p:nvGrpSpPr>
-      <p:grpSpPr>
-        <a:xfrm>
-          <a:off x="0" y="0"/>
-          <a:ext cx="0" cy="0"/>
-          <a:chOff x="0" y="0"/>
-          <a:chExt cx="0" cy="0"/>
-        </a:xfrm>
-      </p:grpSpPr>
-      <p:sp>
-        <p:nvSpPr>
-          <p:cNvPr id="4097" name="Text Box 1"/>
-          <p:cNvSpPr txBox="1">
-            <a:spLocks noChangeArrowheads="1"/>
-          </p:cNvSpPr>
-          <p:nvPr/>
-        </p:nvSpPr>
-        <p:spPr bwMode="auto">
-          <a:xfrm>
-            <a:off x="533400" y="739775"/>
-            <a:ext cx="7924800" cy="579438"/>
-          </a:xfrm>
-          <a:prstGeom prst="rect">
-            <a:avLst/>
-          </a:prstGeom>
-          <a:noFill/>
-          <a:ln w="9525" cap="flat">
-            <a:noFill/>
-            <a:round/>
-            <a:headEnd/>
-            <a:tailEnd/>
-          </a:ln>
-          <a:effectLst/>
-        </p:spPr>
-        <p:txBody>
-          <a:bodyPr anchor="ctr"/>
-          <a:lstStyle/>
-          <a:p>
-            <a:pPr algn="just" eaLnBrk="1" hangingPunct="1">
-              <a:buClrTx/>
-              <a:buFontTx/>
-              <a:buNone/>
-              <a:tabLst>
-                <a:tab pos="0" algn="l"/>
-                <a:tab pos="914400" algn="l"/>
-                <a:tab pos="1828800" algn="l"/>
-                <a:tab pos="2743200" algn="l"/>
-                <a:tab pos="3657600" algn="l"/>
-                <a:tab pos="4572000" algn="l"/>
-                <a:tab pos="5486400" algn="l"/>
-                <a:tab pos="6400800" algn="l"/>
-                <a:tab pos="7315200" algn="l"/>
-                <a:tab pos="8229600" algn="l"/>
-                <a:tab pos="9144000" algn="l"/>
-                <a:tab pos="10058400" algn="l"/>
-              </a:tabLst>
-            </a:pPr>
-            <a:endParaRPr lang="en-US" sz="3200" b="1" dirty="0">
-              <a:solidFill>
-                <a:srgbClr val="3333CC"/>
-              </a:solidFill>
-              <a:ea typeface="DejaVu Sans" charset="0"/>
-              <a:cs typeface="DejaVu Sans" charset="0"/>
-            </a:endParaRPr>
-          </a:p>
-        </p:txBody>
-      </p:sp>
-      <p:sp>
-        <p:nvSpPr>
-          <p:cNvPr id="4098" name="Text Box 2"/>
-          <p:cNvSpPr txBox="1">
-            <a:spLocks noChangeArrowheads="1"/>
-          </p:cNvSpPr>
-          <p:nvPr/>
-        </p:nvSpPr>
-        <p:spPr bwMode="auto">
-          <a:xfrm>
-            <a:off x="685800" y="1369000"/>
-            <a:ext cx="8305800" cy="5005387"/>
-          </a:xfrm>
-          <a:prstGeom prst="rect">
-            <a:avLst/>
-          </a:prstGeom>
-          <a:noFill/>
-          <a:ln w="9525" cap="flat">
-            <a:noFill/>
-            <a:round/>
-            <a:headEnd/>
-            <a:tailEnd/>
-          </a:ln>
-          <a:effectLst/>
-        </p:spPr>
-        <p:txBody>
-          <a:bodyPr/>
-          <a:lstStyle/>
-          <a:p>
-            <a:pPr marL="342900" indent="-342900" algn="just" eaLnBrk="1" hangingPunct="1">
-              <a:lnSpc>
-                <a:spcPct val="150000"/>
-              </a:lnSpc>
-              <a:spcBef>
-                <a:spcPts val="600"/>
-              </a:spcBef>
-              <a:buFont typeface="Wingdings" panose="05000000000000000000" pitchFamily="2" charset="2"/>
-              <a:buChar char="q"/>
-              <a:tabLst>
-                <a:tab pos="911225" algn="l"/>
-                <a:tab pos="1825625" algn="l"/>
-                <a:tab pos="2740025" algn="l"/>
-                <a:tab pos="3654425" algn="l"/>
-                <a:tab pos="4568825" algn="l"/>
-                <a:tab pos="5483225" algn="l"/>
-                <a:tab pos="6397625" algn="l"/>
-                <a:tab pos="7312025" algn="l"/>
-                <a:tab pos="8226425" algn="l"/>
-                <a:tab pos="9140825" algn="l"/>
-                <a:tab pos="10055225" algn="l"/>
-              </a:tabLst>
-            </a:pPr>
-            <a:r>
-              <a:rPr lang="en-IN" sz="2000" dirty="0">
-                <a:solidFill>
-                  <a:srgbClr val="000000"/>
-                </a:solidFill>
-                <a:cs typeface="Times New Roman" pitchFamily="16" charset="0"/>
-              </a:rPr>
-              <a:t>Aims/Objectives</a:t>
-            </a:r>
-          </a:p>
-          <a:p>
-            <a:pPr marL="342900" indent="-342900" algn="just" eaLnBrk="1" hangingPunct="1">
-              <a:lnSpc>
-                <a:spcPct val="150000"/>
-              </a:lnSpc>
-              <a:spcBef>
-                <a:spcPts val="600"/>
-              </a:spcBef>
-              <a:buFont typeface="Wingdings" panose="05000000000000000000" pitchFamily="2" charset="2"/>
-              <a:buChar char="q"/>
-              <a:tabLst>
-                <a:tab pos="911225" algn="l"/>
-                <a:tab pos="1825625" algn="l"/>
-                <a:tab pos="2740025" algn="l"/>
-                <a:tab pos="3654425" algn="l"/>
-                <a:tab pos="4568825" algn="l"/>
-                <a:tab pos="5483225" algn="l"/>
-                <a:tab pos="6397625" algn="l"/>
-                <a:tab pos="7312025" algn="l"/>
-                <a:tab pos="8226425" algn="l"/>
-                <a:tab pos="9140825" algn="l"/>
-                <a:tab pos="10055225" algn="l"/>
-              </a:tabLst>
-            </a:pPr>
-            <a:r>
-              <a:rPr lang="en-IN" sz="2000" dirty="0">
-                <a:solidFill>
-                  <a:srgbClr val="000000"/>
-                </a:solidFill>
-                <a:cs typeface="Times New Roman" pitchFamily="16" charset="0"/>
-              </a:rPr>
-              <a:t>Introduction</a:t>
-            </a:r>
-          </a:p>
-          <a:p>
-            <a:pPr marL="342900" indent="-342900" algn="just" eaLnBrk="1" hangingPunct="1">
-              <a:lnSpc>
-                <a:spcPct val="150000"/>
-              </a:lnSpc>
-              <a:spcBef>
-                <a:spcPts val="600"/>
-              </a:spcBef>
-              <a:buFont typeface="Wingdings" panose="05000000000000000000" pitchFamily="2" charset="2"/>
-              <a:buChar char="q"/>
-              <a:tabLst>
-                <a:tab pos="911225" algn="l"/>
-                <a:tab pos="1825625" algn="l"/>
-                <a:tab pos="2740025" algn="l"/>
-                <a:tab pos="3654425" algn="l"/>
-                <a:tab pos="4568825" algn="l"/>
-                <a:tab pos="5483225" algn="l"/>
-                <a:tab pos="6397625" algn="l"/>
-                <a:tab pos="7312025" algn="l"/>
-                <a:tab pos="8226425" algn="l"/>
-                <a:tab pos="9140825" algn="l"/>
-                <a:tab pos="10055225" algn="l"/>
-              </a:tabLst>
-            </a:pPr>
-            <a:r>
-              <a:rPr lang="en-IN" sz="2000" dirty="0">
-                <a:solidFill>
-                  <a:srgbClr val="000000"/>
-                </a:solidFill>
-                <a:cs typeface="Times New Roman" pitchFamily="16" charset="0"/>
-              </a:rPr>
-              <a:t>System Model</a:t>
-            </a:r>
-          </a:p>
-          <a:p>
-            <a:pPr marL="342900" indent="-342900" algn="just" eaLnBrk="1" hangingPunct="1">
-              <a:lnSpc>
-                <a:spcPct val="150000"/>
-              </a:lnSpc>
-              <a:spcBef>
-                <a:spcPts val="600"/>
-              </a:spcBef>
-              <a:buFont typeface="Wingdings" panose="05000000000000000000" pitchFamily="2" charset="2"/>
-              <a:buChar char="q"/>
-              <a:tabLst>
-                <a:tab pos="911225" algn="l"/>
-                <a:tab pos="1825625" algn="l"/>
-                <a:tab pos="2740025" algn="l"/>
-                <a:tab pos="3654425" algn="l"/>
-                <a:tab pos="4568825" algn="l"/>
-                <a:tab pos="5483225" algn="l"/>
-                <a:tab pos="6397625" algn="l"/>
-                <a:tab pos="7312025" algn="l"/>
-                <a:tab pos="8226425" algn="l"/>
-                <a:tab pos="9140825" algn="l"/>
-                <a:tab pos="10055225" algn="l"/>
-              </a:tabLst>
-            </a:pPr>
-            <a:r>
-              <a:rPr lang="en-IN" sz="2000" dirty="0">
-                <a:solidFill>
-                  <a:srgbClr val="000000"/>
-                </a:solidFill>
-                <a:cs typeface="Times New Roman" pitchFamily="16" charset="0"/>
-              </a:rPr>
-              <a:t>JURAS Scheme for MU-MIMO</a:t>
-            </a:r>
-          </a:p>
-          <a:p>
-            <a:pPr marL="342900" indent="-342900" algn="just" eaLnBrk="1" hangingPunct="1">
-              <a:lnSpc>
-                <a:spcPct val="150000"/>
-              </a:lnSpc>
-              <a:spcBef>
-                <a:spcPts val="600"/>
-              </a:spcBef>
-              <a:buFont typeface="Wingdings" panose="05000000000000000000" pitchFamily="2" charset="2"/>
-              <a:buChar char="q"/>
-              <a:tabLst>
-                <a:tab pos="911225" algn="l"/>
-                <a:tab pos="1825625" algn="l"/>
-                <a:tab pos="2740025" algn="l"/>
-                <a:tab pos="3654425" algn="l"/>
-                <a:tab pos="4568825" algn="l"/>
-                <a:tab pos="5483225" algn="l"/>
-                <a:tab pos="6397625" algn="l"/>
-                <a:tab pos="7312025" algn="l"/>
-                <a:tab pos="8226425" algn="l"/>
-                <a:tab pos="9140825" algn="l"/>
-                <a:tab pos="10055225" algn="l"/>
-              </a:tabLst>
-            </a:pPr>
-            <a:r>
-              <a:rPr lang="en-IN" sz="2000" dirty="0">
-                <a:solidFill>
-                  <a:srgbClr val="000000"/>
-                </a:solidFill>
-                <a:cs typeface="Times New Roman" pitchFamily="16" charset="0"/>
-              </a:rPr>
-              <a:t>Suboptimal  Algorithms</a:t>
-            </a:r>
-          </a:p>
-          <a:p>
-            <a:pPr marL="342900" indent="-342900" algn="just" eaLnBrk="1" hangingPunct="1">
-              <a:lnSpc>
-                <a:spcPct val="150000"/>
-              </a:lnSpc>
-              <a:spcBef>
-                <a:spcPts val="600"/>
-              </a:spcBef>
-              <a:buFont typeface="Wingdings" panose="05000000000000000000" pitchFamily="2" charset="2"/>
-              <a:buChar char="q"/>
-              <a:tabLst>
-                <a:tab pos="911225" algn="l"/>
-                <a:tab pos="1825625" algn="l"/>
-                <a:tab pos="2740025" algn="l"/>
-                <a:tab pos="3654425" algn="l"/>
-                <a:tab pos="4568825" algn="l"/>
-                <a:tab pos="5483225" algn="l"/>
-                <a:tab pos="6397625" algn="l"/>
-                <a:tab pos="7312025" algn="l"/>
-                <a:tab pos="8226425" algn="l"/>
-                <a:tab pos="9140825" algn="l"/>
-                <a:tab pos="10055225" algn="l"/>
-              </a:tabLst>
-            </a:pPr>
-            <a:r>
-              <a:rPr lang="en-IN" sz="2000" dirty="0">
-                <a:solidFill>
-                  <a:srgbClr val="000000"/>
-                </a:solidFill>
-                <a:latin typeface="+mj-lt"/>
-                <a:cs typeface="Times New Roman" pitchFamily="16" charset="0"/>
-              </a:rPr>
-              <a:t>Outputs</a:t>
-            </a:r>
-          </a:p>
-          <a:p>
-            <a:pPr marL="342900" indent="-342900" algn="just" eaLnBrk="1" hangingPunct="1">
-              <a:lnSpc>
-                <a:spcPct val="150000"/>
-              </a:lnSpc>
-              <a:spcBef>
-                <a:spcPts val="600"/>
-              </a:spcBef>
-              <a:buFont typeface="Wingdings" panose="05000000000000000000" pitchFamily="2" charset="2"/>
-              <a:buChar char="q"/>
-              <a:tabLst>
-                <a:tab pos="911225" algn="l"/>
-                <a:tab pos="1825625" algn="l"/>
-                <a:tab pos="2740025" algn="l"/>
-                <a:tab pos="3654425" algn="l"/>
-                <a:tab pos="4568825" algn="l"/>
-                <a:tab pos="5483225" algn="l"/>
-                <a:tab pos="6397625" algn="l"/>
-                <a:tab pos="7312025" algn="l"/>
-                <a:tab pos="8226425" algn="l"/>
-                <a:tab pos="9140825" algn="l"/>
-                <a:tab pos="10055225" algn="l"/>
-              </a:tabLst>
-            </a:pPr>
-            <a:r>
-              <a:rPr lang="en-IN" sz="2000" dirty="0">
-                <a:solidFill>
-                  <a:srgbClr val="000000"/>
-                </a:solidFill>
-                <a:cs typeface="Times New Roman" pitchFamily="16" charset="0"/>
-              </a:rPr>
-              <a:t>Conclusions</a:t>
-            </a:r>
-            <a:endParaRPr lang="en-IN" sz="2000" dirty="0">
-              <a:solidFill>
-                <a:srgbClr val="000000"/>
-              </a:solidFill>
-              <a:latin typeface="+mj-lt"/>
-              <a:cs typeface="Times New Roman" pitchFamily="16" charset="0"/>
-            </a:endParaRPr>
-          </a:p>
-          <a:p>
-            <a:pPr marL="342900" indent="-342900" algn="just" eaLnBrk="1" hangingPunct="1">
-              <a:lnSpc>
-                <a:spcPct val="150000"/>
-              </a:lnSpc>
-              <a:spcBef>
-                <a:spcPts val="600"/>
-              </a:spcBef>
-              <a:buFont typeface="Wingdings" panose="05000000000000000000" pitchFamily="2" charset="2"/>
-              <a:buChar char="q"/>
-              <a:tabLst>
-                <a:tab pos="911225" algn="l"/>
-                <a:tab pos="1825625" algn="l"/>
-                <a:tab pos="2740025" algn="l"/>
-                <a:tab pos="3654425" algn="l"/>
-                <a:tab pos="4568825" algn="l"/>
-                <a:tab pos="5483225" algn="l"/>
-                <a:tab pos="6397625" algn="l"/>
-                <a:tab pos="7312025" algn="l"/>
-                <a:tab pos="8226425" algn="l"/>
-                <a:tab pos="9140825" algn="l"/>
-                <a:tab pos="10055225" algn="l"/>
-              </a:tabLst>
-            </a:pPr>
-            <a:r>
-              <a:rPr lang="en-IN" sz="2000" dirty="0">
-                <a:solidFill>
-                  <a:srgbClr val="000000"/>
-                </a:solidFill>
-                <a:latin typeface="+mj-lt"/>
-                <a:cs typeface="Times New Roman" pitchFamily="16" charset="0"/>
-              </a:rPr>
-              <a:t>References</a:t>
-            </a:r>
-            <a:endParaRPr lang="en-IN" sz="2800" b="1" dirty="0">
-              <a:solidFill>
-                <a:srgbClr val="000000"/>
-              </a:solidFill>
-              <a:latin typeface="+mj-lt"/>
-              <a:cs typeface="Times New Roman" pitchFamily="16" charset="0"/>
-            </a:endParaRPr>
-          </a:p>
-          <a:p>
-            <a:pPr marL="342900" indent="-342900" algn="just" eaLnBrk="1" hangingPunct="1">
-              <a:lnSpc>
-                <a:spcPct val="150000"/>
-              </a:lnSpc>
-              <a:spcBef>
-                <a:spcPts val="600"/>
-              </a:spcBef>
-              <a:buFont typeface="Wingdings" panose="05000000000000000000" pitchFamily="2" charset="2"/>
-              <a:buChar char="q"/>
-              <a:tabLst>
-                <a:tab pos="911225" algn="l"/>
-                <a:tab pos="1825625" algn="l"/>
-                <a:tab pos="2740025" algn="l"/>
-                <a:tab pos="3654425" algn="l"/>
-                <a:tab pos="4568825" algn="l"/>
-                <a:tab pos="5483225" algn="l"/>
-                <a:tab pos="6397625" algn="l"/>
-                <a:tab pos="7312025" algn="l"/>
-                <a:tab pos="8226425" algn="l"/>
-                <a:tab pos="9140825" algn="l"/>
-                <a:tab pos="10055225" algn="l"/>
-              </a:tabLst>
-            </a:pPr>
-            <a:endParaRPr lang="en-IN" b="1" dirty="0">
-              <a:solidFill>
-                <a:srgbClr val="000000"/>
-              </a:solidFill>
-              <a:cs typeface="Times New Roman" pitchFamily="16" charset="0"/>
-            </a:endParaRPr>
-          </a:p>
-          <a:p>
-            <a:pPr algn="just" eaLnBrk="1" hangingPunct="1">
-              <a:lnSpc>
-                <a:spcPct val="150000"/>
-              </a:lnSpc>
-              <a:spcBef>
-                <a:spcPts val="600"/>
-              </a:spcBef>
-              <a:tabLst>
-                <a:tab pos="911225" algn="l"/>
-                <a:tab pos="1825625" algn="l"/>
-                <a:tab pos="2740025" algn="l"/>
-                <a:tab pos="3654425" algn="l"/>
-                <a:tab pos="4568825" algn="l"/>
-                <a:tab pos="5483225" algn="l"/>
-                <a:tab pos="6397625" algn="l"/>
-                <a:tab pos="7312025" algn="l"/>
-                <a:tab pos="8226425" algn="l"/>
-                <a:tab pos="9140825" algn="l"/>
-                <a:tab pos="10055225" algn="l"/>
-              </a:tabLst>
-            </a:pPr>
-            <a:endParaRPr lang="en-IN" b="1" dirty="0">
-              <a:solidFill>
-                <a:srgbClr val="000000"/>
-              </a:solidFill>
-              <a:cs typeface="Times New Roman" pitchFamily="16" charset="0"/>
-            </a:endParaRPr>
-          </a:p>
-          <a:p>
-            <a:pPr algn="just" eaLnBrk="1" hangingPunct="1">
-              <a:lnSpc>
-                <a:spcPct val="150000"/>
-              </a:lnSpc>
-              <a:spcBef>
-                <a:spcPts val="600"/>
-              </a:spcBef>
-              <a:tabLst>
-                <a:tab pos="911225" algn="l"/>
-                <a:tab pos="1825625" algn="l"/>
-                <a:tab pos="2740025" algn="l"/>
-                <a:tab pos="3654425" algn="l"/>
-                <a:tab pos="4568825" algn="l"/>
-                <a:tab pos="5483225" algn="l"/>
-                <a:tab pos="6397625" algn="l"/>
-                <a:tab pos="7312025" algn="l"/>
-                <a:tab pos="8226425" algn="l"/>
-                <a:tab pos="9140825" algn="l"/>
-                <a:tab pos="10055225" algn="l"/>
-              </a:tabLst>
-            </a:pPr>
-            <a:endParaRPr lang="en-IN" b="1" dirty="0">
-              <a:solidFill>
-                <a:srgbClr val="000000"/>
-              </a:solidFill>
-              <a:cs typeface="Times New Roman" pitchFamily="16" charset="0"/>
-            </a:endParaRPr>
-          </a:p>
-          <a:p>
-            <a:pPr algn="just" eaLnBrk="1" hangingPunct="1">
-              <a:lnSpc>
-                <a:spcPct val="150000"/>
-              </a:lnSpc>
-              <a:spcBef>
-                <a:spcPts val="600"/>
-              </a:spcBef>
-              <a:tabLst>
-                <a:tab pos="911225" algn="l"/>
-                <a:tab pos="1825625" algn="l"/>
-                <a:tab pos="2740025" algn="l"/>
-                <a:tab pos="3654425" algn="l"/>
-                <a:tab pos="4568825" algn="l"/>
-                <a:tab pos="5483225" algn="l"/>
-                <a:tab pos="6397625" algn="l"/>
-                <a:tab pos="7312025" algn="l"/>
-                <a:tab pos="8226425" algn="l"/>
-                <a:tab pos="9140825" algn="l"/>
-                <a:tab pos="10055225" algn="l"/>
-              </a:tabLst>
-            </a:pPr>
-            <a:endParaRPr lang="en-IN" b="1" dirty="0">
-              <a:solidFill>
-                <a:srgbClr val="000000"/>
-              </a:solidFill>
-              <a:cs typeface="Times New Roman" pitchFamily="16" charset="0"/>
-            </a:endParaRPr>
-          </a:p>
-          <a:p>
-            <a:pPr marL="341313" indent="-341313" algn="just" eaLnBrk="1" hangingPunct="1">
-              <a:lnSpc>
-                <a:spcPct val="150000"/>
-              </a:lnSpc>
-              <a:spcBef>
-                <a:spcPts val="600"/>
-              </a:spcBef>
-              <a:tabLst>
-                <a:tab pos="911225" algn="l"/>
-                <a:tab pos="1825625" algn="l"/>
-                <a:tab pos="2740025" algn="l"/>
-                <a:tab pos="3654425" algn="l"/>
-                <a:tab pos="4568825" algn="l"/>
-                <a:tab pos="5483225" algn="l"/>
-                <a:tab pos="6397625" algn="l"/>
-                <a:tab pos="7312025" algn="l"/>
-                <a:tab pos="8226425" algn="l"/>
-                <a:tab pos="9140825" algn="l"/>
-                <a:tab pos="10055225" algn="l"/>
-              </a:tabLst>
-            </a:pPr>
-            <a:endParaRPr lang="en-IN" b="1" dirty="0">
-              <a:solidFill>
-                <a:srgbClr val="000000"/>
-              </a:solidFill>
-              <a:cs typeface="Times New Roman" pitchFamily="16" charset="0"/>
-            </a:endParaRPr>
-          </a:p>
-        </p:txBody>
-      </p:sp>
-      <p:sp>
-        <p:nvSpPr>
-          <p:cNvPr id="4" name="TextBox 3"/>
-          <p:cNvSpPr txBox="1"/>
-          <p:nvPr/>
-        </p:nvSpPr>
-        <p:spPr>
-          <a:xfrm>
-            <a:off x="533400" y="762000"/>
-            <a:ext cx="1757212" cy="584775"/>
-          </a:xfrm>
-          <a:prstGeom prst="rect">
-            <a:avLst/>
-          </a:prstGeom>
-          <a:noFill/>
-        </p:spPr>
-        <p:txBody>
-          <a:bodyPr wrap="none" rtlCol="0">
-            <a:spAutoFit/>
-          </a:bodyPr>
-          <a:lstStyle/>
-          <a:p>
-            <a:pPr algn="just"/>
-            <a:r>
-              <a:rPr lang="en-US" sz="3200" b="1" dirty="0">
-                <a:solidFill>
-                  <a:srgbClr val="3333CC"/>
-                </a:solidFill>
-                <a:latin typeface="+mj-lt"/>
-                <a:ea typeface="+mj-ea"/>
-                <a:cs typeface="+mj-cs"/>
-              </a:rPr>
-              <a:t>Contents</a:t>
-            </a:r>
-          </a:p>
-        </p:txBody>
-      </p:sp>
-    </p:spTree>
-  </p:cSld>
-  <p:clrMapOvr>
-    <a:masterClrMapping/>
-  </p:clrMapOvr>
-  <p:transition spd="med"/>
-  <p:timing>
-    <p:tnLst>
-      <p:par>
-        <p:cTn id="1" dur="indefinite" restart="never" nodeType="tmRoot">
-          <p:childTnLst>
-            <p:seq concurrent="1" nextAc="seek">
-              <p:cTn id="2" dur="0" nodeType="mainSeq"/>
-              <p:prevCondLst>
-                <p:cond evt="onPrev" delay="0">
-                  <p:tgtEl>
-                    <p:sldTgt/>
-                  </p:tgtEl>
-                </p:cond>
-              </p:prevCondLst>
-              <p:nextCondLst>
-                <p:cond evt="onNext" delay="0">
-                  <p:tgtEl>
-                    <p:sldTgt/>
-                  </p:tgtEl>
-                </p:cond>
-              </p:nextCondLst>
-            </p:seq>
-          </p:childTnLst>
-        </p:cTn>
-      </p:par>
-    </p:tnLst>
-  </p:timing>
-</p:sld>
-</file>
-
-<file path=ppt/slides/slide20.xml><?xml version="1.0" encoding="utf-8"?>
+<file path=ppt/slides/slide21.xml><?xml version="1.0" encoding="utf-8"?>
 <p:sld xmlns:a="http://schemas.openxmlformats.org/drawingml/2006/main" xmlns:r="http://schemas.openxmlformats.org/officeDocument/2006/relationships" xmlns:p="http://schemas.openxmlformats.org/presentationml/2006/main">
   <p:cSld>
     <p:spTree>
@@ -10206,125 +10453,6 @@
     <p:extLst>
       <p:ext uri="{BB962C8B-B14F-4D97-AF65-F5344CB8AC3E}">
         <p14:creationId xmlns:p14="http://schemas.microsoft.com/office/powerpoint/2010/main" val="3706483857"/>
-      </p:ext>
-    </p:extLst>
-  </p:cSld>
-  <p:clrMapOvr>
-    <a:masterClrMapping/>
-  </p:clrMapOvr>
-</p:sld>
-</file>
-
-<file path=ppt/slides/slide21.xml><?xml version="1.0" encoding="utf-8"?>
-<p:sld xmlns:a="http://schemas.openxmlformats.org/drawingml/2006/main" xmlns:r="http://schemas.openxmlformats.org/officeDocument/2006/relationships" xmlns:p="http://schemas.openxmlformats.org/presentationml/2006/main">
-  <p:cSld>
-    <p:spTree>
-      <p:nvGrpSpPr>
-        <p:cNvPr id="1" name=""/>
-        <p:cNvGrpSpPr/>
-        <p:nvPr/>
-      </p:nvGrpSpPr>
-      <p:grpSpPr>
-        <a:xfrm>
-          <a:off x="0" y="0"/>
-          <a:ext cx="0" cy="0"/>
-          <a:chOff x="0" y="0"/>
-          <a:chExt cx="0" cy="0"/>
-        </a:xfrm>
-      </p:grpSpPr>
-      <p:sp>
-        <p:nvSpPr>
-          <p:cNvPr id="2" name="Title 1"/>
-          <p:cNvSpPr>
-            <a:spLocks noGrp="1"/>
-          </p:cNvSpPr>
-          <p:nvPr>
-            <p:ph type="title"/>
-          </p:nvPr>
-        </p:nvSpPr>
-        <p:spPr>
-          <a:xfrm>
-            <a:off x="533400" y="762000"/>
-            <a:ext cx="4265613" cy="579437"/>
-          </a:xfrm>
-        </p:spPr>
-        <p:txBody>
-          <a:bodyPr/>
-          <a:lstStyle/>
-          <a:p>
-            <a:pPr algn="l"/>
-            <a:r>
-              <a:rPr lang="en-US" dirty="0"/>
-              <a:t>Suboptimal Algorithms</a:t>
-            </a:r>
-          </a:p>
-        </p:txBody>
-      </p:sp>
-      <p:sp>
-        <p:nvSpPr>
-          <p:cNvPr id="3" name="Content Placeholder 2"/>
-          <p:cNvSpPr>
-            <a:spLocks noGrp="1"/>
-          </p:cNvSpPr>
-          <p:nvPr>
-            <p:ph idx="1"/>
-          </p:nvPr>
-        </p:nvSpPr>
-        <p:spPr>
-          <a:xfrm>
-            <a:off x="533400" y="1371600"/>
-            <a:ext cx="8610600" cy="4724400"/>
-          </a:xfrm>
-        </p:spPr>
-        <p:txBody>
-          <a:bodyPr/>
-          <a:lstStyle/>
-          <a:p>
-            <a:pPr marL="0" indent="0" algn="just"/>
-            <a:r>
-              <a:rPr lang="en-US" sz="2400" dirty="0">
-                <a:solidFill>
-                  <a:schemeClr val="tx1"/>
-                </a:solidFill>
-              </a:rPr>
-              <a:t> </a:t>
-            </a:r>
-          </a:p>
-        </p:txBody>
-      </p:sp>
-      <p:pic>
-        <p:nvPicPr>
-          <p:cNvPr id="9" name="Picture 8">
-            <a:extLst>
-              <a:ext uri="{FF2B5EF4-FFF2-40B4-BE49-F238E27FC236}">
-                <a16:creationId xmlns:a16="http://schemas.microsoft.com/office/drawing/2014/main" id="{02090EF2-DE5A-4AF7-A0F8-FAC09F0B98CC}"/>
-              </a:ext>
-            </a:extLst>
-          </p:cNvPr>
-          <p:cNvPicPr>
-            <a:picLocks noChangeAspect="1"/>
-          </p:cNvPicPr>
-          <p:nvPr/>
-        </p:nvPicPr>
-        <p:blipFill rotWithShape="1">
-          <a:blip r:embed="rId2"/>
-          <a:srcRect t="54444"/>
-          <a:stretch/>
-        </p:blipFill>
-        <p:spPr>
-          <a:xfrm>
-            <a:off x="533400" y="1341436"/>
-            <a:ext cx="6245088" cy="4525963"/>
-          </a:xfrm>
-          <a:prstGeom prst="rect">
-            <a:avLst/>
-          </a:prstGeom>
-        </p:spPr>
-      </p:pic>
-    </p:spTree>
-    <p:extLst>
-      <p:ext uri="{BB962C8B-B14F-4D97-AF65-F5344CB8AC3E}">
-        <p14:creationId xmlns:p14="http://schemas.microsoft.com/office/powerpoint/2010/main" val="3734888670"/>
       </p:ext>
     </p:extLst>
   </p:cSld>
@@ -10353,13 +10481,7 @@
       </p:grpSpPr>
       <p:sp>
         <p:nvSpPr>
-          <p:cNvPr id="2" name="Title 1">
-            <a:extLst>
-              <a:ext uri="{FF2B5EF4-FFF2-40B4-BE49-F238E27FC236}">
-                <a16:creationId xmlns:a16="http://schemas.microsoft.com/office/drawing/2014/main" id="{C8AD9F1B-3684-44E2-91AE-76BF839640F4}"/>
-              </a:ext>
-            </a:extLst>
-          </p:cNvPr>
+          <p:cNvPr id="2" name="Title 1"/>
           <p:cNvSpPr>
             <a:spLocks noGrp="1"/>
           </p:cNvSpPr>
@@ -10367,26 +10489,62 @@
             <p:ph type="title"/>
           </p:nvPr>
         </p:nvSpPr>
-        <p:spPr/>
+        <p:spPr>
+          <a:xfrm>
+            <a:off x="533400" y="762000"/>
+            <a:ext cx="4265613" cy="579437"/>
+          </a:xfrm>
+        </p:spPr>
         <p:txBody>
           <a:bodyPr/>
           <a:lstStyle/>
           <a:p>
-            <a:pPr algn="just"/>
+            <a:pPr algn="l"/>
             <a:r>
               <a:rPr lang="en-US" dirty="0"/>
-              <a:t>Outputs</a:t>
-            </a:r>
-            <a:endParaRPr lang="en-IN" dirty="0"/>
+              <a:t>Suboptimal Algorithms</a:t>
+            </a:r>
+          </a:p>
+        </p:txBody>
+      </p:sp>
+      <p:sp>
+        <p:nvSpPr>
+          <p:cNvPr id="3" name="Content Placeholder 2"/>
+          <p:cNvSpPr>
+            <a:spLocks noGrp="1"/>
+          </p:cNvSpPr>
+          <p:nvPr>
+            <p:ph idx="1"/>
+          </p:nvPr>
+        </p:nvSpPr>
+        <p:spPr>
+          <a:xfrm>
+            <a:off x="533400" y="1371600"/>
+            <a:ext cx="8610600" cy="4724400"/>
+          </a:xfrm>
+        </p:spPr>
+        <p:txBody>
+          <a:bodyPr/>
+          <a:lstStyle/>
+          <a:p>
+            <a:pPr marL="0" indent="0" algn="just"/>
+            <a:r>
+              <a:rPr lang="en-US" sz="2400" dirty="0">
+                <a:solidFill>
+                  <a:schemeClr val="tx1"/>
+                </a:solidFill>
+              </a:rPr>
+              <a:t> </a:t>
+            </a:r>
           </a:p>
         </p:txBody>
       </p:sp>
       <p:pic>
         <p:nvPicPr>
-          <p:cNvPr id="7" name="Picture 6">
+          <p:cNvPr id="9" name="Picture 8">
             <a:extLst>
               <a:ext uri="{FF2B5EF4-FFF2-40B4-BE49-F238E27FC236}">
-                <a16:creationId xmlns:a16="http://schemas.microsoft.com/office/drawing/2014/main" id="{05B55A8D-9B1A-4EF6-A2AB-79D1EB377203}"/>
+                <a16:creationId xmlns:a16="http://schemas.microsoft.com/office/drawing/2014/main" id="{02090EF2-DE5A-4AF7-A0F8-FAC09F0B98CC}"/>
               </a:ext>
             </a:extLst>
           </p:cNvPr>
@@ -10395,438 +10553,25 @@
           </p:cNvPicPr>
           <p:nvPr/>
         </p:nvPicPr>
-        <p:blipFill>
-          <a:blip r:embed="rId2">
-            <a:extLst>
-              <a:ext uri="{28A0092B-C50C-407E-A947-70E740481C1C}">
-                <a14:useLocalDpi xmlns:a14="http://schemas.microsoft.com/office/drawing/2010/main" val="0"/>
-              </a:ext>
-            </a:extLst>
-          </a:blip>
-          <a:stretch>
-            <a:fillRect/>
-          </a:stretch>
+        <p:blipFill rotWithShape="1">
+          <a:blip r:embed="rId2"/>
+          <a:srcRect t="54444"/>
+          <a:stretch/>
         </p:blipFill>
         <p:spPr>
           <a:xfrm>
-            <a:off x="685800" y="1447800"/>
-            <a:ext cx="8296422" cy="4672012"/>
+            <a:off x="533400" y="1341436"/>
+            <a:ext cx="6400800" cy="4754564"/>
           </a:xfrm>
           <a:prstGeom prst="rect">
             <a:avLst/>
           </a:prstGeom>
         </p:spPr>
       </p:pic>
-      <p:cxnSp>
-        <p:nvCxnSpPr>
-          <p:cNvPr id="12" name="Straight Arrow Connector 11">
-            <a:extLst>
-              <a:ext uri="{FF2B5EF4-FFF2-40B4-BE49-F238E27FC236}">
-                <a16:creationId xmlns:a16="http://schemas.microsoft.com/office/drawing/2014/main" id="{7ACC8732-3F65-40A7-8DEC-19B642B476F8}"/>
-              </a:ext>
-            </a:extLst>
-          </p:cNvPr>
-          <p:cNvCxnSpPr>
-            <a:cxnSpLocks/>
-          </p:cNvCxnSpPr>
-          <p:nvPr/>
-        </p:nvCxnSpPr>
-        <p:spPr bwMode="auto">
-          <a:xfrm flipH="1" flipV="1">
-            <a:off x="2895600" y="2057400"/>
-            <a:ext cx="228600" cy="304800"/>
-          </a:xfrm>
-          <a:prstGeom prst="straightConnector1">
-            <a:avLst/>
-          </a:prstGeom>
-          <a:ln>
-            <a:headEnd type="none" w="med" len="med"/>
-            <a:tailEnd type="triangle"/>
-          </a:ln>
-        </p:spPr>
-        <p:style>
-          <a:lnRef idx="1">
-            <a:schemeClr val="dk1"/>
-          </a:lnRef>
-          <a:fillRef idx="0">
-            <a:schemeClr val="dk1"/>
-          </a:fillRef>
-          <a:effectRef idx="0">
-            <a:schemeClr val="dk1"/>
-          </a:effectRef>
-          <a:fontRef idx="minor">
-            <a:schemeClr val="tx1"/>
-          </a:fontRef>
-        </p:style>
-      </p:cxnSp>
-      <p:cxnSp>
-        <p:nvCxnSpPr>
-          <p:cNvPr id="14" name="Straight Arrow Connector 13">
-            <a:extLst>
-              <a:ext uri="{FF2B5EF4-FFF2-40B4-BE49-F238E27FC236}">
-                <a16:creationId xmlns:a16="http://schemas.microsoft.com/office/drawing/2014/main" id="{3596D61C-CC2F-49C0-8200-6502924DC5F7}"/>
-              </a:ext>
-            </a:extLst>
-          </p:cNvPr>
-          <p:cNvCxnSpPr>
-            <a:cxnSpLocks/>
-          </p:cNvCxnSpPr>
-          <p:nvPr/>
-        </p:nvCxnSpPr>
-        <p:spPr bwMode="auto">
-          <a:xfrm flipH="1" flipV="1">
-            <a:off x="3039208" y="3092324"/>
-            <a:ext cx="228600" cy="304800"/>
-          </a:xfrm>
-          <a:prstGeom prst="straightConnector1">
-            <a:avLst/>
-          </a:prstGeom>
-          <a:ln>
-            <a:headEnd type="none" w="med" len="med"/>
-            <a:tailEnd type="triangle"/>
-          </a:ln>
-        </p:spPr>
-        <p:style>
-          <a:lnRef idx="1">
-            <a:schemeClr val="dk1"/>
-          </a:lnRef>
-          <a:fillRef idx="0">
-            <a:schemeClr val="dk1"/>
-          </a:fillRef>
-          <a:effectRef idx="0">
-            <a:schemeClr val="dk1"/>
-          </a:effectRef>
-          <a:fontRef idx="minor">
-            <a:schemeClr val="tx1"/>
-          </a:fontRef>
-        </p:style>
-      </p:cxnSp>
-      <p:cxnSp>
-        <p:nvCxnSpPr>
-          <p:cNvPr id="15" name="Straight Arrow Connector 14">
-            <a:extLst>
-              <a:ext uri="{FF2B5EF4-FFF2-40B4-BE49-F238E27FC236}">
-                <a16:creationId xmlns:a16="http://schemas.microsoft.com/office/drawing/2014/main" id="{DE4EC85B-C170-4583-AEF6-50E78E9123FC}"/>
-              </a:ext>
-            </a:extLst>
-          </p:cNvPr>
-          <p:cNvCxnSpPr>
-            <a:cxnSpLocks/>
-          </p:cNvCxnSpPr>
-          <p:nvPr/>
-        </p:nvCxnSpPr>
-        <p:spPr bwMode="auto">
-          <a:xfrm flipH="1" flipV="1">
-            <a:off x="3175194" y="4112855"/>
-            <a:ext cx="228600" cy="304800"/>
-          </a:xfrm>
-          <a:prstGeom prst="straightConnector1">
-            <a:avLst/>
-          </a:prstGeom>
-          <a:ln>
-            <a:headEnd type="none" w="med" len="med"/>
-            <a:tailEnd type="triangle"/>
-          </a:ln>
-        </p:spPr>
-        <p:style>
-          <a:lnRef idx="1">
-            <a:schemeClr val="dk1"/>
-          </a:lnRef>
-          <a:fillRef idx="0">
-            <a:schemeClr val="dk1"/>
-          </a:fillRef>
-          <a:effectRef idx="0">
-            <a:schemeClr val="dk1"/>
-          </a:effectRef>
-          <a:fontRef idx="minor">
-            <a:schemeClr val="tx1"/>
-          </a:fontRef>
-        </p:style>
-      </p:cxnSp>
-      <p:cxnSp>
-        <p:nvCxnSpPr>
-          <p:cNvPr id="16" name="Straight Arrow Connector 15">
-            <a:extLst>
-              <a:ext uri="{FF2B5EF4-FFF2-40B4-BE49-F238E27FC236}">
-                <a16:creationId xmlns:a16="http://schemas.microsoft.com/office/drawing/2014/main" id="{415F957F-676F-40D2-8595-2519BF5EAA82}"/>
-              </a:ext>
-            </a:extLst>
-          </p:cNvPr>
-          <p:cNvCxnSpPr>
-            <a:cxnSpLocks/>
-          </p:cNvCxnSpPr>
-          <p:nvPr/>
-        </p:nvCxnSpPr>
-        <p:spPr bwMode="auto">
-          <a:xfrm flipH="1" flipV="1">
-            <a:off x="3250222" y="5148775"/>
-            <a:ext cx="217463" cy="322518"/>
-          </a:xfrm>
-          <a:prstGeom prst="straightConnector1">
-            <a:avLst/>
-          </a:prstGeom>
-          <a:ln>
-            <a:headEnd type="none" w="med" len="med"/>
-            <a:tailEnd type="triangle"/>
-          </a:ln>
-        </p:spPr>
-        <p:style>
-          <a:lnRef idx="1">
-            <a:schemeClr val="dk1"/>
-          </a:lnRef>
-          <a:fillRef idx="0">
-            <a:schemeClr val="dk1"/>
-          </a:fillRef>
-          <a:effectRef idx="0">
-            <a:schemeClr val="dk1"/>
-          </a:effectRef>
-          <a:fontRef idx="minor">
-            <a:schemeClr val="tx1"/>
-          </a:fontRef>
-        </p:style>
-      </p:cxnSp>
-      <p:sp>
-        <p:nvSpPr>
-          <p:cNvPr id="18" name="TextBox 17">
-            <a:extLst>
-              <a:ext uri="{FF2B5EF4-FFF2-40B4-BE49-F238E27FC236}">
-                <a16:creationId xmlns:a16="http://schemas.microsoft.com/office/drawing/2014/main" id="{1A778BB0-9169-443D-98E4-CE1705ECD3AB}"/>
-              </a:ext>
-            </a:extLst>
-          </p:cNvPr>
-          <p:cNvSpPr txBox="1"/>
-          <p:nvPr/>
-        </p:nvSpPr>
-        <p:spPr>
-          <a:xfrm>
-            <a:off x="3151162" y="2180492"/>
-            <a:ext cx="2030437" cy="400110"/>
-          </a:xfrm>
-          <a:prstGeom prst="rect">
-            <a:avLst/>
-          </a:prstGeom>
-          <a:noFill/>
-        </p:spPr>
-        <p:txBody>
-          <a:bodyPr wrap="square" rtlCol="0">
-            <a:spAutoFit/>
-          </a:bodyPr>
-          <a:lstStyle/>
-          <a:p>
-            <a:r>
-              <a:rPr lang="en-US" sz="2000" dirty="0">
-                <a:solidFill>
-                  <a:srgbClr val="00B050"/>
-                </a:solidFill>
-              </a:rPr>
-              <a:t>SNR = 30 dB</a:t>
-            </a:r>
-            <a:endParaRPr lang="en-IN" sz="2000" dirty="0">
-              <a:solidFill>
-                <a:srgbClr val="00B050"/>
-              </a:solidFill>
-            </a:endParaRPr>
-          </a:p>
-        </p:txBody>
-      </p:sp>
-      <p:sp>
-        <p:nvSpPr>
-          <p:cNvPr id="19" name="TextBox 18">
-            <a:extLst>
-              <a:ext uri="{FF2B5EF4-FFF2-40B4-BE49-F238E27FC236}">
-                <a16:creationId xmlns:a16="http://schemas.microsoft.com/office/drawing/2014/main" id="{F86614F6-9CFE-4CD5-AF4C-A74877917841}"/>
-              </a:ext>
-            </a:extLst>
-          </p:cNvPr>
-          <p:cNvSpPr txBox="1"/>
-          <p:nvPr/>
-        </p:nvSpPr>
-        <p:spPr>
-          <a:xfrm>
-            <a:off x="3209191" y="3216927"/>
-            <a:ext cx="2030437" cy="400110"/>
-          </a:xfrm>
-          <a:prstGeom prst="rect">
-            <a:avLst/>
-          </a:prstGeom>
-          <a:noFill/>
-        </p:spPr>
-        <p:txBody>
-          <a:bodyPr wrap="square" rtlCol="0">
-            <a:spAutoFit/>
-          </a:bodyPr>
-          <a:lstStyle/>
-          <a:p>
-            <a:r>
-              <a:rPr lang="en-US" sz="2000" dirty="0">
-                <a:solidFill>
-                  <a:srgbClr val="00B050"/>
-                </a:solidFill>
-              </a:rPr>
-              <a:t>SNR = 20 dB</a:t>
-            </a:r>
-            <a:endParaRPr lang="en-IN" sz="2000" dirty="0">
-              <a:solidFill>
-                <a:srgbClr val="00B050"/>
-              </a:solidFill>
-            </a:endParaRPr>
-          </a:p>
-        </p:txBody>
-      </p:sp>
-      <p:sp>
-        <p:nvSpPr>
-          <p:cNvPr id="20" name="TextBox 19">
-            <a:extLst>
-              <a:ext uri="{FF2B5EF4-FFF2-40B4-BE49-F238E27FC236}">
-                <a16:creationId xmlns:a16="http://schemas.microsoft.com/office/drawing/2014/main" id="{8986935A-16C6-41BC-896A-60D1DFBC173F}"/>
-              </a:ext>
-            </a:extLst>
-          </p:cNvPr>
-          <p:cNvSpPr txBox="1"/>
-          <p:nvPr/>
-        </p:nvSpPr>
-        <p:spPr>
-          <a:xfrm>
-            <a:off x="3385037" y="4280249"/>
-            <a:ext cx="2030437" cy="400110"/>
-          </a:xfrm>
-          <a:prstGeom prst="rect">
-            <a:avLst/>
-          </a:prstGeom>
-          <a:noFill/>
-        </p:spPr>
-        <p:txBody>
-          <a:bodyPr wrap="square" rtlCol="0">
-            <a:spAutoFit/>
-          </a:bodyPr>
-          <a:lstStyle/>
-          <a:p>
-            <a:r>
-              <a:rPr lang="en-US" sz="2000" dirty="0">
-                <a:solidFill>
-                  <a:srgbClr val="00B050"/>
-                </a:solidFill>
-              </a:rPr>
-              <a:t>SNR = 10 dB</a:t>
-            </a:r>
-            <a:endParaRPr lang="en-IN" sz="2000" dirty="0">
-              <a:solidFill>
-                <a:srgbClr val="00B050"/>
-              </a:solidFill>
-            </a:endParaRPr>
-          </a:p>
-        </p:txBody>
-      </p:sp>
-      <p:sp>
-        <p:nvSpPr>
-          <p:cNvPr id="21" name="TextBox 20">
-            <a:extLst>
-              <a:ext uri="{FF2B5EF4-FFF2-40B4-BE49-F238E27FC236}">
-                <a16:creationId xmlns:a16="http://schemas.microsoft.com/office/drawing/2014/main" id="{65EFF5BE-0BDA-4D4B-A95D-9DF4C4B3602F}"/>
-              </a:ext>
-            </a:extLst>
-          </p:cNvPr>
-          <p:cNvSpPr txBox="1"/>
-          <p:nvPr/>
-        </p:nvSpPr>
-        <p:spPr>
-          <a:xfrm>
-            <a:off x="3413172" y="5310034"/>
-            <a:ext cx="2030437" cy="400110"/>
-          </a:xfrm>
-          <a:prstGeom prst="rect">
-            <a:avLst/>
-          </a:prstGeom>
-          <a:noFill/>
-        </p:spPr>
-        <p:txBody>
-          <a:bodyPr wrap="square" rtlCol="0">
-            <a:spAutoFit/>
-          </a:bodyPr>
-          <a:lstStyle/>
-          <a:p>
-            <a:r>
-              <a:rPr lang="en-US" sz="2000" dirty="0">
-                <a:solidFill>
-                  <a:srgbClr val="00B050"/>
-                </a:solidFill>
-              </a:rPr>
-              <a:t>SNR = 0 dB</a:t>
-            </a:r>
-            <a:endParaRPr lang="en-IN" sz="2000" dirty="0">
-              <a:solidFill>
-                <a:srgbClr val="00B050"/>
-              </a:solidFill>
-            </a:endParaRPr>
-          </a:p>
-        </p:txBody>
-      </p:sp>
-      <p:sp>
-        <p:nvSpPr>
-          <p:cNvPr id="22" name="TextBox 21">
-            <a:extLst>
-              <a:ext uri="{FF2B5EF4-FFF2-40B4-BE49-F238E27FC236}">
-                <a16:creationId xmlns:a16="http://schemas.microsoft.com/office/drawing/2014/main" id="{186AFE01-7A0A-44A1-A7F3-B60FCF7F927B}"/>
-              </a:ext>
-            </a:extLst>
-          </p:cNvPr>
-          <p:cNvSpPr txBox="1"/>
-          <p:nvPr/>
-        </p:nvSpPr>
-        <p:spPr>
-          <a:xfrm>
-            <a:off x="6553200" y="2194559"/>
-            <a:ext cx="1903413" cy="400110"/>
-          </a:xfrm>
-          <a:prstGeom prst="rect">
-            <a:avLst/>
-          </a:prstGeom>
-          <a:ln>
-            <a:solidFill>
-              <a:schemeClr val="tx1"/>
-            </a:solidFill>
-          </a:ln>
-        </p:spPr>
-        <p:style>
-          <a:lnRef idx="2">
-            <a:schemeClr val="dk1"/>
-          </a:lnRef>
-          <a:fillRef idx="1">
-            <a:schemeClr val="lt1"/>
-          </a:fillRef>
-          <a:effectRef idx="0">
-            <a:schemeClr val="dk1"/>
-          </a:effectRef>
-          <a:fontRef idx="minor">
-            <a:schemeClr val="dk1"/>
-          </a:fontRef>
-        </p:style>
-        <p:txBody>
-          <a:bodyPr wrap="square" rtlCol="0">
-            <a:spAutoFit/>
-          </a:bodyPr>
-          <a:lstStyle/>
-          <a:p>
-            <a:r>
-              <a:rPr lang="en-US" sz="2000" dirty="0">
-                <a:solidFill>
-                  <a:srgbClr val="0070C0"/>
-                </a:solidFill>
-              </a:rPr>
-              <a:t>Nr = 2 , Nt  = 4</a:t>
-            </a:r>
-            <a:endParaRPr lang="en-IN" sz="2000" dirty="0">
-              <a:solidFill>
-                <a:srgbClr val="0070C0"/>
-              </a:solidFill>
-            </a:endParaRPr>
-          </a:p>
-        </p:txBody>
-      </p:sp>
     </p:spTree>
     <p:extLst>
       <p:ext uri="{BB962C8B-B14F-4D97-AF65-F5344CB8AC3E}">
-        <p14:creationId xmlns:p14="http://schemas.microsoft.com/office/powerpoint/2010/main" val="124712022"/>
+        <p14:creationId xmlns:p14="http://schemas.microsoft.com/office/powerpoint/2010/main" val="3734888670"/>
       </p:ext>
     </p:extLst>
   </p:cSld>
@@ -10885,10 +10630,10 @@
       </p:sp>
       <p:pic>
         <p:nvPicPr>
-          <p:cNvPr id="3" name="Picture 2">
+          <p:cNvPr id="5" name="Picture 4">
             <a:extLst>
               <a:ext uri="{FF2B5EF4-FFF2-40B4-BE49-F238E27FC236}">
-                <a16:creationId xmlns:a16="http://schemas.microsoft.com/office/drawing/2014/main" id="{58A4C07C-CF3E-41AC-9565-10096CCE7BD5}"/>
+                <a16:creationId xmlns:a16="http://schemas.microsoft.com/office/drawing/2014/main" id="{0312E4C0-2346-4F69-9A63-F554CF3095F8}"/>
               </a:ext>
             </a:extLst>
           </p:cNvPr>
@@ -10911,8 +10656,8 @@
         </p:blipFill>
         <p:spPr>
           <a:xfrm>
-            <a:off x="533400" y="1447800"/>
-            <a:ext cx="8534401" cy="4541136"/>
+            <a:off x="533400" y="1328511"/>
+            <a:ext cx="8610600" cy="5067824"/>
           </a:xfrm>
           <a:prstGeom prst="rect">
             <a:avLst/>
@@ -10921,10 +10666,10 @@
       </p:pic>
       <p:sp>
         <p:nvSpPr>
-          <p:cNvPr id="4" name="TextBox 3">
+          <p:cNvPr id="15" name="TextBox 14">
             <a:extLst>
               <a:ext uri="{FF2B5EF4-FFF2-40B4-BE49-F238E27FC236}">
-                <a16:creationId xmlns:a16="http://schemas.microsoft.com/office/drawing/2014/main" id="{4A93730B-CC9E-4051-AA32-B8E035D0B677}"/>
+                <a16:creationId xmlns:a16="http://schemas.microsoft.com/office/drawing/2014/main" id="{A78EF6AC-D9D9-400C-92EE-CFBE85EFDE07}"/>
               </a:ext>
             </a:extLst>
           </p:cNvPr>
@@ -10933,23 +10678,22 @@
         </p:nvSpPr>
         <p:spPr>
           <a:xfrm>
-            <a:off x="2855153" y="2057400"/>
-            <a:ext cx="3317047" cy="400110"/>
+            <a:off x="1981200" y="2362200"/>
+            <a:ext cx="1981200" cy="461665"/>
           </a:xfrm>
           <a:prstGeom prst="rect">
             <a:avLst/>
           </a:prstGeom>
-          <a:ln/>
         </p:spPr>
         <p:style>
           <a:lnRef idx="2">
-            <a:schemeClr val="accent4"/>
+            <a:schemeClr val="dk1"/>
           </a:lnRef>
           <a:fillRef idx="1">
             <a:schemeClr val="lt1"/>
           </a:fillRef>
           <a:effectRef idx="0">
-            <a:schemeClr val="accent4"/>
+            <a:schemeClr val="dk1"/>
           </a:effectRef>
           <a:fontRef idx="minor">
             <a:schemeClr val="dk1"/>
@@ -10962,25 +10706,344 @@
           <a:lstStyle/>
           <a:p>
             <a:r>
-              <a:rPr lang="en-US" sz="2000" dirty="0">
+              <a:rPr lang="en-IN" dirty="0">
                 <a:solidFill>
                   <a:srgbClr val="0070C0"/>
                 </a:solidFill>
               </a:rPr>
-              <a:t>Nr = 2 , Nt = 4 , users = 5</a:t>
-            </a:r>
-            <a:endParaRPr lang="en-IN" sz="2000" dirty="0">
-              <a:solidFill>
-                <a:srgbClr val="0070C0"/>
-              </a:solidFill>
-            </a:endParaRPr>
+              <a:t>Nt=4,Nr=2</a:t>
+            </a:r>
+          </a:p>
+        </p:txBody>
+      </p:sp>
+      <p:cxnSp>
+        <p:nvCxnSpPr>
+          <p:cNvPr id="16" name="Straight Arrow Connector 15">
+            <a:extLst>
+              <a:ext uri="{FF2B5EF4-FFF2-40B4-BE49-F238E27FC236}">
+                <a16:creationId xmlns:a16="http://schemas.microsoft.com/office/drawing/2014/main" id="{4D49FFC3-480E-44C1-B6A7-E43541589FE3}"/>
+              </a:ext>
+            </a:extLst>
+          </p:cNvPr>
+          <p:cNvCxnSpPr>
+            <a:cxnSpLocks/>
+          </p:cNvCxnSpPr>
+          <p:nvPr/>
+        </p:nvCxnSpPr>
+        <p:spPr bwMode="auto">
+          <a:xfrm flipH="1" flipV="1">
+            <a:off x="5009755" y="5147687"/>
+            <a:ext cx="343694" cy="418144"/>
+          </a:xfrm>
+          <a:prstGeom prst="straightConnector1">
+            <a:avLst/>
+          </a:prstGeom>
+          <a:ln>
+            <a:headEnd type="none" w="med" len="med"/>
+            <a:tailEnd type="triangle"/>
+          </a:ln>
+        </p:spPr>
+        <p:style>
+          <a:lnRef idx="1">
+            <a:schemeClr val="dk1"/>
+          </a:lnRef>
+          <a:fillRef idx="0">
+            <a:schemeClr val="dk1"/>
+          </a:fillRef>
+          <a:effectRef idx="0">
+            <a:schemeClr val="dk1"/>
+          </a:effectRef>
+          <a:fontRef idx="minor">
+            <a:schemeClr val="tx1"/>
+          </a:fontRef>
+        </p:style>
+      </p:cxnSp>
+      <p:cxnSp>
+        <p:nvCxnSpPr>
+          <p:cNvPr id="17" name="Straight Arrow Connector 16">
+            <a:extLst>
+              <a:ext uri="{FF2B5EF4-FFF2-40B4-BE49-F238E27FC236}">
+                <a16:creationId xmlns:a16="http://schemas.microsoft.com/office/drawing/2014/main" id="{2980E527-C85E-4865-B67A-D29A51BB80ED}"/>
+              </a:ext>
+            </a:extLst>
+          </p:cNvPr>
+          <p:cNvCxnSpPr>
+            <a:cxnSpLocks/>
+          </p:cNvCxnSpPr>
+          <p:nvPr/>
+        </p:nvCxnSpPr>
+        <p:spPr bwMode="auto">
+          <a:xfrm flipH="1" flipV="1">
+            <a:off x="5009755" y="4052637"/>
+            <a:ext cx="343694" cy="418144"/>
+          </a:xfrm>
+          <a:prstGeom prst="straightConnector1">
+            <a:avLst/>
+          </a:prstGeom>
+          <a:ln>
+            <a:headEnd type="none" w="med" len="med"/>
+            <a:tailEnd type="triangle"/>
+          </a:ln>
+        </p:spPr>
+        <p:style>
+          <a:lnRef idx="1">
+            <a:schemeClr val="dk1"/>
+          </a:lnRef>
+          <a:fillRef idx="0">
+            <a:schemeClr val="dk1"/>
+          </a:fillRef>
+          <a:effectRef idx="0">
+            <a:schemeClr val="dk1"/>
+          </a:effectRef>
+          <a:fontRef idx="minor">
+            <a:schemeClr val="tx1"/>
+          </a:fontRef>
+        </p:style>
+      </p:cxnSp>
+      <p:cxnSp>
+        <p:nvCxnSpPr>
+          <p:cNvPr id="18" name="Straight Arrow Connector 17">
+            <a:extLst>
+              <a:ext uri="{FF2B5EF4-FFF2-40B4-BE49-F238E27FC236}">
+                <a16:creationId xmlns:a16="http://schemas.microsoft.com/office/drawing/2014/main" id="{CB22324F-6CFB-49F1-8972-90B682ECA990}"/>
+              </a:ext>
+            </a:extLst>
+          </p:cNvPr>
+          <p:cNvCxnSpPr>
+            <a:cxnSpLocks/>
+          </p:cNvCxnSpPr>
+          <p:nvPr/>
+        </p:nvCxnSpPr>
+        <p:spPr bwMode="auto">
+          <a:xfrm flipH="1" flipV="1">
+            <a:off x="5009755" y="3107048"/>
+            <a:ext cx="343694" cy="418144"/>
+          </a:xfrm>
+          <a:prstGeom prst="straightConnector1">
+            <a:avLst/>
+          </a:prstGeom>
+          <a:ln>
+            <a:headEnd type="none" w="med" len="med"/>
+            <a:tailEnd type="triangle"/>
+          </a:ln>
+        </p:spPr>
+        <p:style>
+          <a:lnRef idx="1">
+            <a:schemeClr val="dk1"/>
+          </a:lnRef>
+          <a:fillRef idx="0">
+            <a:schemeClr val="dk1"/>
+          </a:fillRef>
+          <a:effectRef idx="0">
+            <a:schemeClr val="dk1"/>
+          </a:effectRef>
+          <a:fontRef idx="minor">
+            <a:schemeClr val="tx1"/>
+          </a:fontRef>
+        </p:style>
+      </p:cxnSp>
+      <p:cxnSp>
+        <p:nvCxnSpPr>
+          <p:cNvPr id="19" name="Straight Arrow Connector 18">
+            <a:extLst>
+              <a:ext uri="{FF2B5EF4-FFF2-40B4-BE49-F238E27FC236}">
+                <a16:creationId xmlns:a16="http://schemas.microsoft.com/office/drawing/2014/main" id="{00910CC3-317A-4B30-A4E6-4E4DCE7ACF93}"/>
+              </a:ext>
+            </a:extLst>
+          </p:cNvPr>
+          <p:cNvCxnSpPr>
+            <a:cxnSpLocks/>
+          </p:cNvCxnSpPr>
+          <p:nvPr/>
+        </p:nvCxnSpPr>
+        <p:spPr bwMode="auto">
+          <a:xfrm flipH="1" flipV="1">
+            <a:off x="5009755" y="1981200"/>
+            <a:ext cx="343694" cy="418144"/>
+          </a:xfrm>
+          <a:prstGeom prst="straightConnector1">
+            <a:avLst/>
+          </a:prstGeom>
+          <a:ln>
+            <a:headEnd type="none" w="med" len="med"/>
+            <a:tailEnd type="triangle"/>
+          </a:ln>
+        </p:spPr>
+        <p:style>
+          <a:lnRef idx="1">
+            <a:schemeClr val="dk1"/>
+          </a:lnRef>
+          <a:fillRef idx="0">
+            <a:schemeClr val="dk1"/>
+          </a:fillRef>
+          <a:effectRef idx="0">
+            <a:schemeClr val="dk1"/>
+          </a:effectRef>
+          <a:fontRef idx="minor">
+            <a:schemeClr val="tx1"/>
+          </a:fontRef>
+        </p:style>
+      </p:cxnSp>
+      <p:sp>
+        <p:nvSpPr>
+          <p:cNvPr id="20" name="TextBox 19">
+            <a:extLst>
+              <a:ext uri="{FF2B5EF4-FFF2-40B4-BE49-F238E27FC236}">
+                <a16:creationId xmlns:a16="http://schemas.microsoft.com/office/drawing/2014/main" id="{DF28C846-C941-4670-A837-D1CC25B2DFE7}"/>
+              </a:ext>
+            </a:extLst>
+          </p:cNvPr>
+          <p:cNvSpPr txBox="1"/>
+          <p:nvPr/>
+        </p:nvSpPr>
+        <p:spPr>
+          <a:xfrm>
+            <a:off x="5365172" y="5317584"/>
+            <a:ext cx="2209800" cy="461665"/>
+          </a:xfrm>
+          <a:prstGeom prst="rect">
+            <a:avLst/>
+          </a:prstGeom>
+          <a:noFill/>
+        </p:spPr>
+        <p:txBody>
+          <a:bodyPr wrap="square" rtlCol="0">
+            <a:spAutoFit/>
+          </a:bodyPr>
+          <a:lstStyle/>
+          <a:p>
+            <a:r>
+              <a:rPr lang="en-IN" dirty="0">
+                <a:solidFill>
+                  <a:srgbClr val="00B050"/>
+                </a:solidFill>
+              </a:rPr>
+              <a:t>SNR = 0 dB</a:t>
+            </a:r>
+          </a:p>
+        </p:txBody>
+      </p:sp>
+      <p:sp>
+        <p:nvSpPr>
+          <p:cNvPr id="21" name="TextBox 20">
+            <a:extLst>
+              <a:ext uri="{FF2B5EF4-FFF2-40B4-BE49-F238E27FC236}">
+                <a16:creationId xmlns:a16="http://schemas.microsoft.com/office/drawing/2014/main" id="{34AE778F-0140-4268-851B-8A1ED9C721D0}"/>
+              </a:ext>
+            </a:extLst>
+          </p:cNvPr>
+          <p:cNvSpPr txBox="1"/>
+          <p:nvPr/>
+        </p:nvSpPr>
+        <p:spPr>
+          <a:xfrm>
+            <a:off x="5353449" y="4261709"/>
+            <a:ext cx="2209800" cy="461665"/>
+          </a:xfrm>
+          <a:prstGeom prst="rect">
+            <a:avLst/>
+          </a:prstGeom>
+          <a:noFill/>
+        </p:spPr>
+        <p:txBody>
+          <a:bodyPr wrap="square" rtlCol="0">
+            <a:spAutoFit/>
+          </a:bodyPr>
+          <a:lstStyle/>
+          <a:p>
+            <a:r>
+              <a:rPr lang="en-IN" dirty="0">
+                <a:solidFill>
+                  <a:srgbClr val="00B050"/>
+                </a:solidFill>
+              </a:rPr>
+              <a:t>SNR = 10 dB</a:t>
+            </a:r>
+          </a:p>
+        </p:txBody>
+      </p:sp>
+      <p:sp>
+        <p:nvSpPr>
+          <p:cNvPr id="22" name="TextBox 21">
+            <a:extLst>
+              <a:ext uri="{FF2B5EF4-FFF2-40B4-BE49-F238E27FC236}">
+                <a16:creationId xmlns:a16="http://schemas.microsoft.com/office/drawing/2014/main" id="{EF7ACD9C-D35B-4A31-8DF4-24EBD6B83A90}"/>
+              </a:ext>
+            </a:extLst>
+          </p:cNvPr>
+          <p:cNvSpPr txBox="1"/>
+          <p:nvPr/>
+        </p:nvSpPr>
+        <p:spPr>
+          <a:xfrm>
+            <a:off x="5410200" y="3316120"/>
+            <a:ext cx="2209800" cy="461665"/>
+          </a:xfrm>
+          <a:prstGeom prst="rect">
+            <a:avLst/>
+          </a:prstGeom>
+          <a:noFill/>
+        </p:spPr>
+        <p:txBody>
+          <a:bodyPr wrap="square" rtlCol="0">
+            <a:spAutoFit/>
+          </a:bodyPr>
+          <a:lstStyle/>
+          <a:p>
+            <a:r>
+              <a:rPr lang="en-IN" dirty="0">
+                <a:solidFill>
+                  <a:srgbClr val="00B050"/>
+                </a:solidFill>
+              </a:rPr>
+              <a:t>SNR = 20 dB</a:t>
+            </a:r>
+          </a:p>
+        </p:txBody>
+      </p:sp>
+      <p:sp>
+        <p:nvSpPr>
+          <p:cNvPr id="26" name="TextBox 25">
+            <a:extLst>
+              <a:ext uri="{FF2B5EF4-FFF2-40B4-BE49-F238E27FC236}">
+                <a16:creationId xmlns:a16="http://schemas.microsoft.com/office/drawing/2014/main" id="{0BE7C497-4CBA-4561-92CF-09D48F8B5859}"/>
+              </a:ext>
+            </a:extLst>
+          </p:cNvPr>
+          <p:cNvSpPr txBox="1"/>
+          <p:nvPr/>
+        </p:nvSpPr>
+        <p:spPr>
+          <a:xfrm>
+            <a:off x="5410200" y="2190272"/>
+            <a:ext cx="2209800" cy="461665"/>
+          </a:xfrm>
+          <a:prstGeom prst="rect">
+            <a:avLst/>
+          </a:prstGeom>
+          <a:noFill/>
+        </p:spPr>
+        <p:txBody>
+          <a:bodyPr wrap="square" rtlCol="0">
+            <a:spAutoFit/>
+          </a:bodyPr>
+          <a:lstStyle/>
+          <a:p>
+            <a:r>
+              <a:rPr lang="en-IN" dirty="0">
+                <a:solidFill>
+                  <a:srgbClr val="00B050"/>
+                </a:solidFill>
+              </a:rPr>
+              <a:t>SNR = 30 dB</a:t>
+            </a:r>
           </a:p>
         </p:txBody>
       </p:sp>
     </p:spTree>
     <p:extLst>
       <p:ext uri="{BB962C8B-B14F-4D97-AF65-F5344CB8AC3E}">
-        <p14:creationId xmlns:p14="http://schemas.microsoft.com/office/powerpoint/2010/main" val="936217085"/>
+        <p14:creationId xmlns:p14="http://schemas.microsoft.com/office/powerpoint/2010/main" val="124712022"/>
       </p:ext>
     </p:extLst>
   </p:cSld>
@@ -11042,7 +11105,7 @@
           <p:cNvPr id="4" name="Picture 3">
             <a:extLst>
               <a:ext uri="{FF2B5EF4-FFF2-40B4-BE49-F238E27FC236}">
-                <a16:creationId xmlns:a16="http://schemas.microsoft.com/office/drawing/2014/main" id="{275EE44E-6071-4296-950D-5A49BD6A6EC2}"/>
+                <a16:creationId xmlns:a16="http://schemas.microsoft.com/office/drawing/2014/main" id="{940FD19E-1156-4653-A8A5-050C1AD44965}"/>
               </a:ext>
             </a:extLst>
           </p:cNvPr>
@@ -11065,8 +11128,8 @@
         </p:blipFill>
         <p:spPr>
           <a:xfrm>
-            <a:off x="1143000" y="1740623"/>
-            <a:ext cx="7086600" cy="4379189"/>
+            <a:off x="533401" y="1317625"/>
+            <a:ext cx="8153400" cy="4930775"/>
           </a:xfrm>
           <a:prstGeom prst="rect">
             <a:avLst/>
@@ -11075,10 +11138,10 @@
       </p:pic>
       <p:sp>
         <p:nvSpPr>
-          <p:cNvPr id="5" name="TextBox 4">
+          <p:cNvPr id="8" name="TextBox 7">
             <a:extLst>
               <a:ext uri="{FF2B5EF4-FFF2-40B4-BE49-F238E27FC236}">
-                <a16:creationId xmlns:a16="http://schemas.microsoft.com/office/drawing/2014/main" id="{B2AFD5C6-8BA7-49C5-9368-D0B60CC4662A}"/>
+                <a16:creationId xmlns:a16="http://schemas.microsoft.com/office/drawing/2014/main" id="{42EB6399-C740-4614-ACE3-B3F8CBAE8C49}"/>
               </a:ext>
             </a:extLst>
           </p:cNvPr>
@@ -11087,14 +11150,27 @@
         </p:nvSpPr>
         <p:spPr>
           <a:xfrm>
-            <a:off x="2590800" y="1278958"/>
-            <a:ext cx="3962400" cy="461665"/>
+            <a:off x="2952751" y="1897062"/>
+            <a:ext cx="3314700" cy="461665"/>
           </a:xfrm>
           <a:prstGeom prst="rect">
             <a:avLst/>
           </a:prstGeom>
-          <a:noFill/>
-        </p:spPr>
+        </p:spPr>
+        <p:style>
+          <a:lnRef idx="2">
+            <a:schemeClr val="dk1"/>
+          </a:lnRef>
+          <a:fillRef idx="1">
+            <a:schemeClr val="lt1"/>
+          </a:fillRef>
+          <a:effectRef idx="0">
+            <a:schemeClr val="dk1"/>
+          </a:effectRef>
+          <a:fontRef idx="minor">
+            <a:schemeClr val="dk1"/>
+          </a:fontRef>
+        </p:style>
         <p:txBody>
           <a:bodyPr wrap="square" rtlCol="0">
             <a:spAutoFit/>
@@ -11102,96 +11178,20 @@
           <a:lstStyle/>
           <a:p>
             <a:r>
-              <a:rPr lang="en-US" b="1" dirty="0">
-                <a:solidFill>
-                  <a:srgbClr val="FF0000"/>
-                </a:solidFill>
-              </a:rPr>
-              <a:t>Time Complexity Analysis</a:t>
-            </a:r>
-            <a:endParaRPr lang="en-IN" b="1" dirty="0">
-              <a:solidFill>
-                <a:srgbClr val="FF0000"/>
-              </a:solidFill>
-            </a:endParaRPr>
-          </a:p>
-        </p:txBody>
-      </p:sp>
-      <p:sp>
-        <p:nvSpPr>
-          <p:cNvPr id="6" name="Oval 5">
-            <a:extLst>
-              <a:ext uri="{FF2B5EF4-FFF2-40B4-BE49-F238E27FC236}">
-                <a16:creationId xmlns:a16="http://schemas.microsoft.com/office/drawing/2014/main" id="{B8F9374B-657A-4E21-B6BF-3125FD7E2852}"/>
-              </a:ext>
-            </a:extLst>
-          </p:cNvPr>
-          <p:cNvSpPr/>
-          <p:nvPr/>
-        </p:nvSpPr>
-        <p:spPr bwMode="auto">
-          <a:xfrm>
-            <a:off x="914400" y="2468562"/>
-            <a:ext cx="7315200" cy="461665"/>
-          </a:xfrm>
-          <a:prstGeom prst="ellipse">
-            <a:avLst/>
-          </a:prstGeom>
-          <a:noFill/>
-          <a:ln w="9525" cap="flat" cmpd="sng" algn="ctr">
-            <a:solidFill>
-              <a:srgbClr val="FF0000"/>
-            </a:solidFill>
-            <a:prstDash val="solid"/>
-            <a:round/>
-            <a:headEnd type="none" w="med" len="med"/>
-            <a:tailEnd type="none" w="med" len="med"/>
-          </a:ln>
-          <a:effectLst/>
-        </p:spPr>
-        <p:txBody>
-          <a:bodyPr vert="horz" wrap="square" lIns="91440" tIns="45720" rIns="91440" bIns="45720" numCol="1" rtlCol="0" anchor="t" anchorCtr="0" compatLnSpc="1">
-            <a:prstTxWarp prst="textNoShape">
-              <a:avLst/>
-            </a:prstTxWarp>
-          </a:bodyPr>
-          <a:lstStyle/>
-          <a:p>
-            <a:pPr marL="0" marR="0" indent="0" algn="l" defTabSz="449263" rtl="0" eaLnBrk="0" fontAlgn="base" latinLnBrk="0" hangingPunct="0">
-              <a:lnSpc>
-                <a:spcPct val="100000"/>
-              </a:lnSpc>
-              <a:spcBef>
-                <a:spcPct val="0"/>
-              </a:spcBef>
-              <a:spcAft>
-                <a:spcPct val="0"/>
-              </a:spcAft>
-              <a:buClr>
-                <a:srgbClr val="000000"/>
-              </a:buClr>
-              <a:buSzPct val="100000"/>
-              <a:buFont typeface="Times New Roman" pitchFamily="16" charset="0"/>
-              <a:buNone/>
-              <a:tabLst/>
-            </a:pPr>
-            <a:endParaRPr kumimoji="0" lang="en-IN" sz="2400" b="0" i="0" u="none" strike="noStrike" cap="none" normalizeH="0" baseline="0">
-              <a:ln>
-                <a:noFill/>
-              </a:ln>
-              <a:solidFill>
-                <a:schemeClr val="bg1"/>
-              </a:solidFill>
-              <a:effectLst/>
-              <a:latin typeface="Times New Roman" pitchFamily="16" charset="0"/>
-            </a:endParaRPr>
+              <a:rPr lang="en-IN" dirty="0">
+                <a:solidFill>
+                  <a:srgbClr val="0070C0"/>
+                </a:solidFill>
+              </a:rPr>
+              <a:t>Nt=4,Nr=2,USERS=5</a:t>
+            </a:r>
           </a:p>
         </p:txBody>
       </p:sp>
     </p:spTree>
     <p:extLst>
       <p:ext uri="{BB962C8B-B14F-4D97-AF65-F5344CB8AC3E}">
-        <p14:creationId xmlns:p14="http://schemas.microsoft.com/office/powerpoint/2010/main" val="3341857857"/>
+        <p14:creationId xmlns:p14="http://schemas.microsoft.com/office/powerpoint/2010/main" val="936217085"/>
       </p:ext>
     </p:extLst>
   </p:cSld>
@@ -11220,7 +11220,13 @@
       </p:grpSpPr>
       <p:sp>
         <p:nvSpPr>
-          <p:cNvPr id="2" name="Title 1"/>
+          <p:cNvPr id="2" name="Title 1">
+            <a:extLst>
+              <a:ext uri="{FF2B5EF4-FFF2-40B4-BE49-F238E27FC236}">
+                <a16:creationId xmlns:a16="http://schemas.microsoft.com/office/drawing/2014/main" id="{C8AD9F1B-3684-44E2-91AE-76BF839640F4}"/>
+              </a:ext>
+            </a:extLst>
+          </p:cNvPr>
           <p:cNvSpPr>
             <a:spLocks noGrp="1"/>
           </p:cNvSpPr>
@@ -11228,12 +11234,7 @@
             <p:ph type="title"/>
           </p:nvPr>
         </p:nvSpPr>
-        <p:spPr>
-          <a:xfrm>
-            <a:off x="533400" y="762000"/>
-            <a:ext cx="2589213" cy="579437"/>
-          </a:xfrm>
-        </p:spPr>
+        <p:spPr/>
         <p:txBody>
           <a:bodyPr/>
           <a:lstStyle/>
@@ -11241,169 +11242,106 @@
             <a:pPr algn="just"/>
             <a:r>
               <a:rPr lang="en-US" dirty="0"/>
-              <a:t>Conclusions</a:t>
-            </a:r>
+              <a:t>Outputs</a:t>
+            </a:r>
+            <a:endParaRPr lang="en-IN" dirty="0"/>
           </a:p>
         </p:txBody>
       </p:sp>
-      <p:sp>
-        <p:nvSpPr>
-          <p:cNvPr id="3" name="Content Placeholder 2"/>
-          <p:cNvSpPr>
-            <a:spLocks noGrp="1"/>
-          </p:cNvSpPr>
-          <p:nvPr>
-            <p:ph idx="1"/>
-          </p:nvPr>
-        </p:nvSpPr>
+      <p:pic>
+        <p:nvPicPr>
+          <p:cNvPr id="5" name="Picture 4">
+            <a:extLst>
+              <a:ext uri="{FF2B5EF4-FFF2-40B4-BE49-F238E27FC236}">
+                <a16:creationId xmlns:a16="http://schemas.microsoft.com/office/drawing/2014/main" id="{FB50A128-3A4D-4D58-8774-D2E21FAB4D80}"/>
+              </a:ext>
+            </a:extLst>
+          </p:cNvPr>
+          <p:cNvPicPr>
+            <a:picLocks noChangeAspect="1"/>
+          </p:cNvPicPr>
+          <p:nvPr/>
+        </p:nvPicPr>
+        <p:blipFill>
+          <a:blip r:embed="rId2">
+            <a:extLst>
+              <a:ext uri="{28A0092B-C50C-407E-A947-70E740481C1C}">
+                <a14:useLocalDpi xmlns:a14="http://schemas.microsoft.com/office/drawing/2010/main" val="0"/>
+              </a:ext>
+            </a:extLst>
+          </a:blip>
+          <a:stretch>
+            <a:fillRect/>
+          </a:stretch>
+        </p:blipFill>
         <p:spPr>
           <a:xfrm>
-            <a:off x="685800" y="1371600"/>
-            <a:ext cx="8382000" cy="4953000"/>
-          </a:xfrm>
-        </p:spPr>
+            <a:off x="528710" y="1335210"/>
+            <a:ext cx="8615289" cy="4989390"/>
+          </a:xfrm>
+          <a:prstGeom prst="rect">
+            <a:avLst/>
+          </a:prstGeom>
+        </p:spPr>
+      </p:pic>
+      <p:sp>
+        <p:nvSpPr>
+          <p:cNvPr id="7" name="TextBox 6">
+            <a:extLst>
+              <a:ext uri="{FF2B5EF4-FFF2-40B4-BE49-F238E27FC236}">
+                <a16:creationId xmlns:a16="http://schemas.microsoft.com/office/drawing/2014/main" id="{9CA9D134-0B29-42D9-9F1C-B0528C85B865}"/>
+              </a:ext>
+            </a:extLst>
+          </p:cNvPr>
+          <p:cNvSpPr txBox="1"/>
+          <p:nvPr/>
+        </p:nvSpPr>
+        <p:spPr>
+          <a:xfrm>
+            <a:off x="3179004" y="1981200"/>
+            <a:ext cx="3314700" cy="461665"/>
+          </a:xfrm>
+          <a:prstGeom prst="rect">
+            <a:avLst/>
+          </a:prstGeom>
+        </p:spPr>
+        <p:style>
+          <a:lnRef idx="2">
+            <a:schemeClr val="dk1"/>
+          </a:lnRef>
+          <a:fillRef idx="1">
+            <a:schemeClr val="lt1"/>
+          </a:fillRef>
+          <a:effectRef idx="0">
+            <a:schemeClr val="dk1"/>
+          </a:effectRef>
+          <a:fontRef idx="minor">
+            <a:schemeClr val="dk1"/>
+          </a:fontRef>
+        </p:style>
         <p:txBody>
-          <a:bodyPr/>
+          <a:bodyPr wrap="square" rtlCol="0">
+            <a:spAutoFit/>
+          </a:bodyPr>
           <a:lstStyle/>
           <a:p>
-            <a:pPr algn="just">
-              <a:lnSpc>
-                <a:spcPct val="150000"/>
-              </a:lnSpc>
-              <a:buFont typeface="Wingdings" pitchFamily="2" charset="2"/>
-              <a:buChar char="q"/>
-            </a:pPr>
-            <a:r>
-              <a:rPr lang="en-GB" sz="2400" dirty="0">
-                <a:solidFill>
-                  <a:schemeClr val="tx1"/>
-                </a:solidFill>
-              </a:rPr>
-              <a:t>The JURAS scheme enhances the </a:t>
-            </a:r>
-            <a:r>
-              <a:rPr lang="en-GB" sz="2400" b="1" dirty="0">
-                <a:solidFill>
-                  <a:schemeClr val="tx1"/>
-                </a:solidFill>
-              </a:rPr>
-              <a:t>sum capacity </a:t>
-            </a:r>
-            <a:r>
-              <a:rPr lang="en-GB" sz="2400" dirty="0">
-                <a:solidFill>
-                  <a:schemeClr val="tx1"/>
-                </a:solidFill>
-              </a:rPr>
-              <a:t>when the number of users increases.</a:t>
-            </a:r>
-          </a:p>
-          <a:p>
-            <a:pPr marL="0" indent="0" algn="just">
-              <a:lnSpc>
-                <a:spcPct val="150000"/>
-              </a:lnSpc>
-            </a:pPr>
-            <a:endParaRPr lang="en-GB" sz="2400" dirty="0">
-              <a:solidFill>
-                <a:schemeClr val="tx1"/>
-              </a:solidFill>
-            </a:endParaRPr>
-          </a:p>
-          <a:p>
-            <a:pPr algn="just">
-              <a:lnSpc>
-                <a:spcPct val="150000"/>
-              </a:lnSpc>
-              <a:buFont typeface="Wingdings" pitchFamily="2" charset="2"/>
-              <a:buChar char="q"/>
-            </a:pPr>
-            <a:r>
-              <a:rPr lang="en-GB" sz="2400" dirty="0">
-                <a:solidFill>
-                  <a:schemeClr val="tx1"/>
-                </a:solidFill>
-              </a:rPr>
-              <a:t>The JURAS scheme </a:t>
-            </a:r>
-            <a:r>
-              <a:rPr lang="en-GB" sz="2400" b="1" dirty="0">
-                <a:solidFill>
-                  <a:schemeClr val="tx1"/>
-                </a:solidFill>
-              </a:rPr>
-              <a:t>sum capacity</a:t>
-            </a:r>
-            <a:r>
-              <a:rPr lang="en-GB" sz="2400" dirty="0">
-                <a:solidFill>
-                  <a:schemeClr val="tx1"/>
-                </a:solidFill>
-              </a:rPr>
-              <a:t> is </a:t>
-            </a:r>
-            <a:r>
-              <a:rPr lang="en-GB" sz="2400" b="1" dirty="0">
-                <a:solidFill>
-                  <a:schemeClr val="tx1"/>
-                </a:solidFill>
-              </a:rPr>
-              <a:t>significant at high SNR.</a:t>
-            </a:r>
-          </a:p>
-          <a:p>
-            <a:pPr marL="0" indent="0" algn="just">
-              <a:lnSpc>
-                <a:spcPct val="150000"/>
-              </a:lnSpc>
-            </a:pPr>
-            <a:endParaRPr lang="en-US" sz="2400" dirty="0">
-              <a:solidFill>
-                <a:schemeClr val="tx1"/>
-              </a:solidFill>
-            </a:endParaRPr>
-          </a:p>
-          <a:p>
-            <a:pPr algn="just">
-              <a:lnSpc>
-                <a:spcPct val="150000"/>
-              </a:lnSpc>
-              <a:buFont typeface="Wingdings" pitchFamily="2" charset="2"/>
-              <a:buChar char="q"/>
-            </a:pPr>
-            <a:r>
-              <a:rPr lang="en-GB" sz="2400" dirty="0">
-                <a:solidFill>
-                  <a:schemeClr val="tx1"/>
-                </a:solidFill>
-              </a:rPr>
-              <a:t>The two JURAS suboptimal algorithms </a:t>
-            </a:r>
-            <a:r>
-              <a:rPr lang="en-GB" sz="2400" b="1" dirty="0">
-                <a:solidFill>
-                  <a:schemeClr val="tx1"/>
-                </a:solidFill>
-              </a:rPr>
-              <a:t>reduced the complexity of computation.</a:t>
-            </a:r>
-            <a:endParaRPr lang="en-US" sz="2400" b="1" dirty="0">
-              <a:solidFill>
-                <a:schemeClr val="tx1"/>
-              </a:solidFill>
-            </a:endParaRPr>
-          </a:p>
-          <a:p>
-            <a:pPr>
-              <a:lnSpc>
-                <a:spcPct val="150000"/>
-              </a:lnSpc>
-            </a:pPr>
-            <a:endParaRPr lang="en-US" dirty="0"/>
+            <a:r>
+              <a:rPr lang="en-IN" dirty="0">
+                <a:solidFill>
+                  <a:srgbClr val="0070C0"/>
+                </a:solidFill>
+              </a:rPr>
+              <a:t>Nt=4,Nr=2,USERS=10</a:t>
+            </a:r>
           </a:p>
         </p:txBody>
       </p:sp>
     </p:spTree>
+    <p:extLst>
+      <p:ext uri="{BB962C8B-B14F-4D97-AF65-F5344CB8AC3E}">
+        <p14:creationId xmlns:p14="http://schemas.microsoft.com/office/powerpoint/2010/main" val="4049494950"/>
+      </p:ext>
+    </p:extLst>
   </p:cSld>
   <p:clrMapOvr>
     <a:masterClrMapping/>
@@ -11430,7 +11368,13 @@
       </p:grpSpPr>
       <p:sp>
         <p:nvSpPr>
-          <p:cNvPr id="2" name="Title 1"/>
+          <p:cNvPr id="2" name="Title 1">
+            <a:extLst>
+              <a:ext uri="{FF2B5EF4-FFF2-40B4-BE49-F238E27FC236}">
+                <a16:creationId xmlns:a16="http://schemas.microsoft.com/office/drawing/2014/main" id="{C8AD9F1B-3684-44E2-91AE-76BF839640F4}"/>
+              </a:ext>
+            </a:extLst>
+          </p:cNvPr>
           <p:cNvSpPr>
             <a:spLocks noGrp="1"/>
           </p:cNvSpPr>
@@ -11438,12 +11382,7 @@
             <p:ph type="title"/>
           </p:nvPr>
         </p:nvSpPr>
-        <p:spPr>
-          <a:xfrm>
-            <a:off x="533400" y="763587"/>
-            <a:ext cx="3427413" cy="579437"/>
-          </a:xfrm>
-        </p:spPr>
+        <p:spPr/>
         <p:txBody>
           <a:bodyPr/>
           <a:lstStyle/>
@@ -11451,87 +11390,106 @@
             <a:pPr algn="just"/>
             <a:r>
               <a:rPr lang="en-US" dirty="0"/>
-              <a:t>References</a:t>
-            </a:r>
+              <a:t>Outputs</a:t>
+            </a:r>
+            <a:endParaRPr lang="en-IN" dirty="0"/>
           </a:p>
         </p:txBody>
       </p:sp>
-      <p:sp>
-        <p:nvSpPr>
-          <p:cNvPr id="3" name="Content Placeholder 2"/>
-          <p:cNvSpPr>
-            <a:spLocks noGrp="1"/>
-          </p:cNvSpPr>
-          <p:nvPr>
-            <p:ph idx="1"/>
-          </p:nvPr>
-        </p:nvSpPr>
+      <p:pic>
+        <p:nvPicPr>
+          <p:cNvPr id="6" name="Picture 5">
+            <a:extLst>
+              <a:ext uri="{FF2B5EF4-FFF2-40B4-BE49-F238E27FC236}">
+                <a16:creationId xmlns:a16="http://schemas.microsoft.com/office/drawing/2014/main" id="{E3BA5C17-FD08-46E3-AABC-2246A86D119E}"/>
+              </a:ext>
+            </a:extLst>
+          </p:cNvPr>
+          <p:cNvPicPr>
+            <a:picLocks noChangeAspect="1"/>
+          </p:cNvPicPr>
+          <p:nvPr/>
+        </p:nvPicPr>
+        <p:blipFill>
+          <a:blip r:embed="rId2">
+            <a:extLst>
+              <a:ext uri="{28A0092B-C50C-407E-A947-70E740481C1C}">
+                <a14:useLocalDpi xmlns:a14="http://schemas.microsoft.com/office/drawing/2010/main" val="0"/>
+              </a:ext>
+            </a:extLst>
+          </a:blip>
+          <a:stretch>
+            <a:fillRect/>
+          </a:stretch>
+        </p:blipFill>
         <p:spPr>
           <a:xfrm>
-            <a:off x="685800" y="1371600"/>
-            <a:ext cx="8458200" cy="4722813"/>
-          </a:xfrm>
-        </p:spPr>
+            <a:off x="533400" y="1317625"/>
+            <a:ext cx="8610600" cy="5006975"/>
+          </a:xfrm>
+          <a:prstGeom prst="rect">
+            <a:avLst/>
+          </a:prstGeom>
+        </p:spPr>
+      </p:pic>
+      <p:sp>
+        <p:nvSpPr>
+          <p:cNvPr id="7" name="TextBox 6">
+            <a:extLst>
+              <a:ext uri="{FF2B5EF4-FFF2-40B4-BE49-F238E27FC236}">
+                <a16:creationId xmlns:a16="http://schemas.microsoft.com/office/drawing/2014/main" id="{95EB6FD8-A4B2-4B3F-B582-2FC1B3F5BACB}"/>
+              </a:ext>
+            </a:extLst>
+          </p:cNvPr>
+          <p:cNvSpPr txBox="1"/>
+          <p:nvPr/>
+        </p:nvSpPr>
+        <p:spPr>
+          <a:xfrm>
+            <a:off x="2438400" y="1915395"/>
+            <a:ext cx="3314700" cy="461665"/>
+          </a:xfrm>
+          <a:prstGeom prst="rect">
+            <a:avLst/>
+          </a:prstGeom>
+        </p:spPr>
+        <p:style>
+          <a:lnRef idx="2">
+            <a:schemeClr val="dk1"/>
+          </a:lnRef>
+          <a:fillRef idx="1">
+            <a:schemeClr val="lt1"/>
+          </a:fillRef>
+          <a:effectRef idx="0">
+            <a:schemeClr val="dk1"/>
+          </a:effectRef>
+          <a:fontRef idx="minor">
+            <a:schemeClr val="dk1"/>
+          </a:fontRef>
+        </p:style>
         <p:txBody>
-          <a:bodyPr/>
+          <a:bodyPr wrap="square" rtlCol="0">
+            <a:spAutoFit/>
+          </a:bodyPr>
           <a:lstStyle/>
           <a:p>
-            <a:pPr marL="457200" indent="-457200" algn="just">
-              <a:lnSpc>
-                <a:spcPct val="150000"/>
-              </a:lnSpc>
-              <a:buFont typeface="Wingdings" panose="05000000000000000000" pitchFamily="2" charset="2"/>
-              <a:buChar char="q"/>
-            </a:pPr>
-            <a:r>
-              <a:rPr lang="en-US" sz="2000" dirty="0">
-                <a:solidFill>
-                  <a:schemeClr val="tx1"/>
-                </a:solidFill>
-              </a:rPr>
-              <a:t>M. Sadek, A. Tarighat, and A. H. Sayed, "A Leakage-Based Precoding Scheme for Downlink Multi-User MIMO Channels," IEEE Transactions on Wireless Communications, vol. 6, no. 5, May 2007.</a:t>
-            </a:r>
-          </a:p>
-          <a:p>
-            <a:pPr marL="457200" indent="-457200" algn="just">
-              <a:lnSpc>
-                <a:spcPct val="150000"/>
-              </a:lnSpc>
-              <a:buFont typeface="Wingdings" panose="05000000000000000000" pitchFamily="2" charset="2"/>
-              <a:buChar char="q"/>
-            </a:pPr>
-            <a:r>
-              <a:rPr lang="en-US" sz="2000" dirty="0">
-                <a:solidFill>
-                  <a:schemeClr val="tx1"/>
-                </a:solidFill>
-              </a:rPr>
-              <a:t>M. Sadek, A. Tarighat, and A. H. Sayed, "Active Antenna Selection in Multiuser MIMO Communications," IEEE Transactions on Signal Processing, vol. 55, no. 4, pp. 1498 - 1510, Apr 2007.</a:t>
-            </a:r>
-          </a:p>
-          <a:p>
-            <a:pPr marL="457200" indent="-457200" algn="just">
-              <a:lnSpc>
-                <a:spcPct val="150000"/>
-              </a:lnSpc>
-              <a:buFont typeface="Wingdings" panose="05000000000000000000" pitchFamily="2" charset="2"/>
-              <a:buChar char="q"/>
-            </a:pPr>
-            <a:r>
-              <a:rPr lang="en-IN" sz="2000" dirty="0">
-                <a:solidFill>
-                  <a:schemeClr val="tx1"/>
-                </a:solidFill>
-              </a:rPr>
-              <a:t>M. Costa, "Writing on Dirty Paper," IEEE Transactions on Information Theory, vol. 29, no. 3, pp. 439-441, May 1983.</a:t>
-            </a:r>
-          </a:p>
-          <a:p>
-            <a:endParaRPr lang="en-US" dirty="0"/>
+            <a:r>
+              <a:rPr lang="en-IN" dirty="0">
+                <a:solidFill>
+                  <a:srgbClr val="0070C0"/>
+                </a:solidFill>
+              </a:rPr>
+              <a:t>Nt=4,Nr=2,SNR = 0dB</a:t>
+            </a:r>
           </a:p>
         </p:txBody>
       </p:sp>
     </p:spTree>
+    <p:extLst>
+      <p:ext uri="{BB962C8B-B14F-4D97-AF65-F5344CB8AC3E}">
+        <p14:creationId xmlns:p14="http://schemas.microsoft.com/office/powerpoint/2010/main" val="3400219772"/>
+      </p:ext>
+    </p:extLst>
   </p:cSld>
   <p:clrMapOvr>
     <a:masterClrMapping/>
@@ -11558,7 +11516,13 @@
       </p:grpSpPr>
       <p:sp>
         <p:nvSpPr>
-          <p:cNvPr id="2" name="Title 1"/>
+          <p:cNvPr id="2" name="Title 1">
+            <a:extLst>
+              <a:ext uri="{FF2B5EF4-FFF2-40B4-BE49-F238E27FC236}">
+                <a16:creationId xmlns:a16="http://schemas.microsoft.com/office/drawing/2014/main" id="{C8AD9F1B-3684-44E2-91AE-76BF839640F4}"/>
+              </a:ext>
+            </a:extLst>
+          </p:cNvPr>
           <p:cNvSpPr>
             <a:spLocks noGrp="1"/>
           </p:cNvSpPr>
@@ -11566,12 +11530,7 @@
             <p:ph type="title"/>
           </p:nvPr>
         </p:nvSpPr>
-        <p:spPr>
-          <a:xfrm>
-            <a:off x="533400" y="763587"/>
-            <a:ext cx="3427413" cy="579437"/>
-          </a:xfrm>
-        </p:spPr>
+        <p:spPr/>
         <p:txBody>
           <a:bodyPr/>
           <a:lstStyle/>
@@ -11579,70 +11538,96 @@
             <a:pPr algn="just"/>
             <a:r>
               <a:rPr lang="en-US" dirty="0"/>
-              <a:t>References</a:t>
-            </a:r>
+              <a:t>Outputs</a:t>
+            </a:r>
+            <a:endParaRPr lang="en-IN" dirty="0"/>
           </a:p>
         </p:txBody>
       </p:sp>
-      <p:sp>
-        <p:nvSpPr>
-          <p:cNvPr id="3" name="Content Placeholder 2"/>
-          <p:cNvSpPr>
-            <a:spLocks noGrp="1"/>
-          </p:cNvSpPr>
-          <p:nvPr>
-            <p:ph idx="1"/>
-          </p:nvPr>
-        </p:nvSpPr>
+      <p:pic>
+        <p:nvPicPr>
+          <p:cNvPr id="6" name="Picture 5">
+            <a:extLst>
+              <a:ext uri="{FF2B5EF4-FFF2-40B4-BE49-F238E27FC236}">
+                <a16:creationId xmlns:a16="http://schemas.microsoft.com/office/drawing/2014/main" id="{8C8FC104-0B6B-4769-A2EB-313B5C2BA17E}"/>
+              </a:ext>
+            </a:extLst>
+          </p:cNvPr>
+          <p:cNvPicPr>
+            <a:picLocks noChangeAspect="1"/>
+          </p:cNvPicPr>
+          <p:nvPr/>
+        </p:nvPicPr>
+        <p:blipFill>
+          <a:blip r:embed="rId2">
+            <a:extLst>
+              <a:ext uri="{28A0092B-C50C-407E-A947-70E740481C1C}">
+                <a14:useLocalDpi xmlns:a14="http://schemas.microsoft.com/office/drawing/2010/main" val="0"/>
+              </a:ext>
+            </a:extLst>
+          </a:blip>
+          <a:stretch>
+            <a:fillRect/>
+          </a:stretch>
+        </p:blipFill>
         <p:spPr>
           <a:xfrm>
-            <a:off x="685800" y="1371600"/>
-            <a:ext cx="8382000" cy="4876800"/>
-          </a:xfrm>
-        </p:spPr>
+            <a:off x="533400" y="1317625"/>
+            <a:ext cx="8610600" cy="5006975"/>
+          </a:xfrm>
+          <a:prstGeom prst="rect">
+            <a:avLst/>
+          </a:prstGeom>
+        </p:spPr>
+      </p:pic>
+      <p:sp>
+        <p:nvSpPr>
+          <p:cNvPr id="7" name="TextBox 6">
+            <a:extLst>
+              <a:ext uri="{FF2B5EF4-FFF2-40B4-BE49-F238E27FC236}">
+                <a16:creationId xmlns:a16="http://schemas.microsoft.com/office/drawing/2014/main" id="{32C7FE64-73EB-4836-8985-3A193BD0128A}"/>
+              </a:ext>
+            </a:extLst>
+          </p:cNvPr>
+          <p:cNvSpPr txBox="1"/>
+          <p:nvPr/>
+        </p:nvSpPr>
+        <p:spPr>
+          <a:xfrm>
+            <a:off x="2590800" y="1897062"/>
+            <a:ext cx="3314700" cy="461665"/>
+          </a:xfrm>
+          <a:prstGeom prst="rect">
+            <a:avLst/>
+          </a:prstGeom>
+        </p:spPr>
+        <p:style>
+          <a:lnRef idx="2">
+            <a:schemeClr val="dk1"/>
+          </a:lnRef>
+          <a:fillRef idx="1">
+            <a:schemeClr val="lt1"/>
+          </a:fillRef>
+          <a:effectRef idx="0">
+            <a:schemeClr val="dk1"/>
+          </a:effectRef>
+          <a:fontRef idx="minor">
+            <a:schemeClr val="dk1"/>
+          </a:fontRef>
+        </p:style>
         <p:txBody>
-          <a:bodyPr/>
+          <a:bodyPr wrap="square" rtlCol="0">
+            <a:spAutoFit/>
+          </a:bodyPr>
           <a:lstStyle/>
           <a:p>
-            <a:pPr marL="457200" indent="-457200" algn="just">
-              <a:lnSpc>
-                <a:spcPct val="150000"/>
-              </a:lnSpc>
-              <a:buFont typeface="Wingdings" panose="05000000000000000000" pitchFamily="2" charset="2"/>
-              <a:buChar char="q"/>
-            </a:pPr>
-            <a:r>
-              <a:rPr lang="en-US" sz="2000" dirty="0">
-                <a:solidFill>
-                  <a:schemeClr val="tx1"/>
-                </a:solidFill>
-              </a:rPr>
-              <a:t>G. Caire and S. S. (Shitz), "On the Achievable Throughput of a Multiantenna Gaussian Broadcast Channel," IEEE Transactions on Information Theory, vol. 49, no. 7, pp. 1691-1706, Jul 2003.</a:t>
-            </a:r>
-          </a:p>
-          <a:p>
-            <a:pPr marL="457200" indent="-457200" algn="just">
-              <a:lnSpc>
-                <a:spcPct val="150000"/>
-              </a:lnSpc>
-              <a:buFont typeface="Wingdings" panose="05000000000000000000" pitchFamily="2" charset="2"/>
-              <a:buChar char="q"/>
-            </a:pPr>
-            <a:r>
-              <a:rPr lang="en-US" sz="2000" dirty="0">
-                <a:solidFill>
-                  <a:schemeClr val="tx1"/>
-                </a:solidFill>
-              </a:rPr>
-              <a:t>Q. H. Spencer, A. L. Swindlehurst, and M. Haardt, "Zero-Forcing methods for Downlink Spatial Multiplexing in Multiuser MIMO channels," IEEE Transactions on Signal Processing, vol. 52, no. 2, pp. 461-471, Feb 2004</a:t>
-            </a:r>
-            <a:r>
-              <a:rPr lang="en-US" sz="2000" b="1" dirty="0">
-                <a:solidFill>
-                  <a:schemeClr val="tx1"/>
-                </a:solidFill>
-              </a:rPr>
-              <a:t>.</a:t>
+            <a:r>
+              <a:rPr lang="en-IN" dirty="0">
+                <a:solidFill>
+                  <a:srgbClr val="0070C0"/>
+                </a:solidFill>
+              </a:rPr>
+              <a:t>Nt=4,Nr=2,SNR =30dB </a:t>
             </a:r>
           </a:p>
         </p:txBody>
@@ -11650,7 +11635,7 @@
     </p:spTree>
     <p:extLst>
       <p:ext uri="{BB962C8B-B14F-4D97-AF65-F5344CB8AC3E}">
-        <p14:creationId xmlns:p14="http://schemas.microsoft.com/office/powerpoint/2010/main" val="1992499214"/>
+        <p14:creationId xmlns:p14="http://schemas.microsoft.com/office/powerpoint/2010/main" val="3197756981"/>
       </p:ext>
     </p:extLst>
   </p:cSld>
@@ -11679,10 +11664,10 @@
       </p:grpSpPr>
       <p:sp>
         <p:nvSpPr>
-          <p:cNvPr id="3" name="Content Placeholder 2">
+          <p:cNvPr id="2" name="Title 1">
             <a:extLst>
               <a:ext uri="{FF2B5EF4-FFF2-40B4-BE49-F238E27FC236}">
-                <a16:creationId xmlns:a16="http://schemas.microsoft.com/office/drawing/2014/main" id="{90D03541-7F4B-49E9-9605-FA18B604C9F6}"/>
+                <a16:creationId xmlns:a16="http://schemas.microsoft.com/office/drawing/2014/main" id="{C8AD9F1B-3684-44E2-91AE-76BF839640F4}"/>
               </a:ext>
             </a:extLst>
           </p:cNvPr>
@@ -11690,59 +11675,263 @@
             <a:spLocks noGrp="1"/>
           </p:cNvSpPr>
           <p:nvPr>
-            <p:ph idx="1"/>
+            <p:ph type="title"/>
           </p:nvPr>
         </p:nvSpPr>
-        <p:spPr>
-          <a:xfrm>
-            <a:off x="685800" y="1371600"/>
-            <a:ext cx="8458200" cy="4722813"/>
-          </a:xfrm>
-        </p:spPr>
+        <p:spPr/>
         <p:txBody>
           <a:bodyPr/>
           <a:lstStyle/>
           <a:p>
-            <a:r>
-              <a:rPr lang="en-IN" sz="8800" dirty="0">
-                <a:solidFill>
-                  <a:schemeClr val="accent2">
-                    <a:lumMod val="75000"/>
-                  </a:schemeClr>
-                </a:solidFill>
-              </a:rPr>
-              <a:t>     </a:t>
-            </a:r>
-          </a:p>
-          <a:p>
             <a:pPr algn="just"/>
             <a:r>
-              <a:rPr lang="en-IN" sz="8800" dirty="0">
-                <a:solidFill>
-                  <a:schemeClr val="accent2">
-                    <a:lumMod val="75000"/>
-                  </a:schemeClr>
-                </a:solidFill>
-              </a:rPr>
-              <a:t>    Thank You</a:t>
-            </a:r>
-            <a:endParaRPr lang="en-US" sz="8800" dirty="0">
-              <a:solidFill>
-                <a:schemeClr val="accent2">
-                  <a:lumMod val="75000"/>
-                </a:schemeClr>
-              </a:solidFill>
-            </a:endParaRPr>
-          </a:p>
-          <a:p>
+              <a:rPr lang="en-US" dirty="0"/>
+              <a:t>Outputs</a:t>
+            </a:r>
             <a:endParaRPr lang="en-IN" dirty="0"/>
+          </a:p>
+        </p:txBody>
+      </p:sp>
+      <p:pic>
+        <p:nvPicPr>
+          <p:cNvPr id="6" name="Picture 5">
+            <a:extLst>
+              <a:ext uri="{FF2B5EF4-FFF2-40B4-BE49-F238E27FC236}">
+                <a16:creationId xmlns:a16="http://schemas.microsoft.com/office/drawing/2014/main" id="{D8181EE4-5A9D-4858-80B5-81529EABB6B8}"/>
+              </a:ext>
+            </a:extLst>
+          </p:cNvPr>
+          <p:cNvPicPr>
+            <a:picLocks noChangeAspect="1"/>
+          </p:cNvPicPr>
+          <p:nvPr/>
+        </p:nvPicPr>
+        <p:blipFill>
+          <a:blip r:embed="rId2">
+            <a:extLst>
+              <a:ext uri="{28A0092B-C50C-407E-A947-70E740481C1C}">
+                <a14:useLocalDpi xmlns:a14="http://schemas.microsoft.com/office/drawing/2010/main" val="0"/>
+              </a:ext>
+            </a:extLst>
+          </a:blip>
+          <a:stretch>
+            <a:fillRect/>
+          </a:stretch>
+        </p:blipFill>
+        <p:spPr>
+          <a:xfrm>
+            <a:off x="533400" y="1317625"/>
+            <a:ext cx="8610600" cy="5006975"/>
+          </a:xfrm>
+          <a:prstGeom prst="rect">
+            <a:avLst/>
+          </a:prstGeom>
+        </p:spPr>
+      </p:pic>
+      <p:sp>
+        <p:nvSpPr>
+          <p:cNvPr id="9" name="TextBox 8">
+            <a:extLst>
+              <a:ext uri="{FF2B5EF4-FFF2-40B4-BE49-F238E27FC236}">
+                <a16:creationId xmlns:a16="http://schemas.microsoft.com/office/drawing/2014/main" id="{A29D4CB1-B640-4197-A0A0-9A59DABB61C7}"/>
+              </a:ext>
+            </a:extLst>
+          </p:cNvPr>
+          <p:cNvSpPr txBox="1"/>
+          <p:nvPr/>
+        </p:nvSpPr>
+        <p:spPr>
+          <a:xfrm>
+            <a:off x="3181350" y="2967335"/>
+            <a:ext cx="3314700" cy="461665"/>
+          </a:xfrm>
+          <a:prstGeom prst="rect">
+            <a:avLst/>
+          </a:prstGeom>
+        </p:spPr>
+        <p:style>
+          <a:lnRef idx="2">
+            <a:schemeClr val="dk1"/>
+          </a:lnRef>
+          <a:fillRef idx="1">
+            <a:schemeClr val="lt1"/>
+          </a:fillRef>
+          <a:effectRef idx="0">
+            <a:schemeClr val="dk1"/>
+          </a:effectRef>
+          <a:fontRef idx="minor">
+            <a:schemeClr val="dk1"/>
+          </a:fontRef>
+        </p:style>
+        <p:txBody>
+          <a:bodyPr wrap="square" rtlCol="0">
+            <a:spAutoFit/>
+          </a:bodyPr>
+          <a:lstStyle/>
+          <a:p>
+            <a:r>
+              <a:rPr lang="en-IN" dirty="0">
+                <a:solidFill>
+                  <a:srgbClr val="0070C0"/>
+                </a:solidFill>
+              </a:rPr>
+              <a:t>Nt=4,Nr=2,USERS = 5</a:t>
+            </a:r>
           </a:p>
         </p:txBody>
       </p:sp>
     </p:spTree>
     <p:extLst>
       <p:ext uri="{BB962C8B-B14F-4D97-AF65-F5344CB8AC3E}">
-        <p14:creationId xmlns:p14="http://schemas.microsoft.com/office/powerpoint/2010/main" val="3746131391"/>
+        <p14:creationId xmlns:p14="http://schemas.microsoft.com/office/powerpoint/2010/main" val="1209523706"/>
+      </p:ext>
+    </p:extLst>
+  </p:cSld>
+  <p:clrMapOvr>
+    <a:masterClrMapping/>
+  </p:clrMapOvr>
+</p:sld>
+</file>
+
+<file path=ppt/slides/slide29.xml><?xml version="1.0" encoding="utf-8"?>
+<p:sld xmlns:a="http://schemas.openxmlformats.org/drawingml/2006/main" xmlns:r="http://schemas.openxmlformats.org/officeDocument/2006/relationships" xmlns:p="http://schemas.openxmlformats.org/presentationml/2006/main">
+  <p:cSld>
+    <p:spTree>
+      <p:nvGrpSpPr>
+        <p:cNvPr id="1" name=""/>
+        <p:cNvGrpSpPr/>
+        <p:nvPr/>
+      </p:nvGrpSpPr>
+      <p:grpSpPr>
+        <a:xfrm>
+          <a:off x="0" y="0"/>
+          <a:ext cx="0" cy="0"/>
+          <a:chOff x="0" y="0"/>
+          <a:chExt cx="0" cy="0"/>
+        </a:xfrm>
+      </p:grpSpPr>
+      <p:sp>
+        <p:nvSpPr>
+          <p:cNvPr id="2" name="Title 1">
+            <a:extLst>
+              <a:ext uri="{FF2B5EF4-FFF2-40B4-BE49-F238E27FC236}">
+                <a16:creationId xmlns:a16="http://schemas.microsoft.com/office/drawing/2014/main" id="{C8AD9F1B-3684-44E2-91AE-76BF839640F4}"/>
+              </a:ext>
+            </a:extLst>
+          </p:cNvPr>
+          <p:cNvSpPr>
+            <a:spLocks noGrp="1"/>
+          </p:cNvSpPr>
+          <p:nvPr>
+            <p:ph type="title"/>
+          </p:nvPr>
+        </p:nvSpPr>
+        <p:spPr/>
+        <p:txBody>
+          <a:bodyPr/>
+          <a:lstStyle/>
+          <a:p>
+            <a:pPr algn="just"/>
+            <a:r>
+              <a:rPr lang="en-US" dirty="0"/>
+              <a:t>Outputs</a:t>
+            </a:r>
+            <a:endParaRPr lang="en-IN" dirty="0"/>
+          </a:p>
+        </p:txBody>
+      </p:sp>
+      <p:pic>
+        <p:nvPicPr>
+          <p:cNvPr id="6" name="Picture 5">
+            <a:extLst>
+              <a:ext uri="{FF2B5EF4-FFF2-40B4-BE49-F238E27FC236}">
+                <a16:creationId xmlns:a16="http://schemas.microsoft.com/office/drawing/2014/main" id="{28014519-B68B-4308-83F5-9E7DF21E13E6}"/>
+              </a:ext>
+            </a:extLst>
+          </p:cNvPr>
+          <p:cNvPicPr>
+            <a:picLocks noChangeAspect="1"/>
+          </p:cNvPicPr>
+          <p:nvPr/>
+        </p:nvPicPr>
+        <p:blipFill>
+          <a:blip r:embed="rId2">
+            <a:extLst>
+              <a:ext uri="{28A0092B-C50C-407E-A947-70E740481C1C}">
+                <a14:useLocalDpi xmlns:a14="http://schemas.microsoft.com/office/drawing/2010/main" val="0"/>
+              </a:ext>
+            </a:extLst>
+          </a:blip>
+          <a:stretch>
+            <a:fillRect/>
+          </a:stretch>
+        </p:blipFill>
+        <p:spPr>
+          <a:xfrm>
+            <a:off x="533400" y="1317625"/>
+            <a:ext cx="8610600" cy="5006975"/>
+          </a:xfrm>
+          <a:prstGeom prst="rect">
+            <a:avLst/>
+          </a:prstGeom>
+        </p:spPr>
+      </p:pic>
+      <p:sp>
+        <p:nvSpPr>
+          <p:cNvPr id="7" name="TextBox 6">
+            <a:extLst>
+              <a:ext uri="{FF2B5EF4-FFF2-40B4-BE49-F238E27FC236}">
+                <a16:creationId xmlns:a16="http://schemas.microsoft.com/office/drawing/2014/main" id="{AA1D83FE-6681-4674-A662-8E0567C6B9CC}"/>
+              </a:ext>
+            </a:extLst>
+          </p:cNvPr>
+          <p:cNvSpPr txBox="1"/>
+          <p:nvPr/>
+        </p:nvSpPr>
+        <p:spPr>
+          <a:xfrm>
+            <a:off x="3181350" y="2667000"/>
+            <a:ext cx="3314700" cy="461665"/>
+          </a:xfrm>
+          <a:prstGeom prst="rect">
+            <a:avLst/>
+          </a:prstGeom>
+        </p:spPr>
+        <p:style>
+          <a:lnRef idx="2">
+            <a:schemeClr val="dk1"/>
+          </a:lnRef>
+          <a:fillRef idx="1">
+            <a:schemeClr val="lt1"/>
+          </a:fillRef>
+          <a:effectRef idx="0">
+            <a:schemeClr val="dk1"/>
+          </a:effectRef>
+          <a:fontRef idx="minor">
+            <a:schemeClr val="dk1"/>
+          </a:fontRef>
+        </p:style>
+        <p:txBody>
+          <a:bodyPr wrap="square" rtlCol="0">
+            <a:spAutoFit/>
+          </a:bodyPr>
+          <a:lstStyle/>
+          <a:p>
+            <a:r>
+              <a:rPr lang="en-IN" dirty="0">
+                <a:solidFill>
+                  <a:srgbClr val="0070C0"/>
+                </a:solidFill>
+              </a:rPr>
+              <a:t>Nt=4,Nr=2,USERS = 10</a:t>
+            </a:r>
+          </a:p>
+        </p:txBody>
+      </p:sp>
+    </p:spTree>
+    <p:extLst>
+      <p:ext uri="{BB962C8B-B14F-4D97-AF65-F5344CB8AC3E}">
+        <p14:creationId xmlns:p14="http://schemas.microsoft.com/office/powerpoint/2010/main" val="358698578"/>
       </p:ext>
     </p:extLst>
   </p:cSld>
@@ -11918,6 +12107,577 @@
 </p:sld>
 </file>
 
+<file path=ppt/slides/slide30.xml><?xml version="1.0" encoding="utf-8"?>
+<p:sld xmlns:a="http://schemas.openxmlformats.org/drawingml/2006/main" xmlns:r="http://schemas.openxmlformats.org/officeDocument/2006/relationships" xmlns:p="http://schemas.openxmlformats.org/presentationml/2006/main">
+  <p:cSld>
+    <p:spTree>
+      <p:nvGrpSpPr>
+        <p:cNvPr id="1" name=""/>
+        <p:cNvGrpSpPr/>
+        <p:nvPr/>
+      </p:nvGrpSpPr>
+      <p:grpSpPr>
+        <a:xfrm>
+          <a:off x="0" y="0"/>
+          <a:ext cx="0" cy="0"/>
+          <a:chOff x="0" y="0"/>
+          <a:chExt cx="0" cy="0"/>
+        </a:xfrm>
+      </p:grpSpPr>
+      <p:sp>
+        <p:nvSpPr>
+          <p:cNvPr id="2" name="Title 1"/>
+          <p:cNvSpPr>
+            <a:spLocks noGrp="1"/>
+          </p:cNvSpPr>
+          <p:nvPr>
+            <p:ph type="title"/>
+          </p:nvPr>
+        </p:nvSpPr>
+        <p:spPr>
+          <a:xfrm>
+            <a:off x="533400" y="762000"/>
+            <a:ext cx="2589213" cy="579437"/>
+          </a:xfrm>
+        </p:spPr>
+        <p:txBody>
+          <a:bodyPr/>
+          <a:lstStyle/>
+          <a:p>
+            <a:pPr algn="just"/>
+            <a:r>
+              <a:rPr lang="en-US" dirty="0"/>
+              <a:t>Conclusions</a:t>
+            </a:r>
+          </a:p>
+        </p:txBody>
+      </p:sp>
+      <p:sp>
+        <p:nvSpPr>
+          <p:cNvPr id="3" name="Content Placeholder 2"/>
+          <p:cNvSpPr>
+            <a:spLocks noGrp="1"/>
+          </p:cNvSpPr>
+          <p:nvPr>
+            <p:ph idx="1"/>
+          </p:nvPr>
+        </p:nvSpPr>
+        <p:spPr>
+          <a:xfrm>
+            <a:off x="533400" y="1160046"/>
+            <a:ext cx="8534400" cy="4983163"/>
+          </a:xfrm>
+        </p:spPr>
+        <p:txBody>
+          <a:bodyPr/>
+          <a:lstStyle/>
+          <a:p>
+            <a:pPr algn="just">
+              <a:lnSpc>
+                <a:spcPct val="150000"/>
+              </a:lnSpc>
+              <a:buFont typeface="Wingdings" pitchFamily="2" charset="2"/>
+              <a:buChar char="q"/>
+            </a:pPr>
+            <a:r>
+              <a:rPr lang="en-GB" sz="2400" dirty="0">
+                <a:solidFill>
+                  <a:schemeClr val="tx1"/>
+                </a:solidFill>
+              </a:rPr>
+              <a:t>The JURAS scheme enhances the </a:t>
+            </a:r>
+            <a:r>
+              <a:rPr lang="en-GB" sz="2400" b="1" dirty="0">
+                <a:solidFill>
+                  <a:schemeClr val="tx1"/>
+                </a:solidFill>
+              </a:rPr>
+              <a:t>sum capacity </a:t>
+            </a:r>
+            <a:r>
+              <a:rPr lang="en-GB" sz="2400" dirty="0">
+                <a:solidFill>
+                  <a:schemeClr val="tx1"/>
+                </a:solidFill>
+              </a:rPr>
+              <a:t>when the number of users increases.</a:t>
+            </a:r>
+          </a:p>
+          <a:p>
+            <a:pPr algn="just">
+              <a:lnSpc>
+                <a:spcPct val="150000"/>
+              </a:lnSpc>
+              <a:buFont typeface="Wingdings" pitchFamily="2" charset="2"/>
+              <a:buChar char="q"/>
+            </a:pPr>
+            <a:endParaRPr lang="en-GB" sz="2400" dirty="0">
+              <a:solidFill>
+                <a:schemeClr val="tx1"/>
+              </a:solidFill>
+            </a:endParaRPr>
+          </a:p>
+          <a:p>
+            <a:pPr algn="just">
+              <a:lnSpc>
+                <a:spcPct val="150000"/>
+              </a:lnSpc>
+              <a:buFont typeface="Wingdings" pitchFamily="2" charset="2"/>
+              <a:buChar char="q"/>
+            </a:pPr>
+            <a:r>
+              <a:rPr lang="en-GB" sz="2400" dirty="0">
+                <a:solidFill>
+                  <a:schemeClr val="tx1"/>
+                </a:solidFill>
+              </a:rPr>
+              <a:t>The JURAS scheme </a:t>
+            </a:r>
+            <a:r>
+              <a:rPr lang="en-GB" sz="2400" b="1" dirty="0">
+                <a:solidFill>
+                  <a:schemeClr val="tx1"/>
+                </a:solidFill>
+              </a:rPr>
+              <a:t>sum capacity</a:t>
+            </a:r>
+            <a:r>
+              <a:rPr lang="en-GB" sz="2400" dirty="0">
+                <a:solidFill>
+                  <a:schemeClr val="tx1"/>
+                </a:solidFill>
+              </a:rPr>
+              <a:t> is </a:t>
+            </a:r>
+            <a:r>
+              <a:rPr lang="en-GB" sz="2400" b="1" dirty="0">
+                <a:solidFill>
+                  <a:schemeClr val="tx1"/>
+                </a:solidFill>
+              </a:rPr>
+              <a:t>significant at high SNR where SA1 has somewhat lower capacity than SA2.</a:t>
+            </a:r>
+          </a:p>
+          <a:p>
+            <a:pPr algn="just">
+              <a:lnSpc>
+                <a:spcPct val="150000"/>
+              </a:lnSpc>
+              <a:buFont typeface="Wingdings" pitchFamily="2" charset="2"/>
+              <a:buChar char="q"/>
+            </a:pPr>
+            <a:endParaRPr lang="en-US" sz="2400" dirty="0">
+              <a:solidFill>
+                <a:schemeClr val="tx1"/>
+              </a:solidFill>
+            </a:endParaRPr>
+          </a:p>
+          <a:p>
+            <a:pPr algn="just">
+              <a:lnSpc>
+                <a:spcPct val="150000"/>
+              </a:lnSpc>
+              <a:buFont typeface="Wingdings" pitchFamily="2" charset="2"/>
+              <a:buChar char="q"/>
+            </a:pPr>
+            <a:r>
+              <a:rPr lang="en-GB" sz="2400" dirty="0">
+                <a:solidFill>
+                  <a:schemeClr val="tx1"/>
+                </a:solidFill>
+              </a:rPr>
+              <a:t>The two algorithms </a:t>
+            </a:r>
+            <a:r>
+              <a:rPr lang="en-GB" sz="2400" b="1" dirty="0">
+                <a:solidFill>
+                  <a:schemeClr val="tx1"/>
+                </a:solidFill>
+              </a:rPr>
+              <a:t>reduced the complexity of computation </a:t>
+            </a:r>
+            <a:r>
+              <a:rPr lang="en-GB" sz="2400" dirty="0">
+                <a:solidFill>
+                  <a:schemeClr val="tx1"/>
+                </a:solidFill>
+              </a:rPr>
+              <a:t>where</a:t>
+            </a:r>
+            <a:r>
+              <a:rPr lang="en-GB" sz="2400" b="1" dirty="0">
+                <a:solidFill>
+                  <a:schemeClr val="tx1"/>
+                </a:solidFill>
+              </a:rPr>
+              <a:t> SA1 has somewhat lower complexity than SA2.</a:t>
+            </a:r>
+            <a:endParaRPr lang="en-US" sz="2400" b="1" dirty="0">
+              <a:solidFill>
+                <a:schemeClr val="tx1"/>
+              </a:solidFill>
+            </a:endParaRPr>
+          </a:p>
+          <a:p>
+            <a:pPr>
+              <a:lnSpc>
+                <a:spcPct val="150000"/>
+              </a:lnSpc>
+            </a:pPr>
+            <a:endParaRPr lang="en-US" dirty="0"/>
+          </a:p>
+        </p:txBody>
+      </p:sp>
+    </p:spTree>
+  </p:cSld>
+  <p:clrMapOvr>
+    <a:masterClrMapping/>
+  </p:clrMapOvr>
+</p:sld>
+</file>
+
+<file path=ppt/slides/slide31.xml><?xml version="1.0" encoding="utf-8"?>
+<p:sld xmlns:a="http://schemas.openxmlformats.org/drawingml/2006/main" xmlns:r="http://schemas.openxmlformats.org/officeDocument/2006/relationships" xmlns:p="http://schemas.openxmlformats.org/presentationml/2006/main">
+  <p:cSld>
+    <p:spTree>
+      <p:nvGrpSpPr>
+        <p:cNvPr id="1" name=""/>
+        <p:cNvGrpSpPr/>
+        <p:nvPr/>
+      </p:nvGrpSpPr>
+      <p:grpSpPr>
+        <a:xfrm>
+          <a:off x="0" y="0"/>
+          <a:ext cx="0" cy="0"/>
+          <a:chOff x="0" y="0"/>
+          <a:chExt cx="0" cy="0"/>
+        </a:xfrm>
+      </p:grpSpPr>
+      <p:sp>
+        <p:nvSpPr>
+          <p:cNvPr id="2" name="Title 1"/>
+          <p:cNvSpPr>
+            <a:spLocks noGrp="1"/>
+          </p:cNvSpPr>
+          <p:nvPr>
+            <p:ph type="title"/>
+          </p:nvPr>
+        </p:nvSpPr>
+        <p:spPr>
+          <a:xfrm>
+            <a:off x="533400" y="763587"/>
+            <a:ext cx="3427413" cy="579437"/>
+          </a:xfrm>
+        </p:spPr>
+        <p:txBody>
+          <a:bodyPr/>
+          <a:lstStyle/>
+          <a:p>
+            <a:pPr algn="just"/>
+            <a:r>
+              <a:rPr lang="en-US" dirty="0"/>
+              <a:t>References</a:t>
+            </a:r>
+          </a:p>
+        </p:txBody>
+      </p:sp>
+      <p:sp>
+        <p:nvSpPr>
+          <p:cNvPr id="3" name="Content Placeholder 2"/>
+          <p:cNvSpPr>
+            <a:spLocks noGrp="1"/>
+          </p:cNvSpPr>
+          <p:nvPr>
+            <p:ph idx="1"/>
+          </p:nvPr>
+        </p:nvSpPr>
+        <p:spPr>
+          <a:xfrm>
+            <a:off x="685800" y="1371600"/>
+            <a:ext cx="8458200" cy="4722813"/>
+          </a:xfrm>
+        </p:spPr>
+        <p:txBody>
+          <a:bodyPr/>
+          <a:lstStyle/>
+          <a:p>
+            <a:pPr marL="457200" indent="-457200" algn="just">
+              <a:lnSpc>
+                <a:spcPct val="150000"/>
+              </a:lnSpc>
+              <a:buFont typeface="Wingdings" panose="05000000000000000000" pitchFamily="2" charset="2"/>
+              <a:buChar char="q"/>
+            </a:pPr>
+            <a:r>
+              <a:rPr lang="en-US" sz="2000" dirty="0">
+                <a:solidFill>
+                  <a:schemeClr val="tx1"/>
+                </a:solidFill>
+              </a:rPr>
+              <a:t>M. Sadek, A. Tarighat, and A. H. Sayed, "A Leakage-Based Precoding Scheme for Downlink Multi-User MIMO Channels," IEEE Transactions on Wireless Communications, vol. 6, no. 5, May 2007.</a:t>
+            </a:r>
+          </a:p>
+          <a:p>
+            <a:pPr marL="457200" indent="-457200" algn="just">
+              <a:lnSpc>
+                <a:spcPct val="150000"/>
+              </a:lnSpc>
+              <a:buFont typeface="Wingdings" panose="05000000000000000000" pitchFamily="2" charset="2"/>
+              <a:buChar char="q"/>
+            </a:pPr>
+            <a:r>
+              <a:rPr lang="en-US" sz="2000" dirty="0">
+                <a:solidFill>
+                  <a:schemeClr val="tx1"/>
+                </a:solidFill>
+              </a:rPr>
+              <a:t>M. Sadek, A. Tarighat, and A. H. Sayed, "Active Antenna Selection in Multiuser MIMO Communications," IEEE Transactions on Signal Processing, vol. 55, no. 4, pp. 1498 - 1510, Apr 2007.</a:t>
+            </a:r>
+          </a:p>
+          <a:p>
+            <a:pPr marL="457200" indent="-457200" algn="just">
+              <a:lnSpc>
+                <a:spcPct val="150000"/>
+              </a:lnSpc>
+              <a:buFont typeface="Wingdings" panose="05000000000000000000" pitchFamily="2" charset="2"/>
+              <a:buChar char="q"/>
+            </a:pPr>
+            <a:r>
+              <a:rPr lang="en-IN" sz="2000" dirty="0">
+                <a:solidFill>
+                  <a:schemeClr val="tx1"/>
+                </a:solidFill>
+              </a:rPr>
+              <a:t>M. Costa, "Writing on Dirty Paper," IEEE Transactions on Information Theory, vol. 29, no. 3, pp. 439-441, May 1983.</a:t>
+            </a:r>
+          </a:p>
+          <a:p>
+            <a:endParaRPr lang="en-US" dirty="0"/>
+          </a:p>
+        </p:txBody>
+      </p:sp>
+    </p:spTree>
+  </p:cSld>
+  <p:clrMapOvr>
+    <a:masterClrMapping/>
+  </p:clrMapOvr>
+</p:sld>
+</file>
+
+<file path=ppt/slides/slide32.xml><?xml version="1.0" encoding="utf-8"?>
+<p:sld xmlns:a="http://schemas.openxmlformats.org/drawingml/2006/main" xmlns:r="http://schemas.openxmlformats.org/officeDocument/2006/relationships" xmlns:p="http://schemas.openxmlformats.org/presentationml/2006/main">
+  <p:cSld>
+    <p:spTree>
+      <p:nvGrpSpPr>
+        <p:cNvPr id="1" name=""/>
+        <p:cNvGrpSpPr/>
+        <p:nvPr/>
+      </p:nvGrpSpPr>
+      <p:grpSpPr>
+        <a:xfrm>
+          <a:off x="0" y="0"/>
+          <a:ext cx="0" cy="0"/>
+          <a:chOff x="0" y="0"/>
+          <a:chExt cx="0" cy="0"/>
+        </a:xfrm>
+      </p:grpSpPr>
+      <p:sp>
+        <p:nvSpPr>
+          <p:cNvPr id="2" name="Title 1"/>
+          <p:cNvSpPr>
+            <a:spLocks noGrp="1"/>
+          </p:cNvSpPr>
+          <p:nvPr>
+            <p:ph type="title"/>
+          </p:nvPr>
+        </p:nvSpPr>
+        <p:spPr>
+          <a:xfrm>
+            <a:off x="533400" y="763587"/>
+            <a:ext cx="3427413" cy="579437"/>
+          </a:xfrm>
+        </p:spPr>
+        <p:txBody>
+          <a:bodyPr/>
+          <a:lstStyle/>
+          <a:p>
+            <a:pPr algn="just"/>
+            <a:r>
+              <a:rPr lang="en-US" dirty="0"/>
+              <a:t>References</a:t>
+            </a:r>
+          </a:p>
+        </p:txBody>
+      </p:sp>
+      <p:sp>
+        <p:nvSpPr>
+          <p:cNvPr id="3" name="Content Placeholder 2"/>
+          <p:cNvSpPr>
+            <a:spLocks noGrp="1"/>
+          </p:cNvSpPr>
+          <p:nvPr>
+            <p:ph idx="1"/>
+          </p:nvPr>
+        </p:nvSpPr>
+        <p:spPr>
+          <a:xfrm>
+            <a:off x="685800" y="1371600"/>
+            <a:ext cx="8382000" cy="4876800"/>
+          </a:xfrm>
+        </p:spPr>
+        <p:txBody>
+          <a:bodyPr/>
+          <a:lstStyle/>
+          <a:p>
+            <a:pPr marL="457200" indent="-457200" algn="just">
+              <a:lnSpc>
+                <a:spcPct val="150000"/>
+              </a:lnSpc>
+              <a:buFont typeface="Wingdings" panose="05000000000000000000" pitchFamily="2" charset="2"/>
+              <a:buChar char="q"/>
+            </a:pPr>
+            <a:r>
+              <a:rPr lang="en-US" sz="2000" dirty="0">
+                <a:solidFill>
+                  <a:schemeClr val="tx1"/>
+                </a:solidFill>
+              </a:rPr>
+              <a:t>G. Caire and S. S. (Shitz), "On the Achievable Throughput of a Multiantenna Gaussian Broadcast Channel," IEEE Transactions on Information Theory, vol. 49, no. 7, pp. 1691-1706, Jul 2003.</a:t>
+            </a:r>
+          </a:p>
+          <a:p>
+            <a:pPr marL="457200" indent="-457200" algn="just">
+              <a:lnSpc>
+                <a:spcPct val="150000"/>
+              </a:lnSpc>
+              <a:buFont typeface="Wingdings" panose="05000000000000000000" pitchFamily="2" charset="2"/>
+              <a:buChar char="q"/>
+            </a:pPr>
+            <a:r>
+              <a:rPr lang="en-US" sz="2000" dirty="0">
+                <a:solidFill>
+                  <a:schemeClr val="tx1"/>
+                </a:solidFill>
+              </a:rPr>
+              <a:t>Q. H. Spencer, A. L. Swindlehurst, and M. Haardt, "Zero-Forcing methods for Downlink Spatial Multiplexing in Multiuser MIMO channels," IEEE Transactions on Signal Processing, vol. 52, no. 2, pp. 461-471, Feb 2004</a:t>
+            </a:r>
+            <a:r>
+              <a:rPr lang="en-US" sz="2000" b="1" dirty="0">
+                <a:solidFill>
+                  <a:schemeClr val="tx1"/>
+                </a:solidFill>
+              </a:rPr>
+              <a:t>.</a:t>
+            </a:r>
+          </a:p>
+        </p:txBody>
+      </p:sp>
+    </p:spTree>
+    <p:extLst>
+      <p:ext uri="{BB962C8B-B14F-4D97-AF65-F5344CB8AC3E}">
+        <p14:creationId xmlns:p14="http://schemas.microsoft.com/office/powerpoint/2010/main" val="1992499214"/>
+      </p:ext>
+    </p:extLst>
+  </p:cSld>
+  <p:clrMapOvr>
+    <a:masterClrMapping/>
+  </p:clrMapOvr>
+</p:sld>
+</file>
+
+<file path=ppt/slides/slide33.xml><?xml version="1.0" encoding="utf-8"?>
+<p:sld xmlns:a="http://schemas.openxmlformats.org/drawingml/2006/main" xmlns:r="http://schemas.openxmlformats.org/officeDocument/2006/relationships" xmlns:p="http://schemas.openxmlformats.org/presentationml/2006/main">
+  <p:cSld>
+    <p:spTree>
+      <p:nvGrpSpPr>
+        <p:cNvPr id="1" name=""/>
+        <p:cNvGrpSpPr/>
+        <p:nvPr/>
+      </p:nvGrpSpPr>
+      <p:grpSpPr>
+        <a:xfrm>
+          <a:off x="0" y="0"/>
+          <a:ext cx="0" cy="0"/>
+          <a:chOff x="0" y="0"/>
+          <a:chExt cx="0" cy="0"/>
+        </a:xfrm>
+      </p:grpSpPr>
+      <p:sp>
+        <p:nvSpPr>
+          <p:cNvPr id="3" name="Content Placeholder 2">
+            <a:extLst>
+              <a:ext uri="{FF2B5EF4-FFF2-40B4-BE49-F238E27FC236}">
+                <a16:creationId xmlns:a16="http://schemas.microsoft.com/office/drawing/2014/main" id="{90D03541-7F4B-49E9-9605-FA18B604C9F6}"/>
+              </a:ext>
+            </a:extLst>
+          </p:cNvPr>
+          <p:cNvSpPr>
+            <a:spLocks noGrp="1"/>
+          </p:cNvSpPr>
+          <p:nvPr>
+            <p:ph idx="1"/>
+          </p:nvPr>
+        </p:nvSpPr>
+        <p:spPr>
+          <a:xfrm>
+            <a:off x="685800" y="1371600"/>
+            <a:ext cx="8458200" cy="4722813"/>
+          </a:xfrm>
+        </p:spPr>
+        <p:txBody>
+          <a:bodyPr/>
+          <a:lstStyle/>
+          <a:p>
+            <a:r>
+              <a:rPr lang="en-IN" sz="8800" dirty="0">
+                <a:solidFill>
+                  <a:schemeClr val="accent2">
+                    <a:lumMod val="75000"/>
+                  </a:schemeClr>
+                </a:solidFill>
+              </a:rPr>
+              <a:t>     </a:t>
+            </a:r>
+          </a:p>
+          <a:p>
+            <a:pPr algn="just"/>
+            <a:r>
+              <a:rPr lang="en-IN" sz="8800" dirty="0">
+                <a:solidFill>
+                  <a:schemeClr val="accent2">
+                    <a:lumMod val="75000"/>
+                  </a:schemeClr>
+                </a:solidFill>
+              </a:rPr>
+              <a:t>    Thank You</a:t>
+            </a:r>
+            <a:endParaRPr lang="en-US" sz="8800" dirty="0">
+              <a:solidFill>
+                <a:schemeClr val="accent2">
+                  <a:lumMod val="75000"/>
+                </a:schemeClr>
+              </a:solidFill>
+            </a:endParaRPr>
+          </a:p>
+          <a:p>
+            <a:endParaRPr lang="en-IN" dirty="0"/>
+          </a:p>
+        </p:txBody>
+      </p:sp>
+    </p:spTree>
+    <p:extLst>
+      <p:ext uri="{BB962C8B-B14F-4D97-AF65-F5344CB8AC3E}">
+        <p14:creationId xmlns:p14="http://schemas.microsoft.com/office/powerpoint/2010/main" val="3746131391"/>
+      </p:ext>
+    </p:extLst>
+  </p:cSld>
+  <p:clrMapOvr>
+    <a:masterClrMapping/>
+  </p:clrMapOvr>
+</p:sld>
+</file>
+
 <file path=ppt/slides/slide4.xml><?xml version="1.0" encoding="utf-8"?>
 <p:sld xmlns:a="http://schemas.openxmlformats.org/drawingml/2006/main" xmlns:r="http://schemas.openxmlformats.org/officeDocument/2006/relationships" xmlns:p="http://schemas.openxmlformats.org/presentationml/2006/main">
   <p:cSld>
@@ -12568,6 +13328,7 @@
           <a:bodyPr/>
           <a:lstStyle/>
           <a:p>
+            <a:pPr algn="ctr"/>
             <a:endParaRPr lang="en-US" dirty="0">
               <a:solidFill>
                 <a:schemeClr val="tx1"/>
@@ -17854,10 +18615,16 @@
               <a:rPr lang="en-IN" altLang="en-US" sz="2400" dirty="0">
                 <a:cs typeface="Times New Roman" panose="02020603050405020304" pitchFamily="18" charset="0"/>
               </a:rPr>
-              <a:t>The Base Station has N</a:t>
-            </a:r>
-            <a:r>
-              <a:rPr lang="en-IN" altLang="en-US" sz="2400" baseline="-25000" dirty="0">
+              <a:t>The Base Station has </a:t>
+            </a:r>
+            <a:r>
+              <a:rPr lang="en-IN" altLang="en-US" sz="2400" i="1" dirty="0">
+                <a:cs typeface="Times New Roman" panose="02020603050405020304" pitchFamily="18" charset="0"/>
+              </a:rPr>
+              <a:t>N</a:t>
+            </a:r>
+            <a:r>
+              <a:rPr lang="en-IN" altLang="en-US" sz="2400" i="1" baseline="-25000" dirty="0">
                 <a:cs typeface="Times New Roman" panose="02020603050405020304" pitchFamily="18" charset="0"/>
               </a:rPr>
               <a:t>t</a:t>
@@ -17869,16 +18636,22 @@
               <a:t> number of transmitting antennas whereas there are </a:t>
             </a:r>
             <a:r>
+              <a:rPr lang="en-IN" altLang="en-US" sz="2400" i="1" dirty="0">
+                <a:cs typeface="Times New Roman" panose="02020603050405020304" pitchFamily="18" charset="0"/>
+              </a:rPr>
+              <a:t>K</a:t>
+            </a:r>
+            <a:r>
               <a:rPr lang="en-IN" altLang="en-US" sz="2400" b="1" dirty="0">
                 <a:cs typeface="Times New Roman" panose="02020603050405020304" pitchFamily="18" charset="0"/>
               </a:rPr>
-              <a:t>K users</a:t>
+              <a:t> </a:t>
             </a:r>
             <a:r>
               <a:rPr lang="en-IN" altLang="en-US" sz="2400" dirty="0">
                 <a:cs typeface="Times New Roman" panose="02020603050405020304" pitchFamily="18" charset="0"/>
               </a:rPr>
-              <a:t> having </a:t>
+              <a:t>users having </a:t>
             </a:r>
             <a:r>
               <a:rPr lang="en-IN" altLang="en-US" sz="2400" b="1" dirty="0">
